--- a/Slides/PRES2019-Projet14-OlivierFourmaux-ROIStreamingImapct-soutenance.pptx
+++ b/Slides/PRES2019-Projet14-OlivierFourmaux-ROIStreamingImapct-soutenance.pptx
@@ -4,6 +4,9 @@
   <p:sldMasterIdLst>
     <p:sldMasterId id="2147483648" r:id="rId1"/>
   </p:sldMasterIdLst>
+  <p:notesMasterIdLst>
+    <p:notesMasterId r:id="rId17"/>
+  </p:notesMasterIdLst>
   <p:sldIdLst>
     <p:sldId id="256" r:id="rId2"/>
     <p:sldId id="257" r:id="rId3"/>
@@ -20,7 +23,6 @@
     <p:sldId id="268" r:id="rId14"/>
     <p:sldId id="269" r:id="rId15"/>
     <p:sldId id="270" r:id="rId16"/>
-    <p:sldId id="271" r:id="rId17"/>
   </p:sldIdLst>
   <p:sldSz cx="12192000" cy="6858000"/>
   <p:notesSz cx="6858000" cy="9144000"/>
@@ -138,6 +140,440 @@
 </p:presentation>
 </file>
 
+<file path=ppt/notesMasters/notesMaster1.xml><?xml version="1.0" encoding="utf-8"?>
+<p:notesMaster xmlns:a="http://schemas.openxmlformats.org/drawingml/2006/main" xmlns:r="http://schemas.openxmlformats.org/officeDocument/2006/relationships" xmlns:p="http://schemas.openxmlformats.org/presentationml/2006/main">
+  <p:cSld>
+    <p:bg>
+      <p:bgRef idx="1001">
+        <a:schemeClr val="bg1"/>
+      </p:bgRef>
+    </p:bg>
+    <p:spTree>
+      <p:nvGrpSpPr>
+        <p:cNvPr id="1" name=""/>
+        <p:cNvGrpSpPr/>
+        <p:nvPr/>
+      </p:nvGrpSpPr>
+      <p:grpSpPr>
+        <a:xfrm>
+          <a:off x="0" y="0"/>
+          <a:ext cx="0" cy="0"/>
+          <a:chOff x="0" y="0"/>
+          <a:chExt cx="0" cy="0"/>
+        </a:xfrm>
+      </p:grpSpPr>
+      <p:sp>
+        <p:nvSpPr>
+          <p:cNvPr id="2" name="Espace réservé de l'en-tête 1"/>
+          <p:cNvSpPr>
+            <a:spLocks noGrp="1"/>
+          </p:cNvSpPr>
+          <p:nvPr>
+            <p:ph type="hdr" sz="quarter"/>
+          </p:nvPr>
+        </p:nvSpPr>
+        <p:spPr>
+          <a:xfrm>
+            <a:off x="0" y="0"/>
+            <a:ext cx="2971800" cy="458788"/>
+          </a:xfrm>
+          <a:prstGeom prst="rect">
+            <a:avLst/>
+          </a:prstGeom>
+        </p:spPr>
+        <p:txBody>
+          <a:bodyPr vert="horz" lIns="91440" tIns="45720" rIns="91440" bIns="45720" rtlCol="0"/>
+          <a:lstStyle>
+            <a:lvl1pPr algn="l">
+              <a:defRPr sz="1200"/>
+            </a:lvl1pPr>
+          </a:lstStyle>
+          <a:p>
+            <a:endParaRPr lang="fr-FR"/>
+          </a:p>
+        </p:txBody>
+      </p:sp>
+      <p:sp>
+        <p:nvSpPr>
+          <p:cNvPr id="3" name="Espace réservé de la date 2"/>
+          <p:cNvSpPr>
+            <a:spLocks noGrp="1"/>
+          </p:cNvSpPr>
+          <p:nvPr>
+            <p:ph type="dt" idx="1"/>
+          </p:nvPr>
+        </p:nvSpPr>
+        <p:spPr>
+          <a:xfrm>
+            <a:off x="3884613" y="0"/>
+            <a:ext cx="2971800" cy="458788"/>
+          </a:xfrm>
+          <a:prstGeom prst="rect">
+            <a:avLst/>
+          </a:prstGeom>
+        </p:spPr>
+        <p:txBody>
+          <a:bodyPr vert="horz" lIns="91440" tIns="45720" rIns="91440" bIns="45720" rtlCol="0"/>
+          <a:lstStyle>
+            <a:lvl1pPr algn="r">
+              <a:defRPr sz="1200"/>
+            </a:lvl1pPr>
+          </a:lstStyle>
+          <a:p>
+            <a:fld id="{83956E12-A7B0-40BB-B53B-545BE3161811}" type="datetimeFigureOut">
+              <a:rPr lang="fr-FR" smtClean="0"/>
+              <a:t>12/06/2020</a:t>
+            </a:fld>
+            <a:endParaRPr lang="fr-FR"/>
+          </a:p>
+        </p:txBody>
+      </p:sp>
+      <p:sp>
+        <p:nvSpPr>
+          <p:cNvPr id="4" name="Espace réservé de l'image des diapositives 3"/>
+          <p:cNvSpPr>
+            <a:spLocks noGrp="1" noRot="1" noChangeAspect="1"/>
+          </p:cNvSpPr>
+          <p:nvPr>
+            <p:ph type="sldImg" idx="2"/>
+          </p:nvPr>
+        </p:nvSpPr>
+        <p:spPr>
+          <a:xfrm>
+            <a:off x="685800" y="1143000"/>
+            <a:ext cx="5486400" cy="3086100"/>
+          </a:xfrm>
+          <a:prstGeom prst="rect">
+            <a:avLst/>
+          </a:prstGeom>
+          <a:noFill/>
+          <a:ln w="12700">
+            <a:solidFill>
+              <a:prstClr val="black"/>
+            </a:solidFill>
+          </a:ln>
+        </p:spPr>
+        <p:txBody>
+          <a:bodyPr vert="horz" lIns="91440" tIns="45720" rIns="91440" bIns="45720" rtlCol="0" anchor="ctr"/>
+          <a:lstStyle/>
+          <a:p>
+            <a:endParaRPr lang="fr-FR"/>
+          </a:p>
+        </p:txBody>
+      </p:sp>
+      <p:sp>
+        <p:nvSpPr>
+          <p:cNvPr id="5" name="Espace réservé des commentaires 4"/>
+          <p:cNvSpPr>
+            <a:spLocks noGrp="1"/>
+          </p:cNvSpPr>
+          <p:nvPr>
+            <p:ph type="body" sz="quarter" idx="3"/>
+          </p:nvPr>
+        </p:nvSpPr>
+        <p:spPr>
+          <a:xfrm>
+            <a:off x="685800" y="4400550"/>
+            <a:ext cx="5486400" cy="3600450"/>
+          </a:xfrm>
+          <a:prstGeom prst="rect">
+            <a:avLst/>
+          </a:prstGeom>
+        </p:spPr>
+        <p:txBody>
+          <a:bodyPr vert="horz" lIns="91440" tIns="45720" rIns="91440" bIns="45720" rtlCol="0"/>
+          <a:lstStyle/>
+          <a:p>
+            <a:pPr lvl="0"/>
+            <a:r>
+              <a:rPr lang="fr-FR" smtClean="0"/>
+              <a:t>Modifiez les styles du texte du masque</a:t>
+            </a:r>
+          </a:p>
+          <a:p>
+            <a:pPr lvl="1"/>
+            <a:r>
+              <a:rPr lang="fr-FR" smtClean="0"/>
+              <a:t>Deuxième niveau</a:t>
+            </a:r>
+          </a:p>
+          <a:p>
+            <a:pPr lvl="2"/>
+            <a:r>
+              <a:rPr lang="fr-FR" smtClean="0"/>
+              <a:t>Troisième niveau</a:t>
+            </a:r>
+          </a:p>
+          <a:p>
+            <a:pPr lvl="3"/>
+            <a:r>
+              <a:rPr lang="fr-FR" smtClean="0"/>
+              <a:t>Quatrième niveau</a:t>
+            </a:r>
+          </a:p>
+          <a:p>
+            <a:pPr lvl="4"/>
+            <a:r>
+              <a:rPr lang="fr-FR" smtClean="0"/>
+              <a:t>Cinquième niveau</a:t>
+            </a:r>
+            <a:endParaRPr lang="fr-FR"/>
+          </a:p>
+        </p:txBody>
+      </p:sp>
+      <p:sp>
+        <p:nvSpPr>
+          <p:cNvPr id="6" name="Espace réservé du pied de page 5"/>
+          <p:cNvSpPr>
+            <a:spLocks noGrp="1"/>
+          </p:cNvSpPr>
+          <p:nvPr>
+            <p:ph type="ftr" sz="quarter" idx="4"/>
+          </p:nvPr>
+        </p:nvSpPr>
+        <p:spPr>
+          <a:xfrm>
+            <a:off x="0" y="8685213"/>
+            <a:ext cx="2971800" cy="458787"/>
+          </a:xfrm>
+          <a:prstGeom prst="rect">
+            <a:avLst/>
+          </a:prstGeom>
+        </p:spPr>
+        <p:txBody>
+          <a:bodyPr vert="horz" lIns="91440" tIns="45720" rIns="91440" bIns="45720" rtlCol="0" anchor="b"/>
+          <a:lstStyle>
+            <a:lvl1pPr algn="l">
+              <a:defRPr sz="1200"/>
+            </a:lvl1pPr>
+          </a:lstStyle>
+          <a:p>
+            <a:endParaRPr lang="fr-FR"/>
+          </a:p>
+        </p:txBody>
+      </p:sp>
+      <p:sp>
+        <p:nvSpPr>
+          <p:cNvPr id="7" name="Espace réservé du numéro de diapositive 6"/>
+          <p:cNvSpPr>
+            <a:spLocks noGrp="1"/>
+          </p:cNvSpPr>
+          <p:nvPr>
+            <p:ph type="sldNum" sz="quarter" idx="5"/>
+          </p:nvPr>
+        </p:nvSpPr>
+        <p:spPr>
+          <a:xfrm>
+            <a:off x="3884613" y="8685213"/>
+            <a:ext cx="2971800" cy="458787"/>
+          </a:xfrm>
+          <a:prstGeom prst="rect">
+            <a:avLst/>
+          </a:prstGeom>
+        </p:spPr>
+        <p:txBody>
+          <a:bodyPr vert="horz" lIns="91440" tIns="45720" rIns="91440" bIns="45720" rtlCol="0" anchor="b"/>
+          <a:lstStyle>
+            <a:lvl1pPr algn="r">
+              <a:defRPr sz="1200"/>
+            </a:lvl1pPr>
+          </a:lstStyle>
+          <a:p>
+            <a:fld id="{49964FFC-9B66-4F48-830D-CDE6869DA765}" type="slidenum">
+              <a:rPr lang="fr-FR" smtClean="0"/>
+              <a:t>‹N°›</a:t>
+            </a:fld>
+            <a:endParaRPr lang="fr-FR"/>
+          </a:p>
+        </p:txBody>
+      </p:sp>
+    </p:spTree>
+    <p:extLst>
+      <p:ext uri="{BB962C8B-B14F-4D97-AF65-F5344CB8AC3E}">
+        <p14:creationId xmlns:p14="http://schemas.microsoft.com/office/powerpoint/2010/main" val="2172398750"/>
+      </p:ext>
+    </p:extLst>
+  </p:cSld>
+  <p:clrMap bg1="lt1" tx1="dk1" bg2="lt2" tx2="dk2" accent1="accent1" accent2="accent2" accent3="accent3" accent4="accent4" accent5="accent5" accent6="accent6" hlink="hlink" folHlink="folHlink"/>
+  <p:notesStyle>
+    <a:lvl1pPr marL="0" algn="l" defTabSz="914400" rtl="0" eaLnBrk="1" latinLnBrk="0" hangingPunct="1">
+      <a:defRPr sz="1200" kern="1200">
+        <a:solidFill>
+          <a:schemeClr val="tx1"/>
+        </a:solidFill>
+        <a:latin typeface="+mn-lt"/>
+        <a:ea typeface="+mn-ea"/>
+        <a:cs typeface="+mn-cs"/>
+      </a:defRPr>
+    </a:lvl1pPr>
+    <a:lvl2pPr marL="457200" algn="l" defTabSz="914400" rtl="0" eaLnBrk="1" latinLnBrk="0" hangingPunct="1">
+      <a:defRPr sz="1200" kern="1200">
+        <a:solidFill>
+          <a:schemeClr val="tx1"/>
+        </a:solidFill>
+        <a:latin typeface="+mn-lt"/>
+        <a:ea typeface="+mn-ea"/>
+        <a:cs typeface="+mn-cs"/>
+      </a:defRPr>
+    </a:lvl2pPr>
+    <a:lvl3pPr marL="914400" algn="l" defTabSz="914400" rtl="0" eaLnBrk="1" latinLnBrk="0" hangingPunct="1">
+      <a:defRPr sz="1200" kern="1200">
+        <a:solidFill>
+          <a:schemeClr val="tx1"/>
+        </a:solidFill>
+        <a:latin typeface="+mn-lt"/>
+        <a:ea typeface="+mn-ea"/>
+        <a:cs typeface="+mn-cs"/>
+      </a:defRPr>
+    </a:lvl3pPr>
+    <a:lvl4pPr marL="1371600" algn="l" defTabSz="914400" rtl="0" eaLnBrk="1" latinLnBrk="0" hangingPunct="1">
+      <a:defRPr sz="1200" kern="1200">
+        <a:solidFill>
+          <a:schemeClr val="tx1"/>
+        </a:solidFill>
+        <a:latin typeface="+mn-lt"/>
+        <a:ea typeface="+mn-ea"/>
+        <a:cs typeface="+mn-cs"/>
+      </a:defRPr>
+    </a:lvl4pPr>
+    <a:lvl5pPr marL="1828800" algn="l" defTabSz="914400" rtl="0" eaLnBrk="1" latinLnBrk="0" hangingPunct="1">
+      <a:defRPr sz="1200" kern="1200">
+        <a:solidFill>
+          <a:schemeClr val="tx1"/>
+        </a:solidFill>
+        <a:latin typeface="+mn-lt"/>
+        <a:ea typeface="+mn-ea"/>
+        <a:cs typeface="+mn-cs"/>
+      </a:defRPr>
+    </a:lvl5pPr>
+    <a:lvl6pPr marL="2286000" algn="l" defTabSz="914400" rtl="0" eaLnBrk="1" latinLnBrk="0" hangingPunct="1">
+      <a:defRPr sz="1200" kern="1200">
+        <a:solidFill>
+          <a:schemeClr val="tx1"/>
+        </a:solidFill>
+        <a:latin typeface="+mn-lt"/>
+        <a:ea typeface="+mn-ea"/>
+        <a:cs typeface="+mn-cs"/>
+      </a:defRPr>
+    </a:lvl6pPr>
+    <a:lvl7pPr marL="2743200" algn="l" defTabSz="914400" rtl="0" eaLnBrk="1" latinLnBrk="0" hangingPunct="1">
+      <a:defRPr sz="1200" kern="1200">
+        <a:solidFill>
+          <a:schemeClr val="tx1"/>
+        </a:solidFill>
+        <a:latin typeface="+mn-lt"/>
+        <a:ea typeface="+mn-ea"/>
+        <a:cs typeface="+mn-cs"/>
+      </a:defRPr>
+    </a:lvl7pPr>
+    <a:lvl8pPr marL="3200400" algn="l" defTabSz="914400" rtl="0" eaLnBrk="1" latinLnBrk="0" hangingPunct="1">
+      <a:defRPr sz="1200" kern="1200">
+        <a:solidFill>
+          <a:schemeClr val="tx1"/>
+        </a:solidFill>
+        <a:latin typeface="+mn-lt"/>
+        <a:ea typeface="+mn-ea"/>
+        <a:cs typeface="+mn-cs"/>
+      </a:defRPr>
+    </a:lvl8pPr>
+    <a:lvl9pPr marL="3657600" algn="l" defTabSz="914400" rtl="0" eaLnBrk="1" latinLnBrk="0" hangingPunct="1">
+      <a:defRPr sz="1200" kern="1200">
+        <a:solidFill>
+          <a:schemeClr val="tx1"/>
+        </a:solidFill>
+        <a:latin typeface="+mn-lt"/>
+        <a:ea typeface="+mn-ea"/>
+        <a:cs typeface="+mn-cs"/>
+      </a:defRPr>
+    </a:lvl9pPr>
+  </p:notesStyle>
+</p:notesMaster>
+</file>
+
+<file path=ppt/notesSlides/notesSlide1.xml><?xml version="1.0" encoding="utf-8"?>
+<p:notes xmlns:a="http://schemas.openxmlformats.org/drawingml/2006/main" xmlns:r="http://schemas.openxmlformats.org/officeDocument/2006/relationships" xmlns:p="http://schemas.openxmlformats.org/presentationml/2006/main">
+  <p:cSld>
+    <p:spTree>
+      <p:nvGrpSpPr>
+        <p:cNvPr id="1" name=""/>
+        <p:cNvGrpSpPr/>
+        <p:nvPr/>
+      </p:nvGrpSpPr>
+      <p:grpSpPr>
+        <a:xfrm>
+          <a:off x="0" y="0"/>
+          <a:ext cx="0" cy="0"/>
+          <a:chOff x="0" y="0"/>
+          <a:chExt cx="0" cy="0"/>
+        </a:xfrm>
+      </p:grpSpPr>
+      <p:sp>
+        <p:nvSpPr>
+          <p:cNvPr id="2" name="Espace réservé de l'image des diapositives 1"/>
+          <p:cNvSpPr>
+            <a:spLocks noGrp="1" noRot="1" noChangeAspect="1"/>
+          </p:cNvSpPr>
+          <p:nvPr>
+            <p:ph type="sldImg"/>
+          </p:nvPr>
+        </p:nvSpPr>
+        <p:spPr/>
+      </p:sp>
+      <p:sp>
+        <p:nvSpPr>
+          <p:cNvPr id="3" name="Espace réservé des commentaires 2"/>
+          <p:cNvSpPr>
+            <a:spLocks noGrp="1"/>
+          </p:cNvSpPr>
+          <p:nvPr>
+            <p:ph type="body" idx="1"/>
+          </p:nvPr>
+        </p:nvSpPr>
+        <p:spPr/>
+        <p:txBody>
+          <a:bodyPr/>
+          <a:lstStyle/>
+          <a:p>
+            <a:endParaRPr lang="fr-FR"/>
+          </a:p>
+        </p:txBody>
+      </p:sp>
+      <p:sp>
+        <p:nvSpPr>
+          <p:cNvPr id="4" name="Espace réservé du numéro de diapositive 3"/>
+          <p:cNvSpPr>
+            <a:spLocks noGrp="1"/>
+          </p:cNvSpPr>
+          <p:nvPr>
+            <p:ph type="sldNum" sz="quarter" idx="10"/>
+          </p:nvPr>
+        </p:nvSpPr>
+        <p:spPr/>
+        <p:txBody>
+          <a:bodyPr/>
+          <a:lstStyle/>
+          <a:p>
+            <a:fld id="{49964FFC-9B66-4F48-830D-CDE6869DA765}" type="slidenum">
+              <a:rPr lang="fr-FR" smtClean="0"/>
+              <a:t>2</a:t>
+            </a:fld>
+            <a:endParaRPr lang="fr-FR"/>
+          </a:p>
+        </p:txBody>
+      </p:sp>
+    </p:spTree>
+    <p:extLst>
+      <p:ext uri="{BB962C8B-B14F-4D97-AF65-F5344CB8AC3E}">
+        <p14:creationId xmlns:p14="http://schemas.microsoft.com/office/powerpoint/2010/main" val="3934214582"/>
+      </p:ext>
+    </p:extLst>
+  </p:cSld>
+  <p:clrMapOvr>
+    <a:masterClrMapping/>
+  </p:clrMapOvr>
+</p:notes>
+</file>
+
 <file path=ppt/slideLayouts/slideLayout1.xml><?xml version="1.0" encoding="utf-8"?>
 <p:sldLayout xmlns:a="http://schemas.openxmlformats.org/drawingml/2006/main" xmlns:r="http://schemas.openxmlformats.org/officeDocument/2006/relationships" xmlns:p="http://schemas.openxmlformats.org/presentationml/2006/main" type="title" preserve="1">
   <p:cSld name="Diapositive de titre">
@@ -267,7 +703,7 @@
           <a:bodyPr/>
           <a:lstStyle/>
           <a:p>
-            <a:fld id="{64B8460C-1CC4-4866-86BE-B2B92C00360F}" type="datetimeFigureOut">
+            <a:fld id="{A6F29AD2-F1A2-4E74-92F5-24F9B59D7573}" type="datetime1">
               <a:rPr lang="fr-FR" smtClean="0"/>
               <a:t>12/06/2020</a:t>
             </a:fld>
@@ -437,7 +873,7 @@
           <a:bodyPr/>
           <a:lstStyle/>
           <a:p>
-            <a:fld id="{64B8460C-1CC4-4866-86BE-B2B92C00360F}" type="datetimeFigureOut">
+            <a:fld id="{5ED79E74-F135-472D-9DB2-DF9CBB980889}" type="datetime1">
               <a:rPr lang="fr-FR" smtClean="0"/>
               <a:t>12/06/2020</a:t>
             </a:fld>
@@ -617,7 +1053,7 @@
           <a:bodyPr/>
           <a:lstStyle/>
           <a:p>
-            <a:fld id="{64B8460C-1CC4-4866-86BE-B2B92C00360F}" type="datetimeFigureOut">
+            <a:fld id="{C6AC5058-C0DB-48EC-8AB0-832BB3642373}" type="datetime1">
               <a:rPr lang="fr-FR" smtClean="0"/>
               <a:t>12/06/2020</a:t>
             </a:fld>
@@ -787,7 +1223,7 @@
           <a:bodyPr/>
           <a:lstStyle/>
           <a:p>
-            <a:fld id="{64B8460C-1CC4-4866-86BE-B2B92C00360F}" type="datetimeFigureOut">
+            <a:fld id="{76F652B7-3FED-4BAB-9F63-01DE7F9FB2B9}" type="datetime1">
               <a:rPr lang="fr-FR" smtClean="0"/>
               <a:t>12/06/2020</a:t>
             </a:fld>
@@ -1033,7 +1469,7 @@
           <a:bodyPr/>
           <a:lstStyle/>
           <a:p>
-            <a:fld id="{64B8460C-1CC4-4866-86BE-B2B92C00360F}" type="datetimeFigureOut">
+            <a:fld id="{D7EEBBCA-4E0E-41A5-8927-176BBBB26381}" type="datetime1">
               <a:rPr lang="fr-FR" smtClean="0"/>
               <a:t>12/06/2020</a:t>
             </a:fld>
@@ -1265,7 +1701,7 @@
           <a:bodyPr/>
           <a:lstStyle/>
           <a:p>
-            <a:fld id="{64B8460C-1CC4-4866-86BE-B2B92C00360F}" type="datetimeFigureOut">
+            <a:fld id="{2B25F7E9-1BAD-4703-8D58-CE48142E5A5A}" type="datetime1">
               <a:rPr lang="fr-FR" smtClean="0"/>
               <a:t>12/06/2020</a:t>
             </a:fld>
@@ -1632,7 +2068,7 @@
           <a:bodyPr/>
           <a:lstStyle/>
           <a:p>
-            <a:fld id="{64B8460C-1CC4-4866-86BE-B2B92C00360F}" type="datetimeFigureOut">
+            <a:fld id="{316E7241-5728-45F1-8AF7-C3841E4FE797}" type="datetime1">
               <a:rPr lang="fr-FR" smtClean="0"/>
               <a:t>12/06/2020</a:t>
             </a:fld>
@@ -1750,7 +2186,7 @@
           <a:bodyPr/>
           <a:lstStyle/>
           <a:p>
-            <a:fld id="{64B8460C-1CC4-4866-86BE-B2B92C00360F}" type="datetimeFigureOut">
+            <a:fld id="{6894D680-D819-474A-8D7B-CFB7F721C2AD}" type="datetime1">
               <a:rPr lang="fr-FR" smtClean="0"/>
               <a:t>12/06/2020</a:t>
             </a:fld>
@@ -1845,7 +2281,7 @@
           <a:bodyPr/>
           <a:lstStyle/>
           <a:p>
-            <a:fld id="{64B8460C-1CC4-4866-86BE-B2B92C00360F}" type="datetimeFigureOut">
+            <a:fld id="{807E58CE-068E-4EE3-B99A-44087A7E6EFC}" type="datetime1">
               <a:rPr lang="fr-FR" smtClean="0"/>
               <a:t>12/06/2020</a:t>
             </a:fld>
@@ -2122,7 +2558,7 @@
           <a:bodyPr/>
           <a:lstStyle/>
           <a:p>
-            <a:fld id="{64B8460C-1CC4-4866-86BE-B2B92C00360F}" type="datetimeFigureOut">
+            <a:fld id="{D47317FF-4C54-4A8A-A564-9AE950381E3B}" type="datetime1">
               <a:rPr lang="fr-FR" smtClean="0"/>
               <a:t>12/06/2020</a:t>
             </a:fld>
@@ -2375,7 +2811,7 @@
           <a:bodyPr/>
           <a:lstStyle/>
           <a:p>
-            <a:fld id="{64B8460C-1CC4-4866-86BE-B2B92C00360F}" type="datetimeFigureOut">
+            <a:fld id="{89886678-C011-4E2C-A958-44E1DAFC1EA2}" type="datetime1">
               <a:rPr lang="fr-FR" smtClean="0"/>
               <a:t>12/06/2020</a:t>
             </a:fld>
@@ -2588,7 +3024,7 @@
             </a:lvl1pPr>
           </a:lstStyle>
           <a:p>
-            <a:fld id="{64B8460C-1CC4-4866-86BE-B2B92C00360F}" type="datetimeFigureOut">
+            <a:fld id="{BF44C28D-ABFF-4D11-8CAD-94D8A13303CD}" type="datetime1">
               <a:rPr lang="fr-FR" smtClean="0"/>
               <a:t>12/06/2020</a:t>
             </a:fld>
@@ -2695,6 +3131,7 @@
     <p:sldLayoutId id="2147483658" r:id="rId10"/>
     <p:sldLayoutId id="2147483659" r:id="rId11"/>
   </p:sldLayoutIdLst>
+  <p:hf hdr="0" ftr="0" dt="0"/>
   <p:txStyles>
     <p:titleStyle>
       <a:lvl1pPr algn="l" defTabSz="914400" rtl="0" eaLnBrk="1" latinLnBrk="0" hangingPunct="1">
@@ -3093,6 +3530,29 @@
           </a:p>
         </p:txBody>
       </p:sp>
+      <p:sp>
+        <p:nvSpPr>
+          <p:cNvPr id="4" name="Espace réservé du numéro de diapositive 3"/>
+          <p:cNvSpPr>
+            <a:spLocks noGrp="1"/>
+          </p:cNvSpPr>
+          <p:nvPr>
+            <p:ph type="sldNum" sz="quarter" idx="12"/>
+          </p:nvPr>
+        </p:nvSpPr>
+        <p:spPr/>
+        <p:txBody>
+          <a:bodyPr/>
+          <a:lstStyle/>
+          <a:p>
+            <a:fld id="{E4F67F9A-838C-4734-8EB0-754A37D9A5A7}" type="slidenum">
+              <a:rPr lang="fr-FR" smtClean="0"/>
+              <a:t>1</a:t>
+            </a:fld>
+            <a:endParaRPr lang="fr-FR"/>
+          </a:p>
+        </p:txBody>
+      </p:sp>
     </p:spTree>
     <p:extLst>
       <p:ext uri="{BB962C8B-B14F-4D97-AF65-F5344CB8AC3E}">
@@ -3103,6 +3563,13 @@
   <p:clrMapOvr>
     <a:masterClrMapping/>
   </p:clrMapOvr>
+  <p:timing>
+    <p:tnLst>
+      <p:par>
+        <p:cTn id="1" dur="indefinite" restart="never" nodeType="tmRoot"/>
+      </p:par>
+    </p:tnLst>
+  </p:timing>
 </p:sld>
 </file>
 
@@ -3123,6 +3590,67 @@
           <a:chExt cx="0" cy="0"/>
         </a:xfrm>
       </p:grpSpPr>
+      <p:sp>
+        <p:nvSpPr>
+          <p:cNvPr id="2" name="Espace réservé du numéro de diapositive 1"/>
+          <p:cNvSpPr>
+            <a:spLocks noGrp="1"/>
+          </p:cNvSpPr>
+          <p:nvPr>
+            <p:ph type="sldNum" sz="quarter" idx="12"/>
+          </p:nvPr>
+        </p:nvSpPr>
+        <p:spPr/>
+        <p:txBody>
+          <a:bodyPr/>
+          <a:lstStyle/>
+          <a:p>
+            <a:fld id="{E4F67F9A-838C-4734-8EB0-754A37D9A5A7}" type="slidenum">
+              <a:rPr lang="fr-FR" smtClean="0"/>
+              <a:t>10</a:t>
+            </a:fld>
+            <a:endParaRPr lang="fr-FR"/>
+          </a:p>
+        </p:txBody>
+      </p:sp>
+      <p:sp>
+        <p:nvSpPr>
+          <p:cNvPr id="3" name="ZoneTexte 2"/>
+          <p:cNvSpPr txBox="1"/>
+          <p:nvPr/>
+        </p:nvSpPr>
+        <p:spPr>
+          <a:xfrm>
+            <a:off x="-1" y="0"/>
+            <a:ext cx="1532467" cy="307777"/>
+          </a:xfrm>
+          <a:prstGeom prst="rect">
+            <a:avLst/>
+          </a:prstGeom>
+          <a:noFill/>
+        </p:spPr>
+        <p:txBody>
+          <a:bodyPr wrap="square" rtlCol="0">
+            <a:spAutoFit/>
+          </a:bodyPr>
+          <a:lstStyle/>
+          <a:p>
+            <a:r>
+              <a:rPr lang="fr-FR" sz="1400" dirty="0" smtClean="0">
+                <a:solidFill>
+                  <a:srgbClr val="FF0000"/>
+                </a:solidFill>
+              </a:rPr>
+              <a:t>Développement 2</a:t>
+            </a:r>
+            <a:endParaRPr lang="fr-FR" sz="1400" dirty="0">
+              <a:solidFill>
+                <a:srgbClr val="FF0000"/>
+              </a:solidFill>
+            </a:endParaRPr>
+          </a:p>
+        </p:txBody>
+      </p:sp>
     </p:spTree>
     <p:extLst>
       <p:ext uri="{BB962C8B-B14F-4D97-AF65-F5344CB8AC3E}">
@@ -3133,6 +3661,13 @@
   <p:clrMapOvr>
     <a:masterClrMapping/>
   </p:clrMapOvr>
+  <p:timing>
+    <p:tnLst>
+      <p:par>
+        <p:cTn id="1" dur="indefinite" restart="never" nodeType="tmRoot"/>
+      </p:par>
+    </p:tnLst>
+  </p:timing>
 </p:sld>
 </file>
 
@@ -3153,6 +3688,67 @@
           <a:chExt cx="0" cy="0"/>
         </a:xfrm>
       </p:grpSpPr>
+      <p:sp>
+        <p:nvSpPr>
+          <p:cNvPr id="2" name="Espace réservé du numéro de diapositive 1"/>
+          <p:cNvSpPr>
+            <a:spLocks noGrp="1"/>
+          </p:cNvSpPr>
+          <p:nvPr>
+            <p:ph type="sldNum" sz="quarter" idx="12"/>
+          </p:nvPr>
+        </p:nvSpPr>
+        <p:spPr/>
+        <p:txBody>
+          <a:bodyPr/>
+          <a:lstStyle/>
+          <a:p>
+            <a:fld id="{E4F67F9A-838C-4734-8EB0-754A37D9A5A7}" type="slidenum">
+              <a:rPr lang="fr-FR" smtClean="0"/>
+              <a:t>11</a:t>
+            </a:fld>
+            <a:endParaRPr lang="fr-FR"/>
+          </a:p>
+        </p:txBody>
+      </p:sp>
+      <p:sp>
+        <p:nvSpPr>
+          <p:cNvPr id="3" name="ZoneTexte 2"/>
+          <p:cNvSpPr txBox="1"/>
+          <p:nvPr/>
+        </p:nvSpPr>
+        <p:spPr>
+          <a:xfrm>
+            <a:off x="-1" y="0"/>
+            <a:ext cx="1532467" cy="307777"/>
+          </a:xfrm>
+          <a:prstGeom prst="rect">
+            <a:avLst/>
+          </a:prstGeom>
+          <a:noFill/>
+        </p:spPr>
+        <p:txBody>
+          <a:bodyPr wrap="square" rtlCol="0">
+            <a:spAutoFit/>
+          </a:bodyPr>
+          <a:lstStyle/>
+          <a:p>
+            <a:r>
+              <a:rPr lang="fr-FR" sz="1400" dirty="0" smtClean="0">
+                <a:solidFill>
+                  <a:srgbClr val="FF0000"/>
+                </a:solidFill>
+              </a:rPr>
+              <a:t>Développement 3</a:t>
+            </a:r>
+            <a:endParaRPr lang="fr-FR" sz="1400" dirty="0">
+              <a:solidFill>
+                <a:srgbClr val="FF0000"/>
+              </a:solidFill>
+            </a:endParaRPr>
+          </a:p>
+        </p:txBody>
+      </p:sp>
     </p:spTree>
     <p:extLst>
       <p:ext uri="{BB962C8B-B14F-4D97-AF65-F5344CB8AC3E}">
@@ -3163,6 +3759,13 @@
   <p:clrMapOvr>
     <a:masterClrMapping/>
   </p:clrMapOvr>
+  <p:timing>
+    <p:tnLst>
+      <p:par>
+        <p:cTn id="1" dur="indefinite" restart="never" nodeType="tmRoot"/>
+      </p:par>
+    </p:tnLst>
+  </p:timing>
 </p:sld>
 </file>
 
@@ -3183,6 +3786,67 @@
           <a:chExt cx="0" cy="0"/>
         </a:xfrm>
       </p:grpSpPr>
+      <p:sp>
+        <p:nvSpPr>
+          <p:cNvPr id="2" name="Espace réservé du numéro de diapositive 1"/>
+          <p:cNvSpPr>
+            <a:spLocks noGrp="1"/>
+          </p:cNvSpPr>
+          <p:nvPr>
+            <p:ph type="sldNum" sz="quarter" idx="12"/>
+          </p:nvPr>
+        </p:nvSpPr>
+        <p:spPr/>
+        <p:txBody>
+          <a:bodyPr/>
+          <a:lstStyle/>
+          <a:p>
+            <a:fld id="{E4F67F9A-838C-4734-8EB0-754A37D9A5A7}" type="slidenum">
+              <a:rPr lang="fr-FR" smtClean="0"/>
+              <a:t>12</a:t>
+            </a:fld>
+            <a:endParaRPr lang="fr-FR"/>
+          </a:p>
+        </p:txBody>
+      </p:sp>
+      <p:sp>
+        <p:nvSpPr>
+          <p:cNvPr id="3" name="ZoneTexte 2"/>
+          <p:cNvSpPr txBox="1"/>
+          <p:nvPr/>
+        </p:nvSpPr>
+        <p:spPr>
+          <a:xfrm>
+            <a:off x="-1" y="0"/>
+            <a:ext cx="1532467" cy="307777"/>
+          </a:xfrm>
+          <a:prstGeom prst="rect">
+            <a:avLst/>
+          </a:prstGeom>
+          <a:noFill/>
+        </p:spPr>
+        <p:txBody>
+          <a:bodyPr wrap="square" rtlCol="0">
+            <a:spAutoFit/>
+          </a:bodyPr>
+          <a:lstStyle/>
+          <a:p>
+            <a:r>
+              <a:rPr lang="fr-FR" sz="1400" dirty="0" smtClean="0">
+                <a:solidFill>
+                  <a:srgbClr val="FF0000"/>
+                </a:solidFill>
+              </a:rPr>
+              <a:t>Développement 4</a:t>
+            </a:r>
+            <a:endParaRPr lang="fr-FR" sz="1400" dirty="0">
+              <a:solidFill>
+                <a:srgbClr val="FF0000"/>
+              </a:solidFill>
+            </a:endParaRPr>
+          </a:p>
+        </p:txBody>
+      </p:sp>
     </p:spTree>
     <p:extLst>
       <p:ext uri="{BB962C8B-B14F-4D97-AF65-F5344CB8AC3E}">
@@ -3193,6 +3857,13 @@
   <p:clrMapOvr>
     <a:masterClrMapping/>
   </p:clrMapOvr>
+  <p:timing>
+    <p:tnLst>
+      <p:par>
+        <p:cTn id="1" dur="indefinite" restart="never" nodeType="tmRoot"/>
+      </p:par>
+    </p:tnLst>
+  </p:timing>
 </p:sld>
 </file>
 
@@ -3213,6 +3884,67 @@
           <a:chExt cx="0" cy="0"/>
         </a:xfrm>
       </p:grpSpPr>
+      <p:sp>
+        <p:nvSpPr>
+          <p:cNvPr id="2" name="Espace réservé du numéro de diapositive 1"/>
+          <p:cNvSpPr>
+            <a:spLocks noGrp="1"/>
+          </p:cNvSpPr>
+          <p:nvPr>
+            <p:ph type="sldNum" sz="quarter" idx="12"/>
+          </p:nvPr>
+        </p:nvSpPr>
+        <p:spPr/>
+        <p:txBody>
+          <a:bodyPr/>
+          <a:lstStyle/>
+          <a:p>
+            <a:fld id="{E4F67F9A-838C-4734-8EB0-754A37D9A5A7}" type="slidenum">
+              <a:rPr lang="fr-FR" smtClean="0"/>
+              <a:t>13</a:t>
+            </a:fld>
+            <a:endParaRPr lang="fr-FR"/>
+          </a:p>
+        </p:txBody>
+      </p:sp>
+      <p:sp>
+        <p:nvSpPr>
+          <p:cNvPr id="3" name="ZoneTexte 2"/>
+          <p:cNvSpPr txBox="1"/>
+          <p:nvPr/>
+        </p:nvSpPr>
+        <p:spPr>
+          <a:xfrm>
+            <a:off x="-1" y="0"/>
+            <a:ext cx="1532467" cy="307777"/>
+          </a:xfrm>
+          <a:prstGeom prst="rect">
+            <a:avLst/>
+          </a:prstGeom>
+          <a:noFill/>
+        </p:spPr>
+        <p:txBody>
+          <a:bodyPr wrap="square" rtlCol="0">
+            <a:spAutoFit/>
+          </a:bodyPr>
+          <a:lstStyle/>
+          <a:p>
+            <a:r>
+              <a:rPr lang="fr-FR" sz="1400" dirty="0" smtClean="0">
+                <a:solidFill>
+                  <a:srgbClr val="FF0000"/>
+                </a:solidFill>
+              </a:rPr>
+              <a:t>Développement 5</a:t>
+            </a:r>
+            <a:endParaRPr lang="fr-FR" sz="1400" dirty="0">
+              <a:solidFill>
+                <a:srgbClr val="FF0000"/>
+              </a:solidFill>
+            </a:endParaRPr>
+          </a:p>
+        </p:txBody>
+      </p:sp>
     </p:spTree>
     <p:extLst>
       <p:ext uri="{BB962C8B-B14F-4D97-AF65-F5344CB8AC3E}">
@@ -3223,6 +3955,13 @@
   <p:clrMapOvr>
     <a:masterClrMapping/>
   </p:clrMapOvr>
+  <p:timing>
+    <p:tnLst>
+      <p:par>
+        <p:cTn id="1" dur="indefinite" restart="never" nodeType="tmRoot"/>
+      </p:par>
+    </p:tnLst>
+  </p:timing>
 </p:sld>
 </file>
 
@@ -3243,6 +3982,67 @@
           <a:chExt cx="0" cy="0"/>
         </a:xfrm>
       </p:grpSpPr>
+      <p:sp>
+        <p:nvSpPr>
+          <p:cNvPr id="2" name="Espace réservé du numéro de diapositive 1"/>
+          <p:cNvSpPr>
+            <a:spLocks noGrp="1"/>
+          </p:cNvSpPr>
+          <p:nvPr>
+            <p:ph type="sldNum" sz="quarter" idx="12"/>
+          </p:nvPr>
+        </p:nvSpPr>
+        <p:spPr/>
+        <p:txBody>
+          <a:bodyPr/>
+          <a:lstStyle/>
+          <a:p>
+            <a:fld id="{E4F67F9A-838C-4734-8EB0-754A37D9A5A7}" type="slidenum">
+              <a:rPr lang="fr-FR" smtClean="0"/>
+              <a:t>14</a:t>
+            </a:fld>
+            <a:endParaRPr lang="fr-FR"/>
+          </a:p>
+        </p:txBody>
+      </p:sp>
+      <p:sp>
+        <p:nvSpPr>
+          <p:cNvPr id="3" name="ZoneTexte 2"/>
+          <p:cNvSpPr txBox="1"/>
+          <p:nvPr/>
+        </p:nvSpPr>
+        <p:spPr>
+          <a:xfrm>
+            <a:off x="-1" y="0"/>
+            <a:ext cx="1532467" cy="307777"/>
+          </a:xfrm>
+          <a:prstGeom prst="rect">
+            <a:avLst/>
+          </a:prstGeom>
+          <a:noFill/>
+        </p:spPr>
+        <p:txBody>
+          <a:bodyPr wrap="square" rtlCol="0">
+            <a:spAutoFit/>
+          </a:bodyPr>
+          <a:lstStyle/>
+          <a:p>
+            <a:r>
+              <a:rPr lang="fr-FR" sz="1400" dirty="0" smtClean="0">
+                <a:solidFill>
+                  <a:srgbClr val="FF0000"/>
+                </a:solidFill>
+              </a:rPr>
+              <a:t>Conclusion</a:t>
+            </a:r>
+            <a:endParaRPr lang="fr-FR" sz="1400" dirty="0">
+              <a:solidFill>
+                <a:srgbClr val="FF0000"/>
+              </a:solidFill>
+            </a:endParaRPr>
+          </a:p>
+        </p:txBody>
+      </p:sp>
     </p:spTree>
     <p:extLst>
       <p:ext uri="{BB962C8B-B14F-4D97-AF65-F5344CB8AC3E}">
@@ -3253,6 +4053,13 @@
   <p:clrMapOvr>
     <a:masterClrMapping/>
   </p:clrMapOvr>
+  <p:timing>
+    <p:tnLst>
+      <p:par>
+        <p:cTn id="1" dur="indefinite" restart="never" nodeType="tmRoot"/>
+      </p:par>
+    </p:tnLst>
+  </p:timing>
 </p:sld>
 </file>
 
@@ -3273,6 +4080,67 @@
           <a:chExt cx="0" cy="0"/>
         </a:xfrm>
       </p:grpSpPr>
+      <p:sp>
+        <p:nvSpPr>
+          <p:cNvPr id="2" name="Espace réservé du numéro de diapositive 1"/>
+          <p:cNvSpPr>
+            <a:spLocks noGrp="1"/>
+          </p:cNvSpPr>
+          <p:nvPr>
+            <p:ph type="sldNum" sz="quarter" idx="12"/>
+          </p:nvPr>
+        </p:nvSpPr>
+        <p:spPr/>
+        <p:txBody>
+          <a:bodyPr/>
+          <a:lstStyle/>
+          <a:p>
+            <a:fld id="{E4F67F9A-838C-4734-8EB0-754A37D9A5A7}" type="slidenum">
+              <a:rPr lang="fr-FR" smtClean="0"/>
+              <a:t>15</a:t>
+            </a:fld>
+            <a:endParaRPr lang="fr-FR"/>
+          </a:p>
+        </p:txBody>
+      </p:sp>
+      <p:sp>
+        <p:nvSpPr>
+          <p:cNvPr id="3" name="ZoneTexte 2"/>
+          <p:cNvSpPr txBox="1"/>
+          <p:nvPr/>
+        </p:nvSpPr>
+        <p:spPr>
+          <a:xfrm>
+            <a:off x="-1" y="0"/>
+            <a:ext cx="1532467" cy="307777"/>
+          </a:xfrm>
+          <a:prstGeom prst="rect">
+            <a:avLst/>
+          </a:prstGeom>
+          <a:noFill/>
+        </p:spPr>
+        <p:txBody>
+          <a:bodyPr wrap="square" rtlCol="0">
+            <a:spAutoFit/>
+          </a:bodyPr>
+          <a:lstStyle/>
+          <a:p>
+            <a:r>
+              <a:rPr lang="fr-FR" sz="1400" dirty="0" smtClean="0">
+                <a:solidFill>
+                  <a:srgbClr val="FF0000"/>
+                </a:solidFill>
+              </a:rPr>
+              <a:t>Merci</a:t>
+            </a:r>
+            <a:endParaRPr lang="fr-FR" sz="1400" dirty="0">
+              <a:solidFill>
+                <a:srgbClr val="FF0000"/>
+              </a:solidFill>
+            </a:endParaRPr>
+          </a:p>
+        </p:txBody>
+      </p:sp>
     </p:spTree>
     <p:extLst>
       <p:ext uri="{BB962C8B-B14F-4D97-AF65-F5344CB8AC3E}">
@@ -3283,36 +4151,13 @@
   <p:clrMapOvr>
     <a:masterClrMapping/>
   </p:clrMapOvr>
-</p:sld>
-</file>
-
-<file path=ppt/slides/slide16.xml><?xml version="1.0" encoding="utf-8"?>
-<p:sld xmlns:a="http://schemas.openxmlformats.org/drawingml/2006/main" xmlns:r="http://schemas.openxmlformats.org/officeDocument/2006/relationships" xmlns:p="http://schemas.openxmlformats.org/presentationml/2006/main">
-  <p:cSld>
-    <p:spTree>
-      <p:nvGrpSpPr>
-        <p:cNvPr id="1" name=""/>
-        <p:cNvGrpSpPr/>
-        <p:nvPr/>
-      </p:nvGrpSpPr>
-      <p:grpSpPr>
-        <a:xfrm>
-          <a:off x="0" y="0"/>
-          <a:ext cx="0" cy="0"/>
-          <a:chOff x="0" y="0"/>
-          <a:chExt cx="0" cy="0"/>
-        </a:xfrm>
-      </p:grpSpPr>
-    </p:spTree>
-    <p:extLst>
-      <p:ext uri="{BB962C8B-B14F-4D97-AF65-F5344CB8AC3E}">
-        <p14:creationId xmlns:p14="http://schemas.microsoft.com/office/powerpoint/2010/main" val="4053293182"/>
-      </p:ext>
-    </p:extLst>
-  </p:cSld>
-  <p:clrMapOvr>
-    <a:masterClrMapping/>
-  </p:clrMapOvr>
+  <p:timing>
+    <p:tnLst>
+      <p:par>
+        <p:cTn id="1" dur="indefinite" restart="never" nodeType="tmRoot"/>
+      </p:par>
+    </p:tnLst>
+  </p:timing>
 </p:sld>
 </file>
 
@@ -3333,6 +4178,67 @@
           <a:chExt cx="0" cy="0"/>
         </a:xfrm>
       </p:grpSpPr>
+      <p:sp>
+        <p:nvSpPr>
+          <p:cNvPr id="2" name="ZoneTexte 1"/>
+          <p:cNvSpPr txBox="1"/>
+          <p:nvPr/>
+        </p:nvSpPr>
+        <p:spPr>
+          <a:xfrm>
+            <a:off x="0" y="0"/>
+            <a:ext cx="2413000" cy="313267"/>
+          </a:xfrm>
+          <a:prstGeom prst="rect">
+            <a:avLst/>
+          </a:prstGeom>
+          <a:noFill/>
+        </p:spPr>
+        <p:txBody>
+          <a:bodyPr wrap="square" rtlCol="0">
+            <a:spAutoFit/>
+          </a:bodyPr>
+          <a:lstStyle/>
+          <a:p>
+            <a:r>
+              <a:rPr lang="fr-FR" sz="1400" dirty="0" smtClean="0">
+                <a:solidFill>
+                  <a:srgbClr val="FF0000"/>
+                </a:solidFill>
+              </a:rPr>
+              <a:t>Contexte technologique 1</a:t>
+            </a:r>
+            <a:endParaRPr lang="fr-FR" sz="1400" dirty="0">
+              <a:solidFill>
+                <a:srgbClr val="FF0000"/>
+              </a:solidFill>
+            </a:endParaRPr>
+          </a:p>
+        </p:txBody>
+      </p:sp>
+      <p:sp>
+        <p:nvSpPr>
+          <p:cNvPr id="3" name="Espace réservé du numéro de diapositive 2"/>
+          <p:cNvSpPr>
+            <a:spLocks noGrp="1"/>
+          </p:cNvSpPr>
+          <p:nvPr>
+            <p:ph type="sldNum" sz="quarter" idx="12"/>
+          </p:nvPr>
+        </p:nvSpPr>
+        <p:spPr/>
+        <p:txBody>
+          <a:bodyPr/>
+          <a:lstStyle/>
+          <a:p>
+            <a:fld id="{E4F67F9A-838C-4734-8EB0-754A37D9A5A7}" type="slidenum">
+              <a:rPr lang="fr-FR" smtClean="0"/>
+              <a:t>2</a:t>
+            </a:fld>
+            <a:endParaRPr lang="fr-FR" dirty="0"/>
+          </a:p>
+        </p:txBody>
+      </p:sp>
     </p:spTree>
     <p:extLst>
       <p:ext uri="{BB962C8B-B14F-4D97-AF65-F5344CB8AC3E}">
@@ -3343,6 +4249,13 @@
   <p:clrMapOvr>
     <a:masterClrMapping/>
   </p:clrMapOvr>
+  <p:timing>
+    <p:tnLst>
+      <p:par>
+        <p:cTn id="1" dur="indefinite" restart="never" nodeType="tmRoot"/>
+      </p:par>
+    </p:tnLst>
+  </p:timing>
 </p:sld>
 </file>
 
@@ -3363,6 +4276,67 @@
           <a:chExt cx="0" cy="0"/>
         </a:xfrm>
       </p:grpSpPr>
+      <p:sp>
+        <p:nvSpPr>
+          <p:cNvPr id="2" name="Espace réservé du numéro de diapositive 1"/>
+          <p:cNvSpPr>
+            <a:spLocks noGrp="1"/>
+          </p:cNvSpPr>
+          <p:nvPr>
+            <p:ph type="sldNum" sz="quarter" idx="12"/>
+          </p:nvPr>
+        </p:nvSpPr>
+        <p:spPr/>
+        <p:txBody>
+          <a:bodyPr/>
+          <a:lstStyle/>
+          <a:p>
+            <a:fld id="{E4F67F9A-838C-4734-8EB0-754A37D9A5A7}" type="slidenum">
+              <a:rPr lang="fr-FR" smtClean="0"/>
+              <a:t>3</a:t>
+            </a:fld>
+            <a:endParaRPr lang="fr-FR"/>
+          </a:p>
+        </p:txBody>
+      </p:sp>
+      <p:sp>
+        <p:nvSpPr>
+          <p:cNvPr id="3" name="ZoneTexte 2"/>
+          <p:cNvSpPr txBox="1"/>
+          <p:nvPr/>
+        </p:nvSpPr>
+        <p:spPr>
+          <a:xfrm>
+            <a:off x="0" y="0"/>
+            <a:ext cx="2413000" cy="313267"/>
+          </a:xfrm>
+          <a:prstGeom prst="rect">
+            <a:avLst/>
+          </a:prstGeom>
+          <a:noFill/>
+        </p:spPr>
+        <p:txBody>
+          <a:bodyPr wrap="square" rtlCol="0">
+            <a:spAutoFit/>
+          </a:bodyPr>
+          <a:lstStyle/>
+          <a:p>
+            <a:r>
+              <a:rPr lang="fr-FR" sz="1400" dirty="0" smtClean="0">
+                <a:solidFill>
+                  <a:srgbClr val="FF0000"/>
+                </a:solidFill>
+              </a:rPr>
+              <a:t>Contexte technologique 2</a:t>
+            </a:r>
+            <a:endParaRPr lang="fr-FR" sz="1400" dirty="0">
+              <a:solidFill>
+                <a:srgbClr val="FF0000"/>
+              </a:solidFill>
+            </a:endParaRPr>
+          </a:p>
+        </p:txBody>
+      </p:sp>
     </p:spTree>
     <p:extLst>
       <p:ext uri="{BB962C8B-B14F-4D97-AF65-F5344CB8AC3E}">
@@ -3373,6 +4347,13 @@
   <p:clrMapOvr>
     <a:masterClrMapping/>
   </p:clrMapOvr>
+  <p:timing>
+    <p:tnLst>
+      <p:par>
+        <p:cTn id="1" dur="indefinite" restart="never" nodeType="tmRoot"/>
+      </p:par>
+    </p:tnLst>
+  </p:timing>
 </p:sld>
 </file>
 
@@ -3393,6 +4374,67 @@
           <a:chExt cx="0" cy="0"/>
         </a:xfrm>
       </p:grpSpPr>
+      <p:sp>
+        <p:nvSpPr>
+          <p:cNvPr id="2" name="Espace réservé du numéro de diapositive 1"/>
+          <p:cNvSpPr>
+            <a:spLocks noGrp="1"/>
+          </p:cNvSpPr>
+          <p:nvPr>
+            <p:ph type="sldNum" sz="quarter" idx="12"/>
+          </p:nvPr>
+        </p:nvSpPr>
+        <p:spPr/>
+        <p:txBody>
+          <a:bodyPr/>
+          <a:lstStyle/>
+          <a:p>
+            <a:fld id="{E4F67F9A-838C-4734-8EB0-754A37D9A5A7}" type="slidenum">
+              <a:rPr lang="fr-FR" smtClean="0"/>
+              <a:t>4</a:t>
+            </a:fld>
+            <a:endParaRPr lang="fr-FR"/>
+          </a:p>
+        </p:txBody>
+      </p:sp>
+      <p:sp>
+        <p:nvSpPr>
+          <p:cNvPr id="3" name="ZoneTexte 2"/>
+          <p:cNvSpPr txBox="1"/>
+          <p:nvPr/>
+        </p:nvSpPr>
+        <p:spPr>
+          <a:xfrm>
+            <a:off x="0" y="0"/>
+            <a:ext cx="2413000" cy="313267"/>
+          </a:xfrm>
+          <a:prstGeom prst="rect">
+            <a:avLst/>
+          </a:prstGeom>
+          <a:noFill/>
+        </p:spPr>
+        <p:txBody>
+          <a:bodyPr wrap="square" rtlCol="0">
+            <a:spAutoFit/>
+          </a:bodyPr>
+          <a:lstStyle/>
+          <a:p>
+            <a:r>
+              <a:rPr lang="fr-FR" sz="1400" dirty="0" smtClean="0">
+                <a:solidFill>
+                  <a:srgbClr val="FF0000"/>
+                </a:solidFill>
+              </a:rPr>
+              <a:t>Contexte technologique 3</a:t>
+            </a:r>
+            <a:endParaRPr lang="fr-FR" sz="1400" dirty="0">
+              <a:solidFill>
+                <a:srgbClr val="FF0000"/>
+              </a:solidFill>
+            </a:endParaRPr>
+          </a:p>
+        </p:txBody>
+      </p:sp>
     </p:spTree>
     <p:extLst>
       <p:ext uri="{BB962C8B-B14F-4D97-AF65-F5344CB8AC3E}">
@@ -3403,6 +4445,13 @@
   <p:clrMapOvr>
     <a:masterClrMapping/>
   </p:clrMapOvr>
+  <p:timing>
+    <p:tnLst>
+      <p:par>
+        <p:cTn id="1" dur="indefinite" restart="never" nodeType="tmRoot"/>
+      </p:par>
+    </p:tnLst>
+  </p:timing>
 </p:sld>
 </file>
 
@@ -3423,6 +4472,67 @@
           <a:chExt cx="0" cy="0"/>
         </a:xfrm>
       </p:grpSpPr>
+      <p:sp>
+        <p:nvSpPr>
+          <p:cNvPr id="2" name="Espace réservé du numéro de diapositive 1"/>
+          <p:cNvSpPr>
+            <a:spLocks noGrp="1"/>
+          </p:cNvSpPr>
+          <p:nvPr>
+            <p:ph type="sldNum" sz="quarter" idx="12"/>
+          </p:nvPr>
+        </p:nvSpPr>
+        <p:spPr/>
+        <p:txBody>
+          <a:bodyPr/>
+          <a:lstStyle/>
+          <a:p>
+            <a:fld id="{E4F67F9A-838C-4734-8EB0-754A37D9A5A7}" type="slidenum">
+              <a:rPr lang="fr-FR" smtClean="0"/>
+              <a:t>5</a:t>
+            </a:fld>
+            <a:endParaRPr lang="fr-FR"/>
+          </a:p>
+        </p:txBody>
+      </p:sp>
+      <p:sp>
+        <p:nvSpPr>
+          <p:cNvPr id="3" name="ZoneTexte 2"/>
+          <p:cNvSpPr txBox="1"/>
+          <p:nvPr/>
+        </p:nvSpPr>
+        <p:spPr>
+          <a:xfrm>
+            <a:off x="0" y="0"/>
+            <a:ext cx="1710267" cy="313267"/>
+          </a:xfrm>
+          <a:prstGeom prst="rect">
+            <a:avLst/>
+          </a:prstGeom>
+          <a:noFill/>
+        </p:spPr>
+        <p:txBody>
+          <a:bodyPr wrap="square" rtlCol="0">
+            <a:spAutoFit/>
+          </a:bodyPr>
+          <a:lstStyle/>
+          <a:p>
+            <a:r>
+              <a:rPr lang="fr-FR" sz="1400" dirty="0" smtClean="0">
+                <a:solidFill>
+                  <a:srgbClr val="FF0000"/>
+                </a:solidFill>
+              </a:rPr>
+              <a:t>Cahier des charges 1</a:t>
+            </a:r>
+            <a:endParaRPr lang="fr-FR" sz="1400" dirty="0">
+              <a:solidFill>
+                <a:srgbClr val="FF0000"/>
+              </a:solidFill>
+            </a:endParaRPr>
+          </a:p>
+        </p:txBody>
+      </p:sp>
     </p:spTree>
     <p:extLst>
       <p:ext uri="{BB962C8B-B14F-4D97-AF65-F5344CB8AC3E}">
@@ -3433,6 +4543,13 @@
   <p:clrMapOvr>
     <a:masterClrMapping/>
   </p:clrMapOvr>
+  <p:timing>
+    <p:tnLst>
+      <p:par>
+        <p:cTn id="1" dur="indefinite" restart="never" nodeType="tmRoot"/>
+      </p:par>
+    </p:tnLst>
+  </p:timing>
 </p:sld>
 </file>
 
@@ -3453,6 +4570,67 @@
           <a:chExt cx="0" cy="0"/>
         </a:xfrm>
       </p:grpSpPr>
+      <p:sp>
+        <p:nvSpPr>
+          <p:cNvPr id="2" name="Espace réservé du numéro de diapositive 1"/>
+          <p:cNvSpPr>
+            <a:spLocks noGrp="1"/>
+          </p:cNvSpPr>
+          <p:nvPr>
+            <p:ph type="sldNum" sz="quarter" idx="12"/>
+          </p:nvPr>
+        </p:nvSpPr>
+        <p:spPr/>
+        <p:txBody>
+          <a:bodyPr/>
+          <a:lstStyle/>
+          <a:p>
+            <a:fld id="{E4F67F9A-838C-4734-8EB0-754A37D9A5A7}" type="slidenum">
+              <a:rPr lang="fr-FR" smtClean="0"/>
+              <a:t>6</a:t>
+            </a:fld>
+            <a:endParaRPr lang="fr-FR"/>
+          </a:p>
+        </p:txBody>
+      </p:sp>
+      <p:sp>
+        <p:nvSpPr>
+          <p:cNvPr id="3" name="ZoneTexte 2"/>
+          <p:cNvSpPr txBox="1"/>
+          <p:nvPr/>
+        </p:nvSpPr>
+        <p:spPr>
+          <a:xfrm>
+            <a:off x="0" y="0"/>
+            <a:ext cx="939800" cy="307777"/>
+          </a:xfrm>
+          <a:prstGeom prst="rect">
+            <a:avLst/>
+          </a:prstGeom>
+          <a:noFill/>
+        </p:spPr>
+        <p:txBody>
+          <a:bodyPr wrap="square" rtlCol="0">
+            <a:spAutoFit/>
+          </a:bodyPr>
+          <a:lstStyle/>
+          <a:p>
+            <a:r>
+              <a:rPr lang="fr-FR" sz="1400" dirty="0" smtClean="0">
+                <a:solidFill>
+                  <a:srgbClr val="FF0000"/>
+                </a:solidFill>
+              </a:rPr>
+              <a:t>Analyse 1</a:t>
+            </a:r>
+            <a:endParaRPr lang="fr-FR" sz="1400" dirty="0">
+              <a:solidFill>
+                <a:srgbClr val="FF0000"/>
+              </a:solidFill>
+            </a:endParaRPr>
+          </a:p>
+        </p:txBody>
+      </p:sp>
     </p:spTree>
     <p:extLst>
       <p:ext uri="{BB962C8B-B14F-4D97-AF65-F5344CB8AC3E}">
@@ -3463,6 +4641,13 @@
   <p:clrMapOvr>
     <a:masterClrMapping/>
   </p:clrMapOvr>
+  <p:timing>
+    <p:tnLst>
+      <p:par>
+        <p:cTn id="1" dur="indefinite" restart="never" nodeType="tmRoot"/>
+      </p:par>
+    </p:tnLst>
+  </p:timing>
 </p:sld>
 </file>
 
@@ -3483,6 +4668,67 @@
           <a:chExt cx="0" cy="0"/>
         </a:xfrm>
       </p:grpSpPr>
+      <p:sp>
+        <p:nvSpPr>
+          <p:cNvPr id="2" name="Espace réservé du numéro de diapositive 1"/>
+          <p:cNvSpPr>
+            <a:spLocks noGrp="1"/>
+          </p:cNvSpPr>
+          <p:nvPr>
+            <p:ph type="sldNum" sz="quarter" idx="12"/>
+          </p:nvPr>
+        </p:nvSpPr>
+        <p:spPr/>
+        <p:txBody>
+          <a:bodyPr/>
+          <a:lstStyle/>
+          <a:p>
+            <a:fld id="{E4F67F9A-838C-4734-8EB0-754A37D9A5A7}" type="slidenum">
+              <a:rPr lang="fr-FR" smtClean="0"/>
+              <a:t>7</a:t>
+            </a:fld>
+            <a:endParaRPr lang="fr-FR"/>
+          </a:p>
+        </p:txBody>
+      </p:sp>
+      <p:sp>
+        <p:nvSpPr>
+          <p:cNvPr id="3" name="ZoneTexte 2"/>
+          <p:cNvSpPr txBox="1"/>
+          <p:nvPr/>
+        </p:nvSpPr>
+        <p:spPr>
+          <a:xfrm>
+            <a:off x="0" y="0"/>
+            <a:ext cx="939800" cy="307777"/>
+          </a:xfrm>
+          <a:prstGeom prst="rect">
+            <a:avLst/>
+          </a:prstGeom>
+          <a:noFill/>
+        </p:spPr>
+        <p:txBody>
+          <a:bodyPr wrap="square" rtlCol="0">
+            <a:spAutoFit/>
+          </a:bodyPr>
+          <a:lstStyle/>
+          <a:p>
+            <a:r>
+              <a:rPr lang="fr-FR" sz="1400" dirty="0" smtClean="0">
+                <a:solidFill>
+                  <a:srgbClr val="FF0000"/>
+                </a:solidFill>
+              </a:rPr>
+              <a:t>Analyse 2</a:t>
+            </a:r>
+            <a:endParaRPr lang="fr-FR" sz="1400" dirty="0">
+              <a:solidFill>
+                <a:srgbClr val="FF0000"/>
+              </a:solidFill>
+            </a:endParaRPr>
+          </a:p>
+        </p:txBody>
+      </p:sp>
     </p:spTree>
     <p:extLst>
       <p:ext uri="{BB962C8B-B14F-4D97-AF65-F5344CB8AC3E}">
@@ -3493,6 +4739,13 @@
   <p:clrMapOvr>
     <a:masterClrMapping/>
   </p:clrMapOvr>
+  <p:timing>
+    <p:tnLst>
+      <p:par>
+        <p:cTn id="1" dur="indefinite" restart="never" nodeType="tmRoot"/>
+      </p:par>
+    </p:tnLst>
+  </p:timing>
 </p:sld>
 </file>
 
@@ -3513,6 +4766,67 @@
           <a:chExt cx="0" cy="0"/>
         </a:xfrm>
       </p:grpSpPr>
+      <p:sp>
+        <p:nvSpPr>
+          <p:cNvPr id="2" name="Espace réservé du numéro de diapositive 1"/>
+          <p:cNvSpPr>
+            <a:spLocks noGrp="1"/>
+          </p:cNvSpPr>
+          <p:nvPr>
+            <p:ph type="sldNum" sz="quarter" idx="12"/>
+          </p:nvPr>
+        </p:nvSpPr>
+        <p:spPr/>
+        <p:txBody>
+          <a:bodyPr/>
+          <a:lstStyle/>
+          <a:p>
+            <a:fld id="{E4F67F9A-838C-4734-8EB0-754A37D9A5A7}" type="slidenum">
+              <a:rPr lang="fr-FR" smtClean="0"/>
+              <a:t>8</a:t>
+            </a:fld>
+            <a:endParaRPr lang="fr-FR"/>
+          </a:p>
+        </p:txBody>
+      </p:sp>
+      <p:sp>
+        <p:nvSpPr>
+          <p:cNvPr id="3" name="ZoneTexte 2"/>
+          <p:cNvSpPr txBox="1"/>
+          <p:nvPr/>
+        </p:nvSpPr>
+        <p:spPr>
+          <a:xfrm>
+            <a:off x="0" y="0"/>
+            <a:ext cx="939800" cy="307777"/>
+          </a:xfrm>
+          <a:prstGeom prst="rect">
+            <a:avLst/>
+          </a:prstGeom>
+          <a:noFill/>
+        </p:spPr>
+        <p:txBody>
+          <a:bodyPr wrap="square" rtlCol="0">
+            <a:spAutoFit/>
+          </a:bodyPr>
+          <a:lstStyle/>
+          <a:p>
+            <a:r>
+              <a:rPr lang="fr-FR" sz="1400" dirty="0" smtClean="0">
+                <a:solidFill>
+                  <a:srgbClr val="FF0000"/>
+                </a:solidFill>
+              </a:rPr>
+              <a:t>Analyse 3</a:t>
+            </a:r>
+            <a:endParaRPr lang="fr-FR" sz="1400" dirty="0">
+              <a:solidFill>
+                <a:srgbClr val="FF0000"/>
+              </a:solidFill>
+            </a:endParaRPr>
+          </a:p>
+        </p:txBody>
+      </p:sp>
     </p:spTree>
     <p:extLst>
       <p:ext uri="{BB962C8B-B14F-4D97-AF65-F5344CB8AC3E}">
@@ -3523,6 +4837,13 @@
   <p:clrMapOvr>
     <a:masterClrMapping/>
   </p:clrMapOvr>
+  <p:timing>
+    <p:tnLst>
+      <p:par>
+        <p:cTn id="1" dur="indefinite" restart="never" nodeType="tmRoot"/>
+      </p:par>
+    </p:tnLst>
+  </p:timing>
 </p:sld>
 </file>
 
@@ -3543,6 +4864,67 @@
           <a:chExt cx="0" cy="0"/>
         </a:xfrm>
       </p:grpSpPr>
+      <p:sp>
+        <p:nvSpPr>
+          <p:cNvPr id="2" name="Espace réservé du numéro de diapositive 1"/>
+          <p:cNvSpPr>
+            <a:spLocks noGrp="1"/>
+          </p:cNvSpPr>
+          <p:nvPr>
+            <p:ph type="sldNum" sz="quarter" idx="12"/>
+          </p:nvPr>
+        </p:nvSpPr>
+        <p:spPr/>
+        <p:txBody>
+          <a:bodyPr/>
+          <a:lstStyle/>
+          <a:p>
+            <a:fld id="{E4F67F9A-838C-4734-8EB0-754A37D9A5A7}" type="slidenum">
+              <a:rPr lang="fr-FR" smtClean="0"/>
+              <a:t>9</a:t>
+            </a:fld>
+            <a:endParaRPr lang="fr-FR"/>
+          </a:p>
+        </p:txBody>
+      </p:sp>
+      <p:sp>
+        <p:nvSpPr>
+          <p:cNvPr id="3" name="ZoneTexte 2"/>
+          <p:cNvSpPr txBox="1"/>
+          <p:nvPr/>
+        </p:nvSpPr>
+        <p:spPr>
+          <a:xfrm>
+            <a:off x="-1" y="0"/>
+            <a:ext cx="1532467" cy="307777"/>
+          </a:xfrm>
+          <a:prstGeom prst="rect">
+            <a:avLst/>
+          </a:prstGeom>
+          <a:noFill/>
+        </p:spPr>
+        <p:txBody>
+          <a:bodyPr wrap="square" rtlCol="0">
+            <a:spAutoFit/>
+          </a:bodyPr>
+          <a:lstStyle/>
+          <a:p>
+            <a:r>
+              <a:rPr lang="fr-FR" sz="1400" dirty="0" smtClean="0">
+                <a:solidFill>
+                  <a:srgbClr val="FF0000"/>
+                </a:solidFill>
+              </a:rPr>
+              <a:t>Développement 1</a:t>
+            </a:r>
+            <a:endParaRPr lang="fr-FR" sz="1400" dirty="0">
+              <a:solidFill>
+                <a:srgbClr val="FF0000"/>
+              </a:solidFill>
+            </a:endParaRPr>
+          </a:p>
+        </p:txBody>
+      </p:sp>
     </p:spTree>
     <p:extLst>
       <p:ext uri="{BB962C8B-B14F-4D97-AF65-F5344CB8AC3E}">
@@ -3553,6 +4935,13 @@
   <p:clrMapOvr>
     <a:masterClrMapping/>
   </p:clrMapOvr>
+  <p:timing>
+    <p:tnLst>
+      <p:par>
+        <p:cTn id="1" dur="indefinite" restart="never" nodeType="tmRoot"/>
+      </p:par>
+    </p:tnLst>
+  </p:timing>
 </p:sld>
 </file>
 
@@ -3815,4 +5204,265 @@
     </a:ext>
   </a:extLst>
 </a:theme>
+</file>
+
+<file path=ppt/theme/theme2.xml><?xml version="1.0" encoding="utf-8"?>
+<a:theme xmlns:a="http://schemas.openxmlformats.org/drawingml/2006/main" name="Thème Office">
+  <a:themeElements>
+    <a:clrScheme name="Office">
+      <a:dk1>
+        <a:sysClr val="windowText" lastClr="000000"/>
+      </a:dk1>
+      <a:lt1>
+        <a:sysClr val="window" lastClr="FFFFFF"/>
+      </a:lt1>
+      <a:dk2>
+        <a:srgbClr val="44546A"/>
+      </a:dk2>
+      <a:lt2>
+        <a:srgbClr val="E7E6E6"/>
+      </a:lt2>
+      <a:accent1>
+        <a:srgbClr val="5B9BD5"/>
+      </a:accent1>
+      <a:accent2>
+        <a:srgbClr val="ED7D31"/>
+      </a:accent2>
+      <a:accent3>
+        <a:srgbClr val="A5A5A5"/>
+      </a:accent3>
+      <a:accent4>
+        <a:srgbClr val="FFC000"/>
+      </a:accent4>
+      <a:accent5>
+        <a:srgbClr val="4472C4"/>
+      </a:accent5>
+      <a:accent6>
+        <a:srgbClr val="70AD47"/>
+      </a:accent6>
+      <a:hlink>
+        <a:srgbClr val="0563C1"/>
+      </a:hlink>
+      <a:folHlink>
+        <a:srgbClr val="954F72"/>
+      </a:folHlink>
+    </a:clrScheme>
+    <a:fontScheme name="Office">
+      <a:majorFont>
+        <a:latin typeface="Calibri Light" panose="020F0302020204030204"/>
+        <a:ea typeface=""/>
+        <a:cs typeface=""/>
+        <a:font script="Jpan" typeface="ＭＳ Ｐゴシック"/>
+        <a:font script="Hang" typeface="맑은 고딕"/>
+        <a:font script="Hans" typeface="宋体"/>
+        <a:font script="Hant" typeface="新細明體"/>
+        <a:font script="Arab" typeface="Times New Roman"/>
+        <a:font script="Hebr" typeface="Times New Roman"/>
+        <a:font script="Thai" typeface="Angsana New"/>
+        <a:font script="Ethi" typeface="Nyala"/>
+        <a:font script="Beng" typeface="Vrinda"/>
+        <a:font script="Gujr" typeface="Shruti"/>
+        <a:font script="Khmr" typeface="MoolBoran"/>
+        <a:font script="Knda" typeface="Tunga"/>
+        <a:font script="Guru" typeface="Raavi"/>
+        <a:font script="Cans" typeface="Euphemia"/>
+        <a:font script="Cher" typeface="Plantagenet Cherokee"/>
+        <a:font script="Yiii" typeface="Microsoft Yi Baiti"/>
+        <a:font script="Tibt" typeface="Microsoft Himalaya"/>
+        <a:font script="Thaa" typeface="MV Boli"/>
+        <a:font script="Deva" typeface="Mangal"/>
+        <a:font script="Telu" typeface="Gautami"/>
+        <a:font script="Taml" typeface="Latha"/>
+        <a:font script="Syrc" typeface="Estrangelo Edessa"/>
+        <a:font script="Orya" typeface="Kalinga"/>
+        <a:font script="Mlym" typeface="Kartika"/>
+        <a:font script="Laoo" typeface="DokChampa"/>
+        <a:font script="Sinh" typeface="Iskoola Pota"/>
+        <a:font script="Mong" typeface="Mongolian Baiti"/>
+        <a:font script="Viet" typeface="Times New Roman"/>
+        <a:font script="Uigh" typeface="Microsoft Uighur"/>
+        <a:font script="Geor" typeface="Sylfaen"/>
+      </a:majorFont>
+      <a:minorFont>
+        <a:latin typeface="Calibri" panose="020F0502020204030204"/>
+        <a:ea typeface=""/>
+        <a:cs typeface=""/>
+        <a:font script="Jpan" typeface="ＭＳ Ｐゴシック"/>
+        <a:font script="Hang" typeface="맑은 고딕"/>
+        <a:font script="Hans" typeface="宋体"/>
+        <a:font script="Hant" typeface="新細明體"/>
+        <a:font script="Arab" typeface="Arial"/>
+        <a:font script="Hebr" typeface="Arial"/>
+        <a:font script="Thai" typeface="Cordia New"/>
+        <a:font script="Ethi" typeface="Nyala"/>
+        <a:font script="Beng" typeface="Vrinda"/>
+        <a:font script="Gujr" typeface="Shruti"/>
+        <a:font script="Khmr" typeface="DaunPenh"/>
+        <a:font script="Knda" typeface="Tunga"/>
+        <a:font script="Guru" typeface="Raavi"/>
+        <a:font script="Cans" typeface="Euphemia"/>
+        <a:font script="Cher" typeface="Plantagenet Cherokee"/>
+        <a:font script="Yiii" typeface="Microsoft Yi Baiti"/>
+        <a:font script="Tibt" typeface="Microsoft Himalaya"/>
+        <a:font script="Thaa" typeface="MV Boli"/>
+        <a:font script="Deva" typeface="Mangal"/>
+        <a:font script="Telu" typeface="Gautami"/>
+        <a:font script="Taml" typeface="Latha"/>
+        <a:font script="Syrc" typeface="Estrangelo Edessa"/>
+        <a:font script="Orya" typeface="Kalinga"/>
+        <a:font script="Mlym" typeface="Kartika"/>
+        <a:font script="Laoo" typeface="DokChampa"/>
+        <a:font script="Sinh" typeface="Iskoola Pota"/>
+        <a:font script="Mong" typeface="Mongolian Baiti"/>
+        <a:font script="Viet" typeface="Arial"/>
+        <a:font script="Uigh" typeface="Microsoft Uighur"/>
+        <a:font script="Geor" typeface="Sylfaen"/>
+      </a:minorFont>
+    </a:fontScheme>
+    <a:fmtScheme name="Office">
+      <a:fillStyleLst>
+        <a:solidFill>
+          <a:schemeClr val="phClr"/>
+        </a:solidFill>
+        <a:gradFill rotWithShape="1">
+          <a:gsLst>
+            <a:gs pos="0">
+              <a:schemeClr val="phClr">
+                <a:lumMod val="110000"/>
+                <a:satMod val="105000"/>
+                <a:tint val="67000"/>
+              </a:schemeClr>
+            </a:gs>
+            <a:gs pos="50000">
+              <a:schemeClr val="phClr">
+                <a:lumMod val="105000"/>
+                <a:satMod val="103000"/>
+                <a:tint val="73000"/>
+              </a:schemeClr>
+            </a:gs>
+            <a:gs pos="100000">
+              <a:schemeClr val="phClr">
+                <a:lumMod val="105000"/>
+                <a:satMod val="109000"/>
+                <a:tint val="81000"/>
+              </a:schemeClr>
+            </a:gs>
+          </a:gsLst>
+          <a:lin ang="5400000" scaled="0"/>
+        </a:gradFill>
+        <a:gradFill rotWithShape="1">
+          <a:gsLst>
+            <a:gs pos="0">
+              <a:schemeClr val="phClr">
+                <a:satMod val="103000"/>
+                <a:lumMod val="102000"/>
+                <a:tint val="94000"/>
+              </a:schemeClr>
+            </a:gs>
+            <a:gs pos="50000">
+              <a:schemeClr val="phClr">
+                <a:satMod val="110000"/>
+                <a:lumMod val="100000"/>
+                <a:shade val="100000"/>
+              </a:schemeClr>
+            </a:gs>
+            <a:gs pos="100000">
+              <a:schemeClr val="phClr">
+                <a:lumMod val="99000"/>
+                <a:satMod val="120000"/>
+                <a:shade val="78000"/>
+              </a:schemeClr>
+            </a:gs>
+          </a:gsLst>
+          <a:lin ang="5400000" scaled="0"/>
+        </a:gradFill>
+      </a:fillStyleLst>
+      <a:lnStyleLst>
+        <a:ln w="6350" cap="flat" cmpd="sng" algn="ctr">
+          <a:solidFill>
+            <a:schemeClr val="phClr"/>
+          </a:solidFill>
+          <a:prstDash val="solid"/>
+          <a:miter lim="800000"/>
+        </a:ln>
+        <a:ln w="12700" cap="flat" cmpd="sng" algn="ctr">
+          <a:solidFill>
+            <a:schemeClr val="phClr"/>
+          </a:solidFill>
+          <a:prstDash val="solid"/>
+          <a:miter lim="800000"/>
+        </a:ln>
+        <a:ln w="19050" cap="flat" cmpd="sng" algn="ctr">
+          <a:solidFill>
+            <a:schemeClr val="phClr"/>
+          </a:solidFill>
+          <a:prstDash val="solid"/>
+          <a:miter lim="800000"/>
+        </a:ln>
+      </a:lnStyleLst>
+      <a:effectStyleLst>
+        <a:effectStyle>
+          <a:effectLst/>
+        </a:effectStyle>
+        <a:effectStyle>
+          <a:effectLst/>
+        </a:effectStyle>
+        <a:effectStyle>
+          <a:effectLst>
+            <a:outerShdw blurRad="57150" dist="19050" dir="5400000" algn="ctr" rotWithShape="0">
+              <a:srgbClr val="000000">
+                <a:alpha val="63000"/>
+              </a:srgbClr>
+            </a:outerShdw>
+          </a:effectLst>
+        </a:effectStyle>
+      </a:effectStyleLst>
+      <a:bgFillStyleLst>
+        <a:solidFill>
+          <a:schemeClr val="phClr"/>
+        </a:solidFill>
+        <a:solidFill>
+          <a:schemeClr val="phClr">
+            <a:tint val="95000"/>
+            <a:satMod val="170000"/>
+          </a:schemeClr>
+        </a:solidFill>
+        <a:gradFill rotWithShape="1">
+          <a:gsLst>
+            <a:gs pos="0">
+              <a:schemeClr val="phClr">
+                <a:tint val="93000"/>
+                <a:satMod val="150000"/>
+                <a:shade val="98000"/>
+                <a:lumMod val="102000"/>
+              </a:schemeClr>
+            </a:gs>
+            <a:gs pos="50000">
+              <a:schemeClr val="phClr">
+                <a:tint val="98000"/>
+                <a:satMod val="130000"/>
+                <a:shade val="90000"/>
+                <a:lumMod val="103000"/>
+              </a:schemeClr>
+            </a:gs>
+            <a:gs pos="100000">
+              <a:schemeClr val="phClr">
+                <a:shade val="63000"/>
+                <a:satMod val="120000"/>
+              </a:schemeClr>
+            </a:gs>
+          </a:gsLst>
+          <a:lin ang="5400000" scaled="0"/>
+        </a:gradFill>
+      </a:bgFillStyleLst>
+    </a:fmtScheme>
+  </a:themeElements>
+  <a:objectDefaults/>
+  <a:extraClrSchemeLst/>
+  <a:extLst>
+    <a:ext uri="{05A4C25C-085E-4340-85A3-A5531E510DB2}">
+      <thm15:themeFamily xmlns:thm15="http://schemas.microsoft.com/office/thememl/2012/main" name="Office Theme" id="{62F939B6-93AF-4DB8-9C6B-D6C7DFDC589F}" vid="{4A3C46E8-61CC-4603-A589-7422A47A8E4A}"/>
+    </a:ext>
+  </a:extLst>
+</a:theme>
 </file>
--- a/Slides/PRES2019-Projet14-OlivierFourmaux-ROIStreamingImapct-soutenance.pptx
+++ b/Slides/PRES2019-Projet14-OlivierFourmaux-ROIStreamingImapct-soutenance.pptx
@@ -5,7 +5,7 @@
     <p:sldMasterId id="2147483648" r:id="rId1"/>
   </p:sldMasterIdLst>
   <p:notesMasterIdLst>
-    <p:notesMasterId r:id="rId17"/>
+    <p:notesMasterId r:id="rId21"/>
   </p:notesMasterIdLst>
   <p:sldIdLst>
     <p:sldId id="256" r:id="rId2"/>
@@ -16,13 +16,17 @@
     <p:sldId id="261" r:id="rId7"/>
     <p:sldId id="262" r:id="rId8"/>
     <p:sldId id="263" r:id="rId9"/>
-    <p:sldId id="264" r:id="rId10"/>
-    <p:sldId id="265" r:id="rId11"/>
-    <p:sldId id="266" r:id="rId12"/>
-    <p:sldId id="267" r:id="rId13"/>
-    <p:sldId id="268" r:id="rId14"/>
-    <p:sldId id="269" r:id="rId15"/>
-    <p:sldId id="270" r:id="rId16"/>
+    <p:sldId id="265" r:id="rId10"/>
+    <p:sldId id="272" r:id="rId11"/>
+    <p:sldId id="273" r:id="rId12"/>
+    <p:sldId id="274" r:id="rId13"/>
+    <p:sldId id="264" r:id="rId14"/>
+    <p:sldId id="266" r:id="rId15"/>
+    <p:sldId id="268" r:id="rId16"/>
+    <p:sldId id="271" r:id="rId17"/>
+    <p:sldId id="267" r:id="rId18"/>
+    <p:sldId id="269" r:id="rId19"/>
+    <p:sldId id="270" r:id="rId20"/>
   </p:sldIdLst>
   <p:sldSz cx="12192000" cy="6858000"/>
   <p:notesSz cx="6858000" cy="9144000"/>
@@ -3444,7 +3448,7 @@
         </p:nvSpPr>
         <p:spPr>
           <a:xfrm>
-            <a:off x="660400" y="1557866"/>
+            <a:off x="660400" y="1015999"/>
             <a:ext cx="10871200" cy="969963"/>
           </a:xfrm>
         </p:spPr>
@@ -3474,7 +3478,7 @@
         </p:nvSpPr>
         <p:spPr>
           <a:xfrm>
-            <a:off x="1524000" y="3149599"/>
+            <a:off x="1524000" y="2744522"/>
             <a:ext cx="9144000" cy="2853267"/>
           </a:xfrm>
         </p:spPr>
@@ -3590,6 +3594,36 @@
           <a:chExt cx="0" cy="0"/>
         </a:xfrm>
       </p:grpSpPr>
+      <p:pic>
+        <p:nvPicPr>
+          <p:cNvPr id="7" name="Image 6"/>
+          <p:cNvPicPr>
+            <a:picLocks noChangeAspect="1"/>
+          </p:cNvPicPr>
+          <p:nvPr/>
+        </p:nvPicPr>
+        <p:blipFill>
+          <a:blip r:embed="rId2">
+            <a:extLst>
+              <a:ext uri="{28A0092B-C50C-407E-A947-70E740481C1C}">
+                <a14:useLocalDpi xmlns:a14="http://schemas.microsoft.com/office/drawing/2010/main" val="0"/>
+              </a:ext>
+            </a:extLst>
+          </a:blip>
+          <a:stretch>
+            <a:fillRect/>
+          </a:stretch>
+        </p:blipFill>
+        <p:spPr>
+          <a:xfrm>
+            <a:off x="1592996" y="1008793"/>
+            <a:ext cx="9008956" cy="5168354"/>
+          </a:xfrm>
+          <a:prstGeom prst="rect">
+            <a:avLst/>
+          </a:prstGeom>
+        </p:spPr>
+      </p:pic>
       <p:sp>
         <p:nvSpPr>
           <p:cNvPr id="2" name="Espace réservé du numéro de diapositive 1"/>
@@ -3641,7 +3675,7 @@
                   <a:srgbClr val="FF0000"/>
                 </a:solidFill>
               </a:rPr>
-              <a:t>Développement 2</a:t>
+              <a:t>Développement 1</a:t>
             </a:r>
             <a:endParaRPr lang="fr-FR" sz="1400" dirty="0">
               <a:solidFill>
@@ -3651,10 +3685,41 @@
           </a:p>
         </p:txBody>
       </p:sp>
+      <p:sp>
+        <p:nvSpPr>
+          <p:cNvPr id="5" name="ZoneTexte 4"/>
+          <p:cNvSpPr txBox="1"/>
+          <p:nvPr/>
+        </p:nvSpPr>
+        <p:spPr>
+          <a:xfrm>
+            <a:off x="2480733" y="426306"/>
+            <a:ext cx="7230533" cy="523220"/>
+          </a:xfrm>
+          <a:prstGeom prst="rect">
+            <a:avLst/>
+          </a:prstGeom>
+          <a:noFill/>
+        </p:spPr>
+        <p:txBody>
+          <a:bodyPr wrap="square" rtlCol="0">
+            <a:spAutoFit/>
+          </a:bodyPr>
+          <a:lstStyle/>
+          <a:p>
+            <a:pPr algn="ctr"/>
+            <a:r>
+              <a:rPr lang="fr-FR" sz="2800" dirty="0" smtClean="0"/>
+              <a:t>Schéma de la chaine d’encodage vidéo</a:t>
+            </a:r>
+            <a:endParaRPr lang="fr-FR" sz="2800" dirty="0"/>
+          </a:p>
+        </p:txBody>
+      </p:sp>
     </p:spTree>
     <p:extLst>
       <p:ext uri="{BB962C8B-B14F-4D97-AF65-F5344CB8AC3E}">
-        <p14:creationId xmlns:p14="http://schemas.microsoft.com/office/powerpoint/2010/main" val="141894101"/>
+        <p14:creationId xmlns:p14="http://schemas.microsoft.com/office/powerpoint/2010/main" val="239822806"/>
       </p:ext>
     </p:extLst>
   </p:cSld>
@@ -3688,6 +3753,36 @@
           <a:chExt cx="0" cy="0"/>
         </a:xfrm>
       </p:grpSpPr>
+      <p:pic>
+        <p:nvPicPr>
+          <p:cNvPr id="6" name="Image 5"/>
+          <p:cNvPicPr>
+            <a:picLocks noChangeAspect="1"/>
+          </p:cNvPicPr>
+          <p:nvPr/>
+        </p:nvPicPr>
+        <p:blipFill>
+          <a:blip r:embed="rId2">
+            <a:extLst>
+              <a:ext uri="{28A0092B-C50C-407E-A947-70E740481C1C}">
+                <a14:useLocalDpi xmlns:a14="http://schemas.microsoft.com/office/drawing/2010/main" val="0"/>
+              </a:ext>
+            </a:extLst>
+          </a:blip>
+          <a:stretch>
+            <a:fillRect/>
+          </a:stretch>
+        </p:blipFill>
+        <p:spPr>
+          <a:xfrm>
+            <a:off x="1591521" y="1008793"/>
+            <a:ext cx="9008956" cy="5168354"/>
+          </a:xfrm>
+          <a:prstGeom prst="rect">
+            <a:avLst/>
+          </a:prstGeom>
+        </p:spPr>
+      </p:pic>
       <p:sp>
         <p:nvSpPr>
           <p:cNvPr id="2" name="Espace réservé du numéro de diapositive 1"/>
@@ -3739,7 +3834,7 @@
                   <a:srgbClr val="FF0000"/>
                 </a:solidFill>
               </a:rPr>
-              <a:t>Développement 3</a:t>
+              <a:t>Développement 1</a:t>
             </a:r>
             <a:endParaRPr lang="fr-FR" sz="1400" dirty="0">
               <a:solidFill>
@@ -3749,10 +3844,41 @@
           </a:p>
         </p:txBody>
       </p:sp>
+      <p:sp>
+        <p:nvSpPr>
+          <p:cNvPr id="4" name="ZoneTexte 3"/>
+          <p:cNvSpPr txBox="1"/>
+          <p:nvPr/>
+        </p:nvSpPr>
+        <p:spPr>
+          <a:xfrm>
+            <a:off x="2480733" y="426306"/>
+            <a:ext cx="7230533" cy="523220"/>
+          </a:xfrm>
+          <a:prstGeom prst="rect">
+            <a:avLst/>
+          </a:prstGeom>
+          <a:noFill/>
+        </p:spPr>
+        <p:txBody>
+          <a:bodyPr wrap="square" rtlCol="0">
+            <a:spAutoFit/>
+          </a:bodyPr>
+          <a:lstStyle/>
+          <a:p>
+            <a:pPr algn="ctr"/>
+            <a:r>
+              <a:rPr lang="fr-FR" sz="2800" dirty="0" smtClean="0"/>
+              <a:t>Schéma de la chaine d’encodage vidéo</a:t>
+            </a:r>
+            <a:endParaRPr lang="fr-FR" sz="2800" dirty="0"/>
+          </a:p>
+        </p:txBody>
+      </p:sp>
     </p:spTree>
     <p:extLst>
       <p:ext uri="{BB962C8B-B14F-4D97-AF65-F5344CB8AC3E}">
-        <p14:creationId xmlns:p14="http://schemas.microsoft.com/office/powerpoint/2010/main" val="2442421539"/>
+        <p14:creationId xmlns:p14="http://schemas.microsoft.com/office/powerpoint/2010/main" val="2603497454"/>
       </p:ext>
     </p:extLst>
   </p:cSld>
@@ -3811,7 +3937,52 @@
       </p:sp>
       <p:sp>
         <p:nvSpPr>
-          <p:cNvPr id="3" name="ZoneTexte 2"/>
+          <p:cNvPr id="3" name="Rectangle 2"/>
+          <p:cNvSpPr/>
+          <p:nvPr/>
+        </p:nvSpPr>
+        <p:spPr>
+          <a:xfrm>
+            <a:off x="3576463" y="3105834"/>
+            <a:ext cx="5039073" cy="646331"/>
+          </a:xfrm>
+          <a:prstGeom prst="rect">
+            <a:avLst/>
+          </a:prstGeom>
+        </p:spPr>
+        <p:txBody>
+          <a:bodyPr wrap="none">
+            <a:spAutoFit/>
+          </a:bodyPr>
+          <a:lstStyle/>
+          <a:p>
+            <a:pPr algn="ctr"/>
+            <a:r>
+              <a:rPr lang="fr-FR" dirty="0" smtClean="0"/>
+              <a:t>Schéma de la </a:t>
+            </a:r>
+            <a:r>
+              <a:rPr lang="fr-FR" dirty="0" smtClean="0"/>
+              <a:t>partie pratique du </a:t>
+            </a:r>
+            <a:r>
+              <a:rPr lang="fr-FR" dirty="0" smtClean="0"/>
+              <a:t>streaming</a:t>
+            </a:r>
+          </a:p>
+          <a:p>
+            <a:pPr algn="ctr"/>
+            <a:r>
+              <a:rPr lang="fr-FR" dirty="0" smtClean="0"/>
+              <a:t>Partie export au format DASH et lecture sur le client</a:t>
+            </a:r>
+            <a:endParaRPr lang="fr-FR" dirty="0"/>
+          </a:p>
+        </p:txBody>
+      </p:sp>
+      <p:sp>
+        <p:nvSpPr>
+          <p:cNvPr id="4" name="ZoneTexte 3"/>
           <p:cNvSpPr txBox="1"/>
           <p:nvPr/>
         </p:nvSpPr>
@@ -3837,7 +4008,7 @@
                   <a:srgbClr val="FF0000"/>
                 </a:solidFill>
               </a:rPr>
-              <a:t>Développement 4</a:t>
+              <a:t>Développement 2</a:t>
             </a:r>
             <a:endParaRPr lang="fr-FR" sz="1400" dirty="0">
               <a:solidFill>
@@ -3850,20 +4021,13 @@
     </p:spTree>
     <p:extLst>
       <p:ext uri="{BB962C8B-B14F-4D97-AF65-F5344CB8AC3E}">
-        <p14:creationId xmlns:p14="http://schemas.microsoft.com/office/powerpoint/2010/main" val="122085997"/>
+        <p14:creationId xmlns:p14="http://schemas.microsoft.com/office/powerpoint/2010/main" val="1973676190"/>
       </p:ext>
     </p:extLst>
   </p:cSld>
   <p:clrMapOvr>
     <a:masterClrMapping/>
   </p:clrMapOvr>
-  <p:timing>
-    <p:tnLst>
-      <p:par>
-        <p:cTn id="1" dur="indefinite" restart="never" nodeType="tmRoot"/>
-      </p:par>
-    </p:tnLst>
-  </p:timing>
 </p:sld>
 </file>
 
@@ -3935,7 +4099,7 @@
                   <a:srgbClr val="FF0000"/>
                 </a:solidFill>
               </a:rPr>
-              <a:t>Développement 5</a:t>
+              <a:t>Développement 3</a:t>
             </a:r>
             <a:endParaRPr lang="fr-FR" sz="1400" dirty="0">
               <a:solidFill>
@@ -3945,10 +4109,71 @@
           </a:p>
         </p:txBody>
       </p:sp>
+      <p:sp>
+        <p:nvSpPr>
+          <p:cNvPr id="5" name="ZoneTexte 4"/>
+          <p:cNvSpPr txBox="1"/>
+          <p:nvPr/>
+        </p:nvSpPr>
+        <p:spPr>
+          <a:xfrm>
+            <a:off x="2480733" y="426306"/>
+            <a:ext cx="7230533" cy="523220"/>
+          </a:xfrm>
+          <a:prstGeom prst="rect">
+            <a:avLst/>
+          </a:prstGeom>
+          <a:noFill/>
+        </p:spPr>
+        <p:txBody>
+          <a:bodyPr wrap="square" rtlCol="0">
+            <a:spAutoFit/>
+          </a:bodyPr>
+          <a:lstStyle/>
+          <a:p>
+            <a:pPr algn="ctr"/>
+            <a:r>
+              <a:rPr lang="fr-FR" sz="2800" dirty="0" smtClean="0"/>
+              <a:t>Schéma de notre architecture de test</a:t>
+            </a:r>
+            <a:endParaRPr lang="fr-FR" sz="2800" dirty="0"/>
+          </a:p>
+        </p:txBody>
+      </p:sp>
+      <p:pic>
+        <p:nvPicPr>
+          <p:cNvPr id="6" name="Image 5"/>
+          <p:cNvPicPr>
+            <a:picLocks noChangeAspect="1"/>
+          </p:cNvPicPr>
+          <p:nvPr/>
+        </p:nvPicPr>
+        <p:blipFill>
+          <a:blip r:embed="rId2">
+            <a:extLst>
+              <a:ext uri="{28A0092B-C50C-407E-A947-70E740481C1C}">
+                <a14:useLocalDpi xmlns:a14="http://schemas.microsoft.com/office/drawing/2010/main" val="0"/>
+              </a:ext>
+            </a:extLst>
+          </a:blip>
+          <a:stretch>
+            <a:fillRect/>
+          </a:stretch>
+        </p:blipFill>
+        <p:spPr>
+          <a:xfrm>
+            <a:off x="2193117" y="989741"/>
+            <a:ext cx="7805765" cy="5549171"/>
+          </a:xfrm>
+          <a:prstGeom prst="rect">
+            <a:avLst/>
+          </a:prstGeom>
+        </p:spPr>
+      </p:pic>
     </p:spTree>
     <p:extLst>
       <p:ext uri="{BB962C8B-B14F-4D97-AF65-F5344CB8AC3E}">
-        <p14:creationId xmlns:p14="http://schemas.microsoft.com/office/powerpoint/2010/main" val="871201483"/>
+        <p14:creationId xmlns:p14="http://schemas.microsoft.com/office/powerpoint/2010/main" val="4288963991"/>
       </p:ext>
     </p:extLst>
   </p:cSld>
@@ -4033,7 +4258,7 @@
                   <a:srgbClr val="FF0000"/>
                 </a:solidFill>
               </a:rPr>
-              <a:t>Conclusion</a:t>
+              <a:t>Développement 4</a:t>
             </a:r>
             <a:endParaRPr lang="fr-FR" sz="1400" dirty="0">
               <a:solidFill>
@@ -4043,10 +4268,40 @@
           </a:p>
         </p:txBody>
       </p:sp>
+      <p:sp>
+        <p:nvSpPr>
+          <p:cNvPr id="4" name="Rectangle 3"/>
+          <p:cNvSpPr/>
+          <p:nvPr/>
+        </p:nvSpPr>
+        <p:spPr>
+          <a:xfrm>
+            <a:off x="4973417" y="3244334"/>
+            <a:ext cx="2245166" cy="369332"/>
+          </a:xfrm>
+          <a:prstGeom prst="rect">
+            <a:avLst/>
+          </a:prstGeom>
+        </p:spPr>
+        <p:txBody>
+          <a:bodyPr wrap="none">
+            <a:spAutoFit/>
+          </a:bodyPr>
+          <a:lstStyle/>
+          <a:p>
+            <a:pPr algn="ctr"/>
+            <a:r>
+              <a:rPr lang="fr-FR" dirty="0" smtClean="0"/>
+              <a:t>Problèmes rencontrés</a:t>
+            </a:r>
+            <a:endParaRPr lang="fr-FR" dirty="0"/>
+          </a:p>
+        </p:txBody>
+      </p:sp>
     </p:spTree>
     <p:extLst>
       <p:ext uri="{BB962C8B-B14F-4D97-AF65-F5344CB8AC3E}">
-        <p14:creationId xmlns:p14="http://schemas.microsoft.com/office/powerpoint/2010/main" val="3231713206"/>
+        <p14:creationId xmlns:p14="http://schemas.microsoft.com/office/powerpoint/2010/main" val="2442421539"/>
       </p:ext>
     </p:extLst>
   </p:cSld>
@@ -4131,13 +4386,547 @@
                   <a:srgbClr val="FF0000"/>
                 </a:solidFill>
               </a:rPr>
-              <a:t>Merci</a:t>
+              <a:t>Développement 4</a:t>
             </a:r>
             <a:endParaRPr lang="fr-FR" sz="1400" dirty="0">
               <a:solidFill>
                 <a:srgbClr val="FF0000"/>
               </a:solidFill>
             </a:endParaRPr>
+          </a:p>
+        </p:txBody>
+      </p:sp>
+      <p:sp>
+        <p:nvSpPr>
+          <p:cNvPr id="4" name="Rectangle 3"/>
+          <p:cNvSpPr/>
+          <p:nvPr/>
+        </p:nvSpPr>
+        <p:spPr>
+          <a:xfrm>
+            <a:off x="4973417" y="3244334"/>
+            <a:ext cx="2245166" cy="369332"/>
+          </a:xfrm>
+          <a:prstGeom prst="rect">
+            <a:avLst/>
+          </a:prstGeom>
+        </p:spPr>
+        <p:txBody>
+          <a:bodyPr wrap="none">
+            <a:spAutoFit/>
+          </a:bodyPr>
+          <a:lstStyle/>
+          <a:p>
+            <a:pPr algn="ctr"/>
+            <a:r>
+              <a:rPr lang="fr-FR" dirty="0" smtClean="0"/>
+              <a:t>Problèmes rencontrés</a:t>
+            </a:r>
+            <a:endParaRPr lang="fr-FR" dirty="0"/>
+          </a:p>
+        </p:txBody>
+      </p:sp>
+    </p:spTree>
+    <p:extLst>
+      <p:ext uri="{BB962C8B-B14F-4D97-AF65-F5344CB8AC3E}">
+        <p14:creationId xmlns:p14="http://schemas.microsoft.com/office/powerpoint/2010/main" val="871201483"/>
+      </p:ext>
+    </p:extLst>
+  </p:cSld>
+  <p:clrMapOvr>
+    <a:masterClrMapping/>
+  </p:clrMapOvr>
+  <p:timing>
+    <p:tnLst>
+      <p:par>
+        <p:cTn id="1" dur="indefinite" restart="never" nodeType="tmRoot"/>
+      </p:par>
+    </p:tnLst>
+  </p:timing>
+</p:sld>
+</file>
+
+<file path=ppt/slides/slide16.xml><?xml version="1.0" encoding="utf-8"?>
+<p:sld xmlns:a="http://schemas.openxmlformats.org/drawingml/2006/main" xmlns:r="http://schemas.openxmlformats.org/officeDocument/2006/relationships" xmlns:p="http://schemas.openxmlformats.org/presentationml/2006/main">
+  <p:cSld>
+    <p:spTree>
+      <p:nvGrpSpPr>
+        <p:cNvPr id="1" name=""/>
+        <p:cNvGrpSpPr/>
+        <p:nvPr/>
+      </p:nvGrpSpPr>
+      <p:grpSpPr>
+        <a:xfrm>
+          <a:off x="0" y="0"/>
+          <a:ext cx="0" cy="0"/>
+          <a:chOff x="0" y="0"/>
+          <a:chExt cx="0" cy="0"/>
+        </a:xfrm>
+      </p:grpSpPr>
+      <p:sp>
+        <p:nvSpPr>
+          <p:cNvPr id="2" name="Espace réservé du numéro de diapositive 1"/>
+          <p:cNvSpPr>
+            <a:spLocks noGrp="1"/>
+          </p:cNvSpPr>
+          <p:nvPr>
+            <p:ph type="sldNum" sz="quarter" idx="12"/>
+          </p:nvPr>
+        </p:nvSpPr>
+        <p:spPr/>
+        <p:txBody>
+          <a:bodyPr/>
+          <a:lstStyle/>
+          <a:p>
+            <a:fld id="{E4F67F9A-838C-4734-8EB0-754A37D9A5A7}" type="slidenum">
+              <a:rPr lang="fr-FR" smtClean="0"/>
+              <a:t>16</a:t>
+            </a:fld>
+            <a:endParaRPr lang="fr-FR"/>
+          </a:p>
+        </p:txBody>
+      </p:sp>
+      <p:sp>
+        <p:nvSpPr>
+          <p:cNvPr id="3" name="ZoneTexte 2"/>
+          <p:cNvSpPr txBox="1"/>
+          <p:nvPr/>
+        </p:nvSpPr>
+        <p:spPr>
+          <a:xfrm>
+            <a:off x="-1" y="0"/>
+            <a:ext cx="1854201" cy="307777"/>
+          </a:xfrm>
+          <a:prstGeom prst="rect">
+            <a:avLst/>
+          </a:prstGeom>
+          <a:noFill/>
+        </p:spPr>
+        <p:txBody>
+          <a:bodyPr wrap="square" rtlCol="0">
+            <a:spAutoFit/>
+          </a:bodyPr>
+          <a:lstStyle/>
+          <a:p>
+            <a:r>
+              <a:rPr lang="fr-FR" sz="1400" dirty="0" smtClean="0">
+                <a:solidFill>
+                  <a:srgbClr val="FF0000"/>
+                </a:solidFill>
+              </a:rPr>
+              <a:t>Vidéo démonstration</a:t>
+            </a:r>
+            <a:endParaRPr lang="fr-FR" sz="1400" dirty="0">
+              <a:solidFill>
+                <a:srgbClr val="FF0000"/>
+              </a:solidFill>
+            </a:endParaRPr>
+          </a:p>
+        </p:txBody>
+      </p:sp>
+      <p:sp>
+        <p:nvSpPr>
+          <p:cNvPr id="4" name="Rectangle 3"/>
+          <p:cNvSpPr/>
+          <p:nvPr/>
+        </p:nvSpPr>
+        <p:spPr>
+          <a:xfrm>
+            <a:off x="5543220" y="3167390"/>
+            <a:ext cx="1105559" cy="523220"/>
+          </a:xfrm>
+          <a:prstGeom prst="rect">
+            <a:avLst/>
+          </a:prstGeom>
+        </p:spPr>
+        <p:txBody>
+          <a:bodyPr wrap="none">
+            <a:spAutoFit/>
+          </a:bodyPr>
+          <a:lstStyle/>
+          <a:p>
+            <a:r>
+              <a:rPr lang="fr-FR" sz="2800" dirty="0" smtClean="0"/>
+              <a:t>VIDEO</a:t>
+            </a:r>
+            <a:endParaRPr lang="fr-FR" sz="2800" dirty="0"/>
+          </a:p>
+        </p:txBody>
+      </p:sp>
+    </p:spTree>
+    <p:extLst>
+      <p:ext uri="{BB962C8B-B14F-4D97-AF65-F5344CB8AC3E}">
+        <p14:creationId xmlns:p14="http://schemas.microsoft.com/office/powerpoint/2010/main" val="3655151742"/>
+      </p:ext>
+    </p:extLst>
+  </p:cSld>
+  <p:clrMapOvr>
+    <a:masterClrMapping/>
+  </p:clrMapOvr>
+</p:sld>
+</file>
+
+<file path=ppt/slides/slide17.xml><?xml version="1.0" encoding="utf-8"?>
+<p:sld xmlns:a="http://schemas.openxmlformats.org/drawingml/2006/main" xmlns:r="http://schemas.openxmlformats.org/officeDocument/2006/relationships" xmlns:p="http://schemas.openxmlformats.org/presentationml/2006/main">
+  <p:cSld>
+    <p:spTree>
+      <p:nvGrpSpPr>
+        <p:cNvPr id="1" name=""/>
+        <p:cNvGrpSpPr/>
+        <p:nvPr/>
+      </p:nvGrpSpPr>
+      <p:grpSpPr>
+        <a:xfrm>
+          <a:off x="0" y="0"/>
+          <a:ext cx="0" cy="0"/>
+          <a:chOff x="0" y="0"/>
+          <a:chExt cx="0" cy="0"/>
+        </a:xfrm>
+      </p:grpSpPr>
+      <p:sp>
+        <p:nvSpPr>
+          <p:cNvPr id="2" name="Espace réservé du numéro de diapositive 1"/>
+          <p:cNvSpPr>
+            <a:spLocks noGrp="1"/>
+          </p:cNvSpPr>
+          <p:nvPr>
+            <p:ph type="sldNum" sz="quarter" idx="12"/>
+          </p:nvPr>
+        </p:nvSpPr>
+        <p:spPr/>
+        <p:txBody>
+          <a:bodyPr/>
+          <a:lstStyle/>
+          <a:p>
+            <a:fld id="{E4F67F9A-838C-4734-8EB0-754A37D9A5A7}" type="slidenum">
+              <a:rPr lang="fr-FR" smtClean="0"/>
+              <a:t>17</a:t>
+            </a:fld>
+            <a:endParaRPr lang="fr-FR"/>
+          </a:p>
+        </p:txBody>
+      </p:sp>
+      <p:sp>
+        <p:nvSpPr>
+          <p:cNvPr id="3" name="ZoneTexte 2"/>
+          <p:cNvSpPr txBox="1"/>
+          <p:nvPr/>
+        </p:nvSpPr>
+        <p:spPr>
+          <a:xfrm>
+            <a:off x="-1" y="0"/>
+            <a:ext cx="1532467" cy="307777"/>
+          </a:xfrm>
+          <a:prstGeom prst="rect">
+            <a:avLst/>
+          </a:prstGeom>
+          <a:noFill/>
+        </p:spPr>
+        <p:txBody>
+          <a:bodyPr wrap="square" rtlCol="0">
+            <a:spAutoFit/>
+          </a:bodyPr>
+          <a:lstStyle/>
+          <a:p>
+            <a:r>
+              <a:rPr lang="fr-FR" sz="1400" dirty="0" smtClean="0">
+                <a:solidFill>
+                  <a:srgbClr val="FF0000"/>
+                </a:solidFill>
+              </a:rPr>
+              <a:t>Développement 5</a:t>
+            </a:r>
+            <a:endParaRPr lang="fr-FR" sz="1400" dirty="0">
+              <a:solidFill>
+                <a:srgbClr val="FF0000"/>
+              </a:solidFill>
+            </a:endParaRPr>
+          </a:p>
+        </p:txBody>
+      </p:sp>
+      <p:sp>
+        <p:nvSpPr>
+          <p:cNvPr id="4" name="Rectangle 3"/>
+          <p:cNvSpPr/>
+          <p:nvPr/>
+        </p:nvSpPr>
+        <p:spPr>
+          <a:xfrm>
+            <a:off x="2461383" y="3244334"/>
+            <a:ext cx="7269234" cy="369332"/>
+          </a:xfrm>
+          <a:prstGeom prst="rect">
+            <a:avLst/>
+          </a:prstGeom>
+        </p:spPr>
+        <p:txBody>
+          <a:bodyPr wrap="none">
+            <a:spAutoFit/>
+          </a:bodyPr>
+          <a:lstStyle/>
+          <a:p>
+            <a:pPr algn="ctr"/>
+            <a:r>
+              <a:rPr lang="fr-FR" dirty="0" smtClean="0"/>
+              <a:t>Peut être un slide de trop ou alors a rajouter pour les problèmes rencontrés</a:t>
+            </a:r>
+            <a:endParaRPr lang="fr-FR" dirty="0"/>
+          </a:p>
+        </p:txBody>
+      </p:sp>
+    </p:spTree>
+    <p:extLst>
+      <p:ext uri="{BB962C8B-B14F-4D97-AF65-F5344CB8AC3E}">
+        <p14:creationId xmlns:p14="http://schemas.microsoft.com/office/powerpoint/2010/main" val="122085997"/>
+      </p:ext>
+    </p:extLst>
+  </p:cSld>
+  <p:clrMapOvr>
+    <a:masterClrMapping/>
+  </p:clrMapOvr>
+  <p:timing>
+    <p:tnLst>
+      <p:par>
+        <p:cTn id="1" dur="indefinite" restart="never" nodeType="tmRoot"/>
+      </p:par>
+    </p:tnLst>
+  </p:timing>
+</p:sld>
+</file>
+
+<file path=ppt/slides/slide18.xml><?xml version="1.0" encoding="utf-8"?>
+<p:sld xmlns:a="http://schemas.openxmlformats.org/drawingml/2006/main" xmlns:r="http://schemas.openxmlformats.org/officeDocument/2006/relationships" xmlns:p="http://schemas.openxmlformats.org/presentationml/2006/main">
+  <p:cSld>
+    <p:spTree>
+      <p:nvGrpSpPr>
+        <p:cNvPr id="1" name=""/>
+        <p:cNvGrpSpPr/>
+        <p:nvPr/>
+      </p:nvGrpSpPr>
+      <p:grpSpPr>
+        <a:xfrm>
+          <a:off x="0" y="0"/>
+          <a:ext cx="0" cy="0"/>
+          <a:chOff x="0" y="0"/>
+          <a:chExt cx="0" cy="0"/>
+        </a:xfrm>
+      </p:grpSpPr>
+      <p:sp>
+        <p:nvSpPr>
+          <p:cNvPr id="2" name="Espace réservé du numéro de diapositive 1"/>
+          <p:cNvSpPr>
+            <a:spLocks noGrp="1"/>
+          </p:cNvSpPr>
+          <p:nvPr>
+            <p:ph type="sldNum" sz="quarter" idx="12"/>
+          </p:nvPr>
+        </p:nvSpPr>
+        <p:spPr/>
+        <p:txBody>
+          <a:bodyPr/>
+          <a:lstStyle/>
+          <a:p>
+            <a:fld id="{E4F67F9A-838C-4734-8EB0-754A37D9A5A7}" type="slidenum">
+              <a:rPr lang="fr-FR" smtClean="0"/>
+              <a:t>18</a:t>
+            </a:fld>
+            <a:endParaRPr lang="fr-FR"/>
+          </a:p>
+        </p:txBody>
+      </p:sp>
+      <p:sp>
+        <p:nvSpPr>
+          <p:cNvPr id="3" name="ZoneTexte 2"/>
+          <p:cNvSpPr txBox="1"/>
+          <p:nvPr/>
+        </p:nvSpPr>
+        <p:spPr>
+          <a:xfrm>
+            <a:off x="-1" y="0"/>
+            <a:ext cx="1532467" cy="307777"/>
+          </a:xfrm>
+          <a:prstGeom prst="rect">
+            <a:avLst/>
+          </a:prstGeom>
+          <a:noFill/>
+        </p:spPr>
+        <p:txBody>
+          <a:bodyPr wrap="square" rtlCol="0">
+            <a:spAutoFit/>
+          </a:bodyPr>
+          <a:lstStyle/>
+          <a:p>
+            <a:r>
+              <a:rPr lang="fr-FR" sz="1400" dirty="0" smtClean="0">
+                <a:solidFill>
+                  <a:srgbClr val="FF0000"/>
+                </a:solidFill>
+              </a:rPr>
+              <a:t>Conclusion</a:t>
+            </a:r>
+            <a:endParaRPr lang="fr-FR" sz="1400" dirty="0">
+              <a:solidFill>
+                <a:srgbClr val="FF0000"/>
+              </a:solidFill>
+            </a:endParaRPr>
+          </a:p>
+        </p:txBody>
+      </p:sp>
+      <p:sp>
+        <p:nvSpPr>
+          <p:cNvPr id="6" name="Rectangle 5"/>
+          <p:cNvSpPr/>
+          <p:nvPr/>
+        </p:nvSpPr>
+        <p:spPr>
+          <a:xfrm>
+            <a:off x="5314443" y="3244334"/>
+            <a:ext cx="1563120" cy="369332"/>
+          </a:xfrm>
+          <a:prstGeom prst="rect">
+            <a:avLst/>
+          </a:prstGeom>
+        </p:spPr>
+        <p:txBody>
+          <a:bodyPr wrap="none">
+            <a:spAutoFit/>
+          </a:bodyPr>
+          <a:lstStyle/>
+          <a:p>
+            <a:pPr algn="ctr"/>
+            <a:r>
+              <a:rPr lang="fr-FR" dirty="0" smtClean="0"/>
+              <a:t>Bilan du projet</a:t>
+            </a:r>
+            <a:endParaRPr lang="fr-FR" dirty="0"/>
+          </a:p>
+        </p:txBody>
+      </p:sp>
+    </p:spTree>
+    <p:extLst>
+      <p:ext uri="{BB962C8B-B14F-4D97-AF65-F5344CB8AC3E}">
+        <p14:creationId xmlns:p14="http://schemas.microsoft.com/office/powerpoint/2010/main" val="3231713206"/>
+      </p:ext>
+    </p:extLst>
+  </p:cSld>
+  <p:clrMapOvr>
+    <a:masterClrMapping/>
+  </p:clrMapOvr>
+  <p:timing>
+    <p:tnLst>
+      <p:par>
+        <p:cTn id="1" dur="indefinite" restart="never" nodeType="tmRoot"/>
+      </p:par>
+    </p:tnLst>
+  </p:timing>
+</p:sld>
+</file>
+
+<file path=ppt/slides/slide19.xml><?xml version="1.0" encoding="utf-8"?>
+<p:sld xmlns:a="http://schemas.openxmlformats.org/drawingml/2006/main" xmlns:r="http://schemas.openxmlformats.org/officeDocument/2006/relationships" xmlns:p="http://schemas.openxmlformats.org/presentationml/2006/main">
+  <p:cSld>
+    <p:spTree>
+      <p:nvGrpSpPr>
+        <p:cNvPr id="1" name=""/>
+        <p:cNvGrpSpPr/>
+        <p:nvPr/>
+      </p:nvGrpSpPr>
+      <p:grpSpPr>
+        <a:xfrm>
+          <a:off x="0" y="0"/>
+          <a:ext cx="0" cy="0"/>
+          <a:chOff x="0" y="0"/>
+          <a:chExt cx="0" cy="0"/>
+        </a:xfrm>
+      </p:grpSpPr>
+      <p:sp>
+        <p:nvSpPr>
+          <p:cNvPr id="2" name="Espace réservé du numéro de diapositive 1"/>
+          <p:cNvSpPr>
+            <a:spLocks noGrp="1"/>
+          </p:cNvSpPr>
+          <p:nvPr>
+            <p:ph type="sldNum" sz="quarter" idx="12"/>
+          </p:nvPr>
+        </p:nvSpPr>
+        <p:spPr/>
+        <p:txBody>
+          <a:bodyPr/>
+          <a:lstStyle/>
+          <a:p>
+            <a:fld id="{E4F67F9A-838C-4734-8EB0-754A37D9A5A7}" type="slidenum">
+              <a:rPr lang="fr-FR" smtClean="0"/>
+              <a:t>19</a:t>
+            </a:fld>
+            <a:endParaRPr lang="fr-FR"/>
+          </a:p>
+        </p:txBody>
+      </p:sp>
+      <p:sp>
+        <p:nvSpPr>
+          <p:cNvPr id="3" name="ZoneTexte 2"/>
+          <p:cNvSpPr txBox="1"/>
+          <p:nvPr/>
+        </p:nvSpPr>
+        <p:spPr>
+          <a:xfrm>
+            <a:off x="-1" y="0"/>
+            <a:ext cx="1532467" cy="307777"/>
+          </a:xfrm>
+          <a:prstGeom prst="rect">
+            <a:avLst/>
+          </a:prstGeom>
+          <a:noFill/>
+        </p:spPr>
+        <p:txBody>
+          <a:bodyPr wrap="square" rtlCol="0">
+            <a:spAutoFit/>
+          </a:bodyPr>
+          <a:lstStyle/>
+          <a:p>
+            <a:r>
+              <a:rPr lang="fr-FR" sz="1400" dirty="0" smtClean="0">
+                <a:solidFill>
+                  <a:srgbClr val="FF0000"/>
+                </a:solidFill>
+              </a:rPr>
+              <a:t>Merci</a:t>
+            </a:r>
+            <a:endParaRPr lang="fr-FR" sz="1400" dirty="0">
+              <a:solidFill>
+                <a:srgbClr val="FF0000"/>
+              </a:solidFill>
+            </a:endParaRPr>
+          </a:p>
+        </p:txBody>
+      </p:sp>
+      <p:sp>
+        <p:nvSpPr>
+          <p:cNvPr id="4" name="Rectangle 3"/>
+          <p:cNvSpPr/>
+          <p:nvPr/>
+        </p:nvSpPr>
+        <p:spPr>
+          <a:xfrm>
+            <a:off x="5525940" y="3167390"/>
+            <a:ext cx="1140120" cy="523220"/>
+          </a:xfrm>
+          <a:prstGeom prst="rect">
+            <a:avLst/>
+          </a:prstGeom>
+        </p:spPr>
+        <p:txBody>
+          <a:bodyPr wrap="none">
+            <a:spAutoFit/>
+          </a:bodyPr>
+          <a:lstStyle/>
+          <a:p>
+            <a:pPr algn="ctr"/>
+            <a:r>
+              <a:rPr lang="fr-FR" sz="2800" dirty="0" smtClean="0"/>
+              <a:t>MERCI</a:t>
+            </a:r>
+            <a:endParaRPr lang="fr-FR" sz="2800" dirty="0"/>
           </a:p>
         </p:txBody>
       </p:sp>
@@ -4239,6 +5028,45 @@
           </a:p>
         </p:txBody>
       </p:sp>
+      <p:sp>
+        <p:nvSpPr>
+          <p:cNvPr id="5" name="ZoneTexte 4"/>
+          <p:cNvSpPr txBox="1"/>
+          <p:nvPr/>
+        </p:nvSpPr>
+        <p:spPr>
+          <a:xfrm>
+            <a:off x="3412067" y="3244334"/>
+            <a:ext cx="5367866" cy="369332"/>
+          </a:xfrm>
+          <a:prstGeom prst="rect">
+            <a:avLst/>
+          </a:prstGeom>
+          <a:noFill/>
+        </p:spPr>
+        <p:txBody>
+          <a:bodyPr wrap="square" rtlCol="0">
+            <a:spAutoFit/>
+          </a:bodyPr>
+          <a:lstStyle/>
+          <a:p>
+            <a:pPr algn="ctr"/>
+            <a:r>
+              <a:rPr lang="fr-FR" dirty="0" smtClean="0"/>
+              <a:t>Définir les </a:t>
+            </a:r>
+            <a:r>
+              <a:rPr lang="fr-FR" dirty="0" smtClean="0"/>
+              <a:t>mots </a:t>
+            </a:r>
+            <a:r>
+              <a:rPr lang="fr-FR" dirty="0" smtClean="0"/>
+              <a:t>clés</a:t>
+            </a:r>
+            <a:endParaRPr lang="fr-FR" dirty="0"/>
+          </a:p>
+        </p:txBody>
+      </p:sp>
     </p:spTree>
     <p:extLst>
       <p:ext uri="{BB962C8B-B14F-4D97-AF65-F5344CB8AC3E}">
@@ -4337,6 +5165,45 @@
           </a:p>
         </p:txBody>
       </p:sp>
+      <p:sp>
+        <p:nvSpPr>
+          <p:cNvPr id="4" name="ZoneTexte 3"/>
+          <p:cNvSpPr txBox="1"/>
+          <p:nvPr/>
+        </p:nvSpPr>
+        <p:spPr>
+          <a:xfrm>
+            <a:off x="3412067" y="3244334"/>
+            <a:ext cx="5367866" cy="369332"/>
+          </a:xfrm>
+          <a:prstGeom prst="rect">
+            <a:avLst/>
+          </a:prstGeom>
+          <a:noFill/>
+        </p:spPr>
+        <p:txBody>
+          <a:bodyPr wrap="square" rtlCol="0">
+            <a:spAutoFit/>
+          </a:bodyPr>
+          <a:lstStyle/>
+          <a:p>
+            <a:pPr algn="ctr"/>
+            <a:r>
+              <a:rPr lang="fr-FR" dirty="0" smtClean="0"/>
+              <a:t>Définir les </a:t>
+            </a:r>
+            <a:r>
+              <a:rPr lang="fr-FR" dirty="0" smtClean="0"/>
+              <a:t>mots </a:t>
+            </a:r>
+            <a:r>
+              <a:rPr lang="fr-FR" dirty="0" smtClean="0"/>
+              <a:t>clés</a:t>
+            </a:r>
+            <a:endParaRPr lang="fr-FR" dirty="0"/>
+          </a:p>
+        </p:txBody>
+      </p:sp>
     </p:spTree>
     <p:extLst>
       <p:ext uri="{BB962C8B-B14F-4D97-AF65-F5344CB8AC3E}">
@@ -4435,6 +5302,45 @@
           </a:p>
         </p:txBody>
       </p:sp>
+      <p:sp>
+        <p:nvSpPr>
+          <p:cNvPr id="4" name="ZoneTexte 3"/>
+          <p:cNvSpPr txBox="1"/>
+          <p:nvPr/>
+        </p:nvSpPr>
+        <p:spPr>
+          <a:xfrm>
+            <a:off x="3412067" y="3244334"/>
+            <a:ext cx="5367866" cy="369332"/>
+          </a:xfrm>
+          <a:prstGeom prst="rect">
+            <a:avLst/>
+          </a:prstGeom>
+          <a:noFill/>
+        </p:spPr>
+        <p:txBody>
+          <a:bodyPr wrap="square" rtlCol="0">
+            <a:spAutoFit/>
+          </a:bodyPr>
+          <a:lstStyle/>
+          <a:p>
+            <a:pPr algn="ctr"/>
+            <a:r>
+              <a:rPr lang="fr-FR" dirty="0" smtClean="0"/>
+              <a:t>Définir les </a:t>
+            </a:r>
+            <a:r>
+              <a:rPr lang="fr-FR" dirty="0" smtClean="0"/>
+              <a:t>mots </a:t>
+            </a:r>
+            <a:r>
+              <a:rPr lang="fr-FR" dirty="0" smtClean="0"/>
+              <a:t>clés</a:t>
+            </a:r>
+            <a:endParaRPr lang="fr-FR" dirty="0"/>
+          </a:p>
+        </p:txBody>
+      </p:sp>
     </p:spTree>
     <p:extLst>
       <p:ext uri="{BB962C8B-B14F-4D97-AF65-F5344CB8AC3E}">
@@ -4474,6 +5380,37 @@
       </p:grpSpPr>
       <p:sp>
         <p:nvSpPr>
+          <p:cNvPr id="4" name="ZoneTexte 3"/>
+          <p:cNvSpPr txBox="1"/>
+          <p:nvPr/>
+        </p:nvSpPr>
+        <p:spPr>
+          <a:xfrm>
+            <a:off x="3471333" y="3244334"/>
+            <a:ext cx="5249333" cy="369332"/>
+          </a:xfrm>
+          <a:prstGeom prst="rect">
+            <a:avLst/>
+          </a:prstGeom>
+          <a:noFill/>
+        </p:spPr>
+        <p:txBody>
+          <a:bodyPr wrap="square" rtlCol="0">
+            <a:spAutoFit/>
+          </a:bodyPr>
+          <a:lstStyle/>
+          <a:p>
+            <a:pPr algn="ctr"/>
+            <a:r>
+              <a:rPr lang="fr-FR" dirty="0" smtClean="0"/>
+              <a:t>Lister les points importants du cahier des charges</a:t>
+            </a:r>
+            <a:endParaRPr lang="fr-FR" dirty="0"/>
+          </a:p>
+        </p:txBody>
+      </p:sp>
+      <p:sp>
+        <p:nvSpPr>
           <p:cNvPr id="2" name="Espace réservé du numéro de diapositive 1"/>
           <p:cNvSpPr>
             <a:spLocks noGrp="1"/>
@@ -4631,6 +5568,35 @@
           </a:p>
         </p:txBody>
       </p:sp>
+      <p:sp>
+        <p:nvSpPr>
+          <p:cNvPr id="5" name="Rectangle 4"/>
+          <p:cNvSpPr/>
+          <p:nvPr/>
+        </p:nvSpPr>
+        <p:spPr>
+          <a:xfrm>
+            <a:off x="3668636" y="3244334"/>
+            <a:ext cx="4854727" cy="369332"/>
+          </a:xfrm>
+          <a:prstGeom prst="rect">
+            <a:avLst/>
+          </a:prstGeom>
+        </p:spPr>
+        <p:txBody>
+          <a:bodyPr wrap="none">
+            <a:spAutoFit/>
+          </a:bodyPr>
+          <a:lstStyle/>
+          <a:p>
+            <a:pPr algn="ctr"/>
+            <a:r>
+              <a:rPr lang="fr-FR" dirty="0"/>
+              <a:t>Présentation de la théorie du découpage en tuiles</a:t>
+            </a:r>
+          </a:p>
+        </p:txBody>
+      </p:sp>
     </p:spTree>
     <p:extLst>
       <p:ext uri="{BB962C8B-B14F-4D97-AF65-F5344CB8AC3E}">
@@ -4729,6 +5695,40 @@
           </a:p>
         </p:txBody>
       </p:sp>
+      <p:sp>
+        <p:nvSpPr>
+          <p:cNvPr id="4" name="Rectangle 3"/>
+          <p:cNvSpPr/>
+          <p:nvPr/>
+        </p:nvSpPr>
+        <p:spPr>
+          <a:xfrm>
+            <a:off x="3855547" y="3244334"/>
+            <a:ext cx="4480907" cy="369332"/>
+          </a:xfrm>
+          <a:prstGeom prst="rect">
+            <a:avLst/>
+          </a:prstGeom>
+        </p:spPr>
+        <p:txBody>
+          <a:bodyPr wrap="none">
+            <a:spAutoFit/>
+          </a:bodyPr>
+          <a:lstStyle/>
+          <a:p>
+            <a:pPr algn="ctr"/>
+            <a:r>
+              <a:rPr lang="fr-FR" dirty="0"/>
+              <a:t>Présentation de la théorie </a:t>
+            </a:r>
+            <a:r>
+              <a:rPr lang="fr-FR" dirty="0" smtClean="0"/>
+              <a:t>du streaming DASH</a:t>
+            </a:r>
+            <a:endParaRPr lang="fr-FR" dirty="0"/>
+          </a:p>
+        </p:txBody>
+      </p:sp>
     </p:spTree>
     <p:extLst>
       <p:ext uri="{BB962C8B-B14F-4D97-AF65-F5344CB8AC3E}">
@@ -4827,6 +5827,36 @@
           </a:p>
         </p:txBody>
       </p:sp>
+      <p:sp>
+        <p:nvSpPr>
+          <p:cNvPr id="4" name="Rectangle 3"/>
+          <p:cNvSpPr/>
+          <p:nvPr/>
+        </p:nvSpPr>
+        <p:spPr>
+          <a:xfrm>
+            <a:off x="3916140" y="3244334"/>
+            <a:ext cx="4359720" cy="369332"/>
+          </a:xfrm>
+          <a:prstGeom prst="rect">
+            <a:avLst/>
+          </a:prstGeom>
+        </p:spPr>
+        <p:txBody>
+          <a:bodyPr wrap="none">
+            <a:spAutoFit/>
+          </a:bodyPr>
+          <a:lstStyle/>
+          <a:p>
+            <a:pPr algn="ctr"/>
+            <a:r>
+              <a:rPr lang="fr-FR" dirty="0" smtClean="0"/>
+              <a:t>Schéma de la chaine théorique de streaming</a:t>
+            </a:r>
+            <a:endParaRPr lang="fr-FR" dirty="0"/>
+          </a:p>
+        </p:txBody>
+      </p:sp>
     </p:spTree>
     <p:extLst>
       <p:ext uri="{BB962C8B-B14F-4D97-AF65-F5344CB8AC3E}">
@@ -4864,6 +5894,36 @@
           <a:chExt cx="0" cy="0"/>
         </a:xfrm>
       </p:grpSpPr>
+      <p:pic>
+        <p:nvPicPr>
+          <p:cNvPr id="9" name="Image 8"/>
+          <p:cNvPicPr>
+            <a:picLocks noChangeAspect="1"/>
+          </p:cNvPicPr>
+          <p:nvPr/>
+        </p:nvPicPr>
+        <p:blipFill>
+          <a:blip r:embed="rId2">
+            <a:extLst>
+              <a:ext uri="{28A0092B-C50C-407E-A947-70E740481C1C}">
+                <a14:useLocalDpi xmlns:a14="http://schemas.microsoft.com/office/drawing/2010/main" val="0"/>
+              </a:ext>
+            </a:extLst>
+          </a:blip>
+          <a:stretch>
+            <a:fillRect/>
+          </a:stretch>
+        </p:blipFill>
+        <p:spPr>
+          <a:xfrm>
+            <a:off x="1590289" y="1008793"/>
+            <a:ext cx="9011420" cy="5169768"/>
+          </a:xfrm>
+          <a:prstGeom prst="rect">
+            <a:avLst/>
+          </a:prstGeom>
+        </p:spPr>
+      </p:pic>
       <p:sp>
         <p:nvSpPr>
           <p:cNvPr id="2" name="Espace réservé du numéro de diapositive 1"/>
@@ -4925,10 +5985,41 @@
           </a:p>
         </p:txBody>
       </p:sp>
+      <p:sp>
+        <p:nvSpPr>
+          <p:cNvPr id="5" name="ZoneTexte 4"/>
+          <p:cNvSpPr txBox="1"/>
+          <p:nvPr/>
+        </p:nvSpPr>
+        <p:spPr>
+          <a:xfrm>
+            <a:off x="2480733" y="426306"/>
+            <a:ext cx="7230533" cy="523220"/>
+          </a:xfrm>
+          <a:prstGeom prst="rect">
+            <a:avLst/>
+          </a:prstGeom>
+          <a:noFill/>
+        </p:spPr>
+        <p:txBody>
+          <a:bodyPr wrap="square" rtlCol="0">
+            <a:spAutoFit/>
+          </a:bodyPr>
+          <a:lstStyle/>
+          <a:p>
+            <a:pPr algn="ctr"/>
+            <a:r>
+              <a:rPr lang="fr-FR" sz="2800" dirty="0" smtClean="0"/>
+              <a:t>Schéma de la chaine d’encodage vidéo</a:t>
+            </a:r>
+            <a:endParaRPr lang="fr-FR" sz="2800" dirty="0"/>
+          </a:p>
+        </p:txBody>
+      </p:sp>
     </p:spTree>
     <p:extLst>
       <p:ext uri="{BB962C8B-B14F-4D97-AF65-F5344CB8AC3E}">
-        <p14:creationId xmlns:p14="http://schemas.microsoft.com/office/powerpoint/2010/main" val="4288963991"/>
+        <p14:creationId xmlns:p14="http://schemas.microsoft.com/office/powerpoint/2010/main" val="141894101"/>
       </p:ext>
     </p:extLst>
   </p:cSld>

--- a/Slides/PRES2019-Projet14-OlivierFourmaux-ROIStreamingImapct-soutenance.pptx
+++ b/Slides/PRES2019-Projet14-OlivierFourmaux-ROIStreamingImapct-soutenance.pptx
@@ -5,7 +5,7 @@
     <p:sldMasterId id="2147483648" r:id="rId1"/>
   </p:sldMasterIdLst>
   <p:notesMasterIdLst>
-    <p:notesMasterId r:id="rId21"/>
+    <p:notesMasterId r:id="rId23"/>
   </p:notesMasterIdLst>
   <p:sldIdLst>
     <p:sldId id="256" r:id="rId2"/>
@@ -20,13 +20,15 @@
     <p:sldId id="272" r:id="rId11"/>
     <p:sldId id="273" r:id="rId12"/>
     <p:sldId id="274" r:id="rId13"/>
-    <p:sldId id="264" r:id="rId14"/>
-    <p:sldId id="266" r:id="rId15"/>
-    <p:sldId id="268" r:id="rId16"/>
-    <p:sldId id="271" r:id="rId17"/>
-    <p:sldId id="267" r:id="rId18"/>
-    <p:sldId id="269" r:id="rId19"/>
-    <p:sldId id="270" r:id="rId20"/>
+    <p:sldId id="275" r:id="rId14"/>
+    <p:sldId id="276" r:id="rId15"/>
+    <p:sldId id="264" r:id="rId16"/>
+    <p:sldId id="266" r:id="rId17"/>
+    <p:sldId id="268" r:id="rId18"/>
+    <p:sldId id="271" r:id="rId19"/>
+    <p:sldId id="267" r:id="rId20"/>
+    <p:sldId id="269" r:id="rId21"/>
+    <p:sldId id="270" r:id="rId22"/>
   </p:sldIdLst>
   <p:sldSz cx="12192000" cy="6858000"/>
   <p:notesSz cx="6858000" cy="9144000"/>
@@ -226,7 +228,7 @@
           <a:p>
             <a:fld id="{83956E12-A7B0-40BB-B53B-545BE3161811}" type="datetimeFigureOut">
               <a:rPr lang="fr-FR" smtClean="0"/>
-              <a:t>12/06/2020</a:t>
+              <a:t>13/06/2020</a:t>
             </a:fld>
             <a:endParaRPr lang="fr-FR"/>
           </a:p>
@@ -709,7 +711,7 @@
           <a:p>
             <a:fld id="{A6F29AD2-F1A2-4E74-92F5-24F9B59D7573}" type="datetime1">
               <a:rPr lang="fr-FR" smtClean="0"/>
-              <a:t>12/06/2020</a:t>
+              <a:t>13/06/2020</a:t>
             </a:fld>
             <a:endParaRPr lang="fr-FR"/>
           </a:p>
@@ -879,7 +881,7 @@
           <a:p>
             <a:fld id="{5ED79E74-F135-472D-9DB2-DF9CBB980889}" type="datetime1">
               <a:rPr lang="fr-FR" smtClean="0"/>
-              <a:t>12/06/2020</a:t>
+              <a:t>13/06/2020</a:t>
             </a:fld>
             <a:endParaRPr lang="fr-FR"/>
           </a:p>
@@ -1059,7 +1061,7 @@
           <a:p>
             <a:fld id="{C6AC5058-C0DB-48EC-8AB0-832BB3642373}" type="datetime1">
               <a:rPr lang="fr-FR" smtClean="0"/>
-              <a:t>12/06/2020</a:t>
+              <a:t>13/06/2020</a:t>
             </a:fld>
             <a:endParaRPr lang="fr-FR"/>
           </a:p>
@@ -1229,7 +1231,7 @@
           <a:p>
             <a:fld id="{76F652B7-3FED-4BAB-9F63-01DE7F9FB2B9}" type="datetime1">
               <a:rPr lang="fr-FR" smtClean="0"/>
-              <a:t>12/06/2020</a:t>
+              <a:t>13/06/2020</a:t>
             </a:fld>
             <a:endParaRPr lang="fr-FR"/>
           </a:p>
@@ -1475,7 +1477,7 @@
           <a:p>
             <a:fld id="{D7EEBBCA-4E0E-41A5-8927-176BBBB26381}" type="datetime1">
               <a:rPr lang="fr-FR" smtClean="0"/>
-              <a:t>12/06/2020</a:t>
+              <a:t>13/06/2020</a:t>
             </a:fld>
             <a:endParaRPr lang="fr-FR"/>
           </a:p>
@@ -1707,7 +1709,7 @@
           <a:p>
             <a:fld id="{2B25F7E9-1BAD-4703-8D58-CE48142E5A5A}" type="datetime1">
               <a:rPr lang="fr-FR" smtClean="0"/>
-              <a:t>12/06/2020</a:t>
+              <a:t>13/06/2020</a:t>
             </a:fld>
             <a:endParaRPr lang="fr-FR"/>
           </a:p>
@@ -2074,7 +2076,7 @@
           <a:p>
             <a:fld id="{316E7241-5728-45F1-8AF7-C3841E4FE797}" type="datetime1">
               <a:rPr lang="fr-FR" smtClean="0"/>
-              <a:t>12/06/2020</a:t>
+              <a:t>13/06/2020</a:t>
             </a:fld>
             <a:endParaRPr lang="fr-FR"/>
           </a:p>
@@ -2192,7 +2194,7 @@
           <a:p>
             <a:fld id="{6894D680-D819-474A-8D7B-CFB7F721C2AD}" type="datetime1">
               <a:rPr lang="fr-FR" smtClean="0"/>
-              <a:t>12/06/2020</a:t>
+              <a:t>13/06/2020</a:t>
             </a:fld>
             <a:endParaRPr lang="fr-FR"/>
           </a:p>
@@ -2287,7 +2289,7 @@
           <a:p>
             <a:fld id="{807E58CE-068E-4EE3-B99A-44087A7E6EFC}" type="datetime1">
               <a:rPr lang="fr-FR" smtClean="0"/>
-              <a:t>12/06/2020</a:t>
+              <a:t>13/06/2020</a:t>
             </a:fld>
             <a:endParaRPr lang="fr-FR"/>
           </a:p>
@@ -2564,7 +2566,7 @@
           <a:p>
             <a:fld id="{D47317FF-4C54-4A8A-A564-9AE950381E3B}" type="datetime1">
               <a:rPr lang="fr-FR" smtClean="0"/>
-              <a:t>12/06/2020</a:t>
+              <a:t>13/06/2020</a:t>
             </a:fld>
             <a:endParaRPr lang="fr-FR"/>
           </a:p>
@@ -2817,7 +2819,7 @@
           <a:p>
             <a:fld id="{89886678-C011-4E2C-A958-44E1DAFC1EA2}" type="datetime1">
               <a:rPr lang="fr-FR" smtClean="0"/>
-              <a:t>12/06/2020</a:t>
+              <a:t>13/06/2020</a:t>
             </a:fld>
             <a:endParaRPr lang="fr-FR"/>
           </a:p>
@@ -3030,7 +3032,7 @@
           <a:p>
             <a:fld id="{BF44C28D-ABFF-4D11-8CAD-94D8A13303CD}" type="datetime1">
               <a:rPr lang="fr-FR" smtClean="0"/>
-              <a:t>12/06/2020</a:t>
+              <a:t>13/06/2020</a:t>
             </a:fld>
             <a:endParaRPr lang="fr-FR"/>
           </a:p>
@@ -3755,7 +3757,7 @@
       </p:grpSpPr>
       <p:pic>
         <p:nvPicPr>
-          <p:cNvPr id="6" name="Image 5"/>
+          <p:cNvPr id="5" name="Image 4"/>
           <p:cNvPicPr>
             <a:picLocks noChangeAspect="1"/>
           </p:cNvPicPr>
@@ -3776,7 +3778,7 @@
         <p:spPr>
           <a:xfrm>
             <a:off x="1591521" y="1008793"/>
-            <a:ext cx="9008956" cy="5168354"/>
+            <a:ext cx="9996540" cy="5168354"/>
           </a:xfrm>
           <a:prstGeom prst="rect">
             <a:avLst/>
@@ -3937,51 +3939,6 @@
       </p:sp>
       <p:sp>
         <p:nvSpPr>
-          <p:cNvPr id="3" name="Rectangle 2"/>
-          <p:cNvSpPr/>
-          <p:nvPr/>
-        </p:nvSpPr>
-        <p:spPr>
-          <a:xfrm>
-            <a:off x="3576463" y="3105834"/>
-            <a:ext cx="5039073" cy="646331"/>
-          </a:xfrm>
-          <a:prstGeom prst="rect">
-            <a:avLst/>
-          </a:prstGeom>
-        </p:spPr>
-        <p:txBody>
-          <a:bodyPr wrap="none">
-            <a:spAutoFit/>
-          </a:bodyPr>
-          <a:lstStyle/>
-          <a:p>
-            <a:pPr algn="ctr"/>
-            <a:r>
-              <a:rPr lang="fr-FR" dirty="0" smtClean="0"/>
-              <a:t>Schéma de la </a:t>
-            </a:r>
-            <a:r>
-              <a:rPr lang="fr-FR" dirty="0" smtClean="0"/>
-              <a:t>partie pratique du </a:t>
-            </a:r>
-            <a:r>
-              <a:rPr lang="fr-FR" dirty="0" smtClean="0"/>
-              <a:t>streaming</a:t>
-            </a:r>
-          </a:p>
-          <a:p>
-            <a:pPr algn="ctr"/>
-            <a:r>
-              <a:rPr lang="fr-FR" dirty="0" smtClean="0"/>
-              <a:t>Partie export au format DASH et lecture sur le client</a:t>
-            </a:r>
-            <a:endParaRPr lang="fr-FR" dirty="0"/>
-          </a:p>
-        </p:txBody>
-      </p:sp>
-      <p:sp>
-        <p:nvSpPr>
           <p:cNvPr id="4" name="ZoneTexte 3"/>
           <p:cNvSpPr txBox="1"/>
           <p:nvPr/>
@@ -4015,6 +3972,79 @@
                 <a:srgbClr val="FF0000"/>
               </a:solidFill>
             </a:endParaRPr>
+          </a:p>
+        </p:txBody>
+      </p:sp>
+      <p:pic>
+        <p:nvPicPr>
+          <p:cNvPr id="5" name="Image 4"/>
+          <p:cNvPicPr>
+            <a:picLocks noChangeAspect="1"/>
+          </p:cNvPicPr>
+          <p:nvPr/>
+        </p:nvPicPr>
+        <p:blipFill>
+          <a:blip r:embed="rId2">
+            <a:extLst>
+              <a:ext uri="{28A0092B-C50C-407E-A947-70E740481C1C}">
+                <a14:useLocalDpi xmlns:a14="http://schemas.microsoft.com/office/drawing/2010/main" val="0"/>
+              </a:ext>
+            </a:extLst>
+          </a:blip>
+          <a:stretch>
+            <a:fillRect/>
+          </a:stretch>
+        </p:blipFill>
+        <p:spPr>
+          <a:xfrm>
+            <a:off x="801613" y="1229863"/>
+            <a:ext cx="10588773" cy="4398273"/>
+          </a:xfrm>
+          <a:prstGeom prst="rect">
+            <a:avLst/>
+          </a:prstGeom>
+        </p:spPr>
+      </p:pic>
+      <p:sp>
+        <p:nvSpPr>
+          <p:cNvPr id="6" name="ZoneTexte 5"/>
+          <p:cNvSpPr txBox="1"/>
+          <p:nvPr/>
+        </p:nvSpPr>
+        <p:spPr>
+          <a:xfrm>
+            <a:off x="2353732" y="417840"/>
+            <a:ext cx="7484534" cy="523220"/>
+          </a:xfrm>
+          <a:prstGeom prst="rect">
+            <a:avLst/>
+          </a:prstGeom>
+          <a:noFill/>
+        </p:spPr>
+        <p:txBody>
+          <a:bodyPr wrap="square" rtlCol="0">
+            <a:spAutoFit/>
+          </a:bodyPr>
+          <a:lstStyle/>
+          <a:p>
+            <a:pPr algn="ctr"/>
+            <a:r>
+              <a:rPr lang="fr-FR" sz="2800" dirty="0" smtClean="0"/>
+              <a:t>Schéma de la chaine </a:t>
+            </a:r>
+            <a:r>
+              <a:rPr lang="fr-FR" sz="2800" dirty="0" smtClean="0"/>
+              <a:t>de </a:t>
+            </a:r>
+            <a:r>
+              <a:rPr lang="fr-FR" sz="2800" dirty="0" smtClean="0"/>
+              <a:t>segmentation</a:t>
+            </a:r>
+            <a:r>
+              <a:rPr lang="fr-FR" sz="2800" dirty="0" smtClean="0"/>
+              <a:t> de la vidéo</a:t>
+            </a:r>
+            <a:endParaRPr lang="fr-FR" sz="2800" dirty="0"/>
           </a:p>
         </p:txBody>
       </p:sp>
@@ -4048,6 +4078,36 @@
           <a:chExt cx="0" cy="0"/>
         </a:xfrm>
       </p:grpSpPr>
+      <p:pic>
+        <p:nvPicPr>
+          <p:cNvPr id="3" name="Image 2"/>
+          <p:cNvPicPr>
+            <a:picLocks noChangeAspect="1"/>
+          </p:cNvPicPr>
+          <p:nvPr/>
+        </p:nvPicPr>
+        <p:blipFill>
+          <a:blip r:embed="rId2">
+            <a:extLst>
+              <a:ext uri="{28A0092B-C50C-407E-A947-70E740481C1C}">
+                <a14:useLocalDpi xmlns:a14="http://schemas.microsoft.com/office/drawing/2010/main" val="0"/>
+              </a:ext>
+            </a:extLst>
+          </a:blip>
+          <a:stretch>
+            <a:fillRect/>
+          </a:stretch>
+        </p:blipFill>
+        <p:spPr>
+          <a:xfrm>
+            <a:off x="801613" y="1229863"/>
+            <a:ext cx="10588773" cy="4398273"/>
+          </a:xfrm>
+          <a:prstGeom prst="rect">
+            <a:avLst/>
+          </a:prstGeom>
+        </p:spPr>
+      </p:pic>
       <p:sp>
         <p:nvSpPr>
           <p:cNvPr id="2" name="Espace réservé du numéro de diapositive 1"/>
@@ -4066,6 +4126,304 @@
             <a:fld id="{E4F67F9A-838C-4734-8EB0-754A37D9A5A7}" type="slidenum">
               <a:rPr lang="fr-FR" smtClean="0"/>
               <a:t>13</a:t>
+            </a:fld>
+            <a:endParaRPr lang="fr-FR"/>
+          </a:p>
+        </p:txBody>
+      </p:sp>
+      <p:sp>
+        <p:nvSpPr>
+          <p:cNvPr id="4" name="ZoneTexte 3"/>
+          <p:cNvSpPr txBox="1"/>
+          <p:nvPr/>
+        </p:nvSpPr>
+        <p:spPr>
+          <a:xfrm>
+            <a:off x="-1" y="0"/>
+            <a:ext cx="1532467" cy="307777"/>
+          </a:xfrm>
+          <a:prstGeom prst="rect">
+            <a:avLst/>
+          </a:prstGeom>
+          <a:noFill/>
+        </p:spPr>
+        <p:txBody>
+          <a:bodyPr wrap="square" rtlCol="0">
+            <a:spAutoFit/>
+          </a:bodyPr>
+          <a:lstStyle/>
+          <a:p>
+            <a:r>
+              <a:rPr lang="fr-FR" sz="1400" dirty="0" smtClean="0">
+                <a:solidFill>
+                  <a:srgbClr val="FF0000"/>
+                </a:solidFill>
+              </a:rPr>
+              <a:t>Développement 2</a:t>
+            </a:r>
+            <a:endParaRPr lang="fr-FR" sz="1400" dirty="0">
+              <a:solidFill>
+                <a:srgbClr val="FF0000"/>
+              </a:solidFill>
+            </a:endParaRPr>
+          </a:p>
+        </p:txBody>
+      </p:sp>
+      <p:sp>
+        <p:nvSpPr>
+          <p:cNvPr id="6" name="ZoneTexte 5"/>
+          <p:cNvSpPr txBox="1"/>
+          <p:nvPr/>
+        </p:nvSpPr>
+        <p:spPr>
+          <a:xfrm>
+            <a:off x="2353732" y="417840"/>
+            <a:ext cx="7484534" cy="523220"/>
+          </a:xfrm>
+          <a:prstGeom prst="rect">
+            <a:avLst/>
+          </a:prstGeom>
+          <a:noFill/>
+        </p:spPr>
+        <p:txBody>
+          <a:bodyPr wrap="square" rtlCol="0">
+            <a:spAutoFit/>
+          </a:bodyPr>
+          <a:lstStyle/>
+          <a:p>
+            <a:pPr algn="ctr"/>
+            <a:r>
+              <a:rPr lang="fr-FR" sz="2800" dirty="0" smtClean="0"/>
+              <a:t>Schéma de la chaine </a:t>
+            </a:r>
+            <a:r>
+              <a:rPr lang="fr-FR" sz="2800" dirty="0" smtClean="0"/>
+              <a:t>de </a:t>
+            </a:r>
+            <a:r>
+              <a:rPr lang="fr-FR" sz="2800" dirty="0" smtClean="0"/>
+              <a:t>segmentation</a:t>
+            </a:r>
+            <a:r>
+              <a:rPr lang="fr-FR" sz="2800" dirty="0" smtClean="0"/>
+              <a:t> de la vidéo</a:t>
+            </a:r>
+            <a:endParaRPr lang="fr-FR" sz="2800" dirty="0"/>
+          </a:p>
+        </p:txBody>
+      </p:sp>
+    </p:spTree>
+    <p:extLst>
+      <p:ext uri="{BB962C8B-B14F-4D97-AF65-F5344CB8AC3E}">
+        <p14:creationId xmlns:p14="http://schemas.microsoft.com/office/powerpoint/2010/main" val="332650584"/>
+      </p:ext>
+    </p:extLst>
+  </p:cSld>
+  <p:clrMapOvr>
+    <a:masterClrMapping/>
+  </p:clrMapOvr>
+</p:sld>
+</file>
+
+<file path=ppt/slides/slide14.xml><?xml version="1.0" encoding="utf-8"?>
+<p:sld xmlns:a="http://schemas.openxmlformats.org/drawingml/2006/main" xmlns:r="http://schemas.openxmlformats.org/officeDocument/2006/relationships" xmlns:p="http://schemas.openxmlformats.org/presentationml/2006/main">
+  <p:cSld>
+    <p:spTree>
+      <p:nvGrpSpPr>
+        <p:cNvPr id="1" name=""/>
+        <p:cNvGrpSpPr/>
+        <p:nvPr/>
+      </p:nvGrpSpPr>
+      <p:grpSpPr>
+        <a:xfrm>
+          <a:off x="0" y="0"/>
+          <a:ext cx="0" cy="0"/>
+          <a:chOff x="0" y="0"/>
+          <a:chExt cx="0" cy="0"/>
+        </a:xfrm>
+      </p:grpSpPr>
+      <p:pic>
+        <p:nvPicPr>
+          <p:cNvPr id="3" name="Image 2"/>
+          <p:cNvPicPr>
+            <a:picLocks noChangeAspect="1"/>
+          </p:cNvPicPr>
+          <p:nvPr/>
+        </p:nvPicPr>
+        <p:blipFill>
+          <a:blip r:embed="rId2">
+            <a:extLst>
+              <a:ext uri="{28A0092B-C50C-407E-A947-70E740481C1C}">
+                <a14:useLocalDpi xmlns:a14="http://schemas.microsoft.com/office/drawing/2010/main" val="0"/>
+              </a:ext>
+            </a:extLst>
+          </a:blip>
+          <a:stretch>
+            <a:fillRect/>
+          </a:stretch>
+        </p:blipFill>
+        <p:spPr>
+          <a:xfrm>
+            <a:off x="801613" y="1229863"/>
+            <a:ext cx="10588773" cy="4398273"/>
+          </a:xfrm>
+          <a:prstGeom prst="rect">
+            <a:avLst/>
+          </a:prstGeom>
+        </p:spPr>
+      </p:pic>
+      <p:sp>
+        <p:nvSpPr>
+          <p:cNvPr id="2" name="Espace réservé du numéro de diapositive 1"/>
+          <p:cNvSpPr>
+            <a:spLocks noGrp="1"/>
+          </p:cNvSpPr>
+          <p:nvPr>
+            <p:ph type="sldNum" sz="quarter" idx="12"/>
+          </p:nvPr>
+        </p:nvSpPr>
+        <p:spPr/>
+        <p:txBody>
+          <a:bodyPr/>
+          <a:lstStyle/>
+          <a:p>
+            <a:fld id="{E4F67F9A-838C-4734-8EB0-754A37D9A5A7}" type="slidenum">
+              <a:rPr lang="fr-FR" smtClean="0"/>
+              <a:t>14</a:t>
+            </a:fld>
+            <a:endParaRPr lang="fr-FR"/>
+          </a:p>
+        </p:txBody>
+      </p:sp>
+      <p:sp>
+        <p:nvSpPr>
+          <p:cNvPr id="4" name="ZoneTexte 3"/>
+          <p:cNvSpPr txBox="1"/>
+          <p:nvPr/>
+        </p:nvSpPr>
+        <p:spPr>
+          <a:xfrm>
+            <a:off x="-1" y="0"/>
+            <a:ext cx="1532467" cy="307777"/>
+          </a:xfrm>
+          <a:prstGeom prst="rect">
+            <a:avLst/>
+          </a:prstGeom>
+          <a:noFill/>
+        </p:spPr>
+        <p:txBody>
+          <a:bodyPr wrap="square" rtlCol="0">
+            <a:spAutoFit/>
+          </a:bodyPr>
+          <a:lstStyle/>
+          <a:p>
+            <a:r>
+              <a:rPr lang="fr-FR" sz="1400" dirty="0" smtClean="0">
+                <a:solidFill>
+                  <a:srgbClr val="FF0000"/>
+                </a:solidFill>
+              </a:rPr>
+              <a:t>Développement 2</a:t>
+            </a:r>
+            <a:endParaRPr lang="fr-FR" sz="1400" dirty="0">
+              <a:solidFill>
+                <a:srgbClr val="FF0000"/>
+              </a:solidFill>
+            </a:endParaRPr>
+          </a:p>
+        </p:txBody>
+      </p:sp>
+      <p:sp>
+        <p:nvSpPr>
+          <p:cNvPr id="6" name="ZoneTexte 5"/>
+          <p:cNvSpPr txBox="1"/>
+          <p:nvPr/>
+        </p:nvSpPr>
+        <p:spPr>
+          <a:xfrm>
+            <a:off x="2353732" y="417840"/>
+            <a:ext cx="7484534" cy="523220"/>
+          </a:xfrm>
+          <a:prstGeom prst="rect">
+            <a:avLst/>
+          </a:prstGeom>
+          <a:noFill/>
+        </p:spPr>
+        <p:txBody>
+          <a:bodyPr wrap="square" rtlCol="0">
+            <a:spAutoFit/>
+          </a:bodyPr>
+          <a:lstStyle/>
+          <a:p>
+            <a:pPr algn="ctr"/>
+            <a:r>
+              <a:rPr lang="fr-FR" sz="2800" dirty="0" smtClean="0"/>
+              <a:t>Schéma de la chaine </a:t>
+            </a:r>
+            <a:r>
+              <a:rPr lang="fr-FR" sz="2800" dirty="0" smtClean="0"/>
+              <a:t>de </a:t>
+            </a:r>
+            <a:r>
+              <a:rPr lang="fr-FR" sz="2800" dirty="0" smtClean="0"/>
+              <a:t>segmentation</a:t>
+            </a:r>
+            <a:r>
+              <a:rPr lang="fr-FR" sz="2800" dirty="0" smtClean="0"/>
+              <a:t> de la vidéo</a:t>
+            </a:r>
+            <a:endParaRPr lang="fr-FR" sz="2800" dirty="0"/>
+          </a:p>
+        </p:txBody>
+      </p:sp>
+    </p:spTree>
+    <p:extLst>
+      <p:ext uri="{BB962C8B-B14F-4D97-AF65-F5344CB8AC3E}">
+        <p14:creationId xmlns:p14="http://schemas.microsoft.com/office/powerpoint/2010/main" val="3311244350"/>
+      </p:ext>
+    </p:extLst>
+  </p:cSld>
+  <p:clrMapOvr>
+    <a:masterClrMapping/>
+  </p:clrMapOvr>
+</p:sld>
+</file>
+
+<file path=ppt/slides/slide15.xml><?xml version="1.0" encoding="utf-8"?>
+<p:sld xmlns:a="http://schemas.openxmlformats.org/drawingml/2006/main" xmlns:r="http://schemas.openxmlformats.org/officeDocument/2006/relationships" xmlns:p="http://schemas.openxmlformats.org/presentationml/2006/main">
+  <p:cSld>
+    <p:spTree>
+      <p:nvGrpSpPr>
+        <p:cNvPr id="1" name=""/>
+        <p:cNvGrpSpPr/>
+        <p:nvPr/>
+      </p:nvGrpSpPr>
+      <p:grpSpPr>
+        <a:xfrm>
+          <a:off x="0" y="0"/>
+          <a:ext cx="0" cy="0"/>
+          <a:chOff x="0" y="0"/>
+          <a:chExt cx="0" cy="0"/>
+        </a:xfrm>
+      </p:grpSpPr>
+      <p:sp>
+        <p:nvSpPr>
+          <p:cNvPr id="2" name="Espace réservé du numéro de diapositive 1"/>
+          <p:cNvSpPr>
+            <a:spLocks noGrp="1"/>
+          </p:cNvSpPr>
+          <p:nvPr>
+            <p:ph type="sldNum" sz="quarter" idx="12"/>
+          </p:nvPr>
+        </p:nvSpPr>
+        <p:spPr/>
+        <p:txBody>
+          <a:bodyPr/>
+          <a:lstStyle/>
+          <a:p>
+            <a:fld id="{E4F67F9A-838C-4734-8EB0-754A37D9A5A7}" type="slidenum">
+              <a:rPr lang="fr-FR" smtClean="0"/>
+              <a:t>15</a:t>
             </a:fld>
             <a:endParaRPr lang="fr-FR"/>
           </a:p>
@@ -4174,262 +4532,6 @@
     <p:extLst>
       <p:ext uri="{BB962C8B-B14F-4D97-AF65-F5344CB8AC3E}">
         <p14:creationId xmlns:p14="http://schemas.microsoft.com/office/powerpoint/2010/main" val="4288963991"/>
-      </p:ext>
-    </p:extLst>
-  </p:cSld>
-  <p:clrMapOvr>
-    <a:masterClrMapping/>
-  </p:clrMapOvr>
-  <p:timing>
-    <p:tnLst>
-      <p:par>
-        <p:cTn id="1" dur="indefinite" restart="never" nodeType="tmRoot"/>
-      </p:par>
-    </p:tnLst>
-  </p:timing>
-</p:sld>
-</file>
-
-<file path=ppt/slides/slide14.xml><?xml version="1.0" encoding="utf-8"?>
-<p:sld xmlns:a="http://schemas.openxmlformats.org/drawingml/2006/main" xmlns:r="http://schemas.openxmlformats.org/officeDocument/2006/relationships" xmlns:p="http://schemas.openxmlformats.org/presentationml/2006/main">
-  <p:cSld>
-    <p:spTree>
-      <p:nvGrpSpPr>
-        <p:cNvPr id="1" name=""/>
-        <p:cNvGrpSpPr/>
-        <p:nvPr/>
-      </p:nvGrpSpPr>
-      <p:grpSpPr>
-        <a:xfrm>
-          <a:off x="0" y="0"/>
-          <a:ext cx="0" cy="0"/>
-          <a:chOff x="0" y="0"/>
-          <a:chExt cx="0" cy="0"/>
-        </a:xfrm>
-      </p:grpSpPr>
-      <p:sp>
-        <p:nvSpPr>
-          <p:cNvPr id="2" name="Espace réservé du numéro de diapositive 1"/>
-          <p:cNvSpPr>
-            <a:spLocks noGrp="1"/>
-          </p:cNvSpPr>
-          <p:nvPr>
-            <p:ph type="sldNum" sz="quarter" idx="12"/>
-          </p:nvPr>
-        </p:nvSpPr>
-        <p:spPr/>
-        <p:txBody>
-          <a:bodyPr/>
-          <a:lstStyle/>
-          <a:p>
-            <a:fld id="{E4F67F9A-838C-4734-8EB0-754A37D9A5A7}" type="slidenum">
-              <a:rPr lang="fr-FR" smtClean="0"/>
-              <a:t>14</a:t>
-            </a:fld>
-            <a:endParaRPr lang="fr-FR"/>
-          </a:p>
-        </p:txBody>
-      </p:sp>
-      <p:sp>
-        <p:nvSpPr>
-          <p:cNvPr id="3" name="ZoneTexte 2"/>
-          <p:cNvSpPr txBox="1"/>
-          <p:nvPr/>
-        </p:nvSpPr>
-        <p:spPr>
-          <a:xfrm>
-            <a:off x="-1" y="0"/>
-            <a:ext cx="1532467" cy="307777"/>
-          </a:xfrm>
-          <a:prstGeom prst="rect">
-            <a:avLst/>
-          </a:prstGeom>
-          <a:noFill/>
-        </p:spPr>
-        <p:txBody>
-          <a:bodyPr wrap="square" rtlCol="0">
-            <a:spAutoFit/>
-          </a:bodyPr>
-          <a:lstStyle/>
-          <a:p>
-            <a:r>
-              <a:rPr lang="fr-FR" sz="1400" dirty="0" smtClean="0">
-                <a:solidFill>
-                  <a:srgbClr val="FF0000"/>
-                </a:solidFill>
-              </a:rPr>
-              <a:t>Développement 4</a:t>
-            </a:r>
-            <a:endParaRPr lang="fr-FR" sz="1400" dirty="0">
-              <a:solidFill>
-                <a:srgbClr val="FF0000"/>
-              </a:solidFill>
-            </a:endParaRPr>
-          </a:p>
-        </p:txBody>
-      </p:sp>
-      <p:sp>
-        <p:nvSpPr>
-          <p:cNvPr id="4" name="Rectangle 3"/>
-          <p:cNvSpPr/>
-          <p:nvPr/>
-        </p:nvSpPr>
-        <p:spPr>
-          <a:xfrm>
-            <a:off x="4973417" y="3244334"/>
-            <a:ext cx="2245166" cy="369332"/>
-          </a:xfrm>
-          <a:prstGeom prst="rect">
-            <a:avLst/>
-          </a:prstGeom>
-        </p:spPr>
-        <p:txBody>
-          <a:bodyPr wrap="none">
-            <a:spAutoFit/>
-          </a:bodyPr>
-          <a:lstStyle/>
-          <a:p>
-            <a:pPr algn="ctr"/>
-            <a:r>
-              <a:rPr lang="fr-FR" dirty="0" smtClean="0"/>
-              <a:t>Problèmes rencontrés</a:t>
-            </a:r>
-            <a:endParaRPr lang="fr-FR" dirty="0"/>
-          </a:p>
-        </p:txBody>
-      </p:sp>
-    </p:spTree>
-    <p:extLst>
-      <p:ext uri="{BB962C8B-B14F-4D97-AF65-F5344CB8AC3E}">
-        <p14:creationId xmlns:p14="http://schemas.microsoft.com/office/powerpoint/2010/main" val="2442421539"/>
-      </p:ext>
-    </p:extLst>
-  </p:cSld>
-  <p:clrMapOvr>
-    <a:masterClrMapping/>
-  </p:clrMapOvr>
-  <p:timing>
-    <p:tnLst>
-      <p:par>
-        <p:cTn id="1" dur="indefinite" restart="never" nodeType="tmRoot"/>
-      </p:par>
-    </p:tnLst>
-  </p:timing>
-</p:sld>
-</file>
-
-<file path=ppt/slides/slide15.xml><?xml version="1.0" encoding="utf-8"?>
-<p:sld xmlns:a="http://schemas.openxmlformats.org/drawingml/2006/main" xmlns:r="http://schemas.openxmlformats.org/officeDocument/2006/relationships" xmlns:p="http://schemas.openxmlformats.org/presentationml/2006/main">
-  <p:cSld>
-    <p:spTree>
-      <p:nvGrpSpPr>
-        <p:cNvPr id="1" name=""/>
-        <p:cNvGrpSpPr/>
-        <p:nvPr/>
-      </p:nvGrpSpPr>
-      <p:grpSpPr>
-        <a:xfrm>
-          <a:off x="0" y="0"/>
-          <a:ext cx="0" cy="0"/>
-          <a:chOff x="0" y="0"/>
-          <a:chExt cx="0" cy="0"/>
-        </a:xfrm>
-      </p:grpSpPr>
-      <p:sp>
-        <p:nvSpPr>
-          <p:cNvPr id="2" name="Espace réservé du numéro de diapositive 1"/>
-          <p:cNvSpPr>
-            <a:spLocks noGrp="1"/>
-          </p:cNvSpPr>
-          <p:nvPr>
-            <p:ph type="sldNum" sz="quarter" idx="12"/>
-          </p:nvPr>
-        </p:nvSpPr>
-        <p:spPr/>
-        <p:txBody>
-          <a:bodyPr/>
-          <a:lstStyle/>
-          <a:p>
-            <a:fld id="{E4F67F9A-838C-4734-8EB0-754A37D9A5A7}" type="slidenum">
-              <a:rPr lang="fr-FR" smtClean="0"/>
-              <a:t>15</a:t>
-            </a:fld>
-            <a:endParaRPr lang="fr-FR"/>
-          </a:p>
-        </p:txBody>
-      </p:sp>
-      <p:sp>
-        <p:nvSpPr>
-          <p:cNvPr id="3" name="ZoneTexte 2"/>
-          <p:cNvSpPr txBox="1"/>
-          <p:nvPr/>
-        </p:nvSpPr>
-        <p:spPr>
-          <a:xfrm>
-            <a:off x="-1" y="0"/>
-            <a:ext cx="1532467" cy="307777"/>
-          </a:xfrm>
-          <a:prstGeom prst="rect">
-            <a:avLst/>
-          </a:prstGeom>
-          <a:noFill/>
-        </p:spPr>
-        <p:txBody>
-          <a:bodyPr wrap="square" rtlCol="0">
-            <a:spAutoFit/>
-          </a:bodyPr>
-          <a:lstStyle/>
-          <a:p>
-            <a:r>
-              <a:rPr lang="fr-FR" sz="1400" dirty="0" smtClean="0">
-                <a:solidFill>
-                  <a:srgbClr val="FF0000"/>
-                </a:solidFill>
-              </a:rPr>
-              <a:t>Développement 4</a:t>
-            </a:r>
-            <a:endParaRPr lang="fr-FR" sz="1400" dirty="0">
-              <a:solidFill>
-                <a:srgbClr val="FF0000"/>
-              </a:solidFill>
-            </a:endParaRPr>
-          </a:p>
-        </p:txBody>
-      </p:sp>
-      <p:sp>
-        <p:nvSpPr>
-          <p:cNvPr id="4" name="Rectangle 3"/>
-          <p:cNvSpPr/>
-          <p:nvPr/>
-        </p:nvSpPr>
-        <p:spPr>
-          <a:xfrm>
-            <a:off x="4973417" y="3244334"/>
-            <a:ext cx="2245166" cy="369332"/>
-          </a:xfrm>
-          <a:prstGeom prst="rect">
-            <a:avLst/>
-          </a:prstGeom>
-        </p:spPr>
-        <p:txBody>
-          <a:bodyPr wrap="none">
-            <a:spAutoFit/>
-          </a:bodyPr>
-          <a:lstStyle/>
-          <a:p>
-            <a:pPr algn="ctr"/>
-            <a:r>
-              <a:rPr lang="fr-FR" dirty="0" smtClean="0"/>
-              <a:t>Problèmes rencontrés</a:t>
-            </a:r>
-            <a:endParaRPr lang="fr-FR" dirty="0"/>
-          </a:p>
-        </p:txBody>
-      </p:sp>
-    </p:spTree>
-    <p:extLst>
-      <p:ext uri="{BB962C8B-B14F-4D97-AF65-F5344CB8AC3E}">
-        <p14:creationId xmlns:p14="http://schemas.microsoft.com/office/powerpoint/2010/main" val="871201483"/>
       </p:ext>
     </p:extLst>
   </p:cSld>
@@ -4495,7 +4597,7 @@
         <p:spPr>
           <a:xfrm>
             <a:off x="-1" y="0"/>
-            <a:ext cx="1854201" cy="307777"/>
+            <a:ext cx="1532467" cy="307777"/>
           </a:xfrm>
           <a:prstGeom prst="rect">
             <a:avLst/>
@@ -4514,7 +4616,7 @@
                   <a:srgbClr val="FF0000"/>
                 </a:solidFill>
               </a:rPr>
-              <a:t>Vidéo démonstration</a:t>
+              <a:t>Développement 4</a:t>
             </a:r>
             <a:endParaRPr lang="fr-FR" sz="1400" dirty="0">
               <a:solidFill>
@@ -4532,8 +4634,8 @@
         </p:nvSpPr>
         <p:spPr>
           <a:xfrm>
-            <a:off x="5543220" y="3167390"/>
-            <a:ext cx="1105559" cy="523220"/>
+            <a:off x="4973417" y="3244334"/>
+            <a:ext cx="2245166" cy="369332"/>
           </a:xfrm>
           <a:prstGeom prst="rect">
             <a:avLst/>
@@ -4545,24 +4647,32 @@
           </a:bodyPr>
           <a:lstStyle/>
           <a:p>
-            <a:r>
-              <a:rPr lang="fr-FR" sz="2800" dirty="0" smtClean="0"/>
-              <a:t>VIDEO</a:t>
-            </a:r>
-            <a:endParaRPr lang="fr-FR" sz="2800" dirty="0"/>
+            <a:pPr algn="ctr"/>
+            <a:r>
+              <a:rPr lang="fr-FR" dirty="0" smtClean="0"/>
+              <a:t>Problèmes rencontrés</a:t>
+            </a:r>
+            <a:endParaRPr lang="fr-FR" dirty="0"/>
           </a:p>
         </p:txBody>
       </p:sp>
     </p:spTree>
     <p:extLst>
       <p:ext uri="{BB962C8B-B14F-4D97-AF65-F5344CB8AC3E}">
-        <p14:creationId xmlns:p14="http://schemas.microsoft.com/office/powerpoint/2010/main" val="3655151742"/>
+        <p14:creationId xmlns:p14="http://schemas.microsoft.com/office/powerpoint/2010/main" val="2442421539"/>
       </p:ext>
     </p:extLst>
   </p:cSld>
   <p:clrMapOvr>
     <a:masterClrMapping/>
   </p:clrMapOvr>
+  <p:timing>
+    <p:tnLst>
+      <p:par>
+        <p:cTn id="1" dur="indefinite" restart="never" nodeType="tmRoot"/>
+      </p:par>
+    </p:tnLst>
+  </p:timing>
 </p:sld>
 </file>
 
@@ -4634,7 +4744,7 @@
                   <a:srgbClr val="FF0000"/>
                 </a:solidFill>
               </a:rPr>
-              <a:t>Développement 5</a:t>
+              <a:t>Développement 4</a:t>
             </a:r>
             <a:endParaRPr lang="fr-FR" sz="1400" dirty="0">
               <a:solidFill>
@@ -4652,8 +4762,8 @@
         </p:nvSpPr>
         <p:spPr>
           <a:xfrm>
-            <a:off x="2461383" y="3244334"/>
-            <a:ext cx="7269234" cy="369332"/>
+            <a:off x="4973417" y="3244334"/>
+            <a:ext cx="2245166" cy="369332"/>
           </a:xfrm>
           <a:prstGeom prst="rect">
             <a:avLst/>
@@ -4668,7 +4778,7 @@
             <a:pPr algn="ctr"/>
             <a:r>
               <a:rPr lang="fr-FR" dirty="0" smtClean="0"/>
-              <a:t>Peut être un slide de trop ou alors a rajouter pour les problèmes rencontrés</a:t>
+              <a:t>Problèmes rencontrés</a:t>
             </a:r>
             <a:endParaRPr lang="fr-FR" dirty="0"/>
           </a:p>
@@ -4677,7 +4787,7 @@
     </p:spTree>
     <p:extLst>
       <p:ext uri="{BB962C8B-B14F-4D97-AF65-F5344CB8AC3E}">
-        <p14:creationId xmlns:p14="http://schemas.microsoft.com/office/powerpoint/2010/main" val="122085997"/>
+        <p14:creationId xmlns:p14="http://schemas.microsoft.com/office/powerpoint/2010/main" val="871201483"/>
       </p:ext>
     </p:extLst>
   </p:cSld>
@@ -4697,6 +4807,16 @@
 <file path=ppt/slides/slide18.xml><?xml version="1.0" encoding="utf-8"?>
 <p:sld xmlns:a="http://schemas.openxmlformats.org/drawingml/2006/main" xmlns:r="http://schemas.openxmlformats.org/officeDocument/2006/relationships" xmlns:p="http://schemas.openxmlformats.org/presentationml/2006/main">
   <p:cSld>
+    <p:bg>
+      <p:bgPr>
+        <a:solidFill>
+          <a:schemeClr val="bg2">
+            <a:lumMod val="50000"/>
+          </a:schemeClr>
+        </a:solidFill>
+        <a:effectLst/>
+      </p:bgPr>
+    </p:bg>
     <p:spTree>
       <p:nvGrpSpPr>
         <p:cNvPr id="1" name=""/>
@@ -4743,7 +4863,7 @@
         <p:spPr>
           <a:xfrm>
             <a:off x="-1" y="0"/>
-            <a:ext cx="1532467" cy="307777"/>
+            <a:ext cx="1854201" cy="307777"/>
           </a:xfrm>
           <a:prstGeom prst="rect">
             <a:avLst/>
@@ -4762,7 +4882,7 @@
                   <a:srgbClr val="FF0000"/>
                 </a:solidFill>
               </a:rPr>
-              <a:t>Conclusion</a:t>
+              <a:t>Vidéo démonstration</a:t>
             </a:r>
             <a:endParaRPr lang="fr-FR" sz="1400" dirty="0">
               <a:solidFill>
@@ -4774,14 +4894,14 @@
       </p:sp>
       <p:sp>
         <p:nvSpPr>
-          <p:cNvPr id="6" name="Rectangle 5"/>
+          <p:cNvPr id="4" name="Rectangle 3"/>
           <p:cNvSpPr/>
           <p:nvPr/>
         </p:nvSpPr>
         <p:spPr>
           <a:xfrm>
-            <a:off x="5314443" y="3244334"/>
-            <a:ext cx="1563120" cy="369332"/>
+            <a:off x="5543220" y="3167390"/>
+            <a:ext cx="1105559" cy="523220"/>
           </a:xfrm>
           <a:prstGeom prst="rect">
             <a:avLst/>
@@ -4793,32 +4913,24 @@
           </a:bodyPr>
           <a:lstStyle/>
           <a:p>
-            <a:pPr algn="ctr"/>
-            <a:r>
-              <a:rPr lang="fr-FR" dirty="0" smtClean="0"/>
-              <a:t>Bilan du projet</a:t>
-            </a:r>
-            <a:endParaRPr lang="fr-FR" dirty="0"/>
+            <a:r>
+              <a:rPr lang="fr-FR" sz="2800" dirty="0" smtClean="0"/>
+              <a:t>VIDEO</a:t>
+            </a:r>
+            <a:endParaRPr lang="fr-FR" sz="2800" dirty="0"/>
           </a:p>
         </p:txBody>
       </p:sp>
     </p:spTree>
     <p:extLst>
       <p:ext uri="{BB962C8B-B14F-4D97-AF65-F5344CB8AC3E}">
-        <p14:creationId xmlns:p14="http://schemas.microsoft.com/office/powerpoint/2010/main" val="3231713206"/>
+        <p14:creationId xmlns:p14="http://schemas.microsoft.com/office/powerpoint/2010/main" val="3655151742"/>
       </p:ext>
     </p:extLst>
   </p:cSld>
   <p:clrMapOvr>
     <a:masterClrMapping/>
   </p:clrMapOvr>
-  <p:timing>
-    <p:tnLst>
-      <p:par>
-        <p:cTn id="1" dur="indefinite" restart="never" nodeType="tmRoot"/>
-      </p:par>
-    </p:tnLst>
-  </p:timing>
 </p:sld>
 </file>
 
@@ -4890,7 +5002,7 @@
                   <a:srgbClr val="FF0000"/>
                 </a:solidFill>
               </a:rPr>
-              <a:t>Merci</a:t>
+              <a:t>Développement 5</a:t>
             </a:r>
             <a:endParaRPr lang="fr-FR" sz="1400" dirty="0">
               <a:solidFill>
@@ -4908,8 +5020,8 @@
         </p:nvSpPr>
         <p:spPr>
           <a:xfrm>
-            <a:off x="5525940" y="3167390"/>
-            <a:ext cx="1140120" cy="523220"/>
+            <a:off x="2461383" y="3244334"/>
+            <a:ext cx="7269234" cy="369332"/>
           </a:xfrm>
           <a:prstGeom prst="rect">
             <a:avLst/>
@@ -4923,17 +5035,17 @@
           <a:p>
             <a:pPr algn="ctr"/>
             <a:r>
-              <a:rPr lang="fr-FR" sz="2800" dirty="0" smtClean="0"/>
-              <a:t>MERCI</a:t>
-            </a:r>
-            <a:endParaRPr lang="fr-FR" sz="2800" dirty="0"/>
+              <a:rPr lang="fr-FR" dirty="0" smtClean="0"/>
+              <a:t>Peut être un slide de trop ou alors a rajouter pour les problèmes rencontrés</a:t>
+            </a:r>
+            <a:endParaRPr lang="fr-FR" dirty="0"/>
           </a:p>
         </p:txBody>
       </p:sp>
     </p:spTree>
     <p:extLst>
       <p:ext uri="{BB962C8B-B14F-4D97-AF65-F5344CB8AC3E}">
-        <p14:creationId xmlns:p14="http://schemas.microsoft.com/office/powerpoint/2010/main" val="3670161884"/>
+        <p14:creationId xmlns:p14="http://schemas.microsoft.com/office/powerpoint/2010/main" val="122085997"/>
       </p:ext>
     </p:extLst>
   </p:cSld>
@@ -5053,15 +5165,7 @@
             <a:pPr algn="ctr"/>
             <a:r>
               <a:rPr lang="fr-FR" dirty="0" smtClean="0"/>
-              <a:t>Définir les </a:t>
-            </a:r>
-            <a:r>
-              <a:rPr lang="fr-FR" dirty="0" smtClean="0"/>
-              <a:t>mots </a:t>
-            </a:r>
-            <a:r>
-              <a:rPr lang="fr-FR" dirty="0" smtClean="0"/>
-              <a:t>clés</a:t>
+              <a:t>Définir les mots clés</a:t>
             </a:r>
             <a:endParaRPr lang="fr-FR" dirty="0"/>
           </a:p>
@@ -5071,6 +5175,262 @@
     <p:extLst>
       <p:ext uri="{BB962C8B-B14F-4D97-AF65-F5344CB8AC3E}">
         <p14:creationId xmlns:p14="http://schemas.microsoft.com/office/powerpoint/2010/main" val="1930118938"/>
+      </p:ext>
+    </p:extLst>
+  </p:cSld>
+  <p:clrMapOvr>
+    <a:masterClrMapping/>
+  </p:clrMapOvr>
+  <p:timing>
+    <p:tnLst>
+      <p:par>
+        <p:cTn id="1" dur="indefinite" restart="never" nodeType="tmRoot"/>
+      </p:par>
+    </p:tnLst>
+  </p:timing>
+</p:sld>
+</file>
+
+<file path=ppt/slides/slide20.xml><?xml version="1.0" encoding="utf-8"?>
+<p:sld xmlns:a="http://schemas.openxmlformats.org/drawingml/2006/main" xmlns:r="http://schemas.openxmlformats.org/officeDocument/2006/relationships" xmlns:p="http://schemas.openxmlformats.org/presentationml/2006/main">
+  <p:cSld>
+    <p:spTree>
+      <p:nvGrpSpPr>
+        <p:cNvPr id="1" name=""/>
+        <p:cNvGrpSpPr/>
+        <p:nvPr/>
+      </p:nvGrpSpPr>
+      <p:grpSpPr>
+        <a:xfrm>
+          <a:off x="0" y="0"/>
+          <a:ext cx="0" cy="0"/>
+          <a:chOff x="0" y="0"/>
+          <a:chExt cx="0" cy="0"/>
+        </a:xfrm>
+      </p:grpSpPr>
+      <p:sp>
+        <p:nvSpPr>
+          <p:cNvPr id="2" name="Espace réservé du numéro de diapositive 1"/>
+          <p:cNvSpPr>
+            <a:spLocks noGrp="1"/>
+          </p:cNvSpPr>
+          <p:nvPr>
+            <p:ph type="sldNum" sz="quarter" idx="12"/>
+          </p:nvPr>
+        </p:nvSpPr>
+        <p:spPr/>
+        <p:txBody>
+          <a:bodyPr/>
+          <a:lstStyle/>
+          <a:p>
+            <a:fld id="{E4F67F9A-838C-4734-8EB0-754A37D9A5A7}" type="slidenum">
+              <a:rPr lang="fr-FR" smtClean="0"/>
+              <a:t>20</a:t>
+            </a:fld>
+            <a:endParaRPr lang="fr-FR"/>
+          </a:p>
+        </p:txBody>
+      </p:sp>
+      <p:sp>
+        <p:nvSpPr>
+          <p:cNvPr id="3" name="ZoneTexte 2"/>
+          <p:cNvSpPr txBox="1"/>
+          <p:nvPr/>
+        </p:nvSpPr>
+        <p:spPr>
+          <a:xfrm>
+            <a:off x="-1" y="0"/>
+            <a:ext cx="1532467" cy="307777"/>
+          </a:xfrm>
+          <a:prstGeom prst="rect">
+            <a:avLst/>
+          </a:prstGeom>
+          <a:noFill/>
+        </p:spPr>
+        <p:txBody>
+          <a:bodyPr wrap="square" rtlCol="0">
+            <a:spAutoFit/>
+          </a:bodyPr>
+          <a:lstStyle/>
+          <a:p>
+            <a:r>
+              <a:rPr lang="fr-FR" sz="1400" dirty="0" smtClean="0">
+                <a:solidFill>
+                  <a:srgbClr val="FF0000"/>
+                </a:solidFill>
+              </a:rPr>
+              <a:t>Conclusion</a:t>
+            </a:r>
+            <a:endParaRPr lang="fr-FR" sz="1400" dirty="0">
+              <a:solidFill>
+                <a:srgbClr val="FF0000"/>
+              </a:solidFill>
+            </a:endParaRPr>
+          </a:p>
+        </p:txBody>
+      </p:sp>
+      <p:sp>
+        <p:nvSpPr>
+          <p:cNvPr id="6" name="Rectangle 5"/>
+          <p:cNvSpPr/>
+          <p:nvPr/>
+        </p:nvSpPr>
+        <p:spPr>
+          <a:xfrm>
+            <a:off x="5314443" y="3244334"/>
+            <a:ext cx="1563120" cy="369332"/>
+          </a:xfrm>
+          <a:prstGeom prst="rect">
+            <a:avLst/>
+          </a:prstGeom>
+        </p:spPr>
+        <p:txBody>
+          <a:bodyPr wrap="none">
+            <a:spAutoFit/>
+          </a:bodyPr>
+          <a:lstStyle/>
+          <a:p>
+            <a:pPr algn="ctr"/>
+            <a:r>
+              <a:rPr lang="fr-FR" dirty="0" smtClean="0"/>
+              <a:t>Bilan du projet</a:t>
+            </a:r>
+            <a:endParaRPr lang="fr-FR" dirty="0"/>
+          </a:p>
+        </p:txBody>
+      </p:sp>
+    </p:spTree>
+    <p:extLst>
+      <p:ext uri="{BB962C8B-B14F-4D97-AF65-F5344CB8AC3E}">
+        <p14:creationId xmlns:p14="http://schemas.microsoft.com/office/powerpoint/2010/main" val="3231713206"/>
+      </p:ext>
+    </p:extLst>
+  </p:cSld>
+  <p:clrMapOvr>
+    <a:masterClrMapping/>
+  </p:clrMapOvr>
+  <p:timing>
+    <p:tnLst>
+      <p:par>
+        <p:cTn id="1" dur="indefinite" restart="never" nodeType="tmRoot"/>
+      </p:par>
+    </p:tnLst>
+  </p:timing>
+</p:sld>
+</file>
+
+<file path=ppt/slides/slide21.xml><?xml version="1.0" encoding="utf-8"?>
+<p:sld xmlns:a="http://schemas.openxmlformats.org/drawingml/2006/main" xmlns:r="http://schemas.openxmlformats.org/officeDocument/2006/relationships" xmlns:p="http://schemas.openxmlformats.org/presentationml/2006/main">
+  <p:cSld>
+    <p:spTree>
+      <p:nvGrpSpPr>
+        <p:cNvPr id="1" name=""/>
+        <p:cNvGrpSpPr/>
+        <p:nvPr/>
+      </p:nvGrpSpPr>
+      <p:grpSpPr>
+        <a:xfrm>
+          <a:off x="0" y="0"/>
+          <a:ext cx="0" cy="0"/>
+          <a:chOff x="0" y="0"/>
+          <a:chExt cx="0" cy="0"/>
+        </a:xfrm>
+      </p:grpSpPr>
+      <p:sp>
+        <p:nvSpPr>
+          <p:cNvPr id="2" name="Espace réservé du numéro de diapositive 1"/>
+          <p:cNvSpPr>
+            <a:spLocks noGrp="1"/>
+          </p:cNvSpPr>
+          <p:nvPr>
+            <p:ph type="sldNum" sz="quarter" idx="12"/>
+          </p:nvPr>
+        </p:nvSpPr>
+        <p:spPr/>
+        <p:txBody>
+          <a:bodyPr/>
+          <a:lstStyle/>
+          <a:p>
+            <a:fld id="{E4F67F9A-838C-4734-8EB0-754A37D9A5A7}" type="slidenum">
+              <a:rPr lang="fr-FR" smtClean="0"/>
+              <a:t>21</a:t>
+            </a:fld>
+            <a:endParaRPr lang="fr-FR"/>
+          </a:p>
+        </p:txBody>
+      </p:sp>
+      <p:sp>
+        <p:nvSpPr>
+          <p:cNvPr id="3" name="ZoneTexte 2"/>
+          <p:cNvSpPr txBox="1"/>
+          <p:nvPr/>
+        </p:nvSpPr>
+        <p:spPr>
+          <a:xfrm>
+            <a:off x="-1" y="0"/>
+            <a:ext cx="1532467" cy="307777"/>
+          </a:xfrm>
+          <a:prstGeom prst="rect">
+            <a:avLst/>
+          </a:prstGeom>
+          <a:noFill/>
+        </p:spPr>
+        <p:txBody>
+          <a:bodyPr wrap="square" rtlCol="0">
+            <a:spAutoFit/>
+          </a:bodyPr>
+          <a:lstStyle/>
+          <a:p>
+            <a:r>
+              <a:rPr lang="fr-FR" sz="1400" dirty="0" smtClean="0">
+                <a:solidFill>
+                  <a:srgbClr val="FF0000"/>
+                </a:solidFill>
+              </a:rPr>
+              <a:t>Merci</a:t>
+            </a:r>
+            <a:endParaRPr lang="fr-FR" sz="1400" dirty="0">
+              <a:solidFill>
+                <a:srgbClr val="FF0000"/>
+              </a:solidFill>
+            </a:endParaRPr>
+          </a:p>
+        </p:txBody>
+      </p:sp>
+      <p:sp>
+        <p:nvSpPr>
+          <p:cNvPr id="4" name="Rectangle 3"/>
+          <p:cNvSpPr/>
+          <p:nvPr/>
+        </p:nvSpPr>
+        <p:spPr>
+          <a:xfrm>
+            <a:off x="5525940" y="3167390"/>
+            <a:ext cx="1140120" cy="523220"/>
+          </a:xfrm>
+          <a:prstGeom prst="rect">
+            <a:avLst/>
+          </a:prstGeom>
+        </p:spPr>
+        <p:txBody>
+          <a:bodyPr wrap="none">
+            <a:spAutoFit/>
+          </a:bodyPr>
+          <a:lstStyle/>
+          <a:p>
+            <a:pPr algn="ctr"/>
+            <a:r>
+              <a:rPr lang="fr-FR" sz="2800" dirty="0" smtClean="0"/>
+              <a:t>MERCI</a:t>
+            </a:r>
+            <a:endParaRPr lang="fr-FR" sz="2800" dirty="0"/>
+          </a:p>
+        </p:txBody>
+      </p:sp>
+    </p:spTree>
+    <p:extLst>
+      <p:ext uri="{BB962C8B-B14F-4D97-AF65-F5344CB8AC3E}">
+        <p14:creationId xmlns:p14="http://schemas.microsoft.com/office/powerpoint/2010/main" val="3670161884"/>
       </p:ext>
     </p:extLst>
   </p:cSld>
@@ -5190,15 +5550,7 @@
             <a:pPr algn="ctr"/>
             <a:r>
               <a:rPr lang="fr-FR" dirty="0" smtClean="0"/>
-              <a:t>Définir les </a:t>
-            </a:r>
-            <a:r>
-              <a:rPr lang="fr-FR" dirty="0" smtClean="0"/>
-              <a:t>mots </a:t>
-            </a:r>
-            <a:r>
-              <a:rPr lang="fr-FR" dirty="0" smtClean="0"/>
-              <a:t>clés</a:t>
+              <a:t>Définir les mots clés</a:t>
             </a:r>
             <a:endParaRPr lang="fr-FR" dirty="0"/>
           </a:p>
@@ -5327,15 +5679,7 @@
             <a:pPr algn="ctr"/>
             <a:r>
               <a:rPr lang="fr-FR" dirty="0" smtClean="0"/>
-              <a:t>Définir les </a:t>
-            </a:r>
-            <a:r>
-              <a:rPr lang="fr-FR" dirty="0" smtClean="0"/>
-              <a:t>mots </a:t>
-            </a:r>
-            <a:r>
-              <a:rPr lang="fr-FR" dirty="0" smtClean="0"/>
-              <a:t>clés</a:t>
+              <a:t>Définir les mots clés</a:t>
             </a:r>
             <a:endParaRPr lang="fr-FR" dirty="0"/>
           </a:p>
@@ -5577,7 +5921,7 @@
         <p:spPr>
           <a:xfrm>
             <a:off x="3668636" y="3244334"/>
-            <a:ext cx="4854727" cy="369332"/>
+            <a:ext cx="4854727" cy="646331"/>
           </a:xfrm>
           <a:prstGeom prst="rect">
             <a:avLst/>
@@ -5592,8 +5936,24 @@
             <a:pPr algn="ctr"/>
             <a:r>
               <a:rPr lang="fr-FR" dirty="0"/>
-              <a:t>Présentation de la théorie du découpage en tuiles</a:t>
-            </a:r>
+              <a:t>Présentation de la théorie du découpage en </a:t>
+            </a:r>
+            <a:r>
+              <a:rPr lang="fr-FR" dirty="0" smtClean="0"/>
+              <a:t>tuiles</a:t>
+            </a:r>
+          </a:p>
+          <a:p>
+            <a:pPr algn="ctr"/>
+            <a:r>
+              <a:rPr lang="fr-FR" dirty="0" smtClean="0"/>
+              <a:t>(avec </a:t>
+            </a:r>
+            <a:r>
+              <a:rPr lang="fr-FR" smtClean="0"/>
+              <a:t>la bibliographie)</a:t>
+            </a:r>
+            <a:endParaRPr lang="fr-FR" dirty="0"/>
           </a:p>
         </p:txBody>
       </p:sp>
@@ -5704,7 +6064,7 @@
         <p:spPr>
           <a:xfrm>
             <a:off x="3855547" y="3244334"/>
-            <a:ext cx="4480907" cy="369332"/>
+            <a:ext cx="4480907" cy="646331"/>
           </a:xfrm>
           <a:prstGeom prst="rect">
             <a:avLst/>
@@ -5723,7 +6083,18 @@
             </a:r>
             <a:r>
               <a:rPr lang="fr-FR" dirty="0" smtClean="0"/>
-              <a:t>du streaming DASH</a:t>
+              <a:t>du streaming </a:t>
+            </a:r>
+            <a:r>
+              <a:rPr lang="fr-FR" dirty="0" smtClean="0"/>
+              <a:t>DASH</a:t>
+            </a:r>
+          </a:p>
+          <a:p>
+            <a:pPr algn="ctr"/>
+            <a:r>
+              <a:rPr lang="fr-FR" dirty="0" smtClean="0"/>
+              <a:t>(avec la bibliographie)</a:t>
             </a:r>
             <a:endParaRPr lang="fr-FR" dirty="0"/>
           </a:p>
@@ -5836,7 +6207,7 @@
         <p:spPr>
           <a:xfrm>
             <a:off x="3916140" y="3244334"/>
-            <a:ext cx="4359720" cy="369332"/>
+            <a:ext cx="4359719" cy="646331"/>
           </a:xfrm>
           <a:prstGeom prst="rect">
             <a:avLst/>
@@ -5851,7 +6222,18 @@
             <a:pPr algn="ctr"/>
             <a:r>
               <a:rPr lang="fr-FR" dirty="0" smtClean="0"/>
-              <a:t>Schéma de la chaine théorique de streaming</a:t>
+              <a:t>Schéma de la chaine théorique de </a:t>
+            </a:r>
+            <a:r>
+              <a:rPr lang="fr-FR" dirty="0" smtClean="0"/>
+              <a:t>streaming</a:t>
+            </a:r>
+          </a:p>
+          <a:p>
+            <a:pPr algn="ctr"/>
+            <a:r>
+              <a:rPr lang="fr-FR" dirty="0" smtClean="0"/>
+              <a:t>(image de la bibliographie)</a:t>
             </a:r>
             <a:endParaRPr lang="fr-FR" dirty="0"/>
           </a:p>

--- a/Slides/PRES2019-Projet14-OlivierFourmaux-ROIStreamingImapct-soutenance.pptx
+++ b/Slides/PRES2019-Projet14-OlivierFourmaux-ROIStreamingImapct-soutenance.pptx
@@ -128,6 +128,66 @@
     </a:lvl9pPr>
   </p:defaultTextStyle>
   <p:extLst>
+    <p:ext uri="{521415D9-36F7-43E2-AB2F-B90AF26B5E84}">
+      <p14:sectionLst xmlns:p14="http://schemas.microsoft.com/office/powerpoint/2010/main">
+        <p14:section name="Section par défaut" id="{4F5E85C6-C25B-4A98-ACA4-0EBF4B21FED0}">
+          <p14:sldIdLst/>
+        </p14:section>
+        <p14:section name="Intro" id="{F122474E-CDB8-47A6-B855-136EBD470666}">
+          <p14:sldIdLst>
+            <p14:sldId id="256"/>
+          </p14:sldIdLst>
+        </p14:section>
+        <p14:section name="Contexte" id="{08C4CE12-E34A-426B-982B-D2D44B5114F1}">
+          <p14:sldIdLst>
+            <p14:sldId id="257"/>
+            <p14:sldId id="258"/>
+            <p14:sldId id="259"/>
+          </p14:sldIdLst>
+        </p14:section>
+        <p14:section name="Cahier des charges" id="{359407FB-6B27-40D3-8FEF-A087B63F9706}">
+          <p14:sldIdLst>
+            <p14:sldId id="260"/>
+          </p14:sldIdLst>
+        </p14:section>
+        <p14:section name="Analyse" id="{E87E9BC5-D0B5-4709-832D-787E121133F7}">
+          <p14:sldIdLst>
+            <p14:sldId id="261"/>
+            <p14:sldId id="262"/>
+            <p14:sldId id="263"/>
+          </p14:sldIdLst>
+        </p14:section>
+        <p14:section name="Developpement" id="{CBA642EE-975E-48A5-9CE5-A2EC198CF8E4}">
+          <p14:sldIdLst>
+            <p14:sldId id="265"/>
+            <p14:sldId id="272"/>
+            <p14:sldId id="273"/>
+            <p14:sldId id="274"/>
+            <p14:sldId id="275"/>
+            <p14:sldId id="276"/>
+            <p14:sldId id="264"/>
+            <p14:sldId id="266"/>
+            <p14:sldId id="268"/>
+          </p14:sldIdLst>
+        </p14:section>
+        <p14:section name="Demonstration" id="{56155059-68A4-4C75-96D6-BFEF409A2169}">
+          <p14:sldIdLst>
+            <p14:sldId id="271"/>
+          </p14:sldIdLst>
+        </p14:section>
+        <p14:section name="Autres" id="{FC34B4B2-8D49-4EFF-B430-26570ADA881D}">
+          <p14:sldIdLst>
+            <p14:sldId id="267"/>
+          </p14:sldIdLst>
+        </p14:section>
+        <p14:section name="Conclusion" id="{5E18C0D0-7BE9-49D4-A4FC-D9D67C19F982}">
+          <p14:sldIdLst>
+            <p14:sldId id="269"/>
+            <p14:sldId id="270"/>
+          </p14:sldIdLst>
+        </p14:section>
+      </p14:sectionLst>
+    </p:ext>
     <p:ext uri="{EFAFB233-063F-42B5-8137-9DF3F51BA10A}">
       <p15:sldGuideLst xmlns:p15="http://schemas.microsoft.com/office/powerpoint/2012/main">
         <p15:guide id="1" orient="horz" pos="2160" userDrawn="1">
@@ -4030,19 +4090,7 @@
             <a:pPr algn="ctr"/>
             <a:r>
               <a:rPr lang="fr-FR" sz="2800" dirty="0" smtClean="0"/>
-              <a:t>Schéma de la chaine </a:t>
-            </a:r>
-            <a:r>
-              <a:rPr lang="fr-FR" sz="2800" dirty="0" smtClean="0"/>
-              <a:t>de </a:t>
-            </a:r>
-            <a:r>
-              <a:rPr lang="fr-FR" sz="2800" dirty="0" smtClean="0"/>
-              <a:t>segmentation</a:t>
-            </a:r>
-            <a:r>
-              <a:rPr lang="fr-FR" sz="2800" dirty="0" smtClean="0"/>
-              <a:t> de la vidéo</a:t>
+              <a:t>Schéma de la chaine de segmentation de la vidéo</a:t>
             </a:r>
             <a:endParaRPr lang="fr-FR" sz="2800" dirty="0"/>
           </a:p>
@@ -4194,19 +4242,7 @@
             <a:pPr algn="ctr"/>
             <a:r>
               <a:rPr lang="fr-FR" sz="2800" dirty="0" smtClean="0"/>
-              <a:t>Schéma de la chaine </a:t>
-            </a:r>
-            <a:r>
-              <a:rPr lang="fr-FR" sz="2800" dirty="0" smtClean="0"/>
-              <a:t>de </a:t>
-            </a:r>
-            <a:r>
-              <a:rPr lang="fr-FR" sz="2800" dirty="0" smtClean="0"/>
-              <a:t>segmentation</a:t>
-            </a:r>
-            <a:r>
-              <a:rPr lang="fr-FR" sz="2800" dirty="0" smtClean="0"/>
-              <a:t> de la vidéo</a:t>
+              <a:t>Schéma de la chaine de segmentation de la vidéo</a:t>
             </a:r>
             <a:endParaRPr lang="fr-FR" sz="2800" dirty="0"/>
           </a:p>
@@ -4358,19 +4394,7 @@
             <a:pPr algn="ctr"/>
             <a:r>
               <a:rPr lang="fr-FR" sz="2800" dirty="0" smtClean="0"/>
-              <a:t>Schéma de la chaine </a:t>
-            </a:r>
-            <a:r>
-              <a:rPr lang="fr-FR" sz="2800" dirty="0" smtClean="0"/>
-              <a:t>de </a:t>
-            </a:r>
-            <a:r>
-              <a:rPr lang="fr-FR" sz="2800" dirty="0" smtClean="0"/>
-              <a:t>segmentation</a:t>
-            </a:r>
-            <a:r>
-              <a:rPr lang="fr-FR" sz="2800" dirty="0" smtClean="0"/>
-              <a:t> de la vidéo</a:t>
+              <a:t>Schéma de la chaine de segmentation de la vidéo</a:t>
             </a:r>
             <a:endParaRPr lang="fr-FR" sz="2800" dirty="0"/>
           </a:p>
@@ -6083,11 +6107,7 @@
             </a:r>
             <a:r>
               <a:rPr lang="fr-FR" dirty="0" smtClean="0"/>
-              <a:t>du streaming </a:t>
-            </a:r>
-            <a:r>
-              <a:rPr lang="fr-FR" dirty="0" smtClean="0"/>
-              <a:t>DASH</a:t>
+              <a:t>du streaming DASH</a:t>
             </a:r>
           </a:p>
           <a:p>
@@ -6222,11 +6242,7 @@
             <a:pPr algn="ctr"/>
             <a:r>
               <a:rPr lang="fr-FR" dirty="0" smtClean="0"/>
-              <a:t>Schéma de la chaine théorique de </a:t>
-            </a:r>
-            <a:r>
-              <a:rPr lang="fr-FR" dirty="0" smtClean="0"/>
-              <a:t>streaming</a:t>
+              <a:t>Schéma de la chaine théorique de streaming</a:t>
             </a:r>
           </a:p>
           <a:p>

--- a/Slides/PRES2019-Projet14-OlivierFourmaux-ROIStreamingImapct-soutenance.pptx
+++ b/Slides/PRES2019-Projet14-OlivierFourmaux-ROIStreamingImapct-soutenance.pptx
@@ -5,7 +5,7 @@
     <p:sldMasterId id="2147483648" r:id="rId1"/>
   </p:sldMasterIdLst>
   <p:notesMasterIdLst>
-    <p:notesMasterId r:id="rId23"/>
+    <p:notesMasterId r:id="rId24"/>
   </p:notesMasterIdLst>
   <p:sldIdLst>
     <p:sldId id="256" r:id="rId2"/>
@@ -23,12 +23,13 @@
     <p:sldId id="275" r:id="rId14"/>
     <p:sldId id="276" r:id="rId15"/>
     <p:sldId id="264" r:id="rId16"/>
-    <p:sldId id="266" r:id="rId17"/>
-    <p:sldId id="268" r:id="rId18"/>
-    <p:sldId id="271" r:id="rId19"/>
-    <p:sldId id="267" r:id="rId20"/>
-    <p:sldId id="269" r:id="rId21"/>
-    <p:sldId id="270" r:id="rId22"/>
+    <p:sldId id="268" r:id="rId17"/>
+    <p:sldId id="266" r:id="rId18"/>
+    <p:sldId id="277" r:id="rId19"/>
+    <p:sldId id="271" r:id="rId20"/>
+    <p:sldId id="267" r:id="rId21"/>
+    <p:sldId id="269" r:id="rId22"/>
+    <p:sldId id="270" r:id="rId23"/>
   </p:sldIdLst>
   <p:sldSz cx="12192000" cy="6858000"/>
   <p:notesSz cx="6858000" cy="9144000"/>
@@ -166,8 +167,9 @@
             <p14:sldId id="275"/>
             <p14:sldId id="276"/>
             <p14:sldId id="264"/>
+            <p14:sldId id="268"/>
             <p14:sldId id="266"/>
-            <p14:sldId id="268"/>
+            <p14:sldId id="277"/>
           </p14:sldIdLst>
         </p14:section>
         <p14:section name="Demonstration" id="{56155059-68A4-4C75-96D6-BFEF409A2169}">
@@ -4652,38 +4654,150 @@
       </p:sp>
       <p:sp>
         <p:nvSpPr>
-          <p:cNvPr id="4" name="Rectangle 3"/>
-          <p:cNvSpPr/>
+          <p:cNvPr id="5" name="ZoneTexte 4"/>
+          <p:cNvSpPr txBox="1"/>
           <p:nvPr/>
         </p:nvSpPr>
         <p:spPr>
           <a:xfrm>
-            <a:off x="4973417" y="3244334"/>
-            <a:ext cx="2245166" cy="369332"/>
+            <a:off x="905931" y="1536174"/>
+            <a:ext cx="5452536" cy="3785652"/>
           </a:xfrm>
           <a:prstGeom prst="rect">
             <a:avLst/>
           </a:prstGeom>
-        </p:spPr>
-        <p:txBody>
-          <a:bodyPr wrap="none">
+          <a:noFill/>
+        </p:spPr>
+        <p:txBody>
+          <a:bodyPr wrap="square" rtlCol="0">
             <a:spAutoFit/>
           </a:bodyPr>
           <a:lstStyle/>
           <a:p>
+            <a:pPr marL="285750" indent="-285750" algn="just">
+              <a:lnSpc>
+                <a:spcPct val="200000"/>
+              </a:lnSpc>
+              <a:buFont typeface="Arial" panose="020B0604020202020204" pitchFamily="34" charset="0"/>
+              <a:buChar char="•"/>
+            </a:pPr>
+            <a:r>
+              <a:rPr lang="fr-FR" sz="2000" dirty="0" smtClean="0"/>
+              <a:t>Temps d’encodage très long, taille des fichiers</a:t>
+            </a:r>
+          </a:p>
+          <a:p>
+            <a:pPr marL="285750" indent="-285750" algn="just">
+              <a:lnSpc>
+                <a:spcPct val="200000"/>
+              </a:lnSpc>
+              <a:buFont typeface="Arial" panose="020B0604020202020204" pitchFamily="34" charset="0"/>
+              <a:buChar char="•"/>
+            </a:pPr>
+            <a:r>
+              <a:rPr lang="fr-FR" sz="2000" dirty="0"/>
+              <a:t>Bande passante de l’architecture de test limitée</a:t>
+            </a:r>
+          </a:p>
+          <a:p>
+            <a:pPr marL="285750" indent="-285750" algn="just">
+              <a:lnSpc>
+                <a:spcPct val="200000"/>
+              </a:lnSpc>
+              <a:buFont typeface="Arial" panose="020B0604020202020204" pitchFamily="34" charset="0"/>
+              <a:buChar char="•"/>
+            </a:pPr>
+            <a:r>
+              <a:rPr lang="fr-FR" sz="2000" dirty="0" smtClean="0"/>
+              <a:t>Limite </a:t>
+            </a:r>
+            <a:r>
+              <a:rPr lang="fr-FR" sz="2000" dirty="0"/>
+              <a:t>du nombre de tuiles maximum </a:t>
+            </a:r>
+          </a:p>
+          <a:p>
+            <a:pPr marL="285750" indent="-285750" algn="just">
+              <a:lnSpc>
+                <a:spcPct val="200000"/>
+              </a:lnSpc>
+              <a:buFont typeface="Arial" panose="020B0604020202020204" pitchFamily="34" charset="0"/>
+              <a:buChar char="•"/>
+            </a:pPr>
+            <a:r>
+              <a:rPr lang="fr-FR" sz="2000" dirty="0"/>
+              <a:t>Limite du nombre de bitrates </a:t>
+            </a:r>
+            <a:r>
+              <a:rPr lang="fr-FR" sz="2000" dirty="0" smtClean="0"/>
+              <a:t>différents</a:t>
+            </a:r>
+          </a:p>
+          <a:p>
+            <a:pPr marL="285750" indent="-285750" algn="just">
+              <a:lnSpc>
+                <a:spcPct val="200000"/>
+              </a:lnSpc>
+              <a:buFont typeface="Arial" panose="020B0604020202020204" pitchFamily="34" charset="0"/>
+              <a:buChar char="•"/>
+            </a:pPr>
+            <a:r>
+              <a:rPr lang="fr-FR" sz="2000" dirty="0" smtClean="0"/>
+              <a:t>Choix de la ROI limité</a:t>
+            </a:r>
+            <a:endParaRPr lang="fr-FR" sz="2000" dirty="0"/>
+          </a:p>
+          <a:p>
+            <a:pPr marL="285750" indent="-285750" algn="just">
+              <a:lnSpc>
+                <a:spcPct val="200000"/>
+              </a:lnSpc>
+              <a:buFont typeface="Arial" panose="020B0604020202020204" pitchFamily="34" charset="0"/>
+              <a:buChar char="•"/>
+            </a:pPr>
+            <a:r>
+              <a:rPr lang="fr-FR" sz="2000" dirty="0" smtClean="0"/>
+              <a:t>Stabilité du lecteur GPAC</a:t>
+            </a:r>
+            <a:endParaRPr lang="fr-FR" sz="2000" dirty="0"/>
+          </a:p>
+        </p:txBody>
+      </p:sp>
+      <p:sp>
+        <p:nvSpPr>
+          <p:cNvPr id="6" name="ZoneTexte 5"/>
+          <p:cNvSpPr txBox="1"/>
+          <p:nvPr/>
+        </p:nvSpPr>
+        <p:spPr>
+          <a:xfrm>
+            <a:off x="2353732" y="417840"/>
+            <a:ext cx="7484534" cy="523220"/>
+          </a:xfrm>
+          <a:prstGeom prst="rect">
+            <a:avLst/>
+          </a:prstGeom>
+          <a:noFill/>
+        </p:spPr>
+        <p:txBody>
+          <a:bodyPr wrap="square" rtlCol="0">
+            <a:spAutoFit/>
+          </a:bodyPr>
+          <a:lstStyle/>
+          <a:p>
             <a:pPr algn="ctr"/>
             <a:r>
-              <a:rPr lang="fr-FR" dirty="0" smtClean="0"/>
+              <a:rPr lang="fr-FR" sz="2800" dirty="0" smtClean="0"/>
               <a:t>Problèmes rencontrés</a:t>
             </a:r>
-            <a:endParaRPr lang="fr-FR" dirty="0"/>
+            <a:endParaRPr lang="fr-FR" sz="2800" dirty="0"/>
           </a:p>
         </p:txBody>
       </p:sp>
     </p:spTree>
     <p:extLst>
       <p:ext uri="{BB962C8B-B14F-4D97-AF65-F5344CB8AC3E}">
-        <p14:creationId xmlns:p14="http://schemas.microsoft.com/office/powerpoint/2010/main" val="2442421539"/>
+        <p14:creationId xmlns:p14="http://schemas.microsoft.com/office/powerpoint/2010/main" val="871201483"/>
       </p:ext>
     </p:extLst>
   </p:cSld>
@@ -4780,38 +4894,288 @@
       </p:sp>
       <p:sp>
         <p:nvSpPr>
-          <p:cNvPr id="4" name="Rectangle 3"/>
-          <p:cNvSpPr/>
+          <p:cNvPr id="5" name="ZoneTexte 4"/>
+          <p:cNvSpPr txBox="1"/>
           <p:nvPr/>
         </p:nvSpPr>
         <p:spPr>
           <a:xfrm>
-            <a:off x="4973417" y="3244334"/>
-            <a:ext cx="2245166" cy="369332"/>
+            <a:off x="905931" y="1536174"/>
+            <a:ext cx="5452536" cy="3785652"/>
           </a:xfrm>
           <a:prstGeom prst="rect">
             <a:avLst/>
           </a:prstGeom>
-        </p:spPr>
-        <p:txBody>
-          <a:bodyPr wrap="none">
+          <a:noFill/>
+        </p:spPr>
+        <p:txBody>
+          <a:bodyPr wrap="square" rtlCol="0">
             <a:spAutoFit/>
           </a:bodyPr>
           <a:lstStyle/>
           <a:p>
+            <a:pPr marL="285750" indent="-285750" algn="just">
+              <a:lnSpc>
+                <a:spcPct val="200000"/>
+              </a:lnSpc>
+              <a:buFont typeface="Arial" panose="020B0604020202020204" pitchFamily="34" charset="0"/>
+              <a:buChar char="•"/>
+            </a:pPr>
+            <a:r>
+              <a:rPr lang="fr-FR" sz="2000" dirty="0" smtClean="0"/>
+              <a:t>Temps d’encodage très long, taille des fichiers</a:t>
+            </a:r>
+          </a:p>
+          <a:p>
+            <a:pPr marL="285750" indent="-285750" algn="just">
+              <a:lnSpc>
+                <a:spcPct val="200000"/>
+              </a:lnSpc>
+              <a:buFont typeface="Arial" panose="020B0604020202020204" pitchFamily="34" charset="0"/>
+              <a:buChar char="•"/>
+            </a:pPr>
+            <a:r>
+              <a:rPr lang="fr-FR" sz="2000" dirty="0"/>
+              <a:t>Bande passante de l’architecture de test limitée</a:t>
+            </a:r>
+          </a:p>
+          <a:p>
+            <a:pPr marL="285750" indent="-285750" algn="just">
+              <a:lnSpc>
+                <a:spcPct val="200000"/>
+              </a:lnSpc>
+              <a:buFont typeface="Arial" panose="020B0604020202020204" pitchFamily="34" charset="0"/>
+              <a:buChar char="•"/>
+            </a:pPr>
+            <a:r>
+              <a:rPr lang="fr-FR" sz="2000" dirty="0" smtClean="0"/>
+              <a:t>Limite </a:t>
+            </a:r>
+            <a:r>
+              <a:rPr lang="fr-FR" sz="2000" dirty="0"/>
+              <a:t>du nombre de tuiles maximum </a:t>
+            </a:r>
+          </a:p>
+          <a:p>
+            <a:pPr marL="285750" indent="-285750" algn="just">
+              <a:lnSpc>
+                <a:spcPct val="200000"/>
+              </a:lnSpc>
+              <a:buFont typeface="Arial" panose="020B0604020202020204" pitchFamily="34" charset="0"/>
+              <a:buChar char="•"/>
+            </a:pPr>
+            <a:r>
+              <a:rPr lang="fr-FR" sz="2000" dirty="0"/>
+              <a:t>Limite du nombre de bitrates </a:t>
+            </a:r>
+            <a:r>
+              <a:rPr lang="fr-FR" sz="2000" dirty="0" smtClean="0"/>
+              <a:t>différents</a:t>
+            </a:r>
+          </a:p>
+          <a:p>
+            <a:pPr marL="285750" indent="-285750" algn="just">
+              <a:lnSpc>
+                <a:spcPct val="200000"/>
+              </a:lnSpc>
+              <a:buFont typeface="Arial" panose="020B0604020202020204" pitchFamily="34" charset="0"/>
+              <a:buChar char="•"/>
+            </a:pPr>
+            <a:r>
+              <a:rPr lang="fr-FR" sz="2000" dirty="0" smtClean="0"/>
+              <a:t>Choix de la ROI limité</a:t>
+            </a:r>
+            <a:endParaRPr lang="fr-FR" sz="2000" dirty="0"/>
+          </a:p>
+          <a:p>
+            <a:pPr marL="285750" indent="-285750" algn="just">
+              <a:lnSpc>
+                <a:spcPct val="200000"/>
+              </a:lnSpc>
+              <a:buFont typeface="Arial" panose="020B0604020202020204" pitchFamily="34" charset="0"/>
+              <a:buChar char="•"/>
+            </a:pPr>
+            <a:r>
+              <a:rPr lang="fr-FR" sz="2000" dirty="0" smtClean="0"/>
+              <a:t>Stabilité du lecteur GPAC</a:t>
+            </a:r>
+            <a:endParaRPr lang="fr-FR" sz="2000" dirty="0"/>
+          </a:p>
+        </p:txBody>
+      </p:sp>
+      <p:sp>
+        <p:nvSpPr>
+          <p:cNvPr id="6" name="ZoneTexte 5"/>
+          <p:cNvSpPr txBox="1"/>
+          <p:nvPr/>
+        </p:nvSpPr>
+        <p:spPr>
+          <a:xfrm>
+            <a:off x="2353732" y="417840"/>
+            <a:ext cx="7484534" cy="523220"/>
+          </a:xfrm>
+          <a:prstGeom prst="rect">
+            <a:avLst/>
+          </a:prstGeom>
+          <a:noFill/>
+        </p:spPr>
+        <p:txBody>
+          <a:bodyPr wrap="square" rtlCol="0">
+            <a:spAutoFit/>
+          </a:bodyPr>
+          <a:lstStyle/>
+          <a:p>
             <a:pPr algn="ctr"/>
             <a:r>
-              <a:rPr lang="fr-FR" dirty="0" smtClean="0"/>
+              <a:rPr lang="fr-FR" sz="2800" dirty="0" smtClean="0"/>
               <a:t>Problèmes rencontrés</a:t>
             </a:r>
-            <a:endParaRPr lang="fr-FR" dirty="0"/>
+            <a:endParaRPr lang="fr-FR" sz="2800" dirty="0"/>
+          </a:p>
+        </p:txBody>
+      </p:sp>
+      <p:sp>
+        <p:nvSpPr>
+          <p:cNvPr id="7" name="Accolade fermante 6"/>
+          <p:cNvSpPr/>
+          <p:nvPr/>
+        </p:nvSpPr>
+        <p:spPr>
+          <a:xfrm>
+            <a:off x="6180667" y="1667933"/>
+            <a:ext cx="347133" cy="1185334"/>
+          </a:xfrm>
+          <a:prstGeom prst="rightBrace">
+            <a:avLst/>
+          </a:prstGeom>
+          <a:ln w="12700"/>
+        </p:spPr>
+        <p:style>
+          <a:lnRef idx="1">
+            <a:schemeClr val="dk1"/>
+          </a:lnRef>
+          <a:fillRef idx="0">
+            <a:schemeClr val="dk1"/>
+          </a:fillRef>
+          <a:effectRef idx="0">
+            <a:schemeClr val="dk1"/>
+          </a:effectRef>
+          <a:fontRef idx="minor">
+            <a:schemeClr val="tx1"/>
+          </a:fontRef>
+        </p:style>
+        <p:txBody>
+          <a:bodyPr rtlCol="0" anchor="ctr"/>
+          <a:lstStyle/>
+          <a:p>
+            <a:pPr algn="ctr"/>
+            <a:endParaRPr lang="fr-FR"/>
+          </a:p>
+        </p:txBody>
+      </p:sp>
+      <p:sp>
+        <p:nvSpPr>
+          <p:cNvPr id="8" name="Accolade fermante 7"/>
+          <p:cNvSpPr/>
+          <p:nvPr/>
+        </p:nvSpPr>
+        <p:spPr>
+          <a:xfrm>
+            <a:off x="6180666" y="3056038"/>
+            <a:ext cx="347133" cy="2265788"/>
+          </a:xfrm>
+          <a:prstGeom prst="rightBrace">
+            <a:avLst/>
+          </a:prstGeom>
+          <a:ln w="12700"/>
+        </p:spPr>
+        <p:style>
+          <a:lnRef idx="1">
+            <a:schemeClr val="dk1"/>
+          </a:lnRef>
+          <a:fillRef idx="0">
+            <a:schemeClr val="dk1"/>
+          </a:fillRef>
+          <a:effectRef idx="0">
+            <a:schemeClr val="dk1"/>
+          </a:effectRef>
+          <a:fontRef idx="minor">
+            <a:schemeClr val="tx1"/>
+          </a:fontRef>
+        </p:style>
+        <p:txBody>
+          <a:bodyPr rtlCol="0" anchor="ctr"/>
+          <a:lstStyle/>
+          <a:p>
+            <a:pPr algn="ctr"/>
+            <a:endParaRPr lang="fr-FR"/>
+          </a:p>
+        </p:txBody>
+      </p:sp>
+      <p:sp>
+        <p:nvSpPr>
+          <p:cNvPr id="9" name="ZoneTexte 8"/>
+          <p:cNvSpPr txBox="1"/>
+          <p:nvPr/>
+        </p:nvSpPr>
+        <p:spPr>
+          <a:xfrm>
+            <a:off x="6722534" y="2018211"/>
+            <a:ext cx="2489200" cy="461665"/>
+          </a:xfrm>
+          <a:prstGeom prst="rect">
+            <a:avLst/>
+          </a:prstGeom>
+          <a:noFill/>
+        </p:spPr>
+        <p:txBody>
+          <a:bodyPr wrap="square" rtlCol="0">
+            <a:spAutoFit/>
+          </a:bodyPr>
+          <a:lstStyle/>
+          <a:p>
+            <a:r>
+              <a:rPr lang="fr-FR" sz="2400" dirty="0" smtClean="0"/>
+              <a:t>Limite matérielle</a:t>
+            </a:r>
+            <a:endParaRPr lang="fr-FR" sz="2400" dirty="0"/>
+          </a:p>
+        </p:txBody>
+      </p:sp>
+      <p:sp>
+        <p:nvSpPr>
+          <p:cNvPr id="10" name="ZoneTexte 9"/>
+          <p:cNvSpPr txBox="1"/>
+          <p:nvPr/>
+        </p:nvSpPr>
+        <p:spPr>
+          <a:xfrm>
+            <a:off x="6722534" y="3956448"/>
+            <a:ext cx="2164522" cy="461665"/>
+          </a:xfrm>
+          <a:prstGeom prst="rect">
+            <a:avLst/>
+          </a:prstGeom>
+          <a:noFill/>
+        </p:spPr>
+        <p:txBody>
+          <a:bodyPr wrap="square" rtlCol="0">
+            <a:spAutoFit/>
+          </a:bodyPr>
+          <a:lstStyle/>
+          <a:p>
+            <a:r>
+              <a:rPr lang="fr-FR" sz="2400" dirty="0" smtClean="0"/>
+              <a:t>Limite logiciel</a:t>
+            </a:r>
+            <a:endParaRPr lang="fr-FR" sz="2400" dirty="0"/>
           </a:p>
         </p:txBody>
       </p:sp>
     </p:spTree>
     <p:extLst>
       <p:ext uri="{BB962C8B-B14F-4D97-AF65-F5344CB8AC3E}">
-        <p14:creationId xmlns:p14="http://schemas.microsoft.com/office/powerpoint/2010/main" val="871201483"/>
+        <p14:creationId xmlns:p14="http://schemas.microsoft.com/office/powerpoint/2010/main" val="2442421539"/>
       </p:ext>
     </p:extLst>
   </p:cSld>
@@ -4829,6 +5193,548 @@
 </file>
 
 <file path=ppt/slides/slide18.xml><?xml version="1.0" encoding="utf-8"?>
+<p:sld xmlns:a="http://schemas.openxmlformats.org/drawingml/2006/main" xmlns:r="http://schemas.openxmlformats.org/officeDocument/2006/relationships" xmlns:p="http://schemas.openxmlformats.org/presentationml/2006/main">
+  <p:cSld>
+    <p:spTree>
+      <p:nvGrpSpPr>
+        <p:cNvPr id="1" name=""/>
+        <p:cNvGrpSpPr/>
+        <p:nvPr/>
+      </p:nvGrpSpPr>
+      <p:grpSpPr>
+        <a:xfrm>
+          <a:off x="0" y="0"/>
+          <a:ext cx="0" cy="0"/>
+          <a:chOff x="0" y="0"/>
+          <a:chExt cx="0" cy="0"/>
+        </a:xfrm>
+      </p:grpSpPr>
+      <p:sp>
+        <p:nvSpPr>
+          <p:cNvPr id="2" name="Espace réservé du numéro de diapositive 1"/>
+          <p:cNvSpPr>
+            <a:spLocks noGrp="1"/>
+          </p:cNvSpPr>
+          <p:nvPr>
+            <p:ph type="sldNum" sz="quarter" idx="12"/>
+          </p:nvPr>
+        </p:nvSpPr>
+        <p:spPr/>
+        <p:txBody>
+          <a:bodyPr/>
+          <a:lstStyle/>
+          <a:p>
+            <a:fld id="{E4F67F9A-838C-4734-8EB0-754A37D9A5A7}" type="slidenum">
+              <a:rPr lang="fr-FR" smtClean="0"/>
+              <a:t>18</a:t>
+            </a:fld>
+            <a:endParaRPr lang="fr-FR"/>
+          </a:p>
+        </p:txBody>
+      </p:sp>
+      <p:sp>
+        <p:nvSpPr>
+          <p:cNvPr id="3" name="ZoneTexte 2"/>
+          <p:cNvSpPr txBox="1"/>
+          <p:nvPr/>
+        </p:nvSpPr>
+        <p:spPr>
+          <a:xfrm>
+            <a:off x="-1" y="0"/>
+            <a:ext cx="1532467" cy="307777"/>
+          </a:xfrm>
+          <a:prstGeom prst="rect">
+            <a:avLst/>
+          </a:prstGeom>
+          <a:noFill/>
+        </p:spPr>
+        <p:txBody>
+          <a:bodyPr wrap="square" rtlCol="0">
+            <a:spAutoFit/>
+          </a:bodyPr>
+          <a:lstStyle/>
+          <a:p>
+            <a:r>
+              <a:rPr lang="fr-FR" sz="1400" dirty="0" smtClean="0">
+                <a:solidFill>
+                  <a:srgbClr val="FF0000"/>
+                </a:solidFill>
+              </a:rPr>
+              <a:t>Développement 4</a:t>
+            </a:r>
+            <a:endParaRPr lang="fr-FR" sz="1400" dirty="0">
+              <a:solidFill>
+                <a:srgbClr val="FF0000"/>
+              </a:solidFill>
+            </a:endParaRPr>
+          </a:p>
+        </p:txBody>
+      </p:sp>
+      <p:sp>
+        <p:nvSpPr>
+          <p:cNvPr id="5" name="ZoneTexte 4"/>
+          <p:cNvSpPr txBox="1"/>
+          <p:nvPr/>
+        </p:nvSpPr>
+        <p:spPr>
+          <a:xfrm>
+            <a:off x="905931" y="1536174"/>
+            <a:ext cx="5452536" cy="3785652"/>
+          </a:xfrm>
+          <a:prstGeom prst="rect">
+            <a:avLst/>
+          </a:prstGeom>
+          <a:noFill/>
+        </p:spPr>
+        <p:txBody>
+          <a:bodyPr wrap="square" rtlCol="0">
+            <a:spAutoFit/>
+          </a:bodyPr>
+          <a:lstStyle/>
+          <a:p>
+            <a:pPr marL="285750" indent="-285750" algn="just">
+              <a:lnSpc>
+                <a:spcPct val="200000"/>
+              </a:lnSpc>
+              <a:buFont typeface="Arial" panose="020B0604020202020204" pitchFamily="34" charset="0"/>
+              <a:buChar char="•"/>
+            </a:pPr>
+            <a:r>
+              <a:rPr lang="fr-FR" sz="2000" dirty="0" smtClean="0"/>
+              <a:t>Temps d’encodage très long, taille des fichiers</a:t>
+            </a:r>
+          </a:p>
+          <a:p>
+            <a:pPr marL="285750" indent="-285750" algn="just">
+              <a:lnSpc>
+                <a:spcPct val="200000"/>
+              </a:lnSpc>
+              <a:buFont typeface="Arial" panose="020B0604020202020204" pitchFamily="34" charset="0"/>
+              <a:buChar char="•"/>
+            </a:pPr>
+            <a:r>
+              <a:rPr lang="fr-FR" sz="2000" dirty="0"/>
+              <a:t>Bande passante de l’architecture de test limitée</a:t>
+            </a:r>
+          </a:p>
+          <a:p>
+            <a:pPr marL="285750" indent="-285750" algn="just">
+              <a:lnSpc>
+                <a:spcPct val="200000"/>
+              </a:lnSpc>
+              <a:buFont typeface="Arial" panose="020B0604020202020204" pitchFamily="34" charset="0"/>
+              <a:buChar char="•"/>
+            </a:pPr>
+            <a:r>
+              <a:rPr lang="fr-FR" sz="2000" dirty="0" smtClean="0"/>
+              <a:t>Limite </a:t>
+            </a:r>
+            <a:r>
+              <a:rPr lang="fr-FR" sz="2000" dirty="0"/>
+              <a:t>du nombre de tuiles maximum </a:t>
+            </a:r>
+          </a:p>
+          <a:p>
+            <a:pPr marL="285750" indent="-285750" algn="just">
+              <a:lnSpc>
+                <a:spcPct val="200000"/>
+              </a:lnSpc>
+              <a:buFont typeface="Arial" panose="020B0604020202020204" pitchFamily="34" charset="0"/>
+              <a:buChar char="•"/>
+            </a:pPr>
+            <a:r>
+              <a:rPr lang="fr-FR" sz="2000" dirty="0"/>
+              <a:t>Limite du nombre de bitrates </a:t>
+            </a:r>
+            <a:r>
+              <a:rPr lang="fr-FR" sz="2000" dirty="0" smtClean="0"/>
+              <a:t>différents</a:t>
+            </a:r>
+          </a:p>
+          <a:p>
+            <a:pPr marL="285750" indent="-285750" algn="just">
+              <a:lnSpc>
+                <a:spcPct val="200000"/>
+              </a:lnSpc>
+              <a:buFont typeface="Arial" panose="020B0604020202020204" pitchFamily="34" charset="0"/>
+              <a:buChar char="•"/>
+            </a:pPr>
+            <a:r>
+              <a:rPr lang="fr-FR" sz="2000" dirty="0" smtClean="0"/>
+              <a:t>Choix de la ROI limité</a:t>
+            </a:r>
+            <a:endParaRPr lang="fr-FR" sz="2000" dirty="0"/>
+          </a:p>
+          <a:p>
+            <a:pPr marL="285750" indent="-285750" algn="just">
+              <a:lnSpc>
+                <a:spcPct val="200000"/>
+              </a:lnSpc>
+              <a:buFont typeface="Arial" panose="020B0604020202020204" pitchFamily="34" charset="0"/>
+              <a:buChar char="•"/>
+            </a:pPr>
+            <a:r>
+              <a:rPr lang="fr-FR" sz="2000" dirty="0" smtClean="0"/>
+              <a:t>Stabilité du lecteur GPAC</a:t>
+            </a:r>
+            <a:endParaRPr lang="fr-FR" sz="2000" dirty="0"/>
+          </a:p>
+        </p:txBody>
+      </p:sp>
+      <p:sp>
+        <p:nvSpPr>
+          <p:cNvPr id="6" name="ZoneTexte 5"/>
+          <p:cNvSpPr txBox="1"/>
+          <p:nvPr/>
+        </p:nvSpPr>
+        <p:spPr>
+          <a:xfrm>
+            <a:off x="2353732" y="417840"/>
+            <a:ext cx="7484534" cy="523220"/>
+          </a:xfrm>
+          <a:prstGeom prst="rect">
+            <a:avLst/>
+          </a:prstGeom>
+          <a:noFill/>
+        </p:spPr>
+        <p:txBody>
+          <a:bodyPr wrap="square" rtlCol="0">
+            <a:spAutoFit/>
+          </a:bodyPr>
+          <a:lstStyle/>
+          <a:p>
+            <a:pPr algn="ctr"/>
+            <a:r>
+              <a:rPr lang="fr-FR" sz="2800" dirty="0" smtClean="0"/>
+              <a:t>Problèmes rencontrés</a:t>
+            </a:r>
+            <a:endParaRPr lang="fr-FR" sz="2800" dirty="0"/>
+          </a:p>
+        </p:txBody>
+      </p:sp>
+      <p:sp>
+        <p:nvSpPr>
+          <p:cNvPr id="7" name="Accolade fermante 6"/>
+          <p:cNvSpPr/>
+          <p:nvPr/>
+        </p:nvSpPr>
+        <p:spPr>
+          <a:xfrm>
+            <a:off x="6180667" y="1667933"/>
+            <a:ext cx="347133" cy="1185334"/>
+          </a:xfrm>
+          <a:prstGeom prst="rightBrace">
+            <a:avLst/>
+          </a:prstGeom>
+          <a:ln w="12700"/>
+        </p:spPr>
+        <p:style>
+          <a:lnRef idx="1">
+            <a:schemeClr val="dk1"/>
+          </a:lnRef>
+          <a:fillRef idx="0">
+            <a:schemeClr val="dk1"/>
+          </a:fillRef>
+          <a:effectRef idx="0">
+            <a:schemeClr val="dk1"/>
+          </a:effectRef>
+          <a:fontRef idx="minor">
+            <a:schemeClr val="tx1"/>
+          </a:fontRef>
+        </p:style>
+        <p:txBody>
+          <a:bodyPr rtlCol="0" anchor="ctr"/>
+          <a:lstStyle/>
+          <a:p>
+            <a:pPr algn="ctr"/>
+            <a:endParaRPr lang="fr-FR"/>
+          </a:p>
+        </p:txBody>
+      </p:sp>
+      <p:sp>
+        <p:nvSpPr>
+          <p:cNvPr id="8" name="Accolade fermante 7"/>
+          <p:cNvSpPr/>
+          <p:nvPr/>
+        </p:nvSpPr>
+        <p:spPr>
+          <a:xfrm>
+            <a:off x="6180666" y="3056038"/>
+            <a:ext cx="347133" cy="2265788"/>
+          </a:xfrm>
+          <a:prstGeom prst="rightBrace">
+            <a:avLst/>
+          </a:prstGeom>
+          <a:ln w="12700"/>
+        </p:spPr>
+        <p:style>
+          <a:lnRef idx="1">
+            <a:schemeClr val="dk1"/>
+          </a:lnRef>
+          <a:fillRef idx="0">
+            <a:schemeClr val="dk1"/>
+          </a:fillRef>
+          <a:effectRef idx="0">
+            <a:schemeClr val="dk1"/>
+          </a:effectRef>
+          <a:fontRef idx="minor">
+            <a:schemeClr val="tx1"/>
+          </a:fontRef>
+        </p:style>
+        <p:txBody>
+          <a:bodyPr rtlCol="0" anchor="ctr"/>
+          <a:lstStyle/>
+          <a:p>
+            <a:pPr algn="ctr"/>
+            <a:endParaRPr lang="fr-FR"/>
+          </a:p>
+        </p:txBody>
+      </p:sp>
+      <p:sp>
+        <p:nvSpPr>
+          <p:cNvPr id="9" name="ZoneTexte 8"/>
+          <p:cNvSpPr txBox="1"/>
+          <p:nvPr/>
+        </p:nvSpPr>
+        <p:spPr>
+          <a:xfrm>
+            <a:off x="6722534" y="2018211"/>
+            <a:ext cx="2489200" cy="461665"/>
+          </a:xfrm>
+          <a:prstGeom prst="rect">
+            <a:avLst/>
+          </a:prstGeom>
+          <a:noFill/>
+        </p:spPr>
+        <p:txBody>
+          <a:bodyPr wrap="square" rtlCol="0">
+            <a:spAutoFit/>
+          </a:bodyPr>
+          <a:lstStyle/>
+          <a:p>
+            <a:r>
+              <a:rPr lang="fr-FR" sz="2400" dirty="0" smtClean="0"/>
+              <a:t>Limite matérielle</a:t>
+            </a:r>
+            <a:endParaRPr lang="fr-FR" sz="2400" dirty="0"/>
+          </a:p>
+        </p:txBody>
+      </p:sp>
+      <p:sp>
+        <p:nvSpPr>
+          <p:cNvPr id="10" name="ZoneTexte 9"/>
+          <p:cNvSpPr txBox="1"/>
+          <p:nvPr/>
+        </p:nvSpPr>
+        <p:spPr>
+          <a:xfrm>
+            <a:off x="6722534" y="3956448"/>
+            <a:ext cx="2164522" cy="461665"/>
+          </a:xfrm>
+          <a:prstGeom prst="rect">
+            <a:avLst/>
+          </a:prstGeom>
+          <a:noFill/>
+        </p:spPr>
+        <p:txBody>
+          <a:bodyPr wrap="square" rtlCol="0">
+            <a:spAutoFit/>
+          </a:bodyPr>
+          <a:lstStyle/>
+          <a:p>
+            <a:r>
+              <a:rPr lang="fr-FR" sz="2400" dirty="0" smtClean="0"/>
+              <a:t>Limite logiciel</a:t>
+            </a:r>
+            <a:endParaRPr lang="fr-FR" sz="2400" dirty="0"/>
+          </a:p>
+        </p:txBody>
+      </p:sp>
+      <p:sp>
+        <p:nvSpPr>
+          <p:cNvPr id="13" name="Flèche à angle droit 12"/>
+          <p:cNvSpPr/>
+          <p:nvPr/>
+        </p:nvSpPr>
+        <p:spPr>
+          <a:xfrm rot="5400000">
+            <a:off x="6856287" y="2504425"/>
+            <a:ext cx="502741" cy="381213"/>
+          </a:xfrm>
+          <a:prstGeom prst="bentUpArrow">
+            <a:avLst>
+              <a:gd name="adj1" fmla="val 25100"/>
+              <a:gd name="adj2" fmla="val 26553"/>
+              <a:gd name="adj3" fmla="val 25000"/>
+            </a:avLst>
+          </a:prstGeom>
+        </p:spPr>
+        <p:style>
+          <a:lnRef idx="2">
+            <a:schemeClr val="accent3">
+              <a:shade val="50000"/>
+            </a:schemeClr>
+          </a:lnRef>
+          <a:fillRef idx="1">
+            <a:schemeClr val="accent3"/>
+          </a:fillRef>
+          <a:effectRef idx="0">
+            <a:schemeClr val="accent3"/>
+          </a:effectRef>
+          <a:fontRef idx="minor">
+            <a:schemeClr val="lt1"/>
+          </a:fontRef>
+        </p:style>
+        <p:txBody>
+          <a:bodyPr rtlCol="0" anchor="ctr"/>
+          <a:lstStyle/>
+          <a:p>
+            <a:pPr algn="ctr"/>
+            <a:endParaRPr lang="fr-FR"/>
+          </a:p>
+        </p:txBody>
+      </p:sp>
+      <p:sp>
+        <p:nvSpPr>
+          <p:cNvPr id="15" name="ZoneTexte 14"/>
+          <p:cNvSpPr txBox="1"/>
+          <p:nvPr/>
+        </p:nvSpPr>
+        <p:spPr>
+          <a:xfrm>
+            <a:off x="7365999" y="2598003"/>
+            <a:ext cx="4267203" cy="830997"/>
+          </a:xfrm>
+          <a:prstGeom prst="rect">
+            <a:avLst/>
+          </a:prstGeom>
+          <a:noFill/>
+        </p:spPr>
+        <p:txBody>
+          <a:bodyPr wrap="square" rtlCol="0">
+            <a:spAutoFit/>
+          </a:bodyPr>
+          <a:lstStyle/>
+          <a:p>
+            <a:r>
+              <a:rPr lang="fr-FR" sz="2400" dirty="0" smtClean="0">
+                <a:solidFill>
+                  <a:srgbClr val="800000"/>
+                </a:solidFill>
+              </a:rPr>
+              <a:t>Solution : architecture de test de laboratoire</a:t>
+            </a:r>
+            <a:endParaRPr lang="fr-FR" sz="2400" dirty="0">
+              <a:solidFill>
+                <a:srgbClr val="800000"/>
+              </a:solidFill>
+            </a:endParaRPr>
+          </a:p>
+        </p:txBody>
+      </p:sp>
+      <p:sp>
+        <p:nvSpPr>
+          <p:cNvPr id="16" name="ZoneTexte 15"/>
+          <p:cNvSpPr txBox="1"/>
+          <p:nvPr/>
+        </p:nvSpPr>
+        <p:spPr>
+          <a:xfrm>
+            <a:off x="7365999" y="4520397"/>
+            <a:ext cx="4377269" cy="461665"/>
+          </a:xfrm>
+          <a:prstGeom prst="rect">
+            <a:avLst/>
+          </a:prstGeom>
+          <a:noFill/>
+        </p:spPr>
+        <p:txBody>
+          <a:bodyPr wrap="square" rtlCol="0">
+            <a:spAutoFit/>
+          </a:bodyPr>
+          <a:lstStyle/>
+          <a:p>
+            <a:r>
+              <a:rPr lang="fr-FR" sz="2400" dirty="0" smtClean="0">
+                <a:solidFill>
+                  <a:srgbClr val="800000"/>
+                </a:solidFill>
+              </a:rPr>
+              <a:t>Solution : utiliser un autre lecteur</a:t>
+            </a:r>
+            <a:endParaRPr lang="fr-FR" sz="2400" dirty="0">
+              <a:solidFill>
+                <a:srgbClr val="800000"/>
+              </a:solidFill>
+            </a:endParaRPr>
+          </a:p>
+        </p:txBody>
+      </p:sp>
+      <p:sp>
+        <p:nvSpPr>
+          <p:cNvPr id="17" name="Flèche à angle droit 16"/>
+          <p:cNvSpPr/>
+          <p:nvPr/>
+        </p:nvSpPr>
+        <p:spPr>
+          <a:xfrm rot="5400000">
+            <a:off x="6856287" y="4438742"/>
+            <a:ext cx="502741" cy="381213"/>
+          </a:xfrm>
+          <a:prstGeom prst="bentUpArrow">
+            <a:avLst>
+              <a:gd name="adj1" fmla="val 25100"/>
+              <a:gd name="adj2" fmla="val 26553"/>
+              <a:gd name="adj3" fmla="val 25000"/>
+            </a:avLst>
+          </a:prstGeom>
+        </p:spPr>
+        <p:style>
+          <a:lnRef idx="2">
+            <a:schemeClr val="accent3">
+              <a:shade val="50000"/>
+            </a:schemeClr>
+          </a:lnRef>
+          <a:fillRef idx="1">
+            <a:schemeClr val="accent3"/>
+          </a:fillRef>
+          <a:effectRef idx="0">
+            <a:schemeClr val="accent3"/>
+          </a:effectRef>
+          <a:fontRef idx="minor">
+            <a:schemeClr val="lt1"/>
+          </a:fontRef>
+        </p:style>
+        <p:txBody>
+          <a:bodyPr rtlCol="0" anchor="ctr"/>
+          <a:lstStyle/>
+          <a:p>
+            <a:pPr algn="ctr"/>
+            <a:endParaRPr lang="fr-FR"/>
+          </a:p>
+        </p:txBody>
+      </p:sp>
+    </p:spTree>
+    <p:extLst>
+      <p:ext uri="{BB962C8B-B14F-4D97-AF65-F5344CB8AC3E}">
+        <p14:creationId xmlns:p14="http://schemas.microsoft.com/office/powerpoint/2010/main" val="3732989751"/>
+      </p:ext>
+    </p:extLst>
+  </p:cSld>
+  <p:clrMapOvr>
+    <a:masterClrMapping/>
+  </p:clrMapOvr>
+  <p:timing>
+    <p:tnLst>
+      <p:par>
+        <p:cTn id="1" dur="indefinite" restart="never" nodeType="tmRoot"/>
+      </p:par>
+    </p:tnLst>
+  </p:timing>
+</p:sld>
+</file>
+
+<file path=ppt/slides/slide19.xml><?xml version="1.0" encoding="utf-8"?>
 <p:sld xmlns:a="http://schemas.openxmlformats.org/drawingml/2006/main" xmlns:r="http://schemas.openxmlformats.org/officeDocument/2006/relationships" xmlns:p="http://schemas.openxmlformats.org/presentationml/2006/main">
   <p:cSld>
     <p:bg>
@@ -4872,7 +5778,7 @@
           <a:p>
             <a:fld id="{E4F67F9A-838C-4734-8EB0-754A37D9A5A7}" type="slidenum">
               <a:rPr lang="fr-FR" smtClean="0"/>
-              <a:t>18</a:t>
+              <a:t>19</a:t>
             </a:fld>
             <a:endParaRPr lang="fr-FR"/>
           </a:p>
@@ -4955,134 +5861,6 @@
   <p:clrMapOvr>
     <a:masterClrMapping/>
   </p:clrMapOvr>
-</p:sld>
-</file>
-
-<file path=ppt/slides/slide19.xml><?xml version="1.0" encoding="utf-8"?>
-<p:sld xmlns:a="http://schemas.openxmlformats.org/drawingml/2006/main" xmlns:r="http://schemas.openxmlformats.org/officeDocument/2006/relationships" xmlns:p="http://schemas.openxmlformats.org/presentationml/2006/main">
-  <p:cSld>
-    <p:spTree>
-      <p:nvGrpSpPr>
-        <p:cNvPr id="1" name=""/>
-        <p:cNvGrpSpPr/>
-        <p:nvPr/>
-      </p:nvGrpSpPr>
-      <p:grpSpPr>
-        <a:xfrm>
-          <a:off x="0" y="0"/>
-          <a:ext cx="0" cy="0"/>
-          <a:chOff x="0" y="0"/>
-          <a:chExt cx="0" cy="0"/>
-        </a:xfrm>
-      </p:grpSpPr>
-      <p:sp>
-        <p:nvSpPr>
-          <p:cNvPr id="2" name="Espace réservé du numéro de diapositive 1"/>
-          <p:cNvSpPr>
-            <a:spLocks noGrp="1"/>
-          </p:cNvSpPr>
-          <p:nvPr>
-            <p:ph type="sldNum" sz="quarter" idx="12"/>
-          </p:nvPr>
-        </p:nvSpPr>
-        <p:spPr/>
-        <p:txBody>
-          <a:bodyPr/>
-          <a:lstStyle/>
-          <a:p>
-            <a:fld id="{E4F67F9A-838C-4734-8EB0-754A37D9A5A7}" type="slidenum">
-              <a:rPr lang="fr-FR" smtClean="0"/>
-              <a:t>19</a:t>
-            </a:fld>
-            <a:endParaRPr lang="fr-FR"/>
-          </a:p>
-        </p:txBody>
-      </p:sp>
-      <p:sp>
-        <p:nvSpPr>
-          <p:cNvPr id="3" name="ZoneTexte 2"/>
-          <p:cNvSpPr txBox="1"/>
-          <p:nvPr/>
-        </p:nvSpPr>
-        <p:spPr>
-          <a:xfrm>
-            <a:off x="-1" y="0"/>
-            <a:ext cx="1532467" cy="307777"/>
-          </a:xfrm>
-          <a:prstGeom prst="rect">
-            <a:avLst/>
-          </a:prstGeom>
-          <a:noFill/>
-        </p:spPr>
-        <p:txBody>
-          <a:bodyPr wrap="square" rtlCol="0">
-            <a:spAutoFit/>
-          </a:bodyPr>
-          <a:lstStyle/>
-          <a:p>
-            <a:r>
-              <a:rPr lang="fr-FR" sz="1400" dirty="0" smtClean="0">
-                <a:solidFill>
-                  <a:srgbClr val="FF0000"/>
-                </a:solidFill>
-              </a:rPr>
-              <a:t>Développement 5</a:t>
-            </a:r>
-            <a:endParaRPr lang="fr-FR" sz="1400" dirty="0">
-              <a:solidFill>
-                <a:srgbClr val="FF0000"/>
-              </a:solidFill>
-            </a:endParaRPr>
-          </a:p>
-        </p:txBody>
-      </p:sp>
-      <p:sp>
-        <p:nvSpPr>
-          <p:cNvPr id="4" name="Rectangle 3"/>
-          <p:cNvSpPr/>
-          <p:nvPr/>
-        </p:nvSpPr>
-        <p:spPr>
-          <a:xfrm>
-            <a:off x="2461383" y="3244334"/>
-            <a:ext cx="7269234" cy="369332"/>
-          </a:xfrm>
-          <a:prstGeom prst="rect">
-            <a:avLst/>
-          </a:prstGeom>
-        </p:spPr>
-        <p:txBody>
-          <a:bodyPr wrap="none">
-            <a:spAutoFit/>
-          </a:bodyPr>
-          <a:lstStyle/>
-          <a:p>
-            <a:pPr algn="ctr"/>
-            <a:r>
-              <a:rPr lang="fr-FR" dirty="0" smtClean="0"/>
-              <a:t>Peut être un slide de trop ou alors a rajouter pour les problèmes rencontrés</a:t>
-            </a:r>
-            <a:endParaRPr lang="fr-FR" dirty="0"/>
-          </a:p>
-        </p:txBody>
-      </p:sp>
-    </p:spTree>
-    <p:extLst>
-      <p:ext uri="{BB962C8B-B14F-4D97-AF65-F5344CB8AC3E}">
-        <p14:creationId xmlns:p14="http://schemas.microsoft.com/office/powerpoint/2010/main" val="122085997"/>
-      </p:ext>
-    </p:extLst>
-  </p:cSld>
-  <p:clrMapOvr>
-    <a:masterClrMapping/>
-  </p:clrMapOvr>
-  <p:timing>
-    <p:tnLst>
-      <p:par>
-        <p:cTn id="1" dur="indefinite" restart="never" nodeType="tmRoot"/>
-      </p:par>
-    </p:tnLst>
-  </p:timing>
 </p:sld>
 </file>
 
@@ -5283,7 +6061,7 @@
                   <a:srgbClr val="FF0000"/>
                 </a:solidFill>
               </a:rPr>
-              <a:t>Conclusion</a:t>
+              <a:t>Développement 5</a:t>
             </a:r>
             <a:endParaRPr lang="fr-FR" sz="1400" dirty="0">
               <a:solidFill>
@@ -5295,14 +6073,14 @@
       </p:sp>
       <p:sp>
         <p:nvSpPr>
-          <p:cNvPr id="6" name="Rectangle 5"/>
+          <p:cNvPr id="4" name="Rectangle 3"/>
           <p:cNvSpPr/>
           <p:nvPr/>
         </p:nvSpPr>
         <p:spPr>
           <a:xfrm>
-            <a:off x="5314443" y="3244334"/>
-            <a:ext cx="1563120" cy="369332"/>
+            <a:off x="2461383" y="3244334"/>
+            <a:ext cx="7269234" cy="369332"/>
           </a:xfrm>
           <a:prstGeom prst="rect">
             <a:avLst/>
@@ -5317,7 +6095,7 @@
             <a:pPr algn="ctr"/>
             <a:r>
               <a:rPr lang="fr-FR" dirty="0" smtClean="0"/>
-              <a:t>Bilan du projet</a:t>
+              <a:t>Peut être un slide de trop ou alors a rajouter pour les problèmes rencontrés</a:t>
             </a:r>
             <a:endParaRPr lang="fr-FR" dirty="0"/>
           </a:p>
@@ -5326,7 +6104,7 @@
     </p:spTree>
     <p:extLst>
       <p:ext uri="{BB962C8B-B14F-4D97-AF65-F5344CB8AC3E}">
-        <p14:creationId xmlns:p14="http://schemas.microsoft.com/office/powerpoint/2010/main" val="3231713206"/>
+        <p14:creationId xmlns:p14="http://schemas.microsoft.com/office/powerpoint/2010/main" val="122085997"/>
       </p:ext>
     </p:extLst>
   </p:cSld>
@@ -5411,7 +6189,7 @@
                   <a:srgbClr val="FF0000"/>
                 </a:solidFill>
               </a:rPr>
-              <a:t>Merci</a:t>
+              <a:t>Conclusion</a:t>
             </a:r>
             <a:endParaRPr lang="fr-FR" sz="1400" dirty="0">
               <a:solidFill>
@@ -5423,14 +6201,142 @@
       </p:sp>
       <p:sp>
         <p:nvSpPr>
+          <p:cNvPr id="6" name="Rectangle 5"/>
+          <p:cNvSpPr/>
+          <p:nvPr/>
+        </p:nvSpPr>
+        <p:spPr>
+          <a:xfrm>
+            <a:off x="5314443" y="3244334"/>
+            <a:ext cx="1563120" cy="369332"/>
+          </a:xfrm>
+          <a:prstGeom prst="rect">
+            <a:avLst/>
+          </a:prstGeom>
+        </p:spPr>
+        <p:txBody>
+          <a:bodyPr wrap="none">
+            <a:spAutoFit/>
+          </a:bodyPr>
+          <a:lstStyle/>
+          <a:p>
+            <a:pPr algn="ctr"/>
+            <a:r>
+              <a:rPr lang="fr-FR" dirty="0" smtClean="0"/>
+              <a:t>Bilan du projet</a:t>
+            </a:r>
+            <a:endParaRPr lang="fr-FR" dirty="0"/>
+          </a:p>
+        </p:txBody>
+      </p:sp>
+    </p:spTree>
+    <p:extLst>
+      <p:ext uri="{BB962C8B-B14F-4D97-AF65-F5344CB8AC3E}">
+        <p14:creationId xmlns:p14="http://schemas.microsoft.com/office/powerpoint/2010/main" val="3231713206"/>
+      </p:ext>
+    </p:extLst>
+  </p:cSld>
+  <p:clrMapOvr>
+    <a:masterClrMapping/>
+  </p:clrMapOvr>
+  <p:timing>
+    <p:tnLst>
+      <p:par>
+        <p:cTn id="1" dur="indefinite" restart="never" nodeType="tmRoot"/>
+      </p:par>
+    </p:tnLst>
+  </p:timing>
+</p:sld>
+</file>
+
+<file path=ppt/slides/slide22.xml><?xml version="1.0" encoding="utf-8"?>
+<p:sld xmlns:a="http://schemas.openxmlformats.org/drawingml/2006/main" xmlns:r="http://schemas.openxmlformats.org/officeDocument/2006/relationships" xmlns:p="http://schemas.openxmlformats.org/presentationml/2006/main">
+  <p:cSld>
+    <p:spTree>
+      <p:nvGrpSpPr>
+        <p:cNvPr id="1" name=""/>
+        <p:cNvGrpSpPr/>
+        <p:nvPr/>
+      </p:nvGrpSpPr>
+      <p:grpSpPr>
+        <a:xfrm>
+          <a:off x="0" y="0"/>
+          <a:ext cx="0" cy="0"/>
+          <a:chOff x="0" y="0"/>
+          <a:chExt cx="0" cy="0"/>
+        </a:xfrm>
+      </p:grpSpPr>
+      <p:sp>
+        <p:nvSpPr>
+          <p:cNvPr id="2" name="Espace réservé du numéro de diapositive 1"/>
+          <p:cNvSpPr>
+            <a:spLocks noGrp="1"/>
+          </p:cNvSpPr>
+          <p:nvPr>
+            <p:ph type="sldNum" sz="quarter" idx="12"/>
+          </p:nvPr>
+        </p:nvSpPr>
+        <p:spPr/>
+        <p:txBody>
+          <a:bodyPr/>
+          <a:lstStyle/>
+          <a:p>
+            <a:fld id="{E4F67F9A-838C-4734-8EB0-754A37D9A5A7}" type="slidenum">
+              <a:rPr lang="fr-FR" smtClean="0"/>
+              <a:t>22</a:t>
+            </a:fld>
+            <a:endParaRPr lang="fr-FR"/>
+          </a:p>
+        </p:txBody>
+      </p:sp>
+      <p:sp>
+        <p:nvSpPr>
+          <p:cNvPr id="3" name="ZoneTexte 2"/>
+          <p:cNvSpPr txBox="1"/>
+          <p:nvPr/>
+        </p:nvSpPr>
+        <p:spPr>
+          <a:xfrm>
+            <a:off x="-1" y="0"/>
+            <a:ext cx="1532467" cy="307777"/>
+          </a:xfrm>
+          <a:prstGeom prst="rect">
+            <a:avLst/>
+          </a:prstGeom>
+          <a:noFill/>
+        </p:spPr>
+        <p:txBody>
+          <a:bodyPr wrap="square" rtlCol="0">
+            <a:spAutoFit/>
+          </a:bodyPr>
+          <a:lstStyle/>
+          <a:p>
+            <a:r>
+              <a:rPr lang="fr-FR" sz="1400" dirty="0" smtClean="0">
+                <a:solidFill>
+                  <a:srgbClr val="FF0000"/>
+                </a:solidFill>
+              </a:rPr>
+              <a:t>Merci</a:t>
+            </a:r>
+            <a:endParaRPr lang="fr-FR" sz="1400" dirty="0">
+              <a:solidFill>
+                <a:srgbClr val="FF0000"/>
+              </a:solidFill>
+            </a:endParaRPr>
+          </a:p>
+        </p:txBody>
+      </p:sp>
+      <p:sp>
+        <p:nvSpPr>
           <p:cNvPr id="4" name="Rectangle 3"/>
           <p:cNvSpPr/>
           <p:nvPr/>
         </p:nvSpPr>
         <p:spPr>
           <a:xfrm>
-            <a:off x="5525940" y="3167390"/>
-            <a:ext cx="1140120" cy="523220"/>
+            <a:off x="4979508" y="2921168"/>
+            <a:ext cx="2232984" cy="1015663"/>
           </a:xfrm>
           <a:prstGeom prst="rect">
             <a:avLst/>
@@ -5444,10 +6350,10 @@
           <a:p>
             <a:pPr algn="ctr"/>
             <a:r>
-              <a:rPr lang="fr-FR" sz="2800" dirty="0" smtClean="0"/>
+              <a:rPr lang="fr-FR" sz="6000" dirty="0" smtClean="0"/>
               <a:t>MERCI</a:t>
             </a:r>
-            <a:endParaRPr lang="fr-FR" sz="2800" dirty="0"/>
+            <a:endParaRPr lang="fr-FR" sz="6000" dirty="0"/>
           </a:p>
         </p:txBody>
       </p:sp>

--- a/Slides/PRES2019-Projet14-OlivierFourmaux-ROIStreamingImapct-soutenance.pptx
+++ b/Slides/PRES2019-Projet14-OlivierFourmaux-ROIStreamingImapct-soutenance.pptx
@@ -290,7 +290,7 @@
           <a:p>
             <a:fld id="{83956E12-A7B0-40BB-B53B-545BE3161811}" type="datetimeFigureOut">
               <a:rPr lang="fr-FR" smtClean="0"/>
-              <a:t>13/06/2020</a:t>
+              <a:t>14/06/2020</a:t>
             </a:fld>
             <a:endParaRPr lang="fr-FR"/>
           </a:p>
@@ -773,7 +773,7 @@
           <a:p>
             <a:fld id="{A6F29AD2-F1A2-4E74-92F5-24F9B59D7573}" type="datetime1">
               <a:rPr lang="fr-FR" smtClean="0"/>
-              <a:t>13/06/2020</a:t>
+              <a:t>14/06/2020</a:t>
             </a:fld>
             <a:endParaRPr lang="fr-FR"/>
           </a:p>
@@ -943,7 +943,7 @@
           <a:p>
             <a:fld id="{5ED79E74-F135-472D-9DB2-DF9CBB980889}" type="datetime1">
               <a:rPr lang="fr-FR" smtClean="0"/>
-              <a:t>13/06/2020</a:t>
+              <a:t>14/06/2020</a:t>
             </a:fld>
             <a:endParaRPr lang="fr-FR"/>
           </a:p>
@@ -1123,7 +1123,7 @@
           <a:p>
             <a:fld id="{C6AC5058-C0DB-48EC-8AB0-832BB3642373}" type="datetime1">
               <a:rPr lang="fr-FR" smtClean="0"/>
-              <a:t>13/06/2020</a:t>
+              <a:t>14/06/2020</a:t>
             </a:fld>
             <a:endParaRPr lang="fr-FR"/>
           </a:p>
@@ -1293,7 +1293,7 @@
           <a:p>
             <a:fld id="{76F652B7-3FED-4BAB-9F63-01DE7F9FB2B9}" type="datetime1">
               <a:rPr lang="fr-FR" smtClean="0"/>
-              <a:t>13/06/2020</a:t>
+              <a:t>14/06/2020</a:t>
             </a:fld>
             <a:endParaRPr lang="fr-FR"/>
           </a:p>
@@ -1539,7 +1539,7 @@
           <a:p>
             <a:fld id="{D7EEBBCA-4E0E-41A5-8927-176BBBB26381}" type="datetime1">
               <a:rPr lang="fr-FR" smtClean="0"/>
-              <a:t>13/06/2020</a:t>
+              <a:t>14/06/2020</a:t>
             </a:fld>
             <a:endParaRPr lang="fr-FR"/>
           </a:p>
@@ -1771,7 +1771,7 @@
           <a:p>
             <a:fld id="{2B25F7E9-1BAD-4703-8D58-CE48142E5A5A}" type="datetime1">
               <a:rPr lang="fr-FR" smtClean="0"/>
-              <a:t>13/06/2020</a:t>
+              <a:t>14/06/2020</a:t>
             </a:fld>
             <a:endParaRPr lang="fr-FR"/>
           </a:p>
@@ -2138,7 +2138,7 @@
           <a:p>
             <a:fld id="{316E7241-5728-45F1-8AF7-C3841E4FE797}" type="datetime1">
               <a:rPr lang="fr-FR" smtClean="0"/>
-              <a:t>13/06/2020</a:t>
+              <a:t>14/06/2020</a:t>
             </a:fld>
             <a:endParaRPr lang="fr-FR"/>
           </a:p>
@@ -2256,7 +2256,7 @@
           <a:p>
             <a:fld id="{6894D680-D819-474A-8D7B-CFB7F721C2AD}" type="datetime1">
               <a:rPr lang="fr-FR" smtClean="0"/>
-              <a:t>13/06/2020</a:t>
+              <a:t>14/06/2020</a:t>
             </a:fld>
             <a:endParaRPr lang="fr-FR"/>
           </a:p>
@@ -2351,7 +2351,7 @@
           <a:p>
             <a:fld id="{807E58CE-068E-4EE3-B99A-44087A7E6EFC}" type="datetime1">
               <a:rPr lang="fr-FR" smtClean="0"/>
-              <a:t>13/06/2020</a:t>
+              <a:t>14/06/2020</a:t>
             </a:fld>
             <a:endParaRPr lang="fr-FR"/>
           </a:p>
@@ -2628,7 +2628,7 @@
           <a:p>
             <a:fld id="{D47317FF-4C54-4A8A-A564-9AE950381E3B}" type="datetime1">
               <a:rPr lang="fr-FR" smtClean="0"/>
-              <a:t>13/06/2020</a:t>
+              <a:t>14/06/2020</a:t>
             </a:fld>
             <a:endParaRPr lang="fr-FR"/>
           </a:p>
@@ -2881,7 +2881,7 @@
           <a:p>
             <a:fld id="{89886678-C011-4E2C-A958-44E1DAFC1EA2}" type="datetime1">
               <a:rPr lang="fr-FR" smtClean="0"/>
-              <a:t>13/06/2020</a:t>
+              <a:t>14/06/2020</a:t>
             </a:fld>
             <a:endParaRPr lang="fr-FR"/>
           </a:p>
@@ -3094,7 +3094,7 @@
           <a:p>
             <a:fld id="{BF44C28D-ABFF-4D11-8CAD-94D8A13303CD}" type="datetime1">
               <a:rPr lang="fr-FR" smtClean="0"/>
-              <a:t>13/06/2020</a:t>
+              <a:t>14/06/2020</a:t>
             </a:fld>
             <a:endParaRPr lang="fr-FR"/>
           </a:p>
@@ -3621,6 +3621,53 @@
           </a:p>
         </p:txBody>
       </p:sp>
+      <p:sp>
+        <p:nvSpPr>
+          <p:cNvPr id="5" name="ZoneTexte 4"/>
+          <p:cNvSpPr txBox="1"/>
+          <p:nvPr/>
+        </p:nvSpPr>
+        <p:spPr>
+          <a:xfrm>
+            <a:off x="660400" y="2444350"/>
+            <a:ext cx="3519948" cy="2677656"/>
+          </a:xfrm>
+          <a:prstGeom prst="rect">
+            <a:avLst/>
+          </a:prstGeom>
+          <a:solidFill>
+            <a:schemeClr val="bg1">
+              <a:lumMod val="95000"/>
+            </a:schemeClr>
+          </a:solidFill>
+          <a:ln>
+            <a:solidFill>
+              <a:srgbClr val="FF0000"/>
+            </a:solidFill>
+          </a:ln>
+        </p:spPr>
+        <p:txBody>
+          <a:bodyPr wrap="square" rtlCol="0">
+            <a:spAutoFit/>
+          </a:bodyPr>
+          <a:lstStyle/>
+          <a:p>
+            <a:r>
+              <a:rPr lang="fr-FR" sz="2400" dirty="0" smtClean="0">
+                <a:solidFill>
+                  <a:srgbClr val="FF0000"/>
+                </a:solidFill>
+              </a:rPr>
+              <a:t>Tout ce qui est écrit en rouge ne sera pas affiché pendant la présentation mais sera dit en complément à l’oral pour que la présentation soit intéressante</a:t>
+            </a:r>
+            <a:endParaRPr lang="fr-FR" sz="2400" dirty="0">
+              <a:solidFill>
+                <a:srgbClr val="FF0000"/>
+              </a:solidFill>
+            </a:endParaRPr>
+          </a:p>
+        </p:txBody>
+      </p:sp>
     </p:spTree>
     <p:extLst>
       <p:ext uri="{BB962C8B-B14F-4D97-AF65-F5344CB8AC3E}">
@@ -3780,6 +3827,71 @@
           </a:p>
         </p:txBody>
       </p:sp>
+      <p:cxnSp>
+        <p:nvCxnSpPr>
+          <p:cNvPr id="6" name="Connecteur droit avec flèche 5"/>
+          <p:cNvCxnSpPr>
+            <a:endCxn id="8" idx="0"/>
+          </p:cNvCxnSpPr>
+          <p:nvPr/>
+        </p:nvCxnSpPr>
+        <p:spPr>
+          <a:xfrm>
+            <a:off x="2480733" y="4171950"/>
+            <a:ext cx="0" cy="643773"/>
+          </a:xfrm>
+          <a:prstGeom prst="straightConnector1">
+            <a:avLst/>
+          </a:prstGeom>
+          <a:ln w="57150">
+            <a:tailEnd type="triangle"/>
+          </a:ln>
+        </p:spPr>
+        <p:style>
+          <a:lnRef idx="1">
+            <a:schemeClr val="dk1"/>
+          </a:lnRef>
+          <a:fillRef idx="0">
+            <a:schemeClr val="dk1"/>
+          </a:fillRef>
+          <a:effectRef idx="0">
+            <a:schemeClr val="dk1"/>
+          </a:effectRef>
+          <a:fontRef idx="minor">
+            <a:schemeClr val="tx1"/>
+          </a:fontRef>
+        </p:style>
+      </p:cxnSp>
+      <p:pic>
+        <p:nvPicPr>
+          <p:cNvPr id="8" name="Image 7"/>
+          <p:cNvPicPr>
+            <a:picLocks noChangeAspect="1"/>
+          </p:cNvPicPr>
+          <p:nvPr/>
+        </p:nvPicPr>
+        <p:blipFill>
+          <a:blip r:embed="rId3" cstate="print">
+            <a:extLst>
+              <a:ext uri="{28A0092B-C50C-407E-A947-70E740481C1C}">
+                <a14:useLocalDpi xmlns:a14="http://schemas.microsoft.com/office/drawing/2010/main" val="0"/>
+              </a:ext>
+            </a:extLst>
+          </a:blip>
+          <a:stretch>
+            <a:fillRect/>
+          </a:stretch>
+        </p:blipFill>
+        <p:spPr>
+          <a:xfrm>
+            <a:off x="1373876" y="4815723"/>
+            <a:ext cx="2213714" cy="1245863"/>
+          </a:xfrm>
+          <a:prstGeom prst="rect">
+            <a:avLst/>
+          </a:prstGeom>
+        </p:spPr>
+      </p:pic>
     </p:spTree>
     <p:extLst>
       <p:ext uri="{BB962C8B-B14F-4D97-AF65-F5344CB8AC3E}">
@@ -3939,6 +4051,71 @@
           </a:p>
         </p:txBody>
       </p:sp>
+      <p:cxnSp>
+        <p:nvCxnSpPr>
+          <p:cNvPr id="6" name="Connecteur droit avec flèche 5"/>
+          <p:cNvCxnSpPr>
+            <a:endCxn id="7" idx="0"/>
+          </p:cNvCxnSpPr>
+          <p:nvPr/>
+        </p:nvCxnSpPr>
+        <p:spPr>
+          <a:xfrm>
+            <a:off x="2480733" y="4171950"/>
+            <a:ext cx="0" cy="643773"/>
+          </a:xfrm>
+          <a:prstGeom prst="straightConnector1">
+            <a:avLst/>
+          </a:prstGeom>
+          <a:ln w="57150">
+            <a:tailEnd type="triangle"/>
+          </a:ln>
+        </p:spPr>
+        <p:style>
+          <a:lnRef idx="1">
+            <a:schemeClr val="dk1"/>
+          </a:lnRef>
+          <a:fillRef idx="0">
+            <a:schemeClr val="dk1"/>
+          </a:fillRef>
+          <a:effectRef idx="0">
+            <a:schemeClr val="dk1"/>
+          </a:effectRef>
+          <a:fontRef idx="minor">
+            <a:schemeClr val="tx1"/>
+          </a:fontRef>
+        </p:style>
+      </p:cxnSp>
+      <p:pic>
+        <p:nvPicPr>
+          <p:cNvPr id="7" name="Image 6"/>
+          <p:cNvPicPr>
+            <a:picLocks noChangeAspect="1"/>
+          </p:cNvPicPr>
+          <p:nvPr/>
+        </p:nvPicPr>
+        <p:blipFill>
+          <a:blip r:embed="rId3" cstate="print">
+            <a:extLst>
+              <a:ext uri="{28A0092B-C50C-407E-A947-70E740481C1C}">
+                <a14:useLocalDpi xmlns:a14="http://schemas.microsoft.com/office/drawing/2010/main" val="0"/>
+              </a:ext>
+            </a:extLst>
+          </a:blip>
+          <a:stretch>
+            <a:fillRect/>
+          </a:stretch>
+        </p:blipFill>
+        <p:spPr>
+          <a:xfrm>
+            <a:off x="1373876" y="4815723"/>
+            <a:ext cx="2213714" cy="1245863"/>
+          </a:xfrm>
+          <a:prstGeom prst="rect">
+            <a:avLst/>
+          </a:prstGeom>
+        </p:spPr>
+      </p:pic>
     </p:spTree>
     <p:extLst>
       <p:ext uri="{BB962C8B-B14F-4D97-AF65-F5344CB8AC3E}">
@@ -4554,6 +4731,44 @@
           </a:prstGeom>
         </p:spPr>
       </p:pic>
+      <p:sp>
+        <p:nvSpPr>
+          <p:cNvPr id="7" name="ZoneTexte 6"/>
+          <p:cNvSpPr txBox="1"/>
+          <p:nvPr/>
+        </p:nvSpPr>
+        <p:spPr>
+          <a:xfrm>
+            <a:off x="431436" y="5061584"/>
+            <a:ext cx="5338916" cy="1477328"/>
+          </a:xfrm>
+          <a:prstGeom prst="rect">
+            <a:avLst/>
+          </a:prstGeom>
+          <a:noFill/>
+        </p:spPr>
+        <p:txBody>
+          <a:bodyPr wrap="square" rtlCol="0">
+            <a:spAutoFit/>
+          </a:bodyPr>
+          <a:lstStyle/>
+          <a:p>
+            <a:r>
+              <a:rPr lang="fr-FR" dirty="0" smtClean="0">
+                <a:solidFill>
+                  <a:srgbClr val="FF0000"/>
+                </a:solidFill>
+              </a:rPr>
+              <a:t>Ajouter à l’oral : Il est important de détailler les vitesse de bande passante pour faire comprendre au prof que notre architecture de test est limitée en terme de réseau ce qui permettra d’enchainer sur les problèmes rencontrés.</a:t>
+            </a:r>
+            <a:endParaRPr lang="fr-FR" dirty="0">
+              <a:solidFill>
+                <a:srgbClr val="FF0000"/>
+              </a:solidFill>
+            </a:endParaRPr>
+          </a:p>
+        </p:txBody>
+      </p:sp>
     </p:spTree>
     <p:extLst>
       <p:ext uri="{BB962C8B-B14F-4D97-AF65-F5344CB8AC3E}">
@@ -4791,6 +5006,44 @@
               <a:t>Problèmes rencontrés</a:t>
             </a:r>
             <a:endParaRPr lang="fr-FR" sz="2800" dirty="0"/>
+          </a:p>
+        </p:txBody>
+      </p:sp>
+      <p:sp>
+        <p:nvSpPr>
+          <p:cNvPr id="7" name="ZoneTexte 6"/>
+          <p:cNvSpPr txBox="1"/>
+          <p:nvPr/>
+        </p:nvSpPr>
+        <p:spPr>
+          <a:xfrm>
+            <a:off x="3689009" y="5732274"/>
+            <a:ext cx="5338916" cy="646331"/>
+          </a:xfrm>
+          <a:prstGeom prst="rect">
+            <a:avLst/>
+          </a:prstGeom>
+          <a:noFill/>
+        </p:spPr>
+        <p:txBody>
+          <a:bodyPr wrap="square" rtlCol="0">
+            <a:spAutoFit/>
+          </a:bodyPr>
+          <a:lstStyle/>
+          <a:p>
+            <a:r>
+              <a:rPr lang="fr-FR" dirty="0" smtClean="0">
+                <a:solidFill>
+                  <a:srgbClr val="FF0000"/>
+                </a:solidFill>
+              </a:rPr>
+              <a:t>Ajouter à l’oral : pour chaque problème, le résumer en une phrase pas trop longue</a:t>
+            </a:r>
+            <a:endParaRPr lang="fr-FR" dirty="0">
+              <a:solidFill>
+                <a:srgbClr val="FF0000"/>
+              </a:solidFill>
+            </a:endParaRPr>
           </a:p>
         </p:txBody>
       </p:sp>
@@ -5944,14 +6197,14 @@
       </p:sp>
       <p:sp>
         <p:nvSpPr>
-          <p:cNvPr id="5" name="ZoneTexte 4"/>
+          <p:cNvPr id="6" name="ZoneTexte 5"/>
           <p:cNvSpPr txBox="1"/>
           <p:nvPr/>
         </p:nvSpPr>
         <p:spPr>
           <a:xfrm>
-            <a:off x="3412067" y="3244334"/>
-            <a:ext cx="5367866" cy="369332"/>
+            <a:off x="2480733" y="426306"/>
+            <a:ext cx="7230533" cy="523220"/>
           </a:xfrm>
           <a:prstGeom prst="rect">
             <a:avLst/>
@@ -5966,10 +6219,137 @@
           <a:p>
             <a:pPr algn="ctr"/>
             <a:r>
-              <a:rPr lang="fr-FR" dirty="0" smtClean="0"/>
-              <a:t>Définir les mots clés</a:t>
-            </a:r>
-            <a:endParaRPr lang="fr-FR" dirty="0"/>
+              <a:rPr lang="fr-FR" sz="2800" dirty="0" smtClean="0"/>
+              <a:t>Définition du concept de ROI</a:t>
+            </a:r>
+            <a:endParaRPr lang="fr-FR" sz="2800" dirty="0"/>
+          </a:p>
+        </p:txBody>
+      </p:sp>
+      <p:sp>
+        <p:nvSpPr>
+          <p:cNvPr id="4" name="ZoneTexte 3"/>
+          <p:cNvSpPr txBox="1"/>
+          <p:nvPr/>
+        </p:nvSpPr>
+        <p:spPr>
+          <a:xfrm>
+            <a:off x="1406012" y="1592825"/>
+            <a:ext cx="9379974" cy="1446550"/>
+          </a:xfrm>
+          <a:prstGeom prst="rect">
+            <a:avLst/>
+          </a:prstGeom>
+          <a:noFill/>
+        </p:spPr>
+        <p:txBody>
+          <a:bodyPr wrap="square" rtlCol="0">
+            <a:spAutoFit/>
+          </a:bodyPr>
+          <a:lstStyle/>
+          <a:p>
+            <a:r>
+              <a:rPr lang="fr-FR" sz="2400" b="1" dirty="0" err="1" smtClean="0"/>
+              <a:t>Region</a:t>
+            </a:r>
+            <a:r>
+              <a:rPr lang="fr-FR" sz="2400" b="1" dirty="0" smtClean="0"/>
+              <a:t> Of </a:t>
+            </a:r>
+            <a:r>
+              <a:rPr lang="fr-FR" sz="2400" b="1" dirty="0" err="1" smtClean="0"/>
+              <a:t>Interest</a:t>
+            </a:r>
+            <a:r>
+              <a:rPr lang="fr-FR" sz="2400" b="1" dirty="0" smtClean="0"/>
+              <a:t> (ROI) en français région d’intérêt</a:t>
+            </a:r>
+          </a:p>
+          <a:p>
+            <a:endParaRPr lang="fr-FR" sz="2400" dirty="0"/>
+          </a:p>
+          <a:p>
+            <a:r>
+              <a:rPr lang="fr-FR" sz="2000" dirty="0" smtClean="0"/>
+              <a:t>C’est une zone d’une image ayant un intérêt particulier par exemple un zone regroupant de nombreux détails.</a:t>
+            </a:r>
+          </a:p>
+        </p:txBody>
+      </p:sp>
+      <p:sp>
+        <p:nvSpPr>
+          <p:cNvPr id="7" name="ZoneTexte 6"/>
+          <p:cNvSpPr txBox="1"/>
+          <p:nvPr/>
+        </p:nvSpPr>
+        <p:spPr>
+          <a:xfrm>
+            <a:off x="1406012" y="4005365"/>
+            <a:ext cx="9379974" cy="1384995"/>
+          </a:xfrm>
+          <a:prstGeom prst="rect">
+            <a:avLst/>
+          </a:prstGeom>
+          <a:noFill/>
+        </p:spPr>
+        <p:txBody>
+          <a:bodyPr wrap="square" rtlCol="0">
+            <a:spAutoFit/>
+          </a:bodyPr>
+          <a:lstStyle/>
+          <a:p>
+            <a:r>
+              <a:rPr lang="fr-FR" sz="2400" b="1" dirty="0" smtClean="0"/>
+              <a:t>A quoi cela sert ?</a:t>
+            </a:r>
+          </a:p>
+          <a:p>
+            <a:endParaRPr lang="fr-FR" sz="2000" dirty="0" smtClean="0"/>
+          </a:p>
+          <a:p>
+            <a:r>
+              <a:rPr lang="fr-FR" sz="2000" dirty="0" smtClean="0"/>
+              <a:t>Ce principe permet de gérer la priorité des régions d’une image et d’attribuer plus de débit vidéo à une certaine zone de l’image pour avoir une meilleur qualité.</a:t>
+            </a:r>
+            <a:endParaRPr lang="fr-FR" sz="2000" dirty="0"/>
+          </a:p>
+        </p:txBody>
+      </p:sp>
+      <p:sp>
+        <p:nvSpPr>
+          <p:cNvPr id="8" name="ZoneTexte 7"/>
+          <p:cNvSpPr txBox="1"/>
+          <p:nvPr/>
+        </p:nvSpPr>
+        <p:spPr>
+          <a:xfrm>
+            <a:off x="747114" y="3105834"/>
+            <a:ext cx="10697771" cy="646331"/>
+          </a:xfrm>
+          <a:prstGeom prst="rect">
+            <a:avLst/>
+          </a:prstGeom>
+          <a:noFill/>
+        </p:spPr>
+        <p:txBody>
+          <a:bodyPr wrap="square" rtlCol="0">
+            <a:spAutoFit/>
+          </a:bodyPr>
+          <a:lstStyle/>
+          <a:p>
+            <a:r>
+              <a:rPr lang="fr-FR" dirty="0" smtClean="0">
+                <a:solidFill>
+                  <a:srgbClr val="FF0000"/>
+                </a:solidFill>
+              </a:rPr>
+              <a:t>Ajouter à l’oral : la zone d’intérêt peut être une zone fixe comme le centre de l’image. Elle peut être dynamique et suivre par exemple le regard d’un utilisateur pour que la meilleur qualité soit chargée à l’endroit ou il regarde</a:t>
+            </a:r>
+            <a:endParaRPr lang="fr-FR" dirty="0">
+              <a:solidFill>
+                <a:srgbClr val="FF0000"/>
+              </a:solidFill>
+            </a:endParaRPr>
           </a:p>
         </p:txBody>
       </p:sp>
@@ -6396,6 +6776,37 @@
       </p:grpSpPr>
       <p:sp>
         <p:nvSpPr>
+          <p:cNvPr id="5" name="ZoneTexte 4"/>
+          <p:cNvSpPr txBox="1"/>
+          <p:nvPr/>
+        </p:nvSpPr>
+        <p:spPr>
+          <a:xfrm>
+            <a:off x="1525502" y="426518"/>
+            <a:ext cx="9140996" cy="523220"/>
+          </a:xfrm>
+          <a:prstGeom prst="rect">
+            <a:avLst/>
+          </a:prstGeom>
+          <a:noFill/>
+        </p:spPr>
+        <p:txBody>
+          <a:bodyPr wrap="square" rtlCol="0">
+            <a:spAutoFit/>
+          </a:bodyPr>
+          <a:lstStyle/>
+          <a:p>
+            <a:pPr algn="ctr"/>
+            <a:r>
+              <a:rPr lang="fr-FR" sz="2800" dirty="0" smtClean="0"/>
+              <a:t>Définition du concept de tuile</a:t>
+            </a:r>
+            <a:endParaRPr lang="fr-FR" sz="2800" dirty="0"/>
+          </a:p>
+        </p:txBody>
+      </p:sp>
+      <p:sp>
+        <p:nvSpPr>
           <p:cNvPr id="2" name="Espace réservé du numéro de diapositive 1"/>
           <p:cNvSpPr>
             <a:spLocks noGrp="1"/>
@@ -6457,14 +6868,14 @@
       </p:sp>
       <p:sp>
         <p:nvSpPr>
-          <p:cNvPr id="4" name="ZoneTexte 3"/>
+          <p:cNvPr id="6" name="ZoneTexte 5"/>
           <p:cNvSpPr txBox="1"/>
           <p:nvPr/>
         </p:nvSpPr>
         <p:spPr>
           <a:xfrm>
-            <a:off x="3412067" y="3244334"/>
-            <a:ext cx="5367866" cy="369332"/>
+            <a:off x="1307417" y="1631577"/>
+            <a:ext cx="9577166" cy="1384995"/>
           </a:xfrm>
           <a:prstGeom prst="rect">
             <a:avLst/>
@@ -6477,12 +6888,135 @@
           </a:bodyPr>
           <a:lstStyle/>
           <a:p>
-            <a:pPr algn="ctr"/>
-            <a:r>
-              <a:rPr lang="fr-FR" dirty="0" smtClean="0"/>
-              <a:t>Définir les mots clés</a:t>
-            </a:r>
-            <a:endParaRPr lang="fr-FR" dirty="0"/>
+            <a:r>
+              <a:rPr lang="fr-FR" sz="2400" b="1" dirty="0" smtClean="0"/>
+              <a:t>Qu’est-ce qu’une tuile ?</a:t>
+            </a:r>
+          </a:p>
+          <a:p>
+            <a:endParaRPr lang="fr-FR" sz="2000" b="1" dirty="0"/>
+          </a:p>
+          <a:p>
+            <a:r>
+              <a:rPr lang="fr-FR" sz="2000" dirty="0" smtClean="0"/>
+              <a:t>Une tuile est une zone rectangulaire de taille variée qui est « découpée » dans une image d’une vidéo.</a:t>
+            </a:r>
+            <a:endParaRPr lang="fr-FR" sz="2000" dirty="0"/>
+          </a:p>
+        </p:txBody>
+      </p:sp>
+      <p:sp>
+        <p:nvSpPr>
+          <p:cNvPr id="7" name="ZoneTexte 6"/>
+          <p:cNvSpPr txBox="1"/>
+          <p:nvPr/>
+        </p:nvSpPr>
+        <p:spPr>
+          <a:xfrm>
+            <a:off x="1307417" y="3993963"/>
+            <a:ext cx="9577167" cy="1384995"/>
+          </a:xfrm>
+          <a:prstGeom prst="rect">
+            <a:avLst/>
+          </a:prstGeom>
+          <a:noFill/>
+        </p:spPr>
+        <p:txBody>
+          <a:bodyPr wrap="square" rtlCol="0">
+            <a:spAutoFit/>
+          </a:bodyPr>
+          <a:lstStyle/>
+          <a:p>
+            <a:r>
+              <a:rPr lang="fr-FR" sz="2400" b="1" dirty="0" smtClean="0"/>
+              <a:t>A quoi cela sert ?</a:t>
+            </a:r>
+          </a:p>
+          <a:p>
+            <a:endParaRPr lang="fr-FR" sz="2000" b="1" dirty="0" smtClean="0"/>
+          </a:p>
+          <a:p>
+            <a:r>
+              <a:rPr lang="fr-FR" sz="2000" dirty="0" smtClean="0"/>
+              <a:t>Cela permet une plus grande réactivité lors du changement de bitrate, chaque tuile étant indépendante.</a:t>
+            </a:r>
+            <a:endParaRPr lang="fr-FR" sz="2000" dirty="0"/>
+          </a:p>
+        </p:txBody>
+      </p:sp>
+      <p:sp>
+        <p:nvSpPr>
+          <p:cNvPr id="9" name="ZoneTexte 8"/>
+          <p:cNvSpPr txBox="1"/>
+          <p:nvPr/>
+        </p:nvSpPr>
+        <p:spPr>
+          <a:xfrm>
+            <a:off x="1307416" y="5498322"/>
+            <a:ext cx="9359081" cy="646331"/>
+          </a:xfrm>
+          <a:prstGeom prst="rect">
+            <a:avLst/>
+          </a:prstGeom>
+          <a:noFill/>
+        </p:spPr>
+        <p:txBody>
+          <a:bodyPr wrap="square" rtlCol="0">
+            <a:spAutoFit/>
+          </a:bodyPr>
+          <a:lstStyle/>
+          <a:p>
+            <a:r>
+              <a:rPr lang="fr-FR" dirty="0" smtClean="0">
+                <a:solidFill>
+                  <a:srgbClr val="FF0000"/>
+                </a:solidFill>
+              </a:rPr>
+              <a:t>Ajouter à l’oral : en effet chaque tuile peut être changée indépendamment des autres pour s’adapter en temps réel a la capacité du réseau.</a:t>
+            </a:r>
+            <a:endParaRPr lang="fr-FR" dirty="0">
+              <a:solidFill>
+                <a:srgbClr val="FF0000"/>
+              </a:solidFill>
+            </a:endParaRPr>
+          </a:p>
+        </p:txBody>
+      </p:sp>
+      <p:sp>
+        <p:nvSpPr>
+          <p:cNvPr id="10" name="ZoneTexte 9"/>
+          <p:cNvSpPr txBox="1"/>
+          <p:nvPr/>
+        </p:nvSpPr>
+        <p:spPr>
+          <a:xfrm>
+            <a:off x="1410928" y="3135936"/>
+            <a:ext cx="9473655" cy="646331"/>
+          </a:xfrm>
+          <a:prstGeom prst="rect">
+            <a:avLst/>
+          </a:prstGeom>
+          <a:noFill/>
+        </p:spPr>
+        <p:txBody>
+          <a:bodyPr wrap="square" rtlCol="0">
+            <a:spAutoFit/>
+          </a:bodyPr>
+          <a:lstStyle/>
+          <a:p>
+            <a:r>
+              <a:rPr lang="fr-FR" dirty="0" smtClean="0">
+                <a:solidFill>
+                  <a:srgbClr val="FF0000"/>
+                </a:solidFill>
+              </a:rPr>
+              <a:t>Ajouter à l’oral : il y a plusieurs manières de découper des tuiles dans une image, la plus courante étant la matrice carrée</a:t>
+            </a:r>
+            <a:endParaRPr lang="fr-FR" dirty="0">
+              <a:solidFill>
+                <a:srgbClr val="FF0000"/>
+              </a:solidFill>
+            </a:endParaRPr>
           </a:p>
         </p:txBody>
       </p:sp>
@@ -6586,14 +7120,14 @@
       </p:sp>
       <p:sp>
         <p:nvSpPr>
-          <p:cNvPr id="4" name="ZoneTexte 3"/>
+          <p:cNvPr id="5" name="ZoneTexte 4"/>
           <p:cNvSpPr txBox="1"/>
           <p:nvPr/>
         </p:nvSpPr>
         <p:spPr>
           <a:xfrm>
-            <a:off x="3412067" y="3244334"/>
-            <a:ext cx="5367866" cy="369332"/>
+            <a:off x="1525502" y="426518"/>
+            <a:ext cx="9140996" cy="954107"/>
           </a:xfrm>
           <a:prstGeom prst="rect">
             <a:avLst/>
@@ -6608,10 +7142,126 @@
           <a:p>
             <a:pPr algn="ctr"/>
             <a:r>
-              <a:rPr lang="fr-FR" dirty="0" smtClean="0"/>
-              <a:t>Définir les mots clés</a:t>
-            </a:r>
-            <a:endParaRPr lang="fr-FR" dirty="0"/>
+              <a:rPr lang="fr-FR" sz="2800" dirty="0" smtClean="0"/>
+              <a:t>Définition du concept de streaming dynamique adaptatif (DASH)</a:t>
+            </a:r>
+            <a:endParaRPr lang="fr-FR" sz="2800" dirty="0"/>
+          </a:p>
+        </p:txBody>
+      </p:sp>
+      <p:sp>
+        <p:nvSpPr>
+          <p:cNvPr id="6" name="ZoneTexte 5"/>
+          <p:cNvSpPr txBox="1"/>
+          <p:nvPr/>
+        </p:nvSpPr>
+        <p:spPr>
+          <a:xfrm>
+            <a:off x="1307417" y="1867552"/>
+            <a:ext cx="9577166" cy="1384995"/>
+          </a:xfrm>
+          <a:prstGeom prst="rect">
+            <a:avLst/>
+          </a:prstGeom>
+          <a:noFill/>
+        </p:spPr>
+        <p:txBody>
+          <a:bodyPr wrap="square" rtlCol="0">
+            <a:spAutoFit/>
+          </a:bodyPr>
+          <a:lstStyle/>
+          <a:p>
+            <a:r>
+              <a:rPr lang="fr-FR" sz="2400" b="1" dirty="0" smtClean="0"/>
+              <a:t>Qu’est-ce que le streaming dynamique adaptatif ?</a:t>
+            </a:r>
+          </a:p>
+          <a:p>
+            <a:endParaRPr lang="fr-FR" sz="2000" b="1" dirty="0"/>
+          </a:p>
+          <a:p>
+            <a:r>
+              <a:rPr lang="fr-FR" sz="2000" dirty="0" smtClean="0"/>
+              <a:t>C’est un type de diffusion en direct utilisant HTTP et alliant les concepts de région d’intérêt et de tuiles et permettant une plus grande flexibilité en terme de débit réseau requis. </a:t>
+            </a:r>
+            <a:endParaRPr lang="fr-FR" sz="2000" dirty="0"/>
+          </a:p>
+        </p:txBody>
+      </p:sp>
+      <p:sp>
+        <p:nvSpPr>
+          <p:cNvPr id="7" name="ZoneTexte 6"/>
+          <p:cNvSpPr txBox="1"/>
+          <p:nvPr/>
+        </p:nvSpPr>
+        <p:spPr>
+          <a:xfrm>
+            <a:off x="1307417" y="4094354"/>
+            <a:ext cx="9577166" cy="1384995"/>
+          </a:xfrm>
+          <a:prstGeom prst="rect">
+            <a:avLst/>
+          </a:prstGeom>
+          <a:noFill/>
+        </p:spPr>
+        <p:txBody>
+          <a:bodyPr wrap="square" rtlCol="0">
+            <a:spAutoFit/>
+          </a:bodyPr>
+          <a:lstStyle/>
+          <a:p>
+            <a:r>
+              <a:rPr lang="fr-FR" sz="2400" b="1" dirty="0" smtClean="0"/>
+              <a:t>A quoi cela sert ?</a:t>
+            </a:r>
+          </a:p>
+          <a:p>
+            <a:endParaRPr lang="fr-FR" sz="2000" b="1" dirty="0" smtClean="0"/>
+          </a:p>
+          <a:p>
+            <a:r>
+              <a:rPr lang="fr-FR" sz="2000" dirty="0" smtClean="0"/>
+              <a:t>Ce type de diffusion permet de rendre accessible un média haute qualité à une variété de bande passante différentes en réduisant la charge réseau totale.  </a:t>
+            </a:r>
+            <a:endParaRPr lang="fr-FR" sz="2000" dirty="0"/>
+          </a:p>
+        </p:txBody>
+      </p:sp>
+      <p:sp>
+        <p:nvSpPr>
+          <p:cNvPr id="8" name="ZoneTexte 7"/>
+          <p:cNvSpPr txBox="1"/>
+          <p:nvPr/>
+        </p:nvSpPr>
+        <p:spPr>
+          <a:xfrm>
+            <a:off x="1307417" y="5548517"/>
+            <a:ext cx="5338916" cy="646331"/>
+          </a:xfrm>
+          <a:prstGeom prst="rect">
+            <a:avLst/>
+          </a:prstGeom>
+          <a:noFill/>
+        </p:spPr>
+        <p:txBody>
+          <a:bodyPr wrap="square" rtlCol="0">
+            <a:spAutoFit/>
+          </a:bodyPr>
+          <a:lstStyle/>
+          <a:p>
+            <a:r>
+              <a:rPr lang="fr-FR" dirty="0" smtClean="0">
+                <a:solidFill>
+                  <a:srgbClr val="FF0000"/>
+                </a:solidFill>
+              </a:rPr>
+              <a:t>Ajouter à l’oral: cela permet aussi de s’adapter aux fluctuations de bande passante </a:t>
+            </a:r>
+            <a:endParaRPr lang="fr-FR" dirty="0">
+              <a:solidFill>
+                <a:srgbClr val="FF0000"/>
+              </a:solidFill>
+            </a:endParaRPr>
           </a:p>
         </p:txBody>
       </p:sp>
@@ -6661,7 +7311,7 @@
         <p:spPr>
           <a:xfrm>
             <a:off x="3471333" y="3244334"/>
-            <a:ext cx="5249333" cy="369332"/>
+            <a:ext cx="5249333" cy="646331"/>
           </a:xfrm>
           <a:prstGeom prst="rect">
             <a:avLst/>
@@ -6677,7 +7327,11 @@
             <a:pPr algn="ctr"/>
             <a:r>
               <a:rPr lang="fr-FR" dirty="0" smtClean="0"/>
-              <a:t>Lister les points importants du cahier des charges</a:t>
+              <a:t>Lister les points importants du cahier des </a:t>
+            </a:r>
+            <a:r>
+              <a:rPr lang="fr-FR" dirty="0" smtClean="0"/>
+              <a:t>charges, pourquoi on fait ce projet quel est le but a atteindre</a:t>
             </a:r>
             <a:endParaRPr lang="fr-FR" dirty="0"/>
           </a:p>
@@ -6850,8 +7504,8 @@
         </p:nvSpPr>
         <p:spPr>
           <a:xfrm>
-            <a:off x="3668636" y="3244334"/>
-            <a:ext cx="4854727" cy="646331"/>
+            <a:off x="1594415" y="3105834"/>
+            <a:ext cx="9003170" cy="646331"/>
           </a:xfrm>
           <a:prstGeom prst="rect">
             <a:avLst/>
@@ -6877,11 +7531,11 @@
             <a:pPr algn="ctr"/>
             <a:r>
               <a:rPr lang="fr-FR" dirty="0" smtClean="0"/>
-              <a:t>(avec </a:t>
-            </a:r>
-            <a:r>
-              <a:rPr lang="fr-FR" smtClean="0"/>
-              <a:t>la bibliographie)</a:t>
+              <a:t>(avec la bibliographie</a:t>
+            </a:r>
+            <a:r>
+              <a:rPr lang="fr-FR" dirty="0" smtClean="0"/>
+              <a:t>), les différentes découpages qui existent (avec des image pour montrer). </a:t>
             </a:r>
             <a:endParaRPr lang="fr-FR" dirty="0"/>
           </a:p>
@@ -6993,8 +7647,8 @@
         </p:nvSpPr>
         <p:spPr>
           <a:xfrm>
-            <a:off x="3855547" y="3244334"/>
-            <a:ext cx="4480907" cy="646331"/>
+            <a:off x="2818360" y="3105834"/>
+            <a:ext cx="6555320" cy="923330"/>
           </a:xfrm>
           <a:prstGeom prst="rect">
             <a:avLst/>
@@ -7020,7 +7674,18 @@
             <a:pPr algn="ctr"/>
             <a:r>
               <a:rPr lang="fr-FR" dirty="0" smtClean="0"/>
-              <a:t>(avec la bibliographie)</a:t>
+              <a:t>(avec la bibliographie</a:t>
+            </a:r>
+            <a:r>
+              <a:rPr lang="fr-FR" dirty="0" smtClean="0"/>
+              <a:t>) comment ça marche dans les grandes lignes, </a:t>
+            </a:r>
+          </a:p>
+          <a:p>
+            <a:pPr algn="ctr"/>
+            <a:r>
+              <a:rPr lang="fr-FR" dirty="0" smtClean="0"/>
+              <a:t>quel est le principe générale qui permet de faire du streaming DASH.</a:t>
             </a:r>
             <a:endParaRPr lang="fr-FR" dirty="0"/>
           </a:p>
@@ -7132,8 +7797,8 @@
         </p:nvSpPr>
         <p:spPr>
           <a:xfrm>
-            <a:off x="3916140" y="3244334"/>
-            <a:ext cx="4359719" cy="646331"/>
+            <a:off x="1762985" y="3105834"/>
+            <a:ext cx="8666090" cy="1200329"/>
           </a:xfrm>
           <a:prstGeom prst="rect">
             <a:avLst/>
@@ -7155,9 +7820,64 @@
             <a:pPr algn="ctr"/>
             <a:r>
               <a:rPr lang="fr-FR" dirty="0" smtClean="0"/>
-              <a:t>(image de la bibliographie)</a:t>
-            </a:r>
-            <a:endParaRPr lang="fr-FR" dirty="0"/>
+              <a:t>(image de la bibliographie</a:t>
+            </a:r>
+            <a:r>
+              <a:rPr lang="fr-FR" dirty="0" smtClean="0"/>
+              <a:t>) ici on affiche un schéma comme dans la partie développement </a:t>
+            </a:r>
+          </a:p>
+          <a:p>
+            <a:pPr algn="ctr"/>
+            <a:r>
+              <a:rPr lang="fr-FR" dirty="0" smtClean="0"/>
+              <a:t>sans afficher les outils utilisés, il faut rester ‘vague’ volontairement pour ne </a:t>
+            </a:r>
+          </a:p>
+          <a:p>
+            <a:pPr algn="ctr"/>
+            <a:r>
+              <a:rPr lang="fr-FR" dirty="0" smtClean="0"/>
+              <a:t>pas que ça fasse une répétition avec le schéma dans la partie développement.</a:t>
+            </a:r>
+          </a:p>
+        </p:txBody>
+      </p:sp>
+      <p:sp>
+        <p:nvSpPr>
+          <p:cNvPr id="5" name="ZoneTexte 4"/>
+          <p:cNvSpPr txBox="1"/>
+          <p:nvPr/>
+        </p:nvSpPr>
+        <p:spPr>
+          <a:xfrm>
+            <a:off x="757084" y="5766684"/>
+            <a:ext cx="5338916" cy="923330"/>
+          </a:xfrm>
+          <a:prstGeom prst="rect">
+            <a:avLst/>
+          </a:prstGeom>
+          <a:noFill/>
+        </p:spPr>
+        <p:txBody>
+          <a:bodyPr wrap="square" rtlCol="0">
+            <a:spAutoFit/>
+          </a:bodyPr>
+          <a:lstStyle/>
+          <a:p>
+            <a:r>
+              <a:rPr lang="fr-FR" dirty="0" smtClean="0">
+                <a:solidFill>
+                  <a:srgbClr val="FF0000"/>
+                </a:solidFill>
+              </a:rPr>
+              <a:t>Ajouter à l’oral la transition vers la partie développement : « Nous allons maintenant détailler…. »</a:t>
+            </a:r>
+            <a:endParaRPr lang="fr-FR" dirty="0">
+              <a:solidFill>
+                <a:srgbClr val="FF0000"/>
+              </a:solidFill>
+            </a:endParaRPr>
           </a:p>
         </p:txBody>
       </p:sp>
@@ -7228,6 +7948,41 @@
           </a:prstGeom>
         </p:spPr>
       </p:pic>
+      <p:cxnSp>
+        <p:nvCxnSpPr>
+          <p:cNvPr id="7" name="Connecteur droit avec flèche 6"/>
+          <p:cNvCxnSpPr>
+            <a:endCxn id="4" idx="0"/>
+          </p:cNvCxnSpPr>
+          <p:nvPr/>
+        </p:nvCxnSpPr>
+        <p:spPr>
+          <a:xfrm>
+            <a:off x="2480733" y="4171950"/>
+            <a:ext cx="0" cy="643773"/>
+          </a:xfrm>
+          <a:prstGeom prst="straightConnector1">
+            <a:avLst/>
+          </a:prstGeom>
+          <a:ln w="57150">
+            <a:tailEnd type="triangle"/>
+          </a:ln>
+        </p:spPr>
+        <p:style>
+          <a:lnRef idx="1">
+            <a:schemeClr val="dk1"/>
+          </a:lnRef>
+          <a:fillRef idx="0">
+            <a:schemeClr val="dk1"/>
+          </a:fillRef>
+          <a:effectRef idx="0">
+            <a:schemeClr val="dk1"/>
+          </a:effectRef>
+          <a:fontRef idx="minor">
+            <a:schemeClr val="tx1"/>
+          </a:fontRef>
+        </p:style>
+      </p:cxnSp>
       <p:sp>
         <p:nvSpPr>
           <p:cNvPr id="2" name="Espace réservé du numéro de diapositive 1"/>
@@ -7320,6 +8075,36 @@
           </a:p>
         </p:txBody>
       </p:sp>
+      <p:pic>
+        <p:nvPicPr>
+          <p:cNvPr id="4" name="Image 3"/>
+          <p:cNvPicPr>
+            <a:picLocks noChangeAspect="1"/>
+          </p:cNvPicPr>
+          <p:nvPr/>
+        </p:nvPicPr>
+        <p:blipFill>
+          <a:blip r:embed="rId3" cstate="print">
+            <a:extLst>
+              <a:ext uri="{28A0092B-C50C-407E-A947-70E740481C1C}">
+                <a14:useLocalDpi xmlns:a14="http://schemas.microsoft.com/office/drawing/2010/main" val="0"/>
+              </a:ext>
+            </a:extLst>
+          </a:blip>
+          <a:stretch>
+            <a:fillRect/>
+          </a:stretch>
+        </p:blipFill>
+        <p:spPr>
+          <a:xfrm>
+            <a:off x="1373876" y="4815723"/>
+            <a:ext cx="2213714" cy="1245863"/>
+          </a:xfrm>
+          <a:prstGeom prst="rect">
+            <a:avLst/>
+          </a:prstGeom>
+        </p:spPr>
+      </p:pic>
     </p:spTree>
     <p:extLst>
       <p:ext uri="{BB962C8B-B14F-4D97-AF65-F5344CB8AC3E}">

--- a/Slides/PRES2019-Projet14-OlivierFourmaux-ROIStreamingImapct-soutenance.pptx
+++ b/Slides/PRES2019-Projet14-OlivierFourmaux-ROIStreamingImapct-soutenance.pptx
@@ -4285,6 +4285,13 @@
   <p:clrMapOvr>
     <a:masterClrMapping/>
   </p:clrMapOvr>
+  <p:timing>
+    <p:tnLst>
+      <p:par>
+        <p:cTn id="1" dur="indefinite" restart="never" nodeType="tmRoot"/>
+      </p:par>
+    </p:tnLst>
+  </p:timing>
 </p:sld>
 </file>
 
@@ -4437,6 +4444,13 @@
   <p:clrMapOvr>
     <a:masterClrMapping/>
   </p:clrMapOvr>
+  <p:timing>
+    <p:tnLst>
+      <p:par>
+        <p:cTn id="1" dur="indefinite" restart="never" nodeType="tmRoot"/>
+      </p:par>
+    </p:tnLst>
+  </p:timing>
 </p:sld>
 </file>
 
@@ -4589,6 +4603,13 @@
   <p:clrMapOvr>
     <a:masterClrMapping/>
   </p:clrMapOvr>
+  <p:timing>
+    <p:tnLst>
+      <p:par>
+        <p:cTn id="1" dur="indefinite" restart="never" nodeType="tmRoot"/>
+      </p:par>
+    </p:tnLst>
+  </p:timing>
 </p:sld>
 </file>
 
@@ -6114,6 +6135,13 @@
   <p:clrMapOvr>
     <a:masterClrMapping/>
   </p:clrMapOvr>
+  <p:timing>
+    <p:tnLst>
+      <p:par>
+        <p:cTn id="1" dur="indefinite" restart="never" nodeType="tmRoot"/>
+      </p:par>
+    </p:tnLst>
+  </p:timing>
 </p:sld>
 </file>
 
@@ -6374,7 +6402,7 @@
 </file>
 
 <file path=ppt/slides/slide20.xml><?xml version="1.0" encoding="utf-8"?>
-<p:sld xmlns:a="http://schemas.openxmlformats.org/drawingml/2006/main" xmlns:r="http://schemas.openxmlformats.org/officeDocument/2006/relationships" xmlns:p="http://schemas.openxmlformats.org/presentationml/2006/main">
+<p:sld xmlns:a="http://schemas.openxmlformats.org/drawingml/2006/main" xmlns:r="http://schemas.openxmlformats.org/officeDocument/2006/relationships" xmlns:p="http://schemas.openxmlformats.org/presentationml/2006/main" show="0">
   <p:cSld>
     <p:spTree>
       <p:nvGrpSpPr>
@@ -6491,6 +6519,14 @@
   <p:clrMapOvr>
     <a:masterClrMapping/>
   </p:clrMapOvr>
+  <mc:AlternateContent xmlns:mc="http://schemas.openxmlformats.org/markup-compatibility/2006" xmlns:p14="http://schemas.microsoft.com/office/powerpoint/2010/main">
+    <mc:Choice Requires="p14">
+      <p:transition spd="slow" p14:dur="2000"/>
+    </mc:Choice>
+    <mc:Fallback xmlns="">
+      <p:transition spd="slow"/>
+    </mc:Fallback>
+  </mc:AlternateContent>
   <p:timing>
     <p:tnLst>
       <p:par>
@@ -6581,29 +6617,246 @@
       </p:sp>
       <p:sp>
         <p:nvSpPr>
-          <p:cNvPr id="6" name="Rectangle 5"/>
-          <p:cNvSpPr/>
+          <p:cNvPr id="5" name="ZoneTexte 4"/>
+          <p:cNvSpPr txBox="1"/>
           <p:nvPr/>
         </p:nvSpPr>
         <p:spPr>
           <a:xfrm>
-            <a:off x="5314443" y="3244334"/>
-            <a:ext cx="1563120" cy="369332"/>
+            <a:off x="2353732" y="417840"/>
+            <a:ext cx="7484534" cy="523220"/>
           </a:xfrm>
           <a:prstGeom prst="rect">
             <a:avLst/>
           </a:prstGeom>
-        </p:spPr>
-        <p:txBody>
-          <a:bodyPr wrap="none">
+          <a:noFill/>
+        </p:spPr>
+        <p:txBody>
+          <a:bodyPr wrap="square" rtlCol="0">
             <a:spAutoFit/>
           </a:bodyPr>
           <a:lstStyle/>
           <a:p>
             <a:pPr algn="ctr"/>
             <a:r>
+              <a:rPr lang="fr-FR" sz="2800" dirty="0" smtClean="0"/>
+              <a:t>Bilan du projet</a:t>
+            </a:r>
+            <a:endParaRPr lang="fr-FR" sz="2800" dirty="0"/>
+          </a:p>
+        </p:txBody>
+      </p:sp>
+      <p:sp>
+        <p:nvSpPr>
+          <p:cNvPr id="7" name="ZoneTexte 6"/>
+          <p:cNvSpPr txBox="1"/>
+          <p:nvPr/>
+        </p:nvSpPr>
+        <p:spPr>
+          <a:xfrm>
+            <a:off x="1900766" y="1218360"/>
+            <a:ext cx="8830735" cy="1708160"/>
+          </a:xfrm>
+          <a:prstGeom prst="rect">
+            <a:avLst/>
+          </a:prstGeom>
+          <a:noFill/>
+        </p:spPr>
+        <p:txBody>
+          <a:bodyPr wrap="square" rtlCol="0">
+            <a:spAutoFit/>
+          </a:bodyPr>
+          <a:lstStyle/>
+          <a:p>
+            <a:pPr algn="just"/>
+            <a:r>
+              <a:rPr lang="fr-FR" sz="2000" b="1" dirty="0" smtClean="0"/>
+              <a:t>Ce que nous avons réussi </a:t>
+            </a:r>
+            <a:r>
+              <a:rPr lang="fr-FR" sz="2000" b="1" dirty="0"/>
+              <a:t>à</a:t>
+            </a:r>
+            <a:r>
+              <a:rPr lang="fr-FR" sz="2000" b="1" dirty="0" smtClean="0"/>
+              <a:t> réaliser:</a:t>
+            </a:r>
+          </a:p>
+          <a:p>
+            <a:pPr marL="285750" indent="-285750" algn="just">
+              <a:lnSpc>
+                <a:spcPct val="150000"/>
+              </a:lnSpc>
+              <a:buFont typeface="Arial" panose="020B0604020202020204" pitchFamily="34" charset="0"/>
+              <a:buChar char="•"/>
+            </a:pPr>
+            <a:r>
               <a:rPr lang="fr-FR" dirty="0" smtClean="0"/>
-              <a:t>Bilan du projet</a:t>
+              <a:t>Mise en place d’une chaine d’encodage vidéo</a:t>
+            </a:r>
+          </a:p>
+          <a:p>
+            <a:pPr marL="285750" indent="-285750" algn="just">
+              <a:lnSpc>
+                <a:spcPct val="150000"/>
+              </a:lnSpc>
+              <a:buFont typeface="Arial" panose="020B0604020202020204" pitchFamily="34" charset="0"/>
+              <a:buChar char="•"/>
+            </a:pPr>
+            <a:r>
+              <a:rPr lang="fr-FR" dirty="0" smtClean="0"/>
+              <a:t>Mise en place d’une chaine de streaming dynamique</a:t>
+            </a:r>
+          </a:p>
+          <a:p>
+            <a:pPr marL="285750" indent="-285750" algn="just">
+              <a:lnSpc>
+                <a:spcPct val="150000"/>
+              </a:lnSpc>
+              <a:buFont typeface="Arial" panose="020B0604020202020204" pitchFamily="34" charset="0"/>
+              <a:buChar char="•"/>
+            </a:pPr>
+            <a:r>
+              <a:rPr lang="fr-FR" dirty="0" smtClean="0"/>
+              <a:t>Démonstration de l’encodage différencié (sans casque VR  mais avec émulation sur écran)</a:t>
+            </a:r>
+            <a:endParaRPr lang="fr-FR" dirty="0"/>
+          </a:p>
+        </p:txBody>
+      </p:sp>
+      <p:sp>
+        <p:nvSpPr>
+          <p:cNvPr id="8" name="ZoneTexte 7"/>
+          <p:cNvSpPr txBox="1"/>
+          <p:nvPr/>
+        </p:nvSpPr>
+        <p:spPr>
+          <a:xfrm>
+            <a:off x="1900766" y="3058488"/>
+            <a:ext cx="7378702" cy="1384995"/>
+          </a:xfrm>
+          <a:prstGeom prst="rect">
+            <a:avLst/>
+          </a:prstGeom>
+          <a:solidFill>
+            <a:schemeClr val="accent6">
+              <a:lumMod val="20000"/>
+              <a:lumOff val="80000"/>
+            </a:schemeClr>
+          </a:solidFill>
+          <a:ln>
+            <a:solidFill>
+              <a:srgbClr val="00B050"/>
+            </a:solidFill>
+          </a:ln>
+        </p:spPr>
+        <p:txBody>
+          <a:bodyPr wrap="square" rtlCol="0">
+            <a:spAutoFit/>
+          </a:bodyPr>
+          <a:lstStyle/>
+          <a:p>
+            <a:pPr algn="just">
+              <a:lnSpc>
+                <a:spcPct val="150000"/>
+              </a:lnSpc>
+            </a:pPr>
+            <a:r>
+              <a:rPr lang="fr-FR" sz="2000" b="1" dirty="0" smtClean="0"/>
+              <a:t>Les avantages du streaming dynamique:</a:t>
+            </a:r>
+          </a:p>
+          <a:p>
+            <a:pPr marL="342900" indent="-342900" algn="just">
+              <a:lnSpc>
+                <a:spcPct val="150000"/>
+              </a:lnSpc>
+              <a:buFont typeface="Arial" panose="020B0604020202020204" pitchFamily="34" charset="0"/>
+              <a:buChar char="•"/>
+            </a:pPr>
+            <a:r>
+              <a:rPr lang="fr-FR" dirty="0" smtClean="0"/>
+              <a:t>Permet de s’adapter aux fluctuations du réseau (réseau chargé)</a:t>
+            </a:r>
+          </a:p>
+          <a:p>
+            <a:pPr marL="342900" indent="-342900" algn="just">
+              <a:lnSpc>
+                <a:spcPct val="150000"/>
+              </a:lnSpc>
+              <a:buFont typeface="Arial" panose="020B0604020202020204" pitchFamily="34" charset="0"/>
+              <a:buChar char="•"/>
+            </a:pPr>
+            <a:r>
+              <a:rPr lang="fr-FR" dirty="0" smtClean="0"/>
+              <a:t>Permet de s’adapter à la bande passante de chaque utilisateur</a:t>
+            </a:r>
+          </a:p>
+        </p:txBody>
+      </p:sp>
+      <p:sp>
+        <p:nvSpPr>
+          <p:cNvPr id="9" name="ZoneTexte 8"/>
+          <p:cNvSpPr txBox="1"/>
+          <p:nvPr/>
+        </p:nvSpPr>
+        <p:spPr>
+          <a:xfrm>
+            <a:off x="1900766" y="4707419"/>
+            <a:ext cx="8390468" cy="1384995"/>
+          </a:xfrm>
+          <a:prstGeom prst="rect">
+            <a:avLst/>
+          </a:prstGeom>
+          <a:solidFill>
+            <a:srgbClr val="FDB9B9"/>
+          </a:solidFill>
+          <a:ln>
+            <a:solidFill>
+              <a:srgbClr val="FF0000"/>
+            </a:solidFill>
+          </a:ln>
+        </p:spPr>
+        <p:txBody>
+          <a:bodyPr wrap="square" rtlCol="0">
+            <a:spAutoFit/>
+          </a:bodyPr>
+          <a:lstStyle/>
+          <a:p>
+            <a:pPr algn="just">
+              <a:lnSpc>
+                <a:spcPct val="150000"/>
+              </a:lnSpc>
+            </a:pPr>
+            <a:r>
+              <a:rPr lang="fr-FR" sz="2000" b="1" dirty="0" smtClean="0"/>
+              <a:t>Les inconvénients du streaming dynamique:</a:t>
+            </a:r>
+          </a:p>
+          <a:p>
+            <a:pPr marL="342900" indent="-342900" algn="just">
+              <a:lnSpc>
+                <a:spcPct val="150000"/>
+              </a:lnSpc>
+              <a:buFont typeface="Arial" panose="020B0604020202020204" pitchFamily="34" charset="0"/>
+              <a:buChar char="•"/>
+            </a:pPr>
+            <a:r>
+              <a:rPr lang="fr-FR" dirty="0" smtClean="0"/>
+              <a:t>Requiert un lecteur plus complexe</a:t>
+            </a:r>
+          </a:p>
+          <a:p>
+            <a:pPr marL="342900" indent="-342900" algn="just">
+              <a:lnSpc>
+                <a:spcPct val="150000"/>
+              </a:lnSpc>
+              <a:buFont typeface="Arial" panose="020B0604020202020204" pitchFamily="34" charset="0"/>
+              <a:buChar char="•"/>
+            </a:pPr>
+            <a:r>
+              <a:rPr lang="fr-FR" dirty="0" smtClean="0"/>
+              <a:t>Demande un traitement lourd du média source en amont (encodage, découpage, …) </a:t>
             </a:r>
             <a:endParaRPr lang="fr-FR" dirty="0"/>
           </a:p>
@@ -7327,11 +7580,7 @@
             <a:pPr algn="ctr"/>
             <a:r>
               <a:rPr lang="fr-FR" dirty="0" smtClean="0"/>
-              <a:t>Lister les points importants du cahier des </a:t>
-            </a:r>
-            <a:r>
-              <a:rPr lang="fr-FR" dirty="0" smtClean="0"/>
-              <a:t>charges, pourquoi on fait ce projet quel est le but a atteindre</a:t>
+              <a:t>Lister les points importants du cahier des charges, pourquoi on fait ce projet quel est le but a atteindre</a:t>
             </a:r>
             <a:endParaRPr lang="fr-FR" dirty="0"/>
           </a:p>
@@ -7531,11 +7780,7 @@
             <a:pPr algn="ctr"/>
             <a:r>
               <a:rPr lang="fr-FR" dirty="0" smtClean="0"/>
-              <a:t>(avec la bibliographie</a:t>
-            </a:r>
-            <a:r>
-              <a:rPr lang="fr-FR" dirty="0" smtClean="0"/>
-              <a:t>), les différentes découpages qui existent (avec des image pour montrer). </a:t>
+              <a:t>(avec la bibliographie), les différentes découpages qui existent (avec des image pour montrer). </a:t>
             </a:r>
             <a:endParaRPr lang="fr-FR" dirty="0"/>
           </a:p>
@@ -7647,7 +7892,7 @@
         </p:nvSpPr>
         <p:spPr>
           <a:xfrm>
-            <a:off x="2818360" y="3105834"/>
+            <a:off x="2818340" y="2967335"/>
             <a:ext cx="6555320" cy="923330"/>
           </a:xfrm>
           <a:prstGeom prst="rect">
@@ -7674,11 +7919,7 @@
             <a:pPr algn="ctr"/>
             <a:r>
               <a:rPr lang="fr-FR" dirty="0" smtClean="0"/>
-              <a:t>(avec la bibliographie</a:t>
-            </a:r>
-            <a:r>
-              <a:rPr lang="fr-FR" dirty="0" smtClean="0"/>
-              <a:t>) comment ça marche dans les grandes lignes, </a:t>
+              <a:t>(avec la bibliographie) comment ça marche dans les grandes lignes, </a:t>
             </a:r>
           </a:p>
           <a:p>
@@ -7797,7 +8038,7 @@
         </p:nvSpPr>
         <p:spPr>
           <a:xfrm>
-            <a:off x="1762985" y="3105834"/>
+            <a:off x="1762955" y="2828835"/>
             <a:ext cx="8666090" cy="1200329"/>
           </a:xfrm>
           <a:prstGeom prst="rect">
@@ -7820,11 +8061,7 @@
             <a:pPr algn="ctr"/>
             <a:r>
               <a:rPr lang="fr-FR" dirty="0" smtClean="0"/>
-              <a:t>(image de la bibliographie</a:t>
-            </a:r>
-            <a:r>
-              <a:rPr lang="fr-FR" dirty="0" smtClean="0"/>
-              <a:t>) ici on affiche un schéma comme dans la partie développement </a:t>
+              <a:t>(image de la bibliographie) ici on affiche un schéma comme dans la partie développement </a:t>
             </a:r>
           </a:p>
           <a:p>

--- a/Slides/PRES2019-Projet14-OlivierFourmaux-ROIStreamingImapct-soutenance.pptx
+++ b/Slides/PRES2019-Projet14-OlivierFourmaux-ROIStreamingImapct-soutenance.pptx
@@ -5,7 +5,7 @@
     <p:sldMasterId id="2147483648" r:id="rId1"/>
   </p:sldMasterIdLst>
   <p:notesMasterIdLst>
-    <p:notesMasterId r:id="rId24"/>
+    <p:notesMasterId r:id="rId26"/>
   </p:notesMasterIdLst>
   <p:sldIdLst>
     <p:sldId id="256" r:id="rId2"/>
@@ -23,13 +23,15 @@
     <p:sldId id="275" r:id="rId14"/>
     <p:sldId id="276" r:id="rId15"/>
     <p:sldId id="264" r:id="rId16"/>
-    <p:sldId id="268" r:id="rId17"/>
-    <p:sldId id="266" r:id="rId18"/>
-    <p:sldId id="277" r:id="rId19"/>
-    <p:sldId id="271" r:id="rId20"/>
-    <p:sldId id="267" r:id="rId21"/>
-    <p:sldId id="269" r:id="rId22"/>
-    <p:sldId id="270" r:id="rId23"/>
+    <p:sldId id="271" r:id="rId17"/>
+    <p:sldId id="278" r:id="rId18"/>
+    <p:sldId id="279" r:id="rId19"/>
+    <p:sldId id="281" r:id="rId20"/>
+    <p:sldId id="268" r:id="rId21"/>
+    <p:sldId id="266" r:id="rId22"/>
+    <p:sldId id="277" r:id="rId23"/>
+    <p:sldId id="269" r:id="rId24"/>
+    <p:sldId id="270" r:id="rId25"/>
   </p:sldIdLst>
   <p:sldSz cx="12192000" cy="6858000"/>
   <p:notesSz cx="6858000" cy="9144000"/>
@@ -167,19 +169,13 @@
             <p14:sldId id="275"/>
             <p14:sldId id="276"/>
             <p14:sldId id="264"/>
+            <p14:sldId id="271"/>
+            <p14:sldId id="278"/>
+            <p14:sldId id="279"/>
+            <p14:sldId id="281"/>
             <p14:sldId id="268"/>
             <p14:sldId id="266"/>
             <p14:sldId id="277"/>
-          </p14:sldIdLst>
-        </p14:section>
-        <p14:section name="Demonstration" id="{56155059-68A4-4C75-96D6-BFEF409A2169}">
-          <p14:sldIdLst>
-            <p14:sldId id="271"/>
-          </p14:sldIdLst>
-        </p14:section>
-        <p14:section name="Autres" id="{FC34B4B2-8D49-4EFF-B430-26570ADA881D}">
-          <p14:sldIdLst>
-            <p14:sldId id="267"/>
           </p14:sldIdLst>
         </p14:section>
         <p14:section name="Conclusion" id="{5E18C0D0-7BE9-49D4-A4FC-D9D67C19F982}">
@@ -4813,6 +4809,16 @@
 <file path=ppt/slides/slide16.xml><?xml version="1.0" encoding="utf-8"?>
 <p:sld xmlns:a="http://schemas.openxmlformats.org/drawingml/2006/main" xmlns:r="http://schemas.openxmlformats.org/officeDocument/2006/relationships" xmlns:p="http://schemas.openxmlformats.org/presentationml/2006/main">
   <p:cSld>
+    <p:bg>
+      <p:bgPr>
+        <a:solidFill>
+          <a:schemeClr val="bg2">
+            <a:lumMod val="50000"/>
+          </a:schemeClr>
+        </a:solidFill>
+        <a:effectLst/>
+      </p:bgPr>
+    </p:bg>
     <p:spTree>
       <p:nvGrpSpPr>
         <p:cNvPr id="1" name=""/>
@@ -4859,7 +4865,7 @@
         <p:spPr>
           <a:xfrm>
             <a:off x="-1" y="0"/>
-            <a:ext cx="1532467" cy="307777"/>
+            <a:ext cx="1854201" cy="307777"/>
           </a:xfrm>
           <a:prstGeom prst="rect">
             <a:avLst/>
@@ -4878,7 +4884,7 @@
                   <a:srgbClr val="FF0000"/>
                 </a:solidFill>
               </a:rPr>
-              <a:t>Développement 4</a:t>
+              <a:t>Vidéo démonstration</a:t>
             </a:r>
             <a:endParaRPr lang="fr-FR" sz="1400" dirty="0">
               <a:solidFill>
@@ -4890,156 +4896,43 @@
       </p:sp>
       <p:sp>
         <p:nvSpPr>
+          <p:cNvPr id="4" name="Rectangle 3"/>
+          <p:cNvSpPr/>
+          <p:nvPr/>
+        </p:nvSpPr>
+        <p:spPr>
+          <a:xfrm>
+            <a:off x="5543220" y="3167390"/>
+            <a:ext cx="1105559" cy="523220"/>
+          </a:xfrm>
+          <a:prstGeom prst="rect">
+            <a:avLst/>
+          </a:prstGeom>
+        </p:spPr>
+        <p:txBody>
+          <a:bodyPr wrap="none">
+            <a:spAutoFit/>
+          </a:bodyPr>
+          <a:lstStyle/>
+          <a:p>
+            <a:r>
+              <a:rPr lang="fr-FR" sz="2800" dirty="0" smtClean="0"/>
+              <a:t>VIDEO</a:t>
+            </a:r>
+            <a:endParaRPr lang="fr-FR" sz="2800" dirty="0"/>
+          </a:p>
+        </p:txBody>
+      </p:sp>
+      <p:sp>
+        <p:nvSpPr>
           <p:cNvPr id="5" name="ZoneTexte 4"/>
           <p:cNvSpPr txBox="1"/>
           <p:nvPr/>
         </p:nvSpPr>
         <p:spPr>
           <a:xfrm>
-            <a:off x="905931" y="1536174"/>
-            <a:ext cx="5452536" cy="3785652"/>
-          </a:xfrm>
-          <a:prstGeom prst="rect">
-            <a:avLst/>
-          </a:prstGeom>
-          <a:noFill/>
-        </p:spPr>
-        <p:txBody>
-          <a:bodyPr wrap="square" rtlCol="0">
-            <a:spAutoFit/>
-          </a:bodyPr>
-          <a:lstStyle/>
-          <a:p>
-            <a:pPr marL="285750" indent="-285750" algn="just">
-              <a:lnSpc>
-                <a:spcPct val="200000"/>
-              </a:lnSpc>
-              <a:buFont typeface="Arial" panose="020B0604020202020204" pitchFamily="34" charset="0"/>
-              <a:buChar char="•"/>
-            </a:pPr>
-            <a:r>
-              <a:rPr lang="fr-FR" sz="2000" dirty="0" smtClean="0"/>
-              <a:t>Temps d’encodage très long, taille des fichiers</a:t>
-            </a:r>
-          </a:p>
-          <a:p>
-            <a:pPr marL="285750" indent="-285750" algn="just">
-              <a:lnSpc>
-                <a:spcPct val="200000"/>
-              </a:lnSpc>
-              <a:buFont typeface="Arial" panose="020B0604020202020204" pitchFamily="34" charset="0"/>
-              <a:buChar char="•"/>
-            </a:pPr>
-            <a:r>
-              <a:rPr lang="fr-FR" sz="2000" dirty="0"/>
-              <a:t>Bande passante de l’architecture de test limitée</a:t>
-            </a:r>
-          </a:p>
-          <a:p>
-            <a:pPr marL="285750" indent="-285750" algn="just">
-              <a:lnSpc>
-                <a:spcPct val="200000"/>
-              </a:lnSpc>
-              <a:buFont typeface="Arial" panose="020B0604020202020204" pitchFamily="34" charset="0"/>
-              <a:buChar char="•"/>
-            </a:pPr>
-            <a:r>
-              <a:rPr lang="fr-FR" sz="2000" dirty="0" smtClean="0"/>
-              <a:t>Limite </a:t>
-            </a:r>
-            <a:r>
-              <a:rPr lang="fr-FR" sz="2000" dirty="0"/>
-              <a:t>du nombre de tuiles maximum </a:t>
-            </a:r>
-          </a:p>
-          <a:p>
-            <a:pPr marL="285750" indent="-285750" algn="just">
-              <a:lnSpc>
-                <a:spcPct val="200000"/>
-              </a:lnSpc>
-              <a:buFont typeface="Arial" panose="020B0604020202020204" pitchFamily="34" charset="0"/>
-              <a:buChar char="•"/>
-            </a:pPr>
-            <a:r>
-              <a:rPr lang="fr-FR" sz="2000" dirty="0"/>
-              <a:t>Limite du nombre de bitrates </a:t>
-            </a:r>
-            <a:r>
-              <a:rPr lang="fr-FR" sz="2000" dirty="0" smtClean="0"/>
-              <a:t>différents</a:t>
-            </a:r>
-          </a:p>
-          <a:p>
-            <a:pPr marL="285750" indent="-285750" algn="just">
-              <a:lnSpc>
-                <a:spcPct val="200000"/>
-              </a:lnSpc>
-              <a:buFont typeface="Arial" panose="020B0604020202020204" pitchFamily="34" charset="0"/>
-              <a:buChar char="•"/>
-            </a:pPr>
-            <a:r>
-              <a:rPr lang="fr-FR" sz="2000" dirty="0" smtClean="0"/>
-              <a:t>Choix de la ROI limité</a:t>
-            </a:r>
-            <a:endParaRPr lang="fr-FR" sz="2000" dirty="0"/>
-          </a:p>
-          <a:p>
-            <a:pPr marL="285750" indent="-285750" algn="just">
-              <a:lnSpc>
-                <a:spcPct val="200000"/>
-              </a:lnSpc>
-              <a:buFont typeface="Arial" panose="020B0604020202020204" pitchFamily="34" charset="0"/>
-              <a:buChar char="•"/>
-            </a:pPr>
-            <a:r>
-              <a:rPr lang="fr-FR" sz="2000" dirty="0" smtClean="0"/>
-              <a:t>Stabilité du lecteur GPAC</a:t>
-            </a:r>
-            <a:endParaRPr lang="fr-FR" sz="2000" dirty="0"/>
-          </a:p>
-        </p:txBody>
-      </p:sp>
-      <p:sp>
-        <p:nvSpPr>
-          <p:cNvPr id="6" name="ZoneTexte 5"/>
-          <p:cNvSpPr txBox="1"/>
-          <p:nvPr/>
-        </p:nvSpPr>
-        <p:spPr>
-          <a:xfrm>
-            <a:off x="2353732" y="417840"/>
-            <a:ext cx="7484534" cy="523220"/>
-          </a:xfrm>
-          <a:prstGeom prst="rect">
-            <a:avLst/>
-          </a:prstGeom>
-          <a:noFill/>
-        </p:spPr>
-        <p:txBody>
-          <a:bodyPr wrap="square" rtlCol="0">
-            <a:spAutoFit/>
-          </a:bodyPr>
-          <a:lstStyle/>
-          <a:p>
-            <a:pPr algn="ctr"/>
-            <a:r>
-              <a:rPr lang="fr-FR" sz="2800" dirty="0" smtClean="0"/>
-              <a:t>Problèmes rencontrés</a:t>
-            </a:r>
-            <a:endParaRPr lang="fr-FR" sz="2800" dirty="0"/>
-          </a:p>
-        </p:txBody>
-      </p:sp>
-      <p:sp>
-        <p:nvSpPr>
-          <p:cNvPr id="7" name="ZoneTexte 6"/>
-          <p:cNvSpPr txBox="1"/>
-          <p:nvPr/>
-        </p:nvSpPr>
-        <p:spPr>
-          <a:xfrm>
-            <a:off x="3689009" y="5732274"/>
-            <a:ext cx="5338916" cy="646331"/>
+            <a:off x="397569" y="4604384"/>
+            <a:ext cx="5338916" cy="2031325"/>
           </a:xfrm>
           <a:prstGeom prst="rect">
             <a:avLst/>
@@ -5058,7 +4951,59 @@
                   <a:srgbClr val="FF0000"/>
                 </a:solidFill>
               </a:rPr>
-              <a:t>Ajouter à l’oral : pour chaque problème, le résumer en une phrase pas trop longue</a:t>
+              <a:t>Ajouter à l’oral : Il </a:t>
+            </a:r>
+            <a:r>
+              <a:rPr lang="fr-FR" dirty="0" smtClean="0">
+                <a:solidFill>
+                  <a:srgbClr val="FF0000"/>
+                </a:solidFill>
+              </a:rPr>
+              <a:t>faut commenter chaque vidéo sans dire la mêm</a:t>
+            </a:r>
+            <a:r>
+              <a:rPr lang="fr-FR" dirty="0" smtClean="0">
+                <a:solidFill>
+                  <a:srgbClr val="FF0000"/>
+                </a:solidFill>
+              </a:rPr>
+              <a:t>e chose que ce qui est déjà écrit.</a:t>
+            </a:r>
+          </a:p>
+          <a:p>
+            <a:r>
+              <a:rPr lang="fr-FR" dirty="0" smtClean="0">
+                <a:solidFill>
+                  <a:srgbClr val="FF0000"/>
+                </a:solidFill>
+              </a:rPr>
+              <a:t>Pour le moment ou on affiche la grille des tuiles, on peut le montrer avec la souris.</a:t>
+            </a:r>
+          </a:p>
+          <a:p>
+            <a:r>
+              <a:rPr lang="fr-FR" dirty="0" smtClean="0">
+                <a:solidFill>
+                  <a:srgbClr val="FF0000"/>
+                </a:solidFill>
+              </a:rPr>
+              <a:t>Dans les deux représentations de la fin, il y a des </a:t>
+            </a:r>
+            <a:r>
+              <a:rPr lang="fr-FR" dirty="0" err="1" smtClean="0">
+                <a:solidFill>
+                  <a:srgbClr val="FF0000"/>
+                </a:solidFill>
+              </a:rPr>
+              <a:t>freez</a:t>
+            </a:r>
+            <a:r>
+              <a:rPr lang="fr-FR" dirty="0" smtClean="0">
+                <a:solidFill>
+                  <a:srgbClr val="FF0000"/>
+                </a:solidFill>
+              </a:rPr>
+              <a:t>, il faut préciser que c’est un problème du lecteur ou de capture vidéo.</a:t>
             </a:r>
             <a:endParaRPr lang="fr-FR" dirty="0">
               <a:solidFill>
@@ -5071,7 +5016,7 @@
     </p:spTree>
     <p:extLst>
       <p:ext uri="{BB962C8B-B14F-4D97-AF65-F5344CB8AC3E}">
-        <p14:creationId xmlns:p14="http://schemas.microsoft.com/office/powerpoint/2010/main" val="871201483"/>
+        <p14:creationId xmlns:p14="http://schemas.microsoft.com/office/powerpoint/2010/main" val="3655151742"/>
       </p:ext>
     </p:extLst>
   </p:cSld>
@@ -5136,8 +5081,8 @@
         </p:nvSpPr>
         <p:spPr>
           <a:xfrm>
-            <a:off x="-1" y="0"/>
-            <a:ext cx="1532467" cy="307777"/>
+            <a:off x="2480733" y="426306"/>
+            <a:ext cx="7230533" cy="523220"/>
           </a:xfrm>
           <a:prstGeom prst="rect">
             <a:avLst/>
@@ -5150,22 +5095,45 @@
           </a:bodyPr>
           <a:lstStyle/>
           <a:p>
-            <a:r>
-              <a:rPr lang="fr-FR" sz="1400" dirty="0" smtClean="0">
-                <a:solidFill>
-                  <a:srgbClr val="FF0000"/>
-                </a:solidFill>
-              </a:rPr>
-              <a:t>Développement 4</a:t>
-            </a:r>
-            <a:endParaRPr lang="fr-FR" sz="1400" dirty="0">
-              <a:solidFill>
-                <a:srgbClr val="FF0000"/>
-              </a:solidFill>
-            </a:endParaRPr>
-          </a:p>
-        </p:txBody>
-      </p:sp>
+            <a:pPr algn="ctr"/>
+            <a:r>
+              <a:rPr lang="fr-FR" sz="2800" dirty="0" smtClean="0"/>
+              <a:t>Les résultats avec un seul bitrate</a:t>
+            </a:r>
+            <a:endParaRPr lang="fr-FR" sz="2800" dirty="0"/>
+          </a:p>
+        </p:txBody>
+      </p:sp>
+      <p:pic>
+        <p:nvPicPr>
+          <p:cNvPr id="4" name="Image 3"/>
+          <p:cNvPicPr>
+            <a:picLocks noChangeAspect="1"/>
+          </p:cNvPicPr>
+          <p:nvPr/>
+        </p:nvPicPr>
+        <p:blipFill>
+          <a:blip r:embed="rId2">
+            <a:extLst>
+              <a:ext uri="{28A0092B-C50C-407E-A947-70E740481C1C}">
+                <a14:useLocalDpi xmlns:a14="http://schemas.microsoft.com/office/drawing/2010/main" val="0"/>
+              </a:ext>
+            </a:extLst>
+          </a:blip>
+          <a:stretch>
+            <a:fillRect/>
+          </a:stretch>
+        </p:blipFill>
+        <p:spPr>
+          <a:xfrm>
+            <a:off x="1185177" y="1774072"/>
+            <a:ext cx="9821646" cy="2543530"/>
+          </a:xfrm>
+          <a:prstGeom prst="rect">
+            <a:avLst/>
+          </a:prstGeom>
+        </p:spPr>
+      </p:pic>
       <p:sp>
         <p:nvSpPr>
           <p:cNvPr id="5" name="ZoneTexte 4"/>
@@ -5174,8 +5142,8 @@
         </p:nvSpPr>
         <p:spPr>
           <a:xfrm>
-            <a:off x="905931" y="1536174"/>
-            <a:ext cx="5452536" cy="3785652"/>
+            <a:off x="1526038" y="4402666"/>
+            <a:ext cx="9139923" cy="369332"/>
           </a:xfrm>
           <a:prstGeom prst="rect">
             <a:avLst/>
@@ -5188,281 +5156,25 @@
           </a:bodyPr>
           <a:lstStyle/>
           <a:p>
-            <a:pPr marL="285750" indent="-285750" algn="just">
-              <a:lnSpc>
-                <a:spcPct val="200000"/>
-              </a:lnSpc>
-              <a:buFont typeface="Arial" panose="020B0604020202020204" pitchFamily="34" charset="0"/>
-              <a:buChar char="•"/>
-            </a:pPr>
-            <a:r>
-              <a:rPr lang="fr-FR" sz="2000" dirty="0" smtClean="0"/>
-              <a:t>Temps d’encodage très long, taille des fichiers</a:t>
-            </a:r>
-          </a:p>
-          <a:p>
-            <a:pPr marL="285750" indent="-285750" algn="just">
-              <a:lnSpc>
-                <a:spcPct val="200000"/>
-              </a:lnSpc>
-              <a:buFont typeface="Arial" panose="020B0604020202020204" pitchFamily="34" charset="0"/>
-              <a:buChar char="•"/>
-            </a:pPr>
-            <a:r>
-              <a:rPr lang="fr-FR" sz="2000" dirty="0"/>
-              <a:t>Bande passante de l’architecture de test limitée</a:t>
-            </a:r>
-          </a:p>
-          <a:p>
-            <a:pPr marL="285750" indent="-285750" algn="just">
-              <a:lnSpc>
-                <a:spcPct val="200000"/>
-              </a:lnSpc>
-              <a:buFont typeface="Arial" panose="020B0604020202020204" pitchFamily="34" charset="0"/>
-              <a:buChar char="•"/>
-            </a:pPr>
-            <a:r>
-              <a:rPr lang="fr-FR" sz="2000" dirty="0" smtClean="0"/>
-              <a:t>Limite </a:t>
-            </a:r>
-            <a:r>
-              <a:rPr lang="fr-FR" sz="2000" dirty="0"/>
-              <a:t>du nombre de tuiles maximum </a:t>
-            </a:r>
-          </a:p>
-          <a:p>
-            <a:pPr marL="285750" indent="-285750" algn="just">
-              <a:lnSpc>
-                <a:spcPct val="200000"/>
-              </a:lnSpc>
-              <a:buFont typeface="Arial" panose="020B0604020202020204" pitchFamily="34" charset="0"/>
-              <a:buChar char="•"/>
-            </a:pPr>
-            <a:r>
-              <a:rPr lang="fr-FR" sz="2000" dirty="0"/>
-              <a:t>Limite du nombre de bitrates </a:t>
-            </a:r>
-            <a:r>
-              <a:rPr lang="fr-FR" sz="2000" dirty="0" smtClean="0"/>
-              <a:t>différents</a:t>
-            </a:r>
-          </a:p>
-          <a:p>
-            <a:pPr marL="285750" indent="-285750" algn="just">
-              <a:lnSpc>
-                <a:spcPct val="200000"/>
-              </a:lnSpc>
-              <a:buFont typeface="Arial" panose="020B0604020202020204" pitchFamily="34" charset="0"/>
-              <a:buChar char="•"/>
-            </a:pPr>
-            <a:r>
-              <a:rPr lang="fr-FR" sz="2000" dirty="0" smtClean="0"/>
-              <a:t>Choix de la ROI limité</a:t>
-            </a:r>
-            <a:endParaRPr lang="fr-FR" sz="2000" dirty="0"/>
-          </a:p>
-          <a:p>
-            <a:pPr marL="285750" indent="-285750" algn="just">
-              <a:lnSpc>
-                <a:spcPct val="200000"/>
-              </a:lnSpc>
-              <a:buFont typeface="Arial" panose="020B0604020202020204" pitchFamily="34" charset="0"/>
-              <a:buChar char="•"/>
-            </a:pPr>
-            <a:r>
-              <a:rPr lang="fr-FR" sz="2000" dirty="0" smtClean="0"/>
-              <a:t>Stabilité du lecteur GPAC</a:t>
-            </a:r>
-            <a:endParaRPr lang="fr-FR" sz="2000" dirty="0"/>
-          </a:p>
-        </p:txBody>
-      </p:sp>
-      <p:sp>
-        <p:nvSpPr>
-          <p:cNvPr id="6" name="ZoneTexte 5"/>
-          <p:cNvSpPr txBox="1"/>
-          <p:nvPr/>
-        </p:nvSpPr>
-        <p:spPr>
-          <a:xfrm>
-            <a:off x="2353732" y="417840"/>
-            <a:ext cx="7484534" cy="523220"/>
-          </a:xfrm>
-          <a:prstGeom prst="rect">
-            <a:avLst/>
-          </a:prstGeom>
-          <a:noFill/>
-        </p:spPr>
-        <p:txBody>
-          <a:bodyPr wrap="square" rtlCol="0">
-            <a:spAutoFit/>
-          </a:bodyPr>
-          <a:lstStyle/>
-          <a:p>
             <a:pPr algn="ctr"/>
             <a:r>
-              <a:rPr lang="fr-FR" sz="2800" dirty="0" smtClean="0"/>
-              <a:t>Problèmes rencontrés</a:t>
-            </a:r>
-            <a:endParaRPr lang="fr-FR" sz="2800" dirty="0"/>
-          </a:p>
-        </p:txBody>
-      </p:sp>
-      <p:sp>
-        <p:nvSpPr>
-          <p:cNvPr id="7" name="Accolade fermante 6"/>
-          <p:cNvSpPr/>
-          <p:nvPr/>
-        </p:nvSpPr>
-        <p:spPr>
-          <a:xfrm>
-            <a:off x="6180667" y="1667933"/>
-            <a:ext cx="347133" cy="1185334"/>
-          </a:xfrm>
-          <a:prstGeom prst="rightBrace">
-            <a:avLst/>
-          </a:prstGeom>
-          <a:ln w="12700"/>
-        </p:spPr>
-        <p:style>
-          <a:lnRef idx="1">
-            <a:schemeClr val="dk1"/>
-          </a:lnRef>
-          <a:fillRef idx="0">
-            <a:schemeClr val="dk1"/>
-          </a:fillRef>
-          <a:effectRef idx="0">
-            <a:schemeClr val="dk1"/>
-          </a:effectRef>
-          <a:fontRef idx="minor">
-            <a:schemeClr val="tx1"/>
-          </a:fontRef>
-        </p:style>
-        <p:txBody>
-          <a:bodyPr rtlCol="0" anchor="ctr"/>
-          <a:lstStyle/>
-          <a:p>
-            <a:pPr algn="ctr"/>
-            <a:endParaRPr lang="fr-FR"/>
-          </a:p>
-        </p:txBody>
-      </p:sp>
-      <p:sp>
-        <p:nvSpPr>
-          <p:cNvPr id="8" name="Accolade fermante 7"/>
-          <p:cNvSpPr/>
-          <p:nvPr/>
-        </p:nvSpPr>
-        <p:spPr>
-          <a:xfrm>
-            <a:off x="6180666" y="3056038"/>
-            <a:ext cx="347133" cy="2265788"/>
-          </a:xfrm>
-          <a:prstGeom prst="rightBrace">
-            <a:avLst/>
-          </a:prstGeom>
-          <a:ln w="12700"/>
-        </p:spPr>
-        <p:style>
-          <a:lnRef idx="1">
-            <a:schemeClr val="dk1"/>
-          </a:lnRef>
-          <a:fillRef idx="0">
-            <a:schemeClr val="dk1"/>
-          </a:fillRef>
-          <a:effectRef idx="0">
-            <a:schemeClr val="dk1"/>
-          </a:effectRef>
-          <a:fontRef idx="minor">
-            <a:schemeClr val="tx1"/>
-          </a:fontRef>
-        </p:style>
-        <p:txBody>
-          <a:bodyPr rtlCol="0" anchor="ctr"/>
-          <a:lstStyle/>
-          <a:p>
-            <a:pPr algn="ctr"/>
-            <a:endParaRPr lang="fr-FR"/>
-          </a:p>
-        </p:txBody>
-      </p:sp>
-      <p:sp>
-        <p:nvSpPr>
-          <p:cNvPr id="9" name="ZoneTexte 8"/>
-          <p:cNvSpPr txBox="1"/>
-          <p:nvPr/>
-        </p:nvSpPr>
-        <p:spPr>
-          <a:xfrm>
-            <a:off x="6722534" y="2018211"/>
-            <a:ext cx="2489200" cy="461665"/>
-          </a:xfrm>
-          <a:prstGeom prst="rect">
-            <a:avLst/>
-          </a:prstGeom>
-          <a:noFill/>
-        </p:spPr>
-        <p:txBody>
-          <a:bodyPr wrap="square" rtlCol="0">
-            <a:spAutoFit/>
-          </a:bodyPr>
-          <a:lstStyle/>
-          <a:p>
-            <a:r>
-              <a:rPr lang="fr-FR" sz="2400" dirty="0" smtClean="0"/>
-              <a:t>Limite matérielle</a:t>
-            </a:r>
-            <a:endParaRPr lang="fr-FR" sz="2400" dirty="0"/>
-          </a:p>
-        </p:txBody>
-      </p:sp>
-      <p:sp>
-        <p:nvSpPr>
-          <p:cNvPr id="10" name="ZoneTexte 9"/>
-          <p:cNvSpPr txBox="1"/>
-          <p:nvPr/>
-        </p:nvSpPr>
-        <p:spPr>
-          <a:xfrm>
-            <a:off x="6722534" y="3956448"/>
-            <a:ext cx="2164522" cy="461665"/>
-          </a:xfrm>
-          <a:prstGeom prst="rect">
-            <a:avLst/>
-          </a:prstGeom>
-          <a:noFill/>
-        </p:spPr>
-        <p:txBody>
-          <a:bodyPr wrap="square" rtlCol="0">
-            <a:spAutoFit/>
-          </a:bodyPr>
-          <a:lstStyle/>
-          <a:p>
-            <a:r>
-              <a:rPr lang="fr-FR" sz="2400" dirty="0" smtClean="0"/>
-              <a:t>Limite logiciel</a:t>
-            </a:r>
-            <a:endParaRPr lang="fr-FR" sz="2400" dirty="0"/>
+              <a:rPr lang="fr-FR" dirty="0" smtClean="0"/>
+              <a:t>Statistiques de la vidéo de référence découpée en 4x4 tuiles, un seul bitrate = 1,250Mbps</a:t>
+            </a:r>
+            <a:endParaRPr lang="fr-FR" dirty="0"/>
           </a:p>
         </p:txBody>
       </p:sp>
     </p:spTree>
     <p:extLst>
       <p:ext uri="{BB962C8B-B14F-4D97-AF65-F5344CB8AC3E}">
-        <p14:creationId xmlns:p14="http://schemas.microsoft.com/office/powerpoint/2010/main" val="2442421539"/>
+        <p14:creationId xmlns:p14="http://schemas.microsoft.com/office/powerpoint/2010/main" val="1796107944"/>
       </p:ext>
     </p:extLst>
   </p:cSld>
   <p:clrMapOvr>
     <a:masterClrMapping/>
   </p:clrMapOvr>
-  <p:timing>
-    <p:tnLst>
-      <p:par>
-        <p:cTn id="1" dur="indefinite" restart="never" nodeType="tmRoot"/>
-      </p:par>
-    </p:tnLst>
-  </p:timing>
 </p:sld>
 </file>
 
@@ -5514,8 +5226,8 @@
         </p:nvSpPr>
         <p:spPr>
           <a:xfrm>
-            <a:off x="-1" y="0"/>
-            <a:ext cx="1532467" cy="307777"/>
+            <a:off x="2480733" y="426306"/>
+            <a:ext cx="7230533" cy="523220"/>
           </a:xfrm>
           <a:prstGeom prst="rect">
             <a:avLst/>
@@ -5528,15 +5240,111 @@
           </a:bodyPr>
           <a:lstStyle/>
           <a:p>
-            <a:r>
-              <a:rPr lang="fr-FR" sz="1400" dirty="0" smtClean="0">
+            <a:pPr algn="ctr"/>
+            <a:r>
+              <a:rPr lang="fr-FR" sz="2800" dirty="0" smtClean="0"/>
+              <a:t>Les résultats avec trois bitrates + limite BP</a:t>
+            </a:r>
+            <a:endParaRPr lang="fr-FR" sz="2800" dirty="0"/>
+          </a:p>
+        </p:txBody>
+      </p:sp>
+      <p:pic>
+        <p:nvPicPr>
+          <p:cNvPr id="4" name="Image 3"/>
+          <p:cNvPicPr>
+            <a:picLocks noChangeAspect="1"/>
+          </p:cNvPicPr>
+          <p:nvPr/>
+        </p:nvPicPr>
+        <p:blipFill>
+          <a:blip r:embed="rId2">
+            <a:extLst>
+              <a:ext uri="{28A0092B-C50C-407E-A947-70E740481C1C}">
+                <a14:useLocalDpi xmlns:a14="http://schemas.microsoft.com/office/drawing/2010/main" val="0"/>
+              </a:ext>
+            </a:extLst>
+          </a:blip>
+          <a:stretch>
+            <a:fillRect/>
+          </a:stretch>
+        </p:blipFill>
+        <p:spPr>
+          <a:xfrm>
+            <a:off x="1464060" y="1774072"/>
+            <a:ext cx="9263877" cy="2412389"/>
+          </a:xfrm>
+          <a:prstGeom prst="rect">
+            <a:avLst/>
+          </a:prstGeom>
+        </p:spPr>
+      </p:pic>
+      <p:sp>
+        <p:nvSpPr>
+          <p:cNvPr id="5" name="ZoneTexte 4"/>
+          <p:cNvSpPr txBox="1"/>
+          <p:nvPr/>
+        </p:nvSpPr>
+        <p:spPr>
+          <a:xfrm>
+            <a:off x="1526036" y="4284133"/>
+            <a:ext cx="9139923" cy="369332"/>
+          </a:xfrm>
+          <a:prstGeom prst="rect">
+            <a:avLst/>
+          </a:prstGeom>
+          <a:noFill/>
+        </p:spPr>
+        <p:txBody>
+          <a:bodyPr wrap="square" rtlCol="0">
+            <a:spAutoFit/>
+          </a:bodyPr>
+          <a:lstStyle/>
+          <a:p>
+            <a:pPr algn="ctr"/>
+            <a:r>
+              <a:rPr lang="fr-FR" dirty="0" smtClean="0"/>
+              <a:t>Statistique de lecture avec : 3x3 tuiles, 3 bitrates et une limite de bande passante à </a:t>
+            </a:r>
+            <a:r>
+              <a:rPr lang="fr-FR" dirty="0" err="1" smtClean="0"/>
+              <a:t>1Mbps</a:t>
+            </a:r>
+            <a:endParaRPr lang="fr-FR" dirty="0"/>
+          </a:p>
+        </p:txBody>
+      </p:sp>
+      <p:sp>
+        <p:nvSpPr>
+          <p:cNvPr id="6" name="ZoneTexte 5"/>
+          <p:cNvSpPr txBox="1"/>
+          <p:nvPr/>
+        </p:nvSpPr>
+        <p:spPr>
+          <a:xfrm>
+            <a:off x="3437467" y="5249332"/>
+            <a:ext cx="5317066" cy="923330"/>
+          </a:xfrm>
+          <a:prstGeom prst="rect">
+            <a:avLst/>
+          </a:prstGeom>
+          <a:noFill/>
+        </p:spPr>
+        <p:txBody>
+          <a:bodyPr wrap="square" rtlCol="0">
+            <a:spAutoFit/>
+          </a:bodyPr>
+          <a:lstStyle/>
+          <a:p>
+            <a:r>
+              <a:rPr lang="fr-FR" dirty="0" smtClean="0">
                 <a:solidFill>
                   <a:srgbClr val="FF0000"/>
                 </a:solidFill>
               </a:rPr>
-              <a:t>Développement 4</a:t>
-            </a:r>
-            <a:endParaRPr lang="fr-FR" sz="1400" dirty="0">
+              <a:t>Il faut plutôt se baser sur le graphe, montrer que la lecture est fluide et correct par rapport a notre bande passante limitée</a:t>
+            </a:r>
+            <a:endParaRPr lang="fr-FR" dirty="0">
               <a:solidFill>
                 <a:srgbClr val="FF0000"/>
               </a:solidFill>
@@ -5544,483 +5352,22 @@
           </a:p>
         </p:txBody>
       </p:sp>
-      <p:sp>
-        <p:nvSpPr>
-          <p:cNvPr id="5" name="ZoneTexte 4"/>
-          <p:cNvSpPr txBox="1"/>
-          <p:nvPr/>
-        </p:nvSpPr>
-        <p:spPr>
-          <a:xfrm>
-            <a:off x="905931" y="1536174"/>
-            <a:ext cx="5452536" cy="3785652"/>
-          </a:xfrm>
-          <a:prstGeom prst="rect">
-            <a:avLst/>
-          </a:prstGeom>
-          <a:noFill/>
-        </p:spPr>
-        <p:txBody>
-          <a:bodyPr wrap="square" rtlCol="0">
-            <a:spAutoFit/>
-          </a:bodyPr>
-          <a:lstStyle/>
-          <a:p>
-            <a:pPr marL="285750" indent="-285750" algn="just">
-              <a:lnSpc>
-                <a:spcPct val="200000"/>
-              </a:lnSpc>
-              <a:buFont typeface="Arial" panose="020B0604020202020204" pitchFamily="34" charset="0"/>
-              <a:buChar char="•"/>
-            </a:pPr>
-            <a:r>
-              <a:rPr lang="fr-FR" sz="2000" dirty="0" smtClean="0"/>
-              <a:t>Temps d’encodage très long, taille des fichiers</a:t>
-            </a:r>
-          </a:p>
-          <a:p>
-            <a:pPr marL="285750" indent="-285750" algn="just">
-              <a:lnSpc>
-                <a:spcPct val="200000"/>
-              </a:lnSpc>
-              <a:buFont typeface="Arial" panose="020B0604020202020204" pitchFamily="34" charset="0"/>
-              <a:buChar char="•"/>
-            </a:pPr>
-            <a:r>
-              <a:rPr lang="fr-FR" sz="2000" dirty="0"/>
-              <a:t>Bande passante de l’architecture de test limitée</a:t>
-            </a:r>
-          </a:p>
-          <a:p>
-            <a:pPr marL="285750" indent="-285750" algn="just">
-              <a:lnSpc>
-                <a:spcPct val="200000"/>
-              </a:lnSpc>
-              <a:buFont typeface="Arial" panose="020B0604020202020204" pitchFamily="34" charset="0"/>
-              <a:buChar char="•"/>
-            </a:pPr>
-            <a:r>
-              <a:rPr lang="fr-FR" sz="2000" dirty="0" smtClean="0"/>
-              <a:t>Limite </a:t>
-            </a:r>
-            <a:r>
-              <a:rPr lang="fr-FR" sz="2000" dirty="0"/>
-              <a:t>du nombre de tuiles maximum </a:t>
-            </a:r>
-          </a:p>
-          <a:p>
-            <a:pPr marL="285750" indent="-285750" algn="just">
-              <a:lnSpc>
-                <a:spcPct val="200000"/>
-              </a:lnSpc>
-              <a:buFont typeface="Arial" panose="020B0604020202020204" pitchFamily="34" charset="0"/>
-              <a:buChar char="•"/>
-            </a:pPr>
-            <a:r>
-              <a:rPr lang="fr-FR" sz="2000" dirty="0"/>
-              <a:t>Limite du nombre de bitrates </a:t>
-            </a:r>
-            <a:r>
-              <a:rPr lang="fr-FR" sz="2000" dirty="0" smtClean="0"/>
-              <a:t>différents</a:t>
-            </a:r>
-          </a:p>
-          <a:p>
-            <a:pPr marL="285750" indent="-285750" algn="just">
-              <a:lnSpc>
-                <a:spcPct val="200000"/>
-              </a:lnSpc>
-              <a:buFont typeface="Arial" panose="020B0604020202020204" pitchFamily="34" charset="0"/>
-              <a:buChar char="•"/>
-            </a:pPr>
-            <a:r>
-              <a:rPr lang="fr-FR" sz="2000" dirty="0" smtClean="0"/>
-              <a:t>Choix de la ROI limité</a:t>
-            </a:r>
-            <a:endParaRPr lang="fr-FR" sz="2000" dirty="0"/>
-          </a:p>
-          <a:p>
-            <a:pPr marL="285750" indent="-285750" algn="just">
-              <a:lnSpc>
-                <a:spcPct val="200000"/>
-              </a:lnSpc>
-              <a:buFont typeface="Arial" panose="020B0604020202020204" pitchFamily="34" charset="0"/>
-              <a:buChar char="•"/>
-            </a:pPr>
-            <a:r>
-              <a:rPr lang="fr-FR" sz="2000" dirty="0" smtClean="0"/>
-              <a:t>Stabilité du lecteur GPAC</a:t>
-            </a:r>
-            <a:endParaRPr lang="fr-FR" sz="2000" dirty="0"/>
-          </a:p>
-        </p:txBody>
-      </p:sp>
-      <p:sp>
-        <p:nvSpPr>
-          <p:cNvPr id="6" name="ZoneTexte 5"/>
-          <p:cNvSpPr txBox="1"/>
-          <p:nvPr/>
-        </p:nvSpPr>
-        <p:spPr>
-          <a:xfrm>
-            <a:off x="2353732" y="417840"/>
-            <a:ext cx="7484534" cy="523220"/>
-          </a:xfrm>
-          <a:prstGeom prst="rect">
-            <a:avLst/>
-          </a:prstGeom>
-          <a:noFill/>
-        </p:spPr>
-        <p:txBody>
-          <a:bodyPr wrap="square" rtlCol="0">
-            <a:spAutoFit/>
-          </a:bodyPr>
-          <a:lstStyle/>
-          <a:p>
-            <a:pPr algn="ctr"/>
-            <a:r>
-              <a:rPr lang="fr-FR" sz="2800" dirty="0" smtClean="0"/>
-              <a:t>Problèmes rencontrés</a:t>
-            </a:r>
-            <a:endParaRPr lang="fr-FR" sz="2800" dirty="0"/>
-          </a:p>
-        </p:txBody>
-      </p:sp>
-      <p:sp>
-        <p:nvSpPr>
-          <p:cNvPr id="7" name="Accolade fermante 6"/>
-          <p:cNvSpPr/>
-          <p:nvPr/>
-        </p:nvSpPr>
-        <p:spPr>
-          <a:xfrm>
-            <a:off x="6180667" y="1667933"/>
-            <a:ext cx="347133" cy="1185334"/>
-          </a:xfrm>
-          <a:prstGeom prst="rightBrace">
-            <a:avLst/>
-          </a:prstGeom>
-          <a:ln w="12700"/>
-        </p:spPr>
-        <p:style>
-          <a:lnRef idx="1">
-            <a:schemeClr val="dk1"/>
-          </a:lnRef>
-          <a:fillRef idx="0">
-            <a:schemeClr val="dk1"/>
-          </a:fillRef>
-          <a:effectRef idx="0">
-            <a:schemeClr val="dk1"/>
-          </a:effectRef>
-          <a:fontRef idx="minor">
-            <a:schemeClr val="tx1"/>
-          </a:fontRef>
-        </p:style>
-        <p:txBody>
-          <a:bodyPr rtlCol="0" anchor="ctr"/>
-          <a:lstStyle/>
-          <a:p>
-            <a:pPr algn="ctr"/>
-            <a:endParaRPr lang="fr-FR"/>
-          </a:p>
-        </p:txBody>
-      </p:sp>
-      <p:sp>
-        <p:nvSpPr>
-          <p:cNvPr id="8" name="Accolade fermante 7"/>
-          <p:cNvSpPr/>
-          <p:nvPr/>
-        </p:nvSpPr>
-        <p:spPr>
-          <a:xfrm>
-            <a:off x="6180666" y="3056038"/>
-            <a:ext cx="347133" cy="2265788"/>
-          </a:xfrm>
-          <a:prstGeom prst="rightBrace">
-            <a:avLst/>
-          </a:prstGeom>
-          <a:ln w="12700"/>
-        </p:spPr>
-        <p:style>
-          <a:lnRef idx="1">
-            <a:schemeClr val="dk1"/>
-          </a:lnRef>
-          <a:fillRef idx="0">
-            <a:schemeClr val="dk1"/>
-          </a:fillRef>
-          <a:effectRef idx="0">
-            <a:schemeClr val="dk1"/>
-          </a:effectRef>
-          <a:fontRef idx="minor">
-            <a:schemeClr val="tx1"/>
-          </a:fontRef>
-        </p:style>
-        <p:txBody>
-          <a:bodyPr rtlCol="0" anchor="ctr"/>
-          <a:lstStyle/>
-          <a:p>
-            <a:pPr algn="ctr"/>
-            <a:endParaRPr lang="fr-FR"/>
-          </a:p>
-        </p:txBody>
-      </p:sp>
-      <p:sp>
-        <p:nvSpPr>
-          <p:cNvPr id="9" name="ZoneTexte 8"/>
-          <p:cNvSpPr txBox="1"/>
-          <p:nvPr/>
-        </p:nvSpPr>
-        <p:spPr>
-          <a:xfrm>
-            <a:off x="6722534" y="2018211"/>
-            <a:ext cx="2489200" cy="461665"/>
-          </a:xfrm>
-          <a:prstGeom prst="rect">
-            <a:avLst/>
-          </a:prstGeom>
-          <a:noFill/>
-        </p:spPr>
-        <p:txBody>
-          <a:bodyPr wrap="square" rtlCol="0">
-            <a:spAutoFit/>
-          </a:bodyPr>
-          <a:lstStyle/>
-          <a:p>
-            <a:r>
-              <a:rPr lang="fr-FR" sz="2400" dirty="0" smtClean="0"/>
-              <a:t>Limite matérielle</a:t>
-            </a:r>
-            <a:endParaRPr lang="fr-FR" sz="2400" dirty="0"/>
-          </a:p>
-        </p:txBody>
-      </p:sp>
-      <p:sp>
-        <p:nvSpPr>
-          <p:cNvPr id="10" name="ZoneTexte 9"/>
-          <p:cNvSpPr txBox="1"/>
-          <p:nvPr/>
-        </p:nvSpPr>
-        <p:spPr>
-          <a:xfrm>
-            <a:off x="6722534" y="3956448"/>
-            <a:ext cx="2164522" cy="461665"/>
-          </a:xfrm>
-          <a:prstGeom prst="rect">
-            <a:avLst/>
-          </a:prstGeom>
-          <a:noFill/>
-        </p:spPr>
-        <p:txBody>
-          <a:bodyPr wrap="square" rtlCol="0">
-            <a:spAutoFit/>
-          </a:bodyPr>
-          <a:lstStyle/>
-          <a:p>
-            <a:r>
-              <a:rPr lang="fr-FR" sz="2400" dirty="0" smtClean="0"/>
-              <a:t>Limite logiciel</a:t>
-            </a:r>
-            <a:endParaRPr lang="fr-FR" sz="2400" dirty="0"/>
-          </a:p>
-        </p:txBody>
-      </p:sp>
-      <p:sp>
-        <p:nvSpPr>
-          <p:cNvPr id="13" name="Flèche à angle droit 12"/>
-          <p:cNvSpPr/>
-          <p:nvPr/>
-        </p:nvSpPr>
-        <p:spPr>
-          <a:xfrm rot="5400000">
-            <a:off x="6856287" y="2504425"/>
-            <a:ext cx="502741" cy="381213"/>
-          </a:xfrm>
-          <a:prstGeom prst="bentUpArrow">
-            <a:avLst>
-              <a:gd name="adj1" fmla="val 25100"/>
-              <a:gd name="adj2" fmla="val 26553"/>
-              <a:gd name="adj3" fmla="val 25000"/>
-            </a:avLst>
-          </a:prstGeom>
-        </p:spPr>
-        <p:style>
-          <a:lnRef idx="2">
-            <a:schemeClr val="accent3">
-              <a:shade val="50000"/>
-            </a:schemeClr>
-          </a:lnRef>
-          <a:fillRef idx="1">
-            <a:schemeClr val="accent3"/>
-          </a:fillRef>
-          <a:effectRef idx="0">
-            <a:schemeClr val="accent3"/>
-          </a:effectRef>
-          <a:fontRef idx="minor">
-            <a:schemeClr val="lt1"/>
-          </a:fontRef>
-        </p:style>
-        <p:txBody>
-          <a:bodyPr rtlCol="0" anchor="ctr"/>
-          <a:lstStyle/>
-          <a:p>
-            <a:pPr algn="ctr"/>
-            <a:endParaRPr lang="fr-FR"/>
-          </a:p>
-        </p:txBody>
-      </p:sp>
-      <p:sp>
-        <p:nvSpPr>
-          <p:cNvPr id="15" name="ZoneTexte 14"/>
-          <p:cNvSpPr txBox="1"/>
-          <p:nvPr/>
-        </p:nvSpPr>
-        <p:spPr>
-          <a:xfrm>
-            <a:off x="7365999" y="2598003"/>
-            <a:ext cx="4267203" cy="830997"/>
-          </a:xfrm>
-          <a:prstGeom prst="rect">
-            <a:avLst/>
-          </a:prstGeom>
-          <a:noFill/>
-        </p:spPr>
-        <p:txBody>
-          <a:bodyPr wrap="square" rtlCol="0">
-            <a:spAutoFit/>
-          </a:bodyPr>
-          <a:lstStyle/>
-          <a:p>
-            <a:r>
-              <a:rPr lang="fr-FR" sz="2400" dirty="0" smtClean="0">
-                <a:solidFill>
-                  <a:srgbClr val="800000"/>
-                </a:solidFill>
-              </a:rPr>
-              <a:t>Solution : architecture de test de laboratoire</a:t>
-            </a:r>
-            <a:endParaRPr lang="fr-FR" sz="2400" dirty="0">
-              <a:solidFill>
-                <a:srgbClr val="800000"/>
-              </a:solidFill>
-            </a:endParaRPr>
-          </a:p>
-        </p:txBody>
-      </p:sp>
-      <p:sp>
-        <p:nvSpPr>
-          <p:cNvPr id="16" name="ZoneTexte 15"/>
-          <p:cNvSpPr txBox="1"/>
-          <p:nvPr/>
-        </p:nvSpPr>
-        <p:spPr>
-          <a:xfrm>
-            <a:off x="7365999" y="4520397"/>
-            <a:ext cx="4377269" cy="461665"/>
-          </a:xfrm>
-          <a:prstGeom prst="rect">
-            <a:avLst/>
-          </a:prstGeom>
-          <a:noFill/>
-        </p:spPr>
-        <p:txBody>
-          <a:bodyPr wrap="square" rtlCol="0">
-            <a:spAutoFit/>
-          </a:bodyPr>
-          <a:lstStyle/>
-          <a:p>
-            <a:r>
-              <a:rPr lang="fr-FR" sz="2400" dirty="0" smtClean="0">
-                <a:solidFill>
-                  <a:srgbClr val="800000"/>
-                </a:solidFill>
-              </a:rPr>
-              <a:t>Solution : utiliser un autre lecteur</a:t>
-            </a:r>
-            <a:endParaRPr lang="fr-FR" sz="2400" dirty="0">
-              <a:solidFill>
-                <a:srgbClr val="800000"/>
-              </a:solidFill>
-            </a:endParaRPr>
-          </a:p>
-        </p:txBody>
-      </p:sp>
-      <p:sp>
-        <p:nvSpPr>
-          <p:cNvPr id="17" name="Flèche à angle droit 16"/>
-          <p:cNvSpPr/>
-          <p:nvPr/>
-        </p:nvSpPr>
-        <p:spPr>
-          <a:xfrm rot="5400000">
-            <a:off x="6856287" y="4438742"/>
-            <a:ext cx="502741" cy="381213"/>
-          </a:xfrm>
-          <a:prstGeom prst="bentUpArrow">
-            <a:avLst>
-              <a:gd name="adj1" fmla="val 25100"/>
-              <a:gd name="adj2" fmla="val 26553"/>
-              <a:gd name="adj3" fmla="val 25000"/>
-            </a:avLst>
-          </a:prstGeom>
-        </p:spPr>
-        <p:style>
-          <a:lnRef idx="2">
-            <a:schemeClr val="accent3">
-              <a:shade val="50000"/>
-            </a:schemeClr>
-          </a:lnRef>
-          <a:fillRef idx="1">
-            <a:schemeClr val="accent3"/>
-          </a:fillRef>
-          <a:effectRef idx="0">
-            <a:schemeClr val="accent3"/>
-          </a:effectRef>
-          <a:fontRef idx="minor">
-            <a:schemeClr val="lt1"/>
-          </a:fontRef>
-        </p:style>
-        <p:txBody>
-          <a:bodyPr rtlCol="0" anchor="ctr"/>
-          <a:lstStyle/>
-          <a:p>
-            <a:pPr algn="ctr"/>
-            <a:endParaRPr lang="fr-FR"/>
-          </a:p>
-        </p:txBody>
-      </p:sp>
     </p:spTree>
     <p:extLst>
       <p:ext uri="{BB962C8B-B14F-4D97-AF65-F5344CB8AC3E}">
-        <p14:creationId xmlns:p14="http://schemas.microsoft.com/office/powerpoint/2010/main" val="3732989751"/>
+        <p14:creationId xmlns:p14="http://schemas.microsoft.com/office/powerpoint/2010/main" val="1779633072"/>
       </p:ext>
     </p:extLst>
   </p:cSld>
   <p:clrMapOvr>
     <a:masterClrMapping/>
   </p:clrMapOvr>
-  <p:timing>
-    <p:tnLst>
-      <p:par>
-        <p:cTn id="1" dur="indefinite" restart="never" nodeType="tmRoot"/>
-      </p:par>
-    </p:tnLst>
-  </p:timing>
 </p:sld>
 </file>
 
 <file path=ppt/slides/slide19.xml><?xml version="1.0" encoding="utf-8"?>
 <p:sld xmlns:a="http://schemas.openxmlformats.org/drawingml/2006/main" xmlns:r="http://schemas.openxmlformats.org/officeDocument/2006/relationships" xmlns:p="http://schemas.openxmlformats.org/presentationml/2006/main">
   <p:cSld>
-    <p:bg>
-      <p:bgPr>
-        <a:solidFill>
-          <a:schemeClr val="bg2">
-            <a:lumMod val="50000"/>
-          </a:schemeClr>
-        </a:solidFill>
-        <a:effectLst/>
-      </p:bgPr>
-    </p:bg>
     <p:spTree>
       <p:nvGrpSpPr>
         <p:cNvPr id="1" name=""/>
@@ -6035,6 +5382,36 @@
           <a:chExt cx="0" cy="0"/>
         </a:xfrm>
       </p:grpSpPr>
+      <p:pic>
+        <p:nvPicPr>
+          <p:cNvPr id="6" name="Image 5"/>
+          <p:cNvPicPr>
+            <a:picLocks noChangeAspect="1"/>
+          </p:cNvPicPr>
+          <p:nvPr/>
+        </p:nvPicPr>
+        <p:blipFill>
+          <a:blip r:embed="rId2">
+            <a:extLst>
+              <a:ext uri="{28A0092B-C50C-407E-A947-70E740481C1C}">
+                <a14:useLocalDpi xmlns:a14="http://schemas.microsoft.com/office/drawing/2010/main" val="0"/>
+              </a:ext>
+            </a:extLst>
+          </a:blip>
+          <a:stretch>
+            <a:fillRect/>
+          </a:stretch>
+        </p:blipFill>
+        <p:spPr>
+          <a:xfrm>
+            <a:off x="1505330" y="1774072"/>
+            <a:ext cx="9181333" cy="2416928"/>
+          </a:xfrm>
+          <a:prstGeom prst="rect">
+            <a:avLst/>
+          </a:prstGeom>
+        </p:spPr>
+      </p:pic>
       <p:sp>
         <p:nvSpPr>
           <p:cNvPr id="2" name="Espace réservé du numéro de diapositive 1"/>
@@ -6066,8 +5443,8 @@
         </p:nvSpPr>
         <p:spPr>
           <a:xfrm>
-            <a:off x="-1" y="0"/>
-            <a:ext cx="1854201" cy="307777"/>
+            <a:off x="2480733" y="426306"/>
+            <a:ext cx="7230533" cy="523220"/>
           </a:xfrm>
           <a:prstGeom prst="rect">
             <a:avLst/>
@@ -6080,68 +5457,56 @@
           </a:bodyPr>
           <a:lstStyle/>
           <a:p>
-            <a:r>
-              <a:rPr lang="fr-FR" sz="1400" dirty="0" smtClean="0">
-                <a:solidFill>
-                  <a:srgbClr val="FF0000"/>
-                </a:solidFill>
-              </a:rPr>
-              <a:t>Vidéo démonstration</a:t>
-            </a:r>
-            <a:endParaRPr lang="fr-FR" sz="1400" dirty="0">
-              <a:solidFill>
-                <a:srgbClr val="FF0000"/>
-              </a:solidFill>
-            </a:endParaRPr>
-          </a:p>
-        </p:txBody>
-      </p:sp>
-      <p:sp>
-        <p:nvSpPr>
-          <p:cNvPr id="4" name="Rectangle 3"/>
-          <p:cNvSpPr/>
-          <p:nvPr/>
-        </p:nvSpPr>
-        <p:spPr>
-          <a:xfrm>
-            <a:off x="5543220" y="3167390"/>
-            <a:ext cx="1105559" cy="523220"/>
-          </a:xfrm>
-          <a:prstGeom prst="rect">
-            <a:avLst/>
-          </a:prstGeom>
-        </p:spPr>
-        <p:txBody>
-          <a:bodyPr wrap="none">
+            <a:pPr algn="ctr"/>
+            <a:r>
+              <a:rPr lang="fr-FR" sz="2800" dirty="0" smtClean="0"/>
+              <a:t>Les résultats avec trois bitrates</a:t>
+            </a:r>
+            <a:endParaRPr lang="fr-FR" sz="2800" dirty="0"/>
+          </a:p>
+        </p:txBody>
+      </p:sp>
+      <p:sp>
+        <p:nvSpPr>
+          <p:cNvPr id="5" name="ZoneTexte 4"/>
+          <p:cNvSpPr txBox="1"/>
+          <p:nvPr/>
+        </p:nvSpPr>
+        <p:spPr>
+          <a:xfrm>
+            <a:off x="1526036" y="4284133"/>
+            <a:ext cx="9139923" cy="369332"/>
+          </a:xfrm>
+          <a:prstGeom prst="rect">
+            <a:avLst/>
+          </a:prstGeom>
+          <a:noFill/>
+        </p:spPr>
+        <p:txBody>
+          <a:bodyPr wrap="square" rtlCol="0">
             <a:spAutoFit/>
           </a:bodyPr>
           <a:lstStyle/>
           <a:p>
-            <a:r>
-              <a:rPr lang="fr-FR" sz="2800" dirty="0" smtClean="0"/>
-              <a:t>VIDEO</a:t>
-            </a:r>
-            <a:endParaRPr lang="fr-FR" sz="2800" dirty="0"/>
+            <a:pPr algn="ctr"/>
+            <a:r>
+              <a:rPr lang="fr-FR" dirty="0" smtClean="0"/>
+              <a:t>Statistique de lecture avec : 3x3 tuiles, 3 bitrates et sans limite de bande passante</a:t>
+            </a:r>
+            <a:endParaRPr lang="fr-FR" dirty="0"/>
           </a:p>
         </p:txBody>
       </p:sp>
     </p:spTree>
     <p:extLst>
       <p:ext uri="{BB962C8B-B14F-4D97-AF65-F5344CB8AC3E}">
-        <p14:creationId xmlns:p14="http://schemas.microsoft.com/office/powerpoint/2010/main" val="3655151742"/>
+        <p14:creationId xmlns:p14="http://schemas.microsoft.com/office/powerpoint/2010/main" val="2401466926"/>
       </p:ext>
     </p:extLst>
   </p:cSld>
   <p:clrMapOvr>
     <a:masterClrMapping/>
   </p:clrMapOvr>
-  <p:timing>
-    <p:tnLst>
-      <p:par>
-        <p:cTn id="1" dur="indefinite" restart="never" nodeType="tmRoot"/>
-      </p:par>
-    </p:tnLst>
-  </p:timing>
 </p:sld>
 </file>
 
@@ -6402,7 +5767,7 @@
 </file>
 
 <file path=ppt/slides/slide20.xml><?xml version="1.0" encoding="utf-8"?>
-<p:sld xmlns:a="http://schemas.openxmlformats.org/drawingml/2006/main" xmlns:r="http://schemas.openxmlformats.org/officeDocument/2006/relationships" xmlns:p="http://schemas.openxmlformats.org/presentationml/2006/main" show="0">
+<p:sld xmlns:a="http://schemas.openxmlformats.org/drawingml/2006/main" xmlns:r="http://schemas.openxmlformats.org/officeDocument/2006/relationships" xmlns:p="http://schemas.openxmlformats.org/presentationml/2006/main">
   <p:cSld>
     <p:spTree>
       <p:nvGrpSpPr>
@@ -6469,7 +5834,7 @@
                   <a:srgbClr val="FF0000"/>
                 </a:solidFill>
               </a:rPr>
-              <a:t>Développement 5</a:t>
+              <a:t>Développement 4</a:t>
             </a:r>
             <a:endParaRPr lang="fr-FR" sz="1400" dirty="0">
               <a:solidFill>
@@ -6481,52 +5846,194 @@
       </p:sp>
       <p:sp>
         <p:nvSpPr>
-          <p:cNvPr id="4" name="Rectangle 3"/>
-          <p:cNvSpPr/>
-          <p:nvPr/>
-        </p:nvSpPr>
-        <p:spPr>
-          <a:xfrm>
-            <a:off x="2461383" y="3244334"/>
-            <a:ext cx="7269234" cy="369332"/>
-          </a:xfrm>
-          <a:prstGeom prst="rect">
-            <a:avLst/>
-          </a:prstGeom>
-        </p:spPr>
-        <p:txBody>
-          <a:bodyPr wrap="none">
+          <p:cNvPr id="5" name="ZoneTexte 4"/>
+          <p:cNvSpPr txBox="1"/>
+          <p:nvPr/>
+        </p:nvSpPr>
+        <p:spPr>
+          <a:xfrm>
+            <a:off x="905931" y="1536174"/>
+            <a:ext cx="5452536" cy="3785652"/>
+          </a:xfrm>
+          <a:prstGeom prst="rect">
+            <a:avLst/>
+          </a:prstGeom>
+          <a:noFill/>
+        </p:spPr>
+        <p:txBody>
+          <a:bodyPr wrap="square" rtlCol="0">
             <a:spAutoFit/>
           </a:bodyPr>
           <a:lstStyle/>
           <a:p>
+            <a:pPr marL="285750" indent="-285750" algn="just">
+              <a:lnSpc>
+                <a:spcPct val="200000"/>
+              </a:lnSpc>
+              <a:buFont typeface="Arial" panose="020B0604020202020204" pitchFamily="34" charset="0"/>
+              <a:buChar char="•"/>
+            </a:pPr>
+            <a:r>
+              <a:rPr lang="fr-FR" sz="2000" dirty="0" smtClean="0"/>
+              <a:t>Temps d’encodage très long, taille des fichiers</a:t>
+            </a:r>
+          </a:p>
+          <a:p>
+            <a:pPr marL="285750" indent="-285750" algn="just">
+              <a:lnSpc>
+                <a:spcPct val="200000"/>
+              </a:lnSpc>
+              <a:buFont typeface="Arial" panose="020B0604020202020204" pitchFamily="34" charset="0"/>
+              <a:buChar char="•"/>
+            </a:pPr>
+            <a:r>
+              <a:rPr lang="fr-FR" sz="2000" dirty="0"/>
+              <a:t>Bande passante de l’architecture de test limitée</a:t>
+            </a:r>
+          </a:p>
+          <a:p>
+            <a:pPr marL="285750" indent="-285750" algn="just">
+              <a:lnSpc>
+                <a:spcPct val="200000"/>
+              </a:lnSpc>
+              <a:buFont typeface="Arial" panose="020B0604020202020204" pitchFamily="34" charset="0"/>
+              <a:buChar char="•"/>
+            </a:pPr>
+            <a:r>
+              <a:rPr lang="fr-FR" sz="2000" dirty="0" smtClean="0"/>
+              <a:t>Limite </a:t>
+            </a:r>
+            <a:r>
+              <a:rPr lang="fr-FR" sz="2000" dirty="0"/>
+              <a:t>du nombre de tuiles maximum </a:t>
+            </a:r>
+          </a:p>
+          <a:p>
+            <a:pPr marL="285750" indent="-285750" algn="just">
+              <a:lnSpc>
+                <a:spcPct val="200000"/>
+              </a:lnSpc>
+              <a:buFont typeface="Arial" panose="020B0604020202020204" pitchFamily="34" charset="0"/>
+              <a:buChar char="•"/>
+            </a:pPr>
+            <a:r>
+              <a:rPr lang="fr-FR" sz="2000" dirty="0"/>
+              <a:t>Limite du nombre de bitrates </a:t>
+            </a:r>
+            <a:r>
+              <a:rPr lang="fr-FR" sz="2000" dirty="0" smtClean="0"/>
+              <a:t>différents</a:t>
+            </a:r>
+          </a:p>
+          <a:p>
+            <a:pPr marL="285750" indent="-285750" algn="just">
+              <a:lnSpc>
+                <a:spcPct val="200000"/>
+              </a:lnSpc>
+              <a:buFont typeface="Arial" panose="020B0604020202020204" pitchFamily="34" charset="0"/>
+              <a:buChar char="•"/>
+            </a:pPr>
+            <a:r>
+              <a:rPr lang="fr-FR" sz="2000" dirty="0" smtClean="0"/>
+              <a:t>Choix de la ROI limité</a:t>
+            </a:r>
+            <a:endParaRPr lang="fr-FR" sz="2000" dirty="0"/>
+          </a:p>
+          <a:p>
+            <a:pPr marL="285750" indent="-285750" algn="just">
+              <a:lnSpc>
+                <a:spcPct val="200000"/>
+              </a:lnSpc>
+              <a:buFont typeface="Arial" panose="020B0604020202020204" pitchFamily="34" charset="0"/>
+              <a:buChar char="•"/>
+            </a:pPr>
+            <a:r>
+              <a:rPr lang="fr-FR" sz="2000" dirty="0" smtClean="0"/>
+              <a:t>Stabilité du lecteur GPAC</a:t>
+            </a:r>
+            <a:endParaRPr lang="fr-FR" sz="2000" dirty="0"/>
+          </a:p>
+        </p:txBody>
+      </p:sp>
+      <p:sp>
+        <p:nvSpPr>
+          <p:cNvPr id="6" name="ZoneTexte 5"/>
+          <p:cNvSpPr txBox="1"/>
+          <p:nvPr/>
+        </p:nvSpPr>
+        <p:spPr>
+          <a:xfrm>
+            <a:off x="2353732" y="417840"/>
+            <a:ext cx="7484534" cy="523220"/>
+          </a:xfrm>
+          <a:prstGeom prst="rect">
+            <a:avLst/>
+          </a:prstGeom>
+          <a:noFill/>
+        </p:spPr>
+        <p:txBody>
+          <a:bodyPr wrap="square" rtlCol="0">
+            <a:spAutoFit/>
+          </a:bodyPr>
+          <a:lstStyle/>
+          <a:p>
             <a:pPr algn="ctr"/>
             <a:r>
-              <a:rPr lang="fr-FR" dirty="0" smtClean="0"/>
-              <a:t>Peut être un slide de trop ou alors a rajouter pour les problèmes rencontrés</a:t>
-            </a:r>
-            <a:endParaRPr lang="fr-FR" dirty="0"/>
+              <a:rPr lang="fr-FR" sz="2800" dirty="0" smtClean="0"/>
+              <a:t>Problèmes rencontrés</a:t>
+            </a:r>
+            <a:endParaRPr lang="fr-FR" sz="2800" dirty="0"/>
+          </a:p>
+        </p:txBody>
+      </p:sp>
+      <p:sp>
+        <p:nvSpPr>
+          <p:cNvPr id="7" name="ZoneTexte 6"/>
+          <p:cNvSpPr txBox="1"/>
+          <p:nvPr/>
+        </p:nvSpPr>
+        <p:spPr>
+          <a:xfrm>
+            <a:off x="3689009" y="5732274"/>
+            <a:ext cx="5338916" cy="646331"/>
+          </a:xfrm>
+          <a:prstGeom prst="rect">
+            <a:avLst/>
+          </a:prstGeom>
+          <a:noFill/>
+        </p:spPr>
+        <p:txBody>
+          <a:bodyPr wrap="square" rtlCol="0">
+            <a:spAutoFit/>
+          </a:bodyPr>
+          <a:lstStyle/>
+          <a:p>
+            <a:r>
+              <a:rPr lang="fr-FR" dirty="0" smtClean="0">
+                <a:solidFill>
+                  <a:srgbClr val="FF0000"/>
+                </a:solidFill>
+              </a:rPr>
+              <a:t>Ajouter à l’oral : pour chaque problème, le résumer en une phrase pas trop longue</a:t>
+            </a:r>
+            <a:endParaRPr lang="fr-FR" dirty="0">
+              <a:solidFill>
+                <a:srgbClr val="FF0000"/>
+              </a:solidFill>
+            </a:endParaRPr>
           </a:p>
         </p:txBody>
       </p:sp>
     </p:spTree>
     <p:extLst>
       <p:ext uri="{BB962C8B-B14F-4D97-AF65-F5344CB8AC3E}">
-        <p14:creationId xmlns:p14="http://schemas.microsoft.com/office/powerpoint/2010/main" val="122085997"/>
+        <p14:creationId xmlns:p14="http://schemas.microsoft.com/office/powerpoint/2010/main" val="871201483"/>
       </p:ext>
     </p:extLst>
   </p:cSld>
   <p:clrMapOvr>
     <a:masterClrMapping/>
   </p:clrMapOvr>
-  <mc:AlternateContent xmlns:mc="http://schemas.openxmlformats.org/markup-compatibility/2006" xmlns:p14="http://schemas.microsoft.com/office/powerpoint/2010/main">
-    <mc:Choice Requires="p14">
-      <p:transition spd="slow" p14:dur="2000"/>
-    </mc:Choice>
-    <mc:Fallback xmlns="">
-      <p:transition spd="slow"/>
-    </mc:Fallback>
-  </mc:AlternateContent>
   <p:timing>
     <p:tnLst>
       <p:par>
@@ -6605,7 +6112,7 @@
                   <a:srgbClr val="FF0000"/>
                 </a:solidFill>
               </a:rPr>
-              <a:t>Conclusion</a:t>
+              <a:t>Développement 4</a:t>
             </a:r>
             <a:endParaRPr lang="fr-FR" sz="1400" dirty="0">
               <a:solidFill>
@@ -6623,8 +6130,8 @@
         </p:nvSpPr>
         <p:spPr>
           <a:xfrm>
-            <a:off x="2353732" y="417840"/>
-            <a:ext cx="7484534" cy="523220"/>
+            <a:off x="905931" y="1536174"/>
+            <a:ext cx="5452536" cy="3785652"/>
           </a:xfrm>
           <a:prstGeom prst="rect">
             <a:avLst/>
@@ -6637,235 +6144,268 @@
           </a:bodyPr>
           <a:lstStyle/>
           <a:p>
-            <a:pPr algn="ctr"/>
-            <a:r>
-              <a:rPr lang="fr-FR" sz="2800" dirty="0" smtClean="0"/>
-              <a:t>Bilan du projet</a:t>
-            </a:r>
-            <a:endParaRPr lang="fr-FR" sz="2800" dirty="0"/>
-          </a:p>
-        </p:txBody>
-      </p:sp>
-      <p:sp>
-        <p:nvSpPr>
-          <p:cNvPr id="7" name="ZoneTexte 6"/>
-          <p:cNvSpPr txBox="1"/>
-          <p:nvPr/>
-        </p:nvSpPr>
-        <p:spPr>
-          <a:xfrm>
-            <a:off x="1900766" y="1218360"/>
-            <a:ext cx="8830735" cy="1708160"/>
-          </a:xfrm>
-          <a:prstGeom prst="rect">
-            <a:avLst/>
-          </a:prstGeom>
-          <a:noFill/>
-        </p:spPr>
-        <p:txBody>
-          <a:bodyPr wrap="square" rtlCol="0">
-            <a:spAutoFit/>
-          </a:bodyPr>
-          <a:lstStyle/>
-          <a:p>
-            <a:pPr algn="just"/>
-            <a:r>
-              <a:rPr lang="fr-FR" sz="2000" b="1" dirty="0" smtClean="0"/>
-              <a:t>Ce que nous avons réussi </a:t>
-            </a:r>
-            <a:r>
-              <a:rPr lang="fr-FR" sz="2000" b="1" dirty="0"/>
-              <a:t>à</a:t>
-            </a:r>
-            <a:r>
-              <a:rPr lang="fr-FR" sz="2000" b="1" dirty="0" smtClean="0"/>
-              <a:t> réaliser:</a:t>
-            </a:r>
-          </a:p>
-          <a:p>
             <a:pPr marL="285750" indent="-285750" algn="just">
               <a:lnSpc>
-                <a:spcPct val="150000"/>
+                <a:spcPct val="200000"/>
               </a:lnSpc>
               <a:buFont typeface="Arial" panose="020B0604020202020204" pitchFamily="34" charset="0"/>
               <a:buChar char="•"/>
             </a:pPr>
             <a:r>
-              <a:rPr lang="fr-FR" dirty="0" smtClean="0"/>
-              <a:t>Mise en place d’une chaine d’encodage vidéo</a:t>
+              <a:rPr lang="fr-FR" sz="2000" dirty="0" smtClean="0"/>
+              <a:t>Temps d’encodage très long, taille des fichiers</a:t>
             </a:r>
           </a:p>
           <a:p>
             <a:pPr marL="285750" indent="-285750" algn="just">
               <a:lnSpc>
-                <a:spcPct val="150000"/>
+                <a:spcPct val="200000"/>
               </a:lnSpc>
               <a:buFont typeface="Arial" panose="020B0604020202020204" pitchFamily="34" charset="0"/>
               <a:buChar char="•"/>
             </a:pPr>
             <a:r>
-              <a:rPr lang="fr-FR" dirty="0" smtClean="0"/>
-              <a:t>Mise en place d’une chaine de streaming dynamique</a:t>
+              <a:rPr lang="fr-FR" sz="2000" dirty="0"/>
+              <a:t>Bande passante de l’architecture de test limitée</a:t>
             </a:r>
           </a:p>
           <a:p>
             <a:pPr marL="285750" indent="-285750" algn="just">
               <a:lnSpc>
-                <a:spcPct val="150000"/>
+                <a:spcPct val="200000"/>
               </a:lnSpc>
               <a:buFont typeface="Arial" panose="020B0604020202020204" pitchFamily="34" charset="0"/>
               <a:buChar char="•"/>
             </a:pPr>
             <a:r>
-              <a:rPr lang="fr-FR" dirty="0" smtClean="0"/>
-              <a:t>Démonstration de l’encodage différencié (sans casque VR  mais avec émulation sur écran)</a:t>
-            </a:r>
-            <a:endParaRPr lang="fr-FR" dirty="0"/>
-          </a:p>
-        </p:txBody>
-      </p:sp>
-      <p:sp>
-        <p:nvSpPr>
-          <p:cNvPr id="8" name="ZoneTexte 7"/>
-          <p:cNvSpPr txBox="1"/>
-          <p:nvPr/>
-        </p:nvSpPr>
-        <p:spPr>
-          <a:xfrm>
-            <a:off x="1900766" y="3058488"/>
-            <a:ext cx="7378702" cy="1384995"/>
-          </a:xfrm>
-          <a:prstGeom prst="rect">
-            <a:avLst/>
-          </a:prstGeom>
-          <a:solidFill>
-            <a:schemeClr val="accent6">
-              <a:lumMod val="20000"/>
-              <a:lumOff val="80000"/>
-            </a:schemeClr>
-          </a:solidFill>
-          <a:ln>
-            <a:solidFill>
-              <a:srgbClr val="00B050"/>
-            </a:solidFill>
-          </a:ln>
-        </p:spPr>
-        <p:txBody>
-          <a:bodyPr wrap="square" rtlCol="0">
-            <a:spAutoFit/>
-          </a:bodyPr>
-          <a:lstStyle/>
-          <a:p>
-            <a:pPr algn="just">
+              <a:rPr lang="fr-FR" sz="2000" dirty="0" smtClean="0"/>
+              <a:t>Limite </a:t>
+            </a:r>
+            <a:r>
+              <a:rPr lang="fr-FR" sz="2000" dirty="0"/>
+              <a:t>du nombre de tuiles maximum </a:t>
+            </a:r>
+          </a:p>
+          <a:p>
+            <a:pPr marL="285750" indent="-285750" algn="just">
               <a:lnSpc>
-                <a:spcPct val="150000"/>
-              </a:lnSpc>
-            </a:pPr>
-            <a:r>
-              <a:rPr lang="fr-FR" sz="2000" b="1" dirty="0" smtClean="0"/>
-              <a:t>Les avantages du streaming dynamique:</a:t>
-            </a:r>
-          </a:p>
-          <a:p>
-            <a:pPr marL="342900" indent="-342900" algn="just">
-              <a:lnSpc>
-                <a:spcPct val="150000"/>
+                <a:spcPct val="200000"/>
               </a:lnSpc>
               <a:buFont typeface="Arial" panose="020B0604020202020204" pitchFamily="34" charset="0"/>
               <a:buChar char="•"/>
             </a:pPr>
             <a:r>
-              <a:rPr lang="fr-FR" dirty="0" smtClean="0"/>
-              <a:t>Permet de s’adapter aux fluctuations du réseau (réseau chargé)</a:t>
-            </a:r>
-          </a:p>
-          <a:p>
-            <a:pPr marL="342900" indent="-342900" algn="just">
+              <a:rPr lang="fr-FR" sz="2000" dirty="0"/>
+              <a:t>Limite du nombre de bitrates </a:t>
+            </a:r>
+            <a:r>
+              <a:rPr lang="fr-FR" sz="2000" dirty="0" smtClean="0"/>
+              <a:t>différents</a:t>
+            </a:r>
+          </a:p>
+          <a:p>
+            <a:pPr marL="285750" indent="-285750" algn="just">
               <a:lnSpc>
-                <a:spcPct val="150000"/>
+                <a:spcPct val="200000"/>
               </a:lnSpc>
               <a:buFont typeface="Arial" panose="020B0604020202020204" pitchFamily="34" charset="0"/>
               <a:buChar char="•"/>
             </a:pPr>
             <a:r>
-              <a:rPr lang="fr-FR" dirty="0" smtClean="0"/>
-              <a:t>Permet de s’adapter à la bande passante de chaque utilisateur</a:t>
-            </a:r>
-          </a:p>
-        </p:txBody>
-      </p:sp>
-      <p:sp>
-        <p:nvSpPr>
-          <p:cNvPr id="9" name="ZoneTexte 8"/>
-          <p:cNvSpPr txBox="1"/>
-          <p:nvPr/>
-        </p:nvSpPr>
-        <p:spPr>
-          <a:xfrm>
-            <a:off x="1900766" y="4707419"/>
-            <a:ext cx="8390468" cy="1384995"/>
-          </a:xfrm>
-          <a:prstGeom prst="rect">
-            <a:avLst/>
-          </a:prstGeom>
-          <a:solidFill>
-            <a:srgbClr val="FDB9B9"/>
-          </a:solidFill>
-          <a:ln>
-            <a:solidFill>
-              <a:srgbClr val="FF0000"/>
-            </a:solidFill>
-          </a:ln>
-        </p:spPr>
-        <p:txBody>
-          <a:bodyPr wrap="square" rtlCol="0">
-            <a:spAutoFit/>
-          </a:bodyPr>
-          <a:lstStyle/>
-          <a:p>
-            <a:pPr algn="just">
+              <a:rPr lang="fr-FR" sz="2000" dirty="0" smtClean="0"/>
+              <a:t>Choix de la ROI limité</a:t>
+            </a:r>
+            <a:endParaRPr lang="fr-FR" sz="2000" dirty="0"/>
+          </a:p>
+          <a:p>
+            <a:pPr marL="285750" indent="-285750" algn="just">
               <a:lnSpc>
-                <a:spcPct val="150000"/>
-              </a:lnSpc>
-            </a:pPr>
-            <a:r>
-              <a:rPr lang="fr-FR" sz="2000" b="1" dirty="0" smtClean="0"/>
-              <a:t>Les inconvénients du streaming dynamique:</a:t>
-            </a:r>
-          </a:p>
-          <a:p>
-            <a:pPr marL="342900" indent="-342900" algn="just">
-              <a:lnSpc>
-                <a:spcPct val="150000"/>
+                <a:spcPct val="200000"/>
               </a:lnSpc>
               <a:buFont typeface="Arial" panose="020B0604020202020204" pitchFamily="34" charset="0"/>
               <a:buChar char="•"/>
             </a:pPr>
             <a:r>
-              <a:rPr lang="fr-FR" dirty="0" smtClean="0"/>
-              <a:t>Requiert un lecteur plus complexe</a:t>
-            </a:r>
-          </a:p>
-          <a:p>
-            <a:pPr marL="342900" indent="-342900" algn="just">
-              <a:lnSpc>
-                <a:spcPct val="150000"/>
-              </a:lnSpc>
-              <a:buFont typeface="Arial" panose="020B0604020202020204" pitchFamily="34" charset="0"/>
-              <a:buChar char="•"/>
-            </a:pPr>
-            <a:r>
-              <a:rPr lang="fr-FR" dirty="0" smtClean="0"/>
-              <a:t>Demande un traitement lourd du média source en amont (encodage, découpage, …) </a:t>
-            </a:r>
-            <a:endParaRPr lang="fr-FR" dirty="0"/>
+              <a:rPr lang="fr-FR" sz="2000" dirty="0" smtClean="0"/>
+              <a:t>Stabilité du lecteur GPAC</a:t>
+            </a:r>
+            <a:endParaRPr lang="fr-FR" sz="2000" dirty="0"/>
+          </a:p>
+        </p:txBody>
+      </p:sp>
+      <p:sp>
+        <p:nvSpPr>
+          <p:cNvPr id="6" name="ZoneTexte 5"/>
+          <p:cNvSpPr txBox="1"/>
+          <p:nvPr/>
+        </p:nvSpPr>
+        <p:spPr>
+          <a:xfrm>
+            <a:off x="2353732" y="417840"/>
+            <a:ext cx="7484534" cy="523220"/>
+          </a:xfrm>
+          <a:prstGeom prst="rect">
+            <a:avLst/>
+          </a:prstGeom>
+          <a:noFill/>
+        </p:spPr>
+        <p:txBody>
+          <a:bodyPr wrap="square" rtlCol="0">
+            <a:spAutoFit/>
+          </a:bodyPr>
+          <a:lstStyle/>
+          <a:p>
+            <a:pPr algn="ctr"/>
+            <a:r>
+              <a:rPr lang="fr-FR" sz="2800" dirty="0" smtClean="0"/>
+              <a:t>Problèmes rencontrés</a:t>
+            </a:r>
+            <a:endParaRPr lang="fr-FR" sz="2800" dirty="0"/>
+          </a:p>
+        </p:txBody>
+      </p:sp>
+      <p:sp>
+        <p:nvSpPr>
+          <p:cNvPr id="7" name="Accolade fermante 6"/>
+          <p:cNvSpPr/>
+          <p:nvPr/>
+        </p:nvSpPr>
+        <p:spPr>
+          <a:xfrm>
+            <a:off x="6180667" y="1667933"/>
+            <a:ext cx="347133" cy="1185334"/>
+          </a:xfrm>
+          <a:prstGeom prst="rightBrace">
+            <a:avLst/>
+          </a:prstGeom>
+          <a:ln w="12700"/>
+        </p:spPr>
+        <p:style>
+          <a:lnRef idx="1">
+            <a:schemeClr val="dk1"/>
+          </a:lnRef>
+          <a:fillRef idx="0">
+            <a:schemeClr val="dk1"/>
+          </a:fillRef>
+          <a:effectRef idx="0">
+            <a:schemeClr val="dk1"/>
+          </a:effectRef>
+          <a:fontRef idx="minor">
+            <a:schemeClr val="tx1"/>
+          </a:fontRef>
+        </p:style>
+        <p:txBody>
+          <a:bodyPr rtlCol="0" anchor="ctr"/>
+          <a:lstStyle/>
+          <a:p>
+            <a:pPr algn="ctr"/>
+            <a:endParaRPr lang="fr-FR"/>
+          </a:p>
+        </p:txBody>
+      </p:sp>
+      <p:sp>
+        <p:nvSpPr>
+          <p:cNvPr id="8" name="Accolade fermante 7"/>
+          <p:cNvSpPr/>
+          <p:nvPr/>
+        </p:nvSpPr>
+        <p:spPr>
+          <a:xfrm>
+            <a:off x="6180666" y="3056038"/>
+            <a:ext cx="347133" cy="2265788"/>
+          </a:xfrm>
+          <a:prstGeom prst="rightBrace">
+            <a:avLst/>
+          </a:prstGeom>
+          <a:ln w="12700"/>
+        </p:spPr>
+        <p:style>
+          <a:lnRef idx="1">
+            <a:schemeClr val="dk1"/>
+          </a:lnRef>
+          <a:fillRef idx="0">
+            <a:schemeClr val="dk1"/>
+          </a:fillRef>
+          <a:effectRef idx="0">
+            <a:schemeClr val="dk1"/>
+          </a:effectRef>
+          <a:fontRef idx="minor">
+            <a:schemeClr val="tx1"/>
+          </a:fontRef>
+        </p:style>
+        <p:txBody>
+          <a:bodyPr rtlCol="0" anchor="ctr"/>
+          <a:lstStyle/>
+          <a:p>
+            <a:pPr algn="ctr"/>
+            <a:endParaRPr lang="fr-FR"/>
+          </a:p>
+        </p:txBody>
+      </p:sp>
+      <p:sp>
+        <p:nvSpPr>
+          <p:cNvPr id="9" name="ZoneTexte 8"/>
+          <p:cNvSpPr txBox="1"/>
+          <p:nvPr/>
+        </p:nvSpPr>
+        <p:spPr>
+          <a:xfrm>
+            <a:off x="6722534" y="2018211"/>
+            <a:ext cx="2489200" cy="461665"/>
+          </a:xfrm>
+          <a:prstGeom prst="rect">
+            <a:avLst/>
+          </a:prstGeom>
+          <a:noFill/>
+        </p:spPr>
+        <p:txBody>
+          <a:bodyPr wrap="square" rtlCol="0">
+            <a:spAutoFit/>
+          </a:bodyPr>
+          <a:lstStyle/>
+          <a:p>
+            <a:r>
+              <a:rPr lang="fr-FR" sz="2400" dirty="0" smtClean="0"/>
+              <a:t>Limite matérielle</a:t>
+            </a:r>
+            <a:endParaRPr lang="fr-FR" sz="2400" dirty="0"/>
+          </a:p>
+        </p:txBody>
+      </p:sp>
+      <p:sp>
+        <p:nvSpPr>
+          <p:cNvPr id="10" name="ZoneTexte 9"/>
+          <p:cNvSpPr txBox="1"/>
+          <p:nvPr/>
+        </p:nvSpPr>
+        <p:spPr>
+          <a:xfrm>
+            <a:off x="6722534" y="3956448"/>
+            <a:ext cx="2164522" cy="461665"/>
+          </a:xfrm>
+          <a:prstGeom prst="rect">
+            <a:avLst/>
+          </a:prstGeom>
+          <a:noFill/>
+        </p:spPr>
+        <p:txBody>
+          <a:bodyPr wrap="square" rtlCol="0">
+            <a:spAutoFit/>
+          </a:bodyPr>
+          <a:lstStyle/>
+          <a:p>
+            <a:r>
+              <a:rPr lang="fr-FR" sz="2400" dirty="0" smtClean="0"/>
+              <a:t>Limite logiciel</a:t>
+            </a:r>
+            <a:endParaRPr lang="fr-FR" sz="2400" dirty="0"/>
           </a:p>
         </p:txBody>
       </p:sp>
     </p:spTree>
     <p:extLst>
       <p:ext uri="{BB962C8B-B14F-4D97-AF65-F5344CB8AC3E}">
-        <p14:creationId xmlns:p14="http://schemas.microsoft.com/office/powerpoint/2010/main" val="3231713206"/>
+        <p14:creationId xmlns:p14="http://schemas.microsoft.com/office/powerpoint/2010/main" val="2442421539"/>
       </p:ext>
     </p:extLst>
   </p:cSld>
@@ -6917,6 +6457,939 @@
             <a:fld id="{E4F67F9A-838C-4734-8EB0-754A37D9A5A7}" type="slidenum">
               <a:rPr lang="fr-FR" smtClean="0"/>
               <a:t>22</a:t>
+            </a:fld>
+            <a:endParaRPr lang="fr-FR"/>
+          </a:p>
+        </p:txBody>
+      </p:sp>
+      <p:sp>
+        <p:nvSpPr>
+          <p:cNvPr id="3" name="ZoneTexte 2"/>
+          <p:cNvSpPr txBox="1"/>
+          <p:nvPr/>
+        </p:nvSpPr>
+        <p:spPr>
+          <a:xfrm>
+            <a:off x="-1" y="0"/>
+            <a:ext cx="1532467" cy="307777"/>
+          </a:xfrm>
+          <a:prstGeom prst="rect">
+            <a:avLst/>
+          </a:prstGeom>
+          <a:noFill/>
+        </p:spPr>
+        <p:txBody>
+          <a:bodyPr wrap="square" rtlCol="0">
+            <a:spAutoFit/>
+          </a:bodyPr>
+          <a:lstStyle/>
+          <a:p>
+            <a:r>
+              <a:rPr lang="fr-FR" sz="1400" dirty="0" smtClean="0">
+                <a:solidFill>
+                  <a:srgbClr val="FF0000"/>
+                </a:solidFill>
+              </a:rPr>
+              <a:t>Développement 4</a:t>
+            </a:r>
+            <a:endParaRPr lang="fr-FR" sz="1400" dirty="0">
+              <a:solidFill>
+                <a:srgbClr val="FF0000"/>
+              </a:solidFill>
+            </a:endParaRPr>
+          </a:p>
+        </p:txBody>
+      </p:sp>
+      <p:sp>
+        <p:nvSpPr>
+          <p:cNvPr id="5" name="ZoneTexte 4"/>
+          <p:cNvSpPr txBox="1"/>
+          <p:nvPr/>
+        </p:nvSpPr>
+        <p:spPr>
+          <a:xfrm>
+            <a:off x="905931" y="1536174"/>
+            <a:ext cx="5452536" cy="3785652"/>
+          </a:xfrm>
+          <a:prstGeom prst="rect">
+            <a:avLst/>
+          </a:prstGeom>
+          <a:noFill/>
+        </p:spPr>
+        <p:txBody>
+          <a:bodyPr wrap="square" rtlCol="0">
+            <a:spAutoFit/>
+          </a:bodyPr>
+          <a:lstStyle/>
+          <a:p>
+            <a:pPr marL="285750" indent="-285750" algn="just">
+              <a:lnSpc>
+                <a:spcPct val="200000"/>
+              </a:lnSpc>
+              <a:buFont typeface="Arial" panose="020B0604020202020204" pitchFamily="34" charset="0"/>
+              <a:buChar char="•"/>
+            </a:pPr>
+            <a:r>
+              <a:rPr lang="fr-FR" sz="2000" dirty="0" smtClean="0"/>
+              <a:t>Temps d’encodage très long, taille des fichiers</a:t>
+            </a:r>
+          </a:p>
+          <a:p>
+            <a:pPr marL="285750" indent="-285750" algn="just">
+              <a:lnSpc>
+                <a:spcPct val="200000"/>
+              </a:lnSpc>
+              <a:buFont typeface="Arial" panose="020B0604020202020204" pitchFamily="34" charset="0"/>
+              <a:buChar char="•"/>
+            </a:pPr>
+            <a:r>
+              <a:rPr lang="fr-FR" sz="2000" dirty="0"/>
+              <a:t>Bande passante de l’architecture de test limitée</a:t>
+            </a:r>
+          </a:p>
+          <a:p>
+            <a:pPr marL="285750" indent="-285750" algn="just">
+              <a:lnSpc>
+                <a:spcPct val="200000"/>
+              </a:lnSpc>
+              <a:buFont typeface="Arial" panose="020B0604020202020204" pitchFamily="34" charset="0"/>
+              <a:buChar char="•"/>
+            </a:pPr>
+            <a:r>
+              <a:rPr lang="fr-FR" sz="2000" dirty="0" smtClean="0"/>
+              <a:t>Limite </a:t>
+            </a:r>
+            <a:r>
+              <a:rPr lang="fr-FR" sz="2000" dirty="0"/>
+              <a:t>du nombre de tuiles maximum </a:t>
+            </a:r>
+          </a:p>
+          <a:p>
+            <a:pPr marL="285750" indent="-285750" algn="just">
+              <a:lnSpc>
+                <a:spcPct val="200000"/>
+              </a:lnSpc>
+              <a:buFont typeface="Arial" panose="020B0604020202020204" pitchFamily="34" charset="0"/>
+              <a:buChar char="•"/>
+            </a:pPr>
+            <a:r>
+              <a:rPr lang="fr-FR" sz="2000" dirty="0"/>
+              <a:t>Limite du nombre de bitrates </a:t>
+            </a:r>
+            <a:r>
+              <a:rPr lang="fr-FR" sz="2000" dirty="0" smtClean="0"/>
+              <a:t>différents</a:t>
+            </a:r>
+          </a:p>
+          <a:p>
+            <a:pPr marL="285750" indent="-285750" algn="just">
+              <a:lnSpc>
+                <a:spcPct val="200000"/>
+              </a:lnSpc>
+              <a:buFont typeface="Arial" panose="020B0604020202020204" pitchFamily="34" charset="0"/>
+              <a:buChar char="•"/>
+            </a:pPr>
+            <a:r>
+              <a:rPr lang="fr-FR" sz="2000" dirty="0" smtClean="0"/>
+              <a:t>Choix de la ROI limité</a:t>
+            </a:r>
+            <a:endParaRPr lang="fr-FR" sz="2000" dirty="0"/>
+          </a:p>
+          <a:p>
+            <a:pPr marL="285750" indent="-285750" algn="just">
+              <a:lnSpc>
+                <a:spcPct val="200000"/>
+              </a:lnSpc>
+              <a:buFont typeface="Arial" panose="020B0604020202020204" pitchFamily="34" charset="0"/>
+              <a:buChar char="•"/>
+            </a:pPr>
+            <a:r>
+              <a:rPr lang="fr-FR" sz="2000" dirty="0" smtClean="0"/>
+              <a:t>Stabilité du lecteur GPAC</a:t>
+            </a:r>
+            <a:endParaRPr lang="fr-FR" sz="2000" dirty="0"/>
+          </a:p>
+        </p:txBody>
+      </p:sp>
+      <p:sp>
+        <p:nvSpPr>
+          <p:cNvPr id="6" name="ZoneTexte 5"/>
+          <p:cNvSpPr txBox="1"/>
+          <p:nvPr/>
+        </p:nvSpPr>
+        <p:spPr>
+          <a:xfrm>
+            <a:off x="2353732" y="417840"/>
+            <a:ext cx="7484534" cy="523220"/>
+          </a:xfrm>
+          <a:prstGeom prst="rect">
+            <a:avLst/>
+          </a:prstGeom>
+          <a:noFill/>
+        </p:spPr>
+        <p:txBody>
+          <a:bodyPr wrap="square" rtlCol="0">
+            <a:spAutoFit/>
+          </a:bodyPr>
+          <a:lstStyle/>
+          <a:p>
+            <a:pPr algn="ctr"/>
+            <a:r>
+              <a:rPr lang="fr-FR" sz="2800" dirty="0" smtClean="0"/>
+              <a:t>Problèmes rencontrés</a:t>
+            </a:r>
+            <a:endParaRPr lang="fr-FR" sz="2800" dirty="0"/>
+          </a:p>
+        </p:txBody>
+      </p:sp>
+      <p:sp>
+        <p:nvSpPr>
+          <p:cNvPr id="7" name="Accolade fermante 6"/>
+          <p:cNvSpPr/>
+          <p:nvPr/>
+        </p:nvSpPr>
+        <p:spPr>
+          <a:xfrm>
+            <a:off x="6180667" y="1667933"/>
+            <a:ext cx="347133" cy="1185334"/>
+          </a:xfrm>
+          <a:prstGeom prst="rightBrace">
+            <a:avLst/>
+          </a:prstGeom>
+          <a:ln w="12700"/>
+        </p:spPr>
+        <p:style>
+          <a:lnRef idx="1">
+            <a:schemeClr val="dk1"/>
+          </a:lnRef>
+          <a:fillRef idx="0">
+            <a:schemeClr val="dk1"/>
+          </a:fillRef>
+          <a:effectRef idx="0">
+            <a:schemeClr val="dk1"/>
+          </a:effectRef>
+          <a:fontRef idx="minor">
+            <a:schemeClr val="tx1"/>
+          </a:fontRef>
+        </p:style>
+        <p:txBody>
+          <a:bodyPr rtlCol="0" anchor="ctr"/>
+          <a:lstStyle/>
+          <a:p>
+            <a:pPr algn="ctr"/>
+            <a:endParaRPr lang="fr-FR"/>
+          </a:p>
+        </p:txBody>
+      </p:sp>
+      <p:sp>
+        <p:nvSpPr>
+          <p:cNvPr id="8" name="Accolade fermante 7"/>
+          <p:cNvSpPr/>
+          <p:nvPr/>
+        </p:nvSpPr>
+        <p:spPr>
+          <a:xfrm>
+            <a:off x="6180666" y="3056038"/>
+            <a:ext cx="347133" cy="2265788"/>
+          </a:xfrm>
+          <a:prstGeom prst="rightBrace">
+            <a:avLst/>
+          </a:prstGeom>
+          <a:ln w="12700"/>
+        </p:spPr>
+        <p:style>
+          <a:lnRef idx="1">
+            <a:schemeClr val="dk1"/>
+          </a:lnRef>
+          <a:fillRef idx="0">
+            <a:schemeClr val="dk1"/>
+          </a:fillRef>
+          <a:effectRef idx="0">
+            <a:schemeClr val="dk1"/>
+          </a:effectRef>
+          <a:fontRef idx="minor">
+            <a:schemeClr val="tx1"/>
+          </a:fontRef>
+        </p:style>
+        <p:txBody>
+          <a:bodyPr rtlCol="0" anchor="ctr"/>
+          <a:lstStyle/>
+          <a:p>
+            <a:pPr algn="ctr"/>
+            <a:endParaRPr lang="fr-FR"/>
+          </a:p>
+        </p:txBody>
+      </p:sp>
+      <p:sp>
+        <p:nvSpPr>
+          <p:cNvPr id="9" name="ZoneTexte 8"/>
+          <p:cNvSpPr txBox="1"/>
+          <p:nvPr/>
+        </p:nvSpPr>
+        <p:spPr>
+          <a:xfrm>
+            <a:off x="6722534" y="2018211"/>
+            <a:ext cx="2489200" cy="461665"/>
+          </a:xfrm>
+          <a:prstGeom prst="rect">
+            <a:avLst/>
+          </a:prstGeom>
+          <a:noFill/>
+        </p:spPr>
+        <p:txBody>
+          <a:bodyPr wrap="square" rtlCol="0">
+            <a:spAutoFit/>
+          </a:bodyPr>
+          <a:lstStyle/>
+          <a:p>
+            <a:r>
+              <a:rPr lang="fr-FR" sz="2400" dirty="0" smtClean="0"/>
+              <a:t>Limite matérielle</a:t>
+            </a:r>
+            <a:endParaRPr lang="fr-FR" sz="2400" dirty="0"/>
+          </a:p>
+        </p:txBody>
+      </p:sp>
+      <p:sp>
+        <p:nvSpPr>
+          <p:cNvPr id="10" name="ZoneTexte 9"/>
+          <p:cNvSpPr txBox="1"/>
+          <p:nvPr/>
+        </p:nvSpPr>
+        <p:spPr>
+          <a:xfrm>
+            <a:off x="6722534" y="3956448"/>
+            <a:ext cx="2164522" cy="461665"/>
+          </a:xfrm>
+          <a:prstGeom prst="rect">
+            <a:avLst/>
+          </a:prstGeom>
+          <a:noFill/>
+        </p:spPr>
+        <p:txBody>
+          <a:bodyPr wrap="square" rtlCol="0">
+            <a:spAutoFit/>
+          </a:bodyPr>
+          <a:lstStyle/>
+          <a:p>
+            <a:r>
+              <a:rPr lang="fr-FR" sz="2400" dirty="0" smtClean="0"/>
+              <a:t>Limite logiciel</a:t>
+            </a:r>
+            <a:endParaRPr lang="fr-FR" sz="2400" dirty="0"/>
+          </a:p>
+        </p:txBody>
+      </p:sp>
+      <p:sp>
+        <p:nvSpPr>
+          <p:cNvPr id="13" name="Flèche à angle droit 12"/>
+          <p:cNvSpPr/>
+          <p:nvPr/>
+        </p:nvSpPr>
+        <p:spPr>
+          <a:xfrm rot="5400000">
+            <a:off x="6856287" y="2504425"/>
+            <a:ext cx="502741" cy="381213"/>
+          </a:xfrm>
+          <a:prstGeom prst="bentUpArrow">
+            <a:avLst>
+              <a:gd name="adj1" fmla="val 25100"/>
+              <a:gd name="adj2" fmla="val 26553"/>
+              <a:gd name="adj3" fmla="val 25000"/>
+            </a:avLst>
+          </a:prstGeom>
+        </p:spPr>
+        <p:style>
+          <a:lnRef idx="2">
+            <a:schemeClr val="accent3">
+              <a:shade val="50000"/>
+            </a:schemeClr>
+          </a:lnRef>
+          <a:fillRef idx="1">
+            <a:schemeClr val="accent3"/>
+          </a:fillRef>
+          <a:effectRef idx="0">
+            <a:schemeClr val="accent3"/>
+          </a:effectRef>
+          <a:fontRef idx="minor">
+            <a:schemeClr val="lt1"/>
+          </a:fontRef>
+        </p:style>
+        <p:txBody>
+          <a:bodyPr rtlCol="0" anchor="ctr"/>
+          <a:lstStyle/>
+          <a:p>
+            <a:pPr algn="ctr"/>
+            <a:endParaRPr lang="fr-FR"/>
+          </a:p>
+        </p:txBody>
+      </p:sp>
+      <p:sp>
+        <p:nvSpPr>
+          <p:cNvPr id="15" name="ZoneTexte 14"/>
+          <p:cNvSpPr txBox="1"/>
+          <p:nvPr/>
+        </p:nvSpPr>
+        <p:spPr>
+          <a:xfrm>
+            <a:off x="7365999" y="2598003"/>
+            <a:ext cx="4267203" cy="830997"/>
+          </a:xfrm>
+          <a:prstGeom prst="rect">
+            <a:avLst/>
+          </a:prstGeom>
+          <a:noFill/>
+        </p:spPr>
+        <p:txBody>
+          <a:bodyPr wrap="square" rtlCol="0">
+            <a:spAutoFit/>
+          </a:bodyPr>
+          <a:lstStyle/>
+          <a:p>
+            <a:r>
+              <a:rPr lang="fr-FR" sz="2400" dirty="0" smtClean="0">
+                <a:solidFill>
+                  <a:srgbClr val="800000"/>
+                </a:solidFill>
+              </a:rPr>
+              <a:t>Solution : architecture de test de laboratoire</a:t>
+            </a:r>
+            <a:endParaRPr lang="fr-FR" sz="2400" dirty="0">
+              <a:solidFill>
+                <a:srgbClr val="800000"/>
+              </a:solidFill>
+            </a:endParaRPr>
+          </a:p>
+        </p:txBody>
+      </p:sp>
+      <p:sp>
+        <p:nvSpPr>
+          <p:cNvPr id="16" name="ZoneTexte 15"/>
+          <p:cNvSpPr txBox="1"/>
+          <p:nvPr/>
+        </p:nvSpPr>
+        <p:spPr>
+          <a:xfrm>
+            <a:off x="7365999" y="4520397"/>
+            <a:ext cx="4377269" cy="461665"/>
+          </a:xfrm>
+          <a:prstGeom prst="rect">
+            <a:avLst/>
+          </a:prstGeom>
+          <a:noFill/>
+        </p:spPr>
+        <p:txBody>
+          <a:bodyPr wrap="square" rtlCol="0">
+            <a:spAutoFit/>
+          </a:bodyPr>
+          <a:lstStyle/>
+          <a:p>
+            <a:r>
+              <a:rPr lang="fr-FR" sz="2400" dirty="0" smtClean="0">
+                <a:solidFill>
+                  <a:srgbClr val="800000"/>
+                </a:solidFill>
+              </a:rPr>
+              <a:t>Solution : utiliser un autre lecteur</a:t>
+            </a:r>
+            <a:endParaRPr lang="fr-FR" sz="2400" dirty="0">
+              <a:solidFill>
+                <a:srgbClr val="800000"/>
+              </a:solidFill>
+            </a:endParaRPr>
+          </a:p>
+        </p:txBody>
+      </p:sp>
+      <p:sp>
+        <p:nvSpPr>
+          <p:cNvPr id="17" name="Flèche à angle droit 16"/>
+          <p:cNvSpPr/>
+          <p:nvPr/>
+        </p:nvSpPr>
+        <p:spPr>
+          <a:xfrm rot="5400000">
+            <a:off x="6856287" y="4438742"/>
+            <a:ext cx="502741" cy="381213"/>
+          </a:xfrm>
+          <a:prstGeom prst="bentUpArrow">
+            <a:avLst>
+              <a:gd name="adj1" fmla="val 25100"/>
+              <a:gd name="adj2" fmla="val 26553"/>
+              <a:gd name="adj3" fmla="val 25000"/>
+            </a:avLst>
+          </a:prstGeom>
+        </p:spPr>
+        <p:style>
+          <a:lnRef idx="2">
+            <a:schemeClr val="accent3">
+              <a:shade val="50000"/>
+            </a:schemeClr>
+          </a:lnRef>
+          <a:fillRef idx="1">
+            <a:schemeClr val="accent3"/>
+          </a:fillRef>
+          <a:effectRef idx="0">
+            <a:schemeClr val="accent3"/>
+          </a:effectRef>
+          <a:fontRef idx="minor">
+            <a:schemeClr val="lt1"/>
+          </a:fontRef>
+        </p:style>
+        <p:txBody>
+          <a:bodyPr rtlCol="0" anchor="ctr"/>
+          <a:lstStyle/>
+          <a:p>
+            <a:pPr algn="ctr"/>
+            <a:endParaRPr lang="fr-FR"/>
+          </a:p>
+        </p:txBody>
+      </p:sp>
+    </p:spTree>
+    <p:extLst>
+      <p:ext uri="{BB962C8B-B14F-4D97-AF65-F5344CB8AC3E}">
+        <p14:creationId xmlns:p14="http://schemas.microsoft.com/office/powerpoint/2010/main" val="3732989751"/>
+      </p:ext>
+    </p:extLst>
+  </p:cSld>
+  <p:clrMapOvr>
+    <a:masterClrMapping/>
+  </p:clrMapOvr>
+  <p:timing>
+    <p:tnLst>
+      <p:par>
+        <p:cTn id="1" dur="indefinite" restart="never" nodeType="tmRoot"/>
+      </p:par>
+    </p:tnLst>
+  </p:timing>
+</p:sld>
+</file>
+
+<file path=ppt/slides/slide23.xml><?xml version="1.0" encoding="utf-8"?>
+<p:sld xmlns:a="http://schemas.openxmlformats.org/drawingml/2006/main" xmlns:r="http://schemas.openxmlformats.org/officeDocument/2006/relationships" xmlns:p="http://schemas.openxmlformats.org/presentationml/2006/main">
+  <p:cSld>
+    <p:spTree>
+      <p:nvGrpSpPr>
+        <p:cNvPr id="1" name=""/>
+        <p:cNvGrpSpPr/>
+        <p:nvPr/>
+      </p:nvGrpSpPr>
+      <p:grpSpPr>
+        <a:xfrm>
+          <a:off x="0" y="0"/>
+          <a:ext cx="0" cy="0"/>
+          <a:chOff x="0" y="0"/>
+          <a:chExt cx="0" cy="0"/>
+        </a:xfrm>
+      </p:grpSpPr>
+      <p:sp>
+        <p:nvSpPr>
+          <p:cNvPr id="2" name="Espace réservé du numéro de diapositive 1"/>
+          <p:cNvSpPr>
+            <a:spLocks noGrp="1"/>
+          </p:cNvSpPr>
+          <p:nvPr>
+            <p:ph type="sldNum" sz="quarter" idx="12"/>
+          </p:nvPr>
+        </p:nvSpPr>
+        <p:spPr/>
+        <p:txBody>
+          <a:bodyPr/>
+          <a:lstStyle/>
+          <a:p>
+            <a:fld id="{E4F67F9A-838C-4734-8EB0-754A37D9A5A7}" type="slidenum">
+              <a:rPr lang="fr-FR" smtClean="0"/>
+              <a:t>23</a:t>
+            </a:fld>
+            <a:endParaRPr lang="fr-FR"/>
+          </a:p>
+        </p:txBody>
+      </p:sp>
+      <p:sp>
+        <p:nvSpPr>
+          <p:cNvPr id="3" name="ZoneTexte 2"/>
+          <p:cNvSpPr txBox="1"/>
+          <p:nvPr/>
+        </p:nvSpPr>
+        <p:spPr>
+          <a:xfrm>
+            <a:off x="-1" y="0"/>
+            <a:ext cx="1532467" cy="307777"/>
+          </a:xfrm>
+          <a:prstGeom prst="rect">
+            <a:avLst/>
+          </a:prstGeom>
+          <a:noFill/>
+        </p:spPr>
+        <p:txBody>
+          <a:bodyPr wrap="square" rtlCol="0">
+            <a:spAutoFit/>
+          </a:bodyPr>
+          <a:lstStyle/>
+          <a:p>
+            <a:r>
+              <a:rPr lang="fr-FR" sz="1400" dirty="0" smtClean="0">
+                <a:solidFill>
+                  <a:srgbClr val="FF0000"/>
+                </a:solidFill>
+              </a:rPr>
+              <a:t>Conclusion</a:t>
+            </a:r>
+            <a:endParaRPr lang="fr-FR" sz="1400" dirty="0">
+              <a:solidFill>
+                <a:srgbClr val="FF0000"/>
+              </a:solidFill>
+            </a:endParaRPr>
+          </a:p>
+        </p:txBody>
+      </p:sp>
+      <p:sp>
+        <p:nvSpPr>
+          <p:cNvPr id="5" name="ZoneTexte 4"/>
+          <p:cNvSpPr txBox="1"/>
+          <p:nvPr/>
+        </p:nvSpPr>
+        <p:spPr>
+          <a:xfrm>
+            <a:off x="2353732" y="417840"/>
+            <a:ext cx="7484534" cy="523220"/>
+          </a:xfrm>
+          <a:prstGeom prst="rect">
+            <a:avLst/>
+          </a:prstGeom>
+          <a:noFill/>
+        </p:spPr>
+        <p:txBody>
+          <a:bodyPr wrap="square" rtlCol="0">
+            <a:spAutoFit/>
+          </a:bodyPr>
+          <a:lstStyle/>
+          <a:p>
+            <a:pPr algn="ctr"/>
+            <a:r>
+              <a:rPr lang="fr-FR" sz="2800" dirty="0" smtClean="0"/>
+              <a:t>Bilan du projet</a:t>
+            </a:r>
+            <a:endParaRPr lang="fr-FR" sz="2800" dirty="0"/>
+          </a:p>
+        </p:txBody>
+      </p:sp>
+      <p:sp>
+        <p:nvSpPr>
+          <p:cNvPr id="7" name="ZoneTexte 6"/>
+          <p:cNvSpPr txBox="1"/>
+          <p:nvPr/>
+        </p:nvSpPr>
+        <p:spPr>
+          <a:xfrm>
+            <a:off x="1900766" y="1218360"/>
+            <a:ext cx="8830735" cy="1708160"/>
+          </a:xfrm>
+          <a:prstGeom prst="rect">
+            <a:avLst/>
+          </a:prstGeom>
+          <a:noFill/>
+        </p:spPr>
+        <p:txBody>
+          <a:bodyPr wrap="square" rtlCol="0">
+            <a:spAutoFit/>
+          </a:bodyPr>
+          <a:lstStyle/>
+          <a:p>
+            <a:pPr algn="just"/>
+            <a:r>
+              <a:rPr lang="fr-FR" sz="2000" b="1" dirty="0" smtClean="0"/>
+              <a:t>Ce que nous avons réussi </a:t>
+            </a:r>
+            <a:r>
+              <a:rPr lang="fr-FR" sz="2000" b="1" dirty="0"/>
+              <a:t>à</a:t>
+            </a:r>
+            <a:r>
+              <a:rPr lang="fr-FR" sz="2000" b="1" dirty="0" smtClean="0"/>
+              <a:t> réaliser:</a:t>
+            </a:r>
+          </a:p>
+          <a:p>
+            <a:pPr marL="285750" indent="-285750" algn="just">
+              <a:lnSpc>
+                <a:spcPct val="150000"/>
+              </a:lnSpc>
+              <a:buFont typeface="Arial" panose="020B0604020202020204" pitchFamily="34" charset="0"/>
+              <a:buChar char="•"/>
+            </a:pPr>
+            <a:r>
+              <a:rPr lang="fr-FR" dirty="0" smtClean="0"/>
+              <a:t>Mise en place d’une chaine d’encodage vidéo</a:t>
+            </a:r>
+          </a:p>
+          <a:p>
+            <a:pPr marL="285750" indent="-285750" algn="just">
+              <a:lnSpc>
+                <a:spcPct val="150000"/>
+              </a:lnSpc>
+              <a:buFont typeface="Arial" panose="020B0604020202020204" pitchFamily="34" charset="0"/>
+              <a:buChar char="•"/>
+            </a:pPr>
+            <a:r>
+              <a:rPr lang="fr-FR" dirty="0" smtClean="0"/>
+              <a:t>Mise en place d’une chaine de streaming dynamique</a:t>
+            </a:r>
+          </a:p>
+          <a:p>
+            <a:pPr marL="285750" indent="-285750" algn="just">
+              <a:lnSpc>
+                <a:spcPct val="150000"/>
+              </a:lnSpc>
+              <a:buFont typeface="Arial" panose="020B0604020202020204" pitchFamily="34" charset="0"/>
+              <a:buChar char="•"/>
+            </a:pPr>
+            <a:r>
+              <a:rPr lang="fr-FR" dirty="0" smtClean="0"/>
+              <a:t>Démonstration de l’encodage différencié (sans casque VR  mais avec émulation sur écran)</a:t>
+            </a:r>
+            <a:endParaRPr lang="fr-FR" dirty="0"/>
+          </a:p>
+        </p:txBody>
+      </p:sp>
+      <p:sp>
+        <p:nvSpPr>
+          <p:cNvPr id="8" name="ZoneTexte 7"/>
+          <p:cNvSpPr txBox="1"/>
+          <p:nvPr/>
+        </p:nvSpPr>
+        <p:spPr>
+          <a:xfrm>
+            <a:off x="1900766" y="3058488"/>
+            <a:ext cx="7378702" cy="1384995"/>
+          </a:xfrm>
+          <a:prstGeom prst="rect">
+            <a:avLst/>
+          </a:prstGeom>
+          <a:solidFill>
+            <a:schemeClr val="accent6">
+              <a:lumMod val="20000"/>
+              <a:lumOff val="80000"/>
+            </a:schemeClr>
+          </a:solidFill>
+          <a:ln>
+            <a:solidFill>
+              <a:srgbClr val="00B050"/>
+            </a:solidFill>
+          </a:ln>
+        </p:spPr>
+        <p:txBody>
+          <a:bodyPr wrap="square" rtlCol="0">
+            <a:spAutoFit/>
+          </a:bodyPr>
+          <a:lstStyle/>
+          <a:p>
+            <a:pPr algn="just">
+              <a:lnSpc>
+                <a:spcPct val="150000"/>
+              </a:lnSpc>
+            </a:pPr>
+            <a:r>
+              <a:rPr lang="fr-FR" sz="2000" b="1" dirty="0" smtClean="0"/>
+              <a:t>Les avantages du streaming dynamique:</a:t>
+            </a:r>
+          </a:p>
+          <a:p>
+            <a:pPr marL="342900" indent="-342900" algn="just">
+              <a:lnSpc>
+                <a:spcPct val="150000"/>
+              </a:lnSpc>
+              <a:buFont typeface="Arial" panose="020B0604020202020204" pitchFamily="34" charset="0"/>
+              <a:buChar char="•"/>
+            </a:pPr>
+            <a:r>
+              <a:rPr lang="fr-FR" dirty="0" smtClean="0"/>
+              <a:t>Permet de s’adapter aux fluctuations du </a:t>
+            </a:r>
+            <a:r>
+              <a:rPr lang="fr-FR" dirty="0" smtClean="0"/>
+              <a:t>réseau</a:t>
+            </a:r>
+          </a:p>
+          <a:p>
+            <a:pPr marL="342900" indent="-342900" algn="just">
+              <a:lnSpc>
+                <a:spcPct val="150000"/>
+              </a:lnSpc>
+              <a:buFont typeface="Arial" panose="020B0604020202020204" pitchFamily="34" charset="0"/>
+              <a:buChar char="•"/>
+            </a:pPr>
+            <a:r>
+              <a:rPr lang="fr-FR" dirty="0" smtClean="0"/>
+              <a:t>Permet </a:t>
+            </a:r>
+            <a:r>
+              <a:rPr lang="fr-FR" dirty="0" smtClean="0"/>
+              <a:t>de s’adapter à la bande passante de chaque utilisateur</a:t>
+            </a:r>
+          </a:p>
+        </p:txBody>
+      </p:sp>
+      <p:sp>
+        <p:nvSpPr>
+          <p:cNvPr id="9" name="ZoneTexte 8"/>
+          <p:cNvSpPr txBox="1"/>
+          <p:nvPr/>
+        </p:nvSpPr>
+        <p:spPr>
+          <a:xfrm>
+            <a:off x="1900766" y="4707419"/>
+            <a:ext cx="8390468" cy="1384995"/>
+          </a:xfrm>
+          <a:prstGeom prst="rect">
+            <a:avLst/>
+          </a:prstGeom>
+          <a:solidFill>
+            <a:srgbClr val="FDB9B9"/>
+          </a:solidFill>
+          <a:ln>
+            <a:solidFill>
+              <a:srgbClr val="FF0000"/>
+            </a:solidFill>
+          </a:ln>
+        </p:spPr>
+        <p:txBody>
+          <a:bodyPr wrap="square" rtlCol="0">
+            <a:spAutoFit/>
+          </a:bodyPr>
+          <a:lstStyle/>
+          <a:p>
+            <a:pPr algn="just">
+              <a:lnSpc>
+                <a:spcPct val="150000"/>
+              </a:lnSpc>
+            </a:pPr>
+            <a:r>
+              <a:rPr lang="fr-FR" sz="2000" b="1" dirty="0" smtClean="0"/>
+              <a:t>Les inconvénients du streaming dynamique:</a:t>
+            </a:r>
+          </a:p>
+          <a:p>
+            <a:pPr marL="342900" indent="-342900" algn="just">
+              <a:lnSpc>
+                <a:spcPct val="150000"/>
+              </a:lnSpc>
+              <a:buFont typeface="Arial" panose="020B0604020202020204" pitchFamily="34" charset="0"/>
+              <a:buChar char="•"/>
+            </a:pPr>
+            <a:r>
+              <a:rPr lang="fr-FR" dirty="0" smtClean="0"/>
+              <a:t>Requiert un lecteur plus complexe</a:t>
+            </a:r>
+          </a:p>
+          <a:p>
+            <a:pPr marL="342900" indent="-342900" algn="just">
+              <a:lnSpc>
+                <a:spcPct val="150000"/>
+              </a:lnSpc>
+              <a:buFont typeface="Arial" panose="020B0604020202020204" pitchFamily="34" charset="0"/>
+              <a:buChar char="•"/>
+            </a:pPr>
+            <a:r>
+              <a:rPr lang="fr-FR" dirty="0" smtClean="0"/>
+              <a:t>Demande un traitement lourd du média source en amont (encodage, découpage, …) </a:t>
+            </a:r>
+            <a:endParaRPr lang="fr-FR" dirty="0"/>
+          </a:p>
+        </p:txBody>
+      </p:sp>
+      <p:sp>
+        <p:nvSpPr>
+          <p:cNvPr id="4" name="ZoneTexte 3"/>
+          <p:cNvSpPr txBox="1"/>
+          <p:nvPr/>
+        </p:nvSpPr>
+        <p:spPr>
+          <a:xfrm>
+            <a:off x="8343900" y="872111"/>
+            <a:ext cx="3276600" cy="1200329"/>
+          </a:xfrm>
+          <a:prstGeom prst="rect">
+            <a:avLst/>
+          </a:prstGeom>
+          <a:noFill/>
+        </p:spPr>
+        <p:txBody>
+          <a:bodyPr wrap="square" rtlCol="0">
+            <a:spAutoFit/>
+          </a:bodyPr>
+          <a:lstStyle/>
+          <a:p>
+            <a:r>
+              <a:rPr lang="fr-FR" dirty="0" smtClean="0">
+                <a:solidFill>
+                  <a:srgbClr val="FF0000"/>
+                </a:solidFill>
+              </a:rPr>
+              <a:t>Ajouter à l’oral que nous avons fait une documentation pas a pas pour mettre en place notre système de streaming adaptatif</a:t>
+            </a:r>
+            <a:endParaRPr lang="fr-FR" dirty="0">
+              <a:solidFill>
+                <a:srgbClr val="FF0000"/>
+              </a:solidFill>
+            </a:endParaRPr>
+          </a:p>
+        </p:txBody>
+      </p:sp>
+    </p:spTree>
+    <p:extLst>
+      <p:ext uri="{BB962C8B-B14F-4D97-AF65-F5344CB8AC3E}">
+        <p14:creationId xmlns:p14="http://schemas.microsoft.com/office/powerpoint/2010/main" val="3231713206"/>
+      </p:ext>
+    </p:extLst>
+  </p:cSld>
+  <p:clrMapOvr>
+    <a:masterClrMapping/>
+  </p:clrMapOvr>
+  <p:timing>
+    <p:tnLst>
+      <p:par>
+        <p:cTn id="1" dur="indefinite" restart="never" nodeType="tmRoot"/>
+      </p:par>
+    </p:tnLst>
+  </p:timing>
+</p:sld>
+</file>
+
+<file path=ppt/slides/slide24.xml><?xml version="1.0" encoding="utf-8"?>
+<p:sld xmlns:a="http://schemas.openxmlformats.org/drawingml/2006/main" xmlns:r="http://schemas.openxmlformats.org/officeDocument/2006/relationships" xmlns:p="http://schemas.openxmlformats.org/presentationml/2006/main">
+  <p:cSld>
+    <p:spTree>
+      <p:nvGrpSpPr>
+        <p:cNvPr id="1" name=""/>
+        <p:cNvGrpSpPr/>
+        <p:nvPr/>
+      </p:nvGrpSpPr>
+      <p:grpSpPr>
+        <a:xfrm>
+          <a:off x="0" y="0"/>
+          <a:ext cx="0" cy="0"/>
+          <a:chOff x="0" y="0"/>
+          <a:chExt cx="0" cy="0"/>
+        </a:xfrm>
+      </p:grpSpPr>
+      <p:sp>
+        <p:nvSpPr>
+          <p:cNvPr id="2" name="Espace réservé du numéro de diapositive 1"/>
+          <p:cNvSpPr>
+            <a:spLocks noGrp="1"/>
+          </p:cNvSpPr>
+          <p:nvPr>
+            <p:ph type="sldNum" sz="quarter" idx="12"/>
+          </p:nvPr>
+        </p:nvSpPr>
+        <p:spPr/>
+        <p:txBody>
+          <a:bodyPr/>
+          <a:lstStyle/>
+          <a:p>
+            <a:fld id="{E4F67F9A-838C-4734-8EB0-754A37D9A5A7}" type="slidenum">
+              <a:rPr lang="fr-FR" smtClean="0"/>
+              <a:t>24</a:t>
             </a:fld>
             <a:endParaRPr lang="fr-FR"/>
           </a:p>
@@ -7563,8 +8036,8 @@
         </p:nvSpPr>
         <p:spPr>
           <a:xfrm>
-            <a:off x="3471333" y="3244334"/>
-            <a:ext cx="5249333" cy="646331"/>
+            <a:off x="1341966" y="1997839"/>
+            <a:ext cx="9808634" cy="3323987"/>
           </a:xfrm>
           <a:prstGeom prst="rect">
             <a:avLst/>
@@ -7577,12 +8050,78 @@
           </a:bodyPr>
           <a:lstStyle/>
           <a:p>
-            <a:pPr algn="ctr"/>
-            <a:r>
-              <a:rPr lang="fr-FR" dirty="0" smtClean="0"/>
-              <a:t>Lister les points importants du cahier des charges, pourquoi on fait ce projet quel est le but a atteindre</a:t>
-            </a:r>
-            <a:endParaRPr lang="fr-FR" dirty="0"/>
+            <a:pPr marL="285750" indent="-285750">
+              <a:lnSpc>
+                <a:spcPct val="150000"/>
+              </a:lnSpc>
+              <a:buFont typeface="Arial" panose="020B0604020202020204" pitchFamily="34" charset="0"/>
+              <a:buChar char="•"/>
+            </a:pPr>
+            <a:r>
+              <a:rPr lang="fr-FR" sz="2000" dirty="0" smtClean="0"/>
+              <a:t>Etudier l’encodage différencié des régions d’intérêt</a:t>
+            </a:r>
+          </a:p>
+          <a:p>
+            <a:pPr marL="285750" indent="-285750">
+              <a:lnSpc>
+                <a:spcPct val="150000"/>
+              </a:lnSpc>
+              <a:buFont typeface="Arial" panose="020B0604020202020204" pitchFamily="34" charset="0"/>
+              <a:buChar char="•"/>
+            </a:pPr>
+            <a:r>
+              <a:rPr lang="fr-FR" sz="2000" dirty="0" smtClean="0"/>
+              <a:t>Etudier la transmission vidéo via HTTP</a:t>
+            </a:r>
+          </a:p>
+          <a:p>
+            <a:pPr marL="285750" indent="-285750">
+              <a:lnSpc>
+                <a:spcPct val="150000"/>
+              </a:lnSpc>
+              <a:buFont typeface="Arial" panose="020B0604020202020204" pitchFamily="34" charset="0"/>
+              <a:buChar char="•"/>
+            </a:pPr>
+            <a:r>
+              <a:rPr lang="fr-FR" sz="2000" dirty="0" smtClean="0"/>
+              <a:t>Mettre en place un système de codage/décodage adaptatif spatial </a:t>
+            </a:r>
+          </a:p>
+          <a:p>
+            <a:pPr marL="285750" indent="-285750">
+              <a:lnSpc>
+                <a:spcPct val="150000"/>
+              </a:lnSpc>
+              <a:buFont typeface="Arial" panose="020B0604020202020204" pitchFamily="34" charset="0"/>
+              <a:buChar char="•"/>
+            </a:pPr>
+            <a:r>
+              <a:rPr lang="fr-FR" sz="2000" dirty="0" smtClean="0"/>
+              <a:t>Présenter une démonstration au travers d’un casque VR ou via émulation sur écran</a:t>
+            </a:r>
+          </a:p>
+          <a:p>
+            <a:pPr>
+              <a:lnSpc>
+                <a:spcPct val="150000"/>
+              </a:lnSpc>
+            </a:pPr>
+            <a:endParaRPr lang="fr-FR" sz="2000" dirty="0" smtClean="0"/>
+          </a:p>
+          <a:p>
+            <a:pPr marL="285750" indent="-285750">
+              <a:lnSpc>
+                <a:spcPct val="150000"/>
+              </a:lnSpc>
+              <a:buFont typeface="Arial" panose="020B0604020202020204" pitchFamily="34" charset="0"/>
+              <a:buChar char="•"/>
+            </a:pPr>
+            <a:r>
+              <a:rPr lang="fr-FR" sz="2000" dirty="0" smtClean="0"/>
+              <a:t>Objectif additionnel : créer une documentation technique du projet permettant de recréer nos tests</a:t>
+            </a:r>
+            <a:endParaRPr lang="fr-FR" sz="2000" dirty="0" smtClean="0"/>
           </a:p>
         </p:txBody>
       </p:sp>
@@ -7644,6 +8183,37 @@
                 <a:srgbClr val="FF0000"/>
               </a:solidFill>
             </a:endParaRPr>
+          </a:p>
+        </p:txBody>
+      </p:sp>
+      <p:sp>
+        <p:nvSpPr>
+          <p:cNvPr id="5" name="ZoneTexte 4"/>
+          <p:cNvSpPr txBox="1"/>
+          <p:nvPr/>
+        </p:nvSpPr>
+        <p:spPr>
+          <a:xfrm>
+            <a:off x="2480733" y="426306"/>
+            <a:ext cx="7230533" cy="523220"/>
+          </a:xfrm>
+          <a:prstGeom prst="rect">
+            <a:avLst/>
+          </a:prstGeom>
+          <a:noFill/>
+        </p:spPr>
+        <p:txBody>
+          <a:bodyPr wrap="square" rtlCol="0">
+            <a:spAutoFit/>
+          </a:bodyPr>
+          <a:lstStyle/>
+          <a:p>
+            <a:pPr algn="ctr"/>
+            <a:r>
+              <a:rPr lang="fr-FR" sz="2800" dirty="0" smtClean="0"/>
+              <a:t>Les objectifs du projet</a:t>
+            </a:r>
+            <a:endParaRPr lang="fr-FR" sz="2800" dirty="0"/>
           </a:p>
         </p:txBody>
       </p:sp>
@@ -7753,8 +8323,8 @@
         </p:nvSpPr>
         <p:spPr>
           <a:xfrm>
-            <a:off x="1594415" y="3105834"/>
-            <a:ext cx="9003170" cy="646331"/>
+            <a:off x="2987071" y="1164893"/>
+            <a:ext cx="6217857" cy="1508105"/>
           </a:xfrm>
           <a:prstGeom prst="rect">
             <a:avLst/>
@@ -7768,21 +8338,206 @@
           <a:p>
             <a:pPr algn="ctr"/>
             <a:r>
-              <a:rPr lang="fr-FR" dirty="0"/>
-              <a:t>Présentation de la théorie du découpage en </a:t>
-            </a:r>
+              <a:rPr lang="fr-FR" sz="2000" b="1" dirty="0" smtClean="0"/>
+              <a:t>Plusieurs paramètre entrent en compte dans la découpe:</a:t>
+            </a:r>
+          </a:p>
+          <a:p>
+            <a:pPr algn="ctr"/>
+            <a:endParaRPr lang="fr-FR" dirty="0" smtClean="0"/>
+          </a:p>
+          <a:p>
+            <a:pPr marL="285750" indent="-285750">
+              <a:buFont typeface="Arial" panose="020B0604020202020204" pitchFamily="34" charset="0"/>
+              <a:buChar char="•"/>
+            </a:pPr>
             <a:r>
               <a:rPr lang="fr-FR" dirty="0" smtClean="0"/>
-              <a:t>tuiles</a:t>
-            </a:r>
-          </a:p>
+              <a:t>Le nombre de tuiles en largeur</a:t>
+            </a:r>
+          </a:p>
+          <a:p>
+            <a:pPr marL="285750" indent="-285750">
+              <a:buFont typeface="Arial" panose="020B0604020202020204" pitchFamily="34" charset="0"/>
+              <a:buChar char="•"/>
+            </a:pPr>
+            <a:r>
+              <a:rPr lang="fr-FR" dirty="0" smtClean="0"/>
+              <a:t>Le nombre de tuile en hauteur</a:t>
+            </a:r>
+          </a:p>
+          <a:p>
+            <a:pPr marL="285750" indent="-285750">
+              <a:buFont typeface="Arial" panose="020B0604020202020204" pitchFamily="34" charset="0"/>
+              <a:buChar char="•"/>
+            </a:pPr>
+            <a:r>
+              <a:rPr lang="fr-FR" dirty="0" smtClean="0"/>
+              <a:t>La répartition des tuiles, matrice carrée ou autre</a:t>
+            </a:r>
+            <a:endParaRPr lang="fr-FR" dirty="0"/>
+          </a:p>
+        </p:txBody>
+      </p:sp>
+      <p:sp>
+        <p:nvSpPr>
+          <p:cNvPr id="7" name="Rectangle 6"/>
+          <p:cNvSpPr/>
+          <p:nvPr/>
+        </p:nvSpPr>
+        <p:spPr>
+          <a:xfrm>
+            <a:off x="1329266" y="5602859"/>
+            <a:ext cx="3748543" cy="923330"/>
+          </a:xfrm>
+          <a:prstGeom prst="rect">
+            <a:avLst/>
+          </a:prstGeom>
+        </p:spPr>
+        <p:txBody>
+          <a:bodyPr wrap="square">
+            <a:spAutoFit/>
+          </a:bodyPr>
+          <a:lstStyle/>
+          <a:p>
+            <a:r>
+              <a:rPr lang="fr-FR" dirty="0" smtClean="0"/>
+              <a:t>Chaqu</a:t>
+            </a:r>
+            <a:r>
+              <a:rPr lang="fr-FR" dirty="0" smtClean="0"/>
+              <a:t>e tuile est encodée en plusieurs bitrates différents puis assemblée en une piste qui sera segmentée</a:t>
+            </a:r>
+            <a:endParaRPr lang="fr-FR" dirty="0"/>
+          </a:p>
+        </p:txBody>
+      </p:sp>
+      <p:pic>
+        <p:nvPicPr>
+          <p:cNvPr id="4" name="Image 3"/>
+          <p:cNvPicPr>
+            <a:picLocks noChangeAspect="1"/>
+          </p:cNvPicPr>
+          <p:nvPr/>
+        </p:nvPicPr>
+        <p:blipFill rotWithShape="1">
+          <a:blip r:embed="rId2">
+            <a:extLst>
+              <a:ext uri="{28A0092B-C50C-407E-A947-70E740481C1C}">
+                <a14:useLocalDpi xmlns:a14="http://schemas.microsoft.com/office/drawing/2010/main" val="0"/>
+              </a:ext>
+            </a:extLst>
+          </a:blip>
+          <a:srcRect l="2840" t="6808" r="3242" b="4579"/>
+          <a:stretch/>
+        </p:blipFill>
+        <p:spPr>
+          <a:xfrm>
+            <a:off x="1329267" y="2787151"/>
+            <a:ext cx="3748543" cy="2715292"/>
+          </a:xfrm>
+          <a:prstGeom prst="rect">
+            <a:avLst/>
+          </a:prstGeom>
+          <a:ln>
+            <a:solidFill>
+              <a:schemeClr val="tx1"/>
+            </a:solidFill>
+          </a:ln>
+        </p:spPr>
+      </p:pic>
+      <p:pic>
+        <p:nvPicPr>
+          <p:cNvPr id="8" name="Image 7"/>
+          <p:cNvPicPr>
+            <a:picLocks noChangeAspect="1"/>
+          </p:cNvPicPr>
+          <p:nvPr/>
+        </p:nvPicPr>
+        <p:blipFill>
+          <a:blip r:embed="rId3">
+            <a:extLst>
+              <a:ext uri="{28A0092B-C50C-407E-A947-70E740481C1C}">
+                <a14:useLocalDpi xmlns:a14="http://schemas.microsoft.com/office/drawing/2010/main" val="0"/>
+              </a:ext>
+            </a:extLst>
+          </a:blip>
+          <a:stretch>
+            <a:fillRect/>
+          </a:stretch>
+        </p:blipFill>
+        <p:spPr>
+          <a:xfrm>
+            <a:off x="6096000" y="3159352"/>
+            <a:ext cx="5257801" cy="1956592"/>
+          </a:xfrm>
+          <a:prstGeom prst="rect">
+            <a:avLst/>
+          </a:prstGeom>
+          <a:ln>
+            <a:solidFill>
+              <a:schemeClr val="tx1"/>
+            </a:solidFill>
+          </a:ln>
+        </p:spPr>
+      </p:pic>
+      <p:sp>
+        <p:nvSpPr>
+          <p:cNvPr id="9" name="Rectangle 8"/>
+          <p:cNvSpPr/>
+          <p:nvPr/>
+        </p:nvSpPr>
+        <p:spPr>
+          <a:xfrm>
+            <a:off x="6095999" y="5412981"/>
+            <a:ext cx="5579279" cy="646331"/>
+          </a:xfrm>
+          <a:prstGeom prst="rect">
+            <a:avLst/>
+          </a:prstGeom>
+        </p:spPr>
+        <p:txBody>
+          <a:bodyPr wrap="square">
+            <a:spAutoFit/>
+          </a:bodyPr>
+          <a:lstStyle/>
+          <a:p>
+            <a:r>
+              <a:rPr lang="fr-FR" dirty="0" smtClean="0"/>
+              <a:t>À la réception c’est au lecteur de réassembler les tuiles pour le bon type de projection</a:t>
+            </a:r>
+            <a:endParaRPr lang="fr-FR" dirty="0"/>
+          </a:p>
+        </p:txBody>
+      </p:sp>
+      <p:sp>
+        <p:nvSpPr>
+          <p:cNvPr id="10" name="ZoneTexte 9"/>
+          <p:cNvSpPr txBox="1"/>
+          <p:nvPr/>
+        </p:nvSpPr>
+        <p:spPr>
+          <a:xfrm>
+            <a:off x="2480733" y="426306"/>
+            <a:ext cx="7230533" cy="523220"/>
+          </a:xfrm>
+          <a:prstGeom prst="rect">
+            <a:avLst/>
+          </a:prstGeom>
+          <a:noFill/>
+        </p:spPr>
+        <p:txBody>
+          <a:bodyPr wrap="square" rtlCol="0">
+            <a:spAutoFit/>
+          </a:bodyPr>
+          <a:lstStyle/>
           <a:p>
             <a:pPr algn="ctr"/>
             <a:r>
-              <a:rPr lang="fr-FR" dirty="0" smtClean="0"/>
-              <a:t>(avec la bibliographie), les différentes découpages qui existent (avec des image pour montrer). </a:t>
-            </a:r>
-            <a:endParaRPr lang="fr-FR" dirty="0"/>
+              <a:rPr lang="fr-FR" sz="2800" dirty="0" smtClean="0"/>
+              <a:t>Le découpage en tuiles</a:t>
+            </a:r>
+            <a:endParaRPr lang="fr-FR" sz="2800" dirty="0"/>
           </a:p>
         </p:txBody>
       </p:sp>
@@ -7886,49 +8641,204 @@
       </p:sp>
       <p:sp>
         <p:nvSpPr>
-          <p:cNvPr id="4" name="Rectangle 3"/>
-          <p:cNvSpPr/>
-          <p:nvPr/>
-        </p:nvSpPr>
-        <p:spPr>
-          <a:xfrm>
-            <a:off x="2818340" y="2967335"/>
-            <a:ext cx="6555320" cy="923330"/>
-          </a:xfrm>
-          <a:prstGeom prst="rect">
-            <a:avLst/>
-          </a:prstGeom>
-        </p:spPr>
-        <p:txBody>
-          <a:bodyPr wrap="none">
+          <p:cNvPr id="5" name="ZoneTexte 4"/>
+          <p:cNvSpPr txBox="1"/>
+          <p:nvPr/>
+        </p:nvSpPr>
+        <p:spPr>
+          <a:xfrm>
+            <a:off x="2480733" y="426306"/>
+            <a:ext cx="7230533" cy="523220"/>
+          </a:xfrm>
+          <a:prstGeom prst="rect">
+            <a:avLst/>
+          </a:prstGeom>
+          <a:noFill/>
+        </p:spPr>
+        <p:txBody>
+          <a:bodyPr wrap="square" rtlCol="0">
             <a:spAutoFit/>
           </a:bodyPr>
           <a:lstStyle/>
           <a:p>
             <a:pPr algn="ctr"/>
             <a:r>
-              <a:rPr lang="fr-FR" dirty="0"/>
-              <a:t>Présentation de la théorie </a:t>
-            </a:r>
+              <a:rPr lang="fr-FR" sz="2800" dirty="0" smtClean="0"/>
+              <a:t>La ROI dynamique</a:t>
+            </a:r>
+            <a:endParaRPr lang="fr-FR" sz="2800" dirty="0"/>
+          </a:p>
+        </p:txBody>
+      </p:sp>
+      <p:pic>
+        <p:nvPicPr>
+          <p:cNvPr id="6" name="Image 5"/>
+          <p:cNvPicPr>
+            <a:picLocks noChangeAspect="1"/>
+          </p:cNvPicPr>
+          <p:nvPr/>
+        </p:nvPicPr>
+        <p:blipFill rotWithShape="1">
+          <a:blip r:embed="rId2">
+            <a:extLst>
+              <a:ext uri="{28A0092B-C50C-407E-A947-70E740481C1C}">
+                <a14:useLocalDpi xmlns:a14="http://schemas.microsoft.com/office/drawing/2010/main" val="0"/>
+              </a:ext>
+            </a:extLst>
+          </a:blip>
+          <a:srcRect r="2524"/>
+          <a:stretch/>
+        </p:blipFill>
+        <p:spPr>
+          <a:xfrm>
+            <a:off x="2440252" y="1384990"/>
+            <a:ext cx="7311496" cy="1942410"/>
+          </a:xfrm>
+          <a:prstGeom prst="rect">
+            <a:avLst/>
+          </a:prstGeom>
+        </p:spPr>
+      </p:pic>
+      <p:pic>
+        <p:nvPicPr>
+          <p:cNvPr id="7" name="Image 6"/>
+          <p:cNvPicPr>
+            <a:picLocks noChangeAspect="1"/>
+          </p:cNvPicPr>
+          <p:nvPr/>
+        </p:nvPicPr>
+        <p:blipFill>
+          <a:blip r:embed="rId3">
+            <a:extLst>
+              <a:ext uri="{28A0092B-C50C-407E-A947-70E740481C1C}">
+                <a14:useLocalDpi xmlns:a14="http://schemas.microsoft.com/office/drawing/2010/main" val="0"/>
+              </a:ext>
+            </a:extLst>
+          </a:blip>
+          <a:stretch>
+            <a:fillRect/>
+          </a:stretch>
+        </p:blipFill>
+        <p:spPr>
+          <a:xfrm>
+            <a:off x="2440252" y="3504589"/>
+            <a:ext cx="2506134" cy="2053638"/>
+          </a:xfrm>
+          <a:prstGeom prst="rect">
+            <a:avLst/>
+          </a:prstGeom>
+        </p:spPr>
+      </p:pic>
+      <p:pic>
+        <p:nvPicPr>
+          <p:cNvPr id="8" name="Image 7"/>
+          <p:cNvPicPr>
+            <a:picLocks noChangeAspect="1"/>
+          </p:cNvPicPr>
+          <p:nvPr/>
+        </p:nvPicPr>
+        <p:blipFill>
+          <a:blip r:embed="rId4">
+            <a:extLst>
+              <a:ext uri="{28A0092B-C50C-407E-A947-70E740481C1C}">
+                <a14:useLocalDpi xmlns:a14="http://schemas.microsoft.com/office/drawing/2010/main" val="0"/>
+              </a:ext>
+            </a:extLst>
+          </a:blip>
+          <a:stretch>
+            <a:fillRect/>
+          </a:stretch>
+        </p:blipFill>
+        <p:spPr>
+          <a:xfrm>
+            <a:off x="6807200" y="3896922"/>
+            <a:ext cx="1507067" cy="1432705"/>
+          </a:xfrm>
+          <a:prstGeom prst="rect">
+            <a:avLst/>
+          </a:prstGeom>
+        </p:spPr>
+      </p:pic>
+      <p:sp>
+        <p:nvSpPr>
+          <p:cNvPr id="9" name="Rectangle 8"/>
+          <p:cNvSpPr/>
+          <p:nvPr/>
+        </p:nvSpPr>
+        <p:spPr>
+          <a:xfrm>
+            <a:off x="2565399" y="5735416"/>
+            <a:ext cx="7560734" cy="369332"/>
+          </a:xfrm>
+          <a:prstGeom prst="rect">
+            <a:avLst/>
+          </a:prstGeom>
+        </p:spPr>
+        <p:txBody>
+          <a:bodyPr wrap="square">
+            <a:spAutoFit/>
+          </a:bodyPr>
+          <a:lstStyle/>
+          <a:p>
             <a:r>
               <a:rPr lang="fr-FR" dirty="0" smtClean="0"/>
-              <a:t>du streaming DASH</a:t>
-            </a:r>
-          </a:p>
-          <a:p>
-            <a:pPr algn="ctr"/>
-            <a:r>
-              <a:rPr lang="fr-FR" dirty="0" smtClean="0"/>
-              <a:t>(avec la bibliographie) comment ça marche dans les grandes lignes, </a:t>
-            </a:r>
-          </a:p>
-          <a:p>
-            <a:pPr algn="ctr"/>
-            <a:r>
-              <a:rPr lang="fr-FR" dirty="0" smtClean="0"/>
-              <a:t>quel est le principe générale qui permet de faire du streaming DASH.</a:t>
+              <a:t>La ROI suit l’endroit que voit l’utilisateur (viewport) : elle change sans arrêt</a:t>
             </a:r>
             <a:endParaRPr lang="fr-FR" dirty="0"/>
+          </a:p>
+        </p:txBody>
+      </p:sp>
+      <p:sp>
+        <p:nvSpPr>
+          <p:cNvPr id="10" name="ZoneTexte 9"/>
+          <p:cNvSpPr txBox="1"/>
+          <p:nvPr/>
+        </p:nvSpPr>
+        <p:spPr>
+          <a:xfrm>
+            <a:off x="8686799" y="3654245"/>
+            <a:ext cx="3386667" cy="1477328"/>
+          </a:xfrm>
+          <a:prstGeom prst="rect">
+            <a:avLst/>
+          </a:prstGeom>
+          <a:noFill/>
+        </p:spPr>
+        <p:txBody>
+          <a:bodyPr wrap="square" rtlCol="0">
+            <a:spAutoFit/>
+          </a:bodyPr>
+          <a:lstStyle/>
+          <a:p>
+            <a:r>
+              <a:rPr lang="fr-FR" dirty="0" smtClean="0">
+                <a:solidFill>
+                  <a:srgbClr val="FF0000"/>
+                </a:solidFill>
+              </a:rPr>
+              <a:t>Préciser à l’oral que nous avons testé une ROI qui suit le viewport, pas celle qui est statique </a:t>
+            </a:r>
+            <a:r>
+              <a:rPr lang="fr-FR" dirty="0">
+                <a:solidFill>
+                  <a:srgbClr val="FF0000"/>
+                </a:solidFill>
+              </a:rPr>
+              <a:t>(marche pas)</a:t>
+            </a:r>
+            <a:r>
+              <a:rPr lang="fr-FR" dirty="0" smtClean="0">
+                <a:solidFill>
+                  <a:srgbClr val="FF0000"/>
+                </a:solidFill>
+              </a:rPr>
+              <a:t>, ni celle qui suit le regard (pas le matériel)</a:t>
+            </a:r>
+            <a:endParaRPr lang="fr-FR" dirty="0">
+              <a:solidFill>
+                <a:srgbClr val="FF0000"/>
+              </a:solidFill>
+            </a:endParaRPr>
           </a:p>
         </p:txBody>
       </p:sp>
@@ -7969,6 +8879,36 @@
           <a:chExt cx="0" cy="0"/>
         </a:xfrm>
       </p:grpSpPr>
+      <p:pic>
+        <p:nvPicPr>
+          <p:cNvPr id="6" name="Image 5"/>
+          <p:cNvPicPr>
+            <a:picLocks noChangeAspect="1"/>
+          </p:cNvPicPr>
+          <p:nvPr/>
+        </p:nvPicPr>
+        <p:blipFill>
+          <a:blip r:embed="rId2">
+            <a:extLst>
+              <a:ext uri="{28A0092B-C50C-407E-A947-70E740481C1C}">
+                <a14:useLocalDpi xmlns:a14="http://schemas.microsoft.com/office/drawing/2010/main" val="0"/>
+              </a:ext>
+            </a:extLst>
+          </a:blip>
+          <a:stretch>
+            <a:fillRect/>
+          </a:stretch>
+        </p:blipFill>
+        <p:spPr>
+          <a:xfrm>
+            <a:off x="1009650" y="1747837"/>
+            <a:ext cx="10172700" cy="3362325"/>
+          </a:xfrm>
+          <a:prstGeom prst="rect">
+            <a:avLst/>
+          </a:prstGeom>
+        </p:spPr>
+      </p:pic>
       <p:sp>
         <p:nvSpPr>
           <p:cNvPr id="2" name="Espace réservé du numéro de diapositive 1"/>
@@ -8032,56 +8972,6 @@
       </p:sp>
       <p:sp>
         <p:nvSpPr>
-          <p:cNvPr id="4" name="Rectangle 3"/>
-          <p:cNvSpPr/>
-          <p:nvPr/>
-        </p:nvSpPr>
-        <p:spPr>
-          <a:xfrm>
-            <a:off x="1762955" y="2828835"/>
-            <a:ext cx="8666090" cy="1200329"/>
-          </a:xfrm>
-          <a:prstGeom prst="rect">
-            <a:avLst/>
-          </a:prstGeom>
-        </p:spPr>
-        <p:txBody>
-          <a:bodyPr wrap="none">
-            <a:spAutoFit/>
-          </a:bodyPr>
-          <a:lstStyle/>
-          <a:p>
-            <a:pPr algn="ctr"/>
-            <a:r>
-              <a:rPr lang="fr-FR" dirty="0" smtClean="0"/>
-              <a:t>Schéma de la chaine théorique de streaming</a:t>
-            </a:r>
-          </a:p>
-          <a:p>
-            <a:pPr algn="ctr"/>
-            <a:r>
-              <a:rPr lang="fr-FR" dirty="0" smtClean="0"/>
-              <a:t>(image de la bibliographie) ici on affiche un schéma comme dans la partie développement </a:t>
-            </a:r>
-          </a:p>
-          <a:p>
-            <a:pPr algn="ctr"/>
-            <a:r>
-              <a:rPr lang="fr-FR" dirty="0" smtClean="0"/>
-              <a:t>sans afficher les outils utilisés, il faut rester ‘vague’ volontairement pour ne </a:t>
-            </a:r>
-          </a:p>
-          <a:p>
-            <a:pPr algn="ctr"/>
-            <a:r>
-              <a:rPr lang="fr-FR" dirty="0" smtClean="0"/>
-              <a:t>pas que ça fasse une répétition avec le schéma dans la partie développement.</a:t>
-            </a:r>
-          </a:p>
-        </p:txBody>
-      </p:sp>
-      <p:sp>
-        <p:nvSpPr>
           <p:cNvPr id="5" name="ZoneTexte 4"/>
           <p:cNvSpPr txBox="1"/>
           <p:nvPr/>
@@ -8115,6 +9005,307 @@
                 <a:srgbClr val="FF0000"/>
               </a:solidFill>
             </a:endParaRPr>
+          </a:p>
+        </p:txBody>
+      </p:sp>
+      <p:sp>
+        <p:nvSpPr>
+          <p:cNvPr id="7" name="ZoneTexte 6"/>
+          <p:cNvSpPr txBox="1"/>
+          <p:nvPr/>
+        </p:nvSpPr>
+        <p:spPr>
+          <a:xfrm>
+            <a:off x="2480733" y="426306"/>
+            <a:ext cx="7230533" cy="523220"/>
+          </a:xfrm>
+          <a:prstGeom prst="rect">
+            <a:avLst/>
+          </a:prstGeom>
+          <a:noFill/>
+        </p:spPr>
+        <p:txBody>
+          <a:bodyPr wrap="square" rtlCol="0">
+            <a:spAutoFit/>
+          </a:bodyPr>
+          <a:lstStyle/>
+          <a:p>
+            <a:pPr algn="ctr"/>
+            <a:r>
+              <a:rPr lang="fr-FR" sz="2800" dirty="0" smtClean="0"/>
+              <a:t>Le streaming DASH</a:t>
+            </a:r>
+            <a:endParaRPr lang="fr-FR" sz="2800" dirty="0"/>
+          </a:p>
+        </p:txBody>
+      </p:sp>
+      <p:sp>
+        <p:nvSpPr>
+          <p:cNvPr id="8" name="Rectangle 7"/>
+          <p:cNvSpPr/>
+          <p:nvPr/>
+        </p:nvSpPr>
+        <p:spPr>
+          <a:xfrm>
+            <a:off x="5164666" y="3666860"/>
+            <a:ext cx="1286933" cy="998273"/>
+          </a:xfrm>
+          <a:prstGeom prst="rect">
+            <a:avLst/>
+          </a:prstGeom>
+          <a:solidFill>
+            <a:schemeClr val="bg1"/>
+          </a:solidFill>
+          <a:ln>
+            <a:solidFill>
+              <a:schemeClr val="bg1"/>
+            </a:solidFill>
+          </a:ln>
+        </p:spPr>
+        <p:style>
+          <a:lnRef idx="2">
+            <a:schemeClr val="accent1">
+              <a:shade val="50000"/>
+            </a:schemeClr>
+          </a:lnRef>
+          <a:fillRef idx="1">
+            <a:schemeClr val="accent1"/>
+          </a:fillRef>
+          <a:effectRef idx="0">
+            <a:schemeClr val="accent1"/>
+          </a:effectRef>
+          <a:fontRef idx="minor">
+            <a:schemeClr val="lt1"/>
+          </a:fontRef>
+        </p:style>
+        <p:txBody>
+          <a:bodyPr rtlCol="0" anchor="ctr"/>
+          <a:lstStyle/>
+          <a:p>
+            <a:pPr algn="ctr"/>
+            <a:endParaRPr lang="fr-FR"/>
+          </a:p>
+        </p:txBody>
+      </p:sp>
+      <p:sp>
+        <p:nvSpPr>
+          <p:cNvPr id="9" name="Rectangle 8"/>
+          <p:cNvSpPr/>
+          <p:nvPr/>
+        </p:nvSpPr>
+        <p:spPr>
+          <a:xfrm>
+            <a:off x="9541933" y="2337593"/>
+            <a:ext cx="1286933" cy="998273"/>
+          </a:xfrm>
+          <a:prstGeom prst="rect">
+            <a:avLst/>
+          </a:prstGeom>
+          <a:solidFill>
+            <a:schemeClr val="bg1"/>
+          </a:solidFill>
+          <a:ln>
+            <a:solidFill>
+              <a:schemeClr val="bg1"/>
+            </a:solidFill>
+          </a:ln>
+        </p:spPr>
+        <p:style>
+          <a:lnRef idx="2">
+            <a:schemeClr val="accent1">
+              <a:shade val="50000"/>
+            </a:schemeClr>
+          </a:lnRef>
+          <a:fillRef idx="1">
+            <a:schemeClr val="accent1"/>
+          </a:fillRef>
+          <a:effectRef idx="0">
+            <a:schemeClr val="accent1"/>
+          </a:effectRef>
+          <a:fontRef idx="minor">
+            <a:schemeClr val="lt1"/>
+          </a:fontRef>
+        </p:style>
+        <p:txBody>
+          <a:bodyPr rtlCol="0" anchor="ctr"/>
+          <a:lstStyle/>
+          <a:p>
+            <a:pPr algn="ctr"/>
+            <a:endParaRPr lang="fr-FR"/>
+          </a:p>
+        </p:txBody>
+      </p:sp>
+      <p:sp>
+        <p:nvSpPr>
+          <p:cNvPr id="10" name="Rectangle 9"/>
+          <p:cNvSpPr/>
+          <p:nvPr/>
+        </p:nvSpPr>
+        <p:spPr>
+          <a:xfrm>
+            <a:off x="1667933" y="2099733"/>
+            <a:ext cx="1405467" cy="237860"/>
+          </a:xfrm>
+          <a:prstGeom prst="rect">
+            <a:avLst/>
+          </a:prstGeom>
+          <a:solidFill>
+            <a:schemeClr val="bg1"/>
+          </a:solidFill>
+          <a:ln>
+            <a:solidFill>
+              <a:schemeClr val="bg1"/>
+            </a:solidFill>
+          </a:ln>
+        </p:spPr>
+        <p:style>
+          <a:lnRef idx="2">
+            <a:schemeClr val="accent1">
+              <a:shade val="50000"/>
+            </a:schemeClr>
+          </a:lnRef>
+          <a:fillRef idx="1">
+            <a:schemeClr val="accent1"/>
+          </a:fillRef>
+          <a:effectRef idx="0">
+            <a:schemeClr val="accent1"/>
+          </a:effectRef>
+          <a:fontRef idx="minor">
+            <a:schemeClr val="lt1"/>
+          </a:fontRef>
+        </p:style>
+        <p:txBody>
+          <a:bodyPr rtlCol="0" anchor="ctr"/>
+          <a:lstStyle/>
+          <a:p>
+            <a:pPr algn="ctr"/>
+            <a:endParaRPr lang="fr-FR"/>
+          </a:p>
+        </p:txBody>
+      </p:sp>
+      <p:sp>
+        <p:nvSpPr>
+          <p:cNvPr id="12" name="Rectangle 11"/>
+          <p:cNvSpPr/>
+          <p:nvPr/>
+        </p:nvSpPr>
+        <p:spPr>
+          <a:xfrm>
+            <a:off x="9465734" y="3355313"/>
+            <a:ext cx="1363132" cy="623093"/>
+          </a:xfrm>
+          <a:prstGeom prst="rect">
+            <a:avLst/>
+          </a:prstGeom>
+          <a:solidFill>
+            <a:schemeClr val="bg1"/>
+          </a:solidFill>
+          <a:ln>
+            <a:solidFill>
+              <a:schemeClr val="bg1"/>
+            </a:solidFill>
+          </a:ln>
+        </p:spPr>
+        <p:style>
+          <a:lnRef idx="2">
+            <a:schemeClr val="accent1">
+              <a:shade val="50000"/>
+            </a:schemeClr>
+          </a:lnRef>
+          <a:fillRef idx="1">
+            <a:schemeClr val="accent1"/>
+          </a:fillRef>
+          <a:effectRef idx="0">
+            <a:schemeClr val="accent1"/>
+          </a:effectRef>
+          <a:fontRef idx="minor">
+            <a:schemeClr val="lt1"/>
+          </a:fontRef>
+        </p:style>
+        <p:txBody>
+          <a:bodyPr rtlCol="0" anchor="ctr"/>
+          <a:lstStyle/>
+          <a:p>
+            <a:pPr algn="ctr"/>
+            <a:endParaRPr lang="fr-FR"/>
+          </a:p>
+        </p:txBody>
+      </p:sp>
+      <p:sp>
+        <p:nvSpPr>
+          <p:cNvPr id="13" name="Rectangle 12"/>
+          <p:cNvSpPr/>
+          <p:nvPr/>
+        </p:nvSpPr>
+        <p:spPr>
+          <a:xfrm>
+            <a:off x="8957734" y="4091913"/>
+            <a:ext cx="1253066" cy="490141"/>
+          </a:xfrm>
+          <a:prstGeom prst="rect">
+            <a:avLst/>
+          </a:prstGeom>
+          <a:solidFill>
+            <a:schemeClr val="bg1"/>
+          </a:solidFill>
+          <a:ln>
+            <a:solidFill>
+              <a:schemeClr val="bg1"/>
+            </a:solidFill>
+          </a:ln>
+        </p:spPr>
+        <p:style>
+          <a:lnRef idx="2">
+            <a:schemeClr val="accent1">
+              <a:shade val="50000"/>
+            </a:schemeClr>
+          </a:lnRef>
+          <a:fillRef idx="1">
+            <a:schemeClr val="accent1"/>
+          </a:fillRef>
+          <a:effectRef idx="0">
+            <a:schemeClr val="accent1"/>
+          </a:effectRef>
+          <a:fontRef idx="minor">
+            <a:schemeClr val="lt1"/>
+          </a:fontRef>
+        </p:style>
+        <p:txBody>
+          <a:bodyPr rtlCol="0" anchor="ctr"/>
+          <a:lstStyle/>
+          <a:p>
+            <a:pPr algn="ctr"/>
+            <a:endParaRPr lang="fr-FR"/>
+          </a:p>
+        </p:txBody>
+      </p:sp>
+      <p:sp>
+        <p:nvSpPr>
+          <p:cNvPr id="14" name="ZoneTexte 13"/>
+          <p:cNvSpPr txBox="1"/>
+          <p:nvPr/>
+        </p:nvSpPr>
+        <p:spPr>
+          <a:xfrm>
+            <a:off x="9499600" y="3368455"/>
+            <a:ext cx="2015067" cy="646331"/>
+          </a:xfrm>
+          <a:prstGeom prst="rect">
+            <a:avLst/>
+          </a:prstGeom>
+          <a:noFill/>
+        </p:spPr>
+        <p:txBody>
+          <a:bodyPr wrap="square" rtlCol="0">
+            <a:spAutoFit/>
+          </a:bodyPr>
+          <a:lstStyle/>
+          <a:p>
+            <a:r>
+              <a:rPr lang="fr-FR" dirty="0" smtClean="0"/>
+              <a:t>Sélection du bitrate par le lecteur</a:t>
+            </a:r>
+            <a:endParaRPr lang="fr-FR" dirty="0"/>
           </a:p>
         </p:txBody>
       </p:sp>
